--- a/study/발표자료/20250220_밑딥2_이승건_chap234발표자료.pptx
+++ b/study/발표자료/20250220_밑딥2_이승건_chap234발표자료.pptx
@@ -36,32 +36,25 @@
       <p:bold r:id="rId22"/>
     </p:embeddedFont>
     <p:embeddedFont>
-      <p:font typeface="DM Sans" panose="020B0600000101010101" charset="0"/>
+      <p:font typeface="DM Sans" pitchFamily="2" charset="0"/>
       <p:regular r:id="rId23"/>
       <p:bold r:id="rId24"/>
       <p:italic r:id="rId25"/>
       <p:boldItalic r:id="rId26"/>
     </p:embeddedFont>
     <p:embeddedFont>
-      <p:font typeface="Playfair Display" panose="00000500000000000000" pitchFamily="2" charset="0"/>
+      <p:font typeface="Playfair Display Medium" panose="020B0600000101010101" charset="0"/>
       <p:regular r:id="rId27"/>
       <p:bold r:id="rId28"/>
       <p:italic r:id="rId29"/>
       <p:boldItalic r:id="rId30"/>
     </p:embeddedFont>
     <p:embeddedFont>
-      <p:font typeface="Playfair Display Medium" panose="020B0600000101010101" charset="0"/>
+      <p:font typeface="Raleway" pitchFamily="2" charset="0"/>
       <p:regular r:id="rId31"/>
       <p:bold r:id="rId32"/>
       <p:italic r:id="rId33"/>
       <p:boldItalic r:id="rId34"/>
-    </p:embeddedFont>
-    <p:embeddedFont>
-      <p:font typeface="Raleway" pitchFamily="2" charset="0"/>
-      <p:regular r:id="rId35"/>
-      <p:bold r:id="rId36"/>
-      <p:italic r:id="rId37"/>
-      <p:boldItalic r:id="rId38"/>
     </p:embeddedFont>
   </p:embeddedFontLst>
   <p:defaultTextStyle>
@@ -293,6 +286,11 @@
       </a:defRPr>
     </a:lvl9pPr>
   </p:defaultTextStyle>
+  <p:extLst>
+    <p:ext uri="{EFAFB233-063F-42B5-8137-9DF3F51BA10A}">
+      <p15:sldGuideLst xmlns:p15="http://schemas.microsoft.com/office/powerpoint/2012/main"/>
+    </p:ext>
+  </p:extLst>
 </p:presentation>
 </file>
 
@@ -8222,42 +8220,36 @@
           </a:p>
         </p:txBody>
       </p:sp>
-      <p:sp>
-        <p:nvSpPr>
-          <p:cNvPr id="9" name="TextBox 8">
+      <p:pic>
+        <p:nvPicPr>
+          <p:cNvPr id="5" name="그림 4">
             <a:extLst>
               <a:ext uri="{FF2B5EF4-FFF2-40B4-BE49-F238E27FC236}">
-                <a16:creationId xmlns:a16="http://schemas.microsoft.com/office/drawing/2014/main" id="{B4D16520-8214-4160-894B-8C88BFFA6A7B}"/>
+                <a16:creationId xmlns:a16="http://schemas.microsoft.com/office/drawing/2014/main" id="{7CF962E3-5F98-1135-D7BD-C74DABAF9926}"/>
               </a:ext>
             </a:extLst>
           </p:cNvPr>
-          <p:cNvSpPr txBox="1"/>
+          <p:cNvPicPr>
+            <a:picLocks noChangeAspect="1"/>
+          </p:cNvPicPr>
           <p:nvPr/>
-        </p:nvSpPr>
-        <p:spPr>
-          <a:xfrm>
-            <a:off x="0" y="4835723"/>
-            <a:ext cx="832279" cy="307777"/>
-          </a:xfrm>
-          <a:prstGeom prst="rect">
-            <a:avLst/>
-          </a:prstGeom>
-          <a:noFill/>
-        </p:spPr>
-        <p:txBody>
-          <a:bodyPr wrap="none" rtlCol="0">
-            <a:spAutoFit/>
-          </a:bodyPr>
-          <a:lstStyle/>
-          <a:p>
-            <a:r>
-              <a:rPr lang="en-US" altLang="ko-KR" dirty="0"/>
-              <a:t>DE Lab.</a:t>
-            </a:r>
-            <a:endParaRPr lang="ko-KR" altLang="en-US" dirty="0"/>
-          </a:p>
-        </p:txBody>
-      </p:sp>
+        </p:nvPicPr>
+        <p:blipFill>
+          <a:blip r:embed="rId3"/>
+          <a:stretch>
+            <a:fillRect/>
+          </a:stretch>
+        </p:blipFill>
+        <p:spPr>
+          <a:xfrm>
+            <a:off x="36127" y="4862261"/>
+            <a:ext cx="1960963" cy="228019"/>
+          </a:xfrm>
+          <a:prstGeom prst="rect">
+            <a:avLst/>
+          </a:prstGeom>
+        </p:spPr>
+      </p:pic>
     </p:spTree>
   </p:cSld>
   <p:clrMapOvr>
@@ -8285,42 +8277,6 @@
       </p:grpSpPr>
       <p:sp>
         <p:nvSpPr>
-          <p:cNvPr id="11" name="TextBox 10">
-            <a:extLst>
-              <a:ext uri="{FF2B5EF4-FFF2-40B4-BE49-F238E27FC236}">
-                <a16:creationId xmlns:a16="http://schemas.microsoft.com/office/drawing/2014/main" id="{904301EA-A429-42C9-A33E-8B6B533F9028}"/>
-              </a:ext>
-            </a:extLst>
-          </p:cNvPr>
-          <p:cNvSpPr txBox="1"/>
-          <p:nvPr/>
-        </p:nvSpPr>
-        <p:spPr>
-          <a:xfrm>
-            <a:off x="0" y="4835723"/>
-            <a:ext cx="832279" cy="307777"/>
-          </a:xfrm>
-          <a:prstGeom prst="rect">
-            <a:avLst/>
-          </a:prstGeom>
-          <a:noFill/>
-        </p:spPr>
-        <p:txBody>
-          <a:bodyPr wrap="none" rtlCol="0">
-            <a:spAutoFit/>
-          </a:bodyPr>
-          <a:lstStyle/>
-          <a:p>
-            <a:r>
-              <a:rPr lang="en-US" altLang="ko-KR" dirty="0"/>
-              <a:t>DE Lab.</a:t>
-            </a:r>
-            <a:endParaRPr lang="ko-KR" altLang="en-US" dirty="0"/>
-          </a:p>
-        </p:txBody>
-      </p:sp>
-      <p:sp>
-        <p:nvSpPr>
           <p:cNvPr id="13" name="TextBox 12">
             <a:extLst>
               <a:ext uri="{FF2B5EF4-FFF2-40B4-BE49-F238E27FC236}">
@@ -8558,6 +8514,36 @@
           <a:xfrm>
             <a:off x="698208" y="1701401"/>
             <a:ext cx="2811112" cy="360972"/>
+          </a:xfrm>
+          <a:prstGeom prst="rect">
+            <a:avLst/>
+          </a:prstGeom>
+        </p:spPr>
+      </p:pic>
+      <p:pic>
+        <p:nvPicPr>
+          <p:cNvPr id="2" name="그림 1">
+            <a:extLst>
+              <a:ext uri="{FF2B5EF4-FFF2-40B4-BE49-F238E27FC236}">
+                <a16:creationId xmlns:a16="http://schemas.microsoft.com/office/drawing/2014/main" id="{129D3489-006C-1DE8-6A92-78766B010909}"/>
+              </a:ext>
+            </a:extLst>
+          </p:cNvPr>
+          <p:cNvPicPr>
+            <a:picLocks noChangeAspect="1"/>
+          </p:cNvPicPr>
+          <p:nvPr/>
+        </p:nvPicPr>
+        <p:blipFill>
+          <a:blip r:embed="rId4"/>
+          <a:stretch>
+            <a:fillRect/>
+          </a:stretch>
+        </p:blipFill>
+        <p:spPr>
+          <a:xfrm>
+            <a:off x="36127" y="4862261"/>
+            <a:ext cx="1960963" cy="228019"/>
           </a:xfrm>
           <a:prstGeom prst="rect">
             <a:avLst/>
@@ -10490,42 +10476,6 @@
       </p:sp>
       <p:sp>
         <p:nvSpPr>
-          <p:cNvPr id="15" name="TextBox 14">
-            <a:extLst>
-              <a:ext uri="{FF2B5EF4-FFF2-40B4-BE49-F238E27FC236}">
-                <a16:creationId xmlns:a16="http://schemas.microsoft.com/office/drawing/2014/main" id="{65FE3EDC-93A8-43A9-95C3-9C3036A58ACB}"/>
-              </a:ext>
-            </a:extLst>
-          </p:cNvPr>
-          <p:cNvSpPr txBox="1"/>
-          <p:nvPr/>
-        </p:nvSpPr>
-        <p:spPr>
-          <a:xfrm>
-            <a:off x="0" y="4835723"/>
-            <a:ext cx="832279" cy="307777"/>
-          </a:xfrm>
-          <a:prstGeom prst="rect">
-            <a:avLst/>
-          </a:prstGeom>
-          <a:noFill/>
-        </p:spPr>
-        <p:txBody>
-          <a:bodyPr wrap="none" rtlCol="0">
-            <a:spAutoFit/>
-          </a:bodyPr>
-          <a:lstStyle/>
-          <a:p>
-            <a:r>
-              <a:rPr lang="en-US" altLang="ko-KR" dirty="0"/>
-              <a:t>DE Lab.</a:t>
-            </a:r>
-            <a:endParaRPr lang="ko-KR" altLang="en-US" dirty="0"/>
-          </a:p>
-        </p:txBody>
-      </p:sp>
-      <p:sp>
-        <p:nvSpPr>
           <p:cNvPr id="27" name="TextBox 26">
             <a:extLst>
               <a:ext uri="{FF2B5EF4-FFF2-40B4-BE49-F238E27FC236}">
@@ -10943,6 +10893,36 @@
           </a:p>
         </p:txBody>
       </p:sp>
+      <p:pic>
+        <p:nvPicPr>
+          <p:cNvPr id="2" name="그림 1">
+            <a:extLst>
+              <a:ext uri="{FF2B5EF4-FFF2-40B4-BE49-F238E27FC236}">
+                <a16:creationId xmlns:a16="http://schemas.microsoft.com/office/drawing/2014/main" id="{7FF4009C-E532-8438-3A64-3CDD86F2547F}"/>
+              </a:ext>
+            </a:extLst>
+          </p:cNvPr>
+          <p:cNvPicPr>
+            <a:picLocks noChangeAspect="1"/>
+          </p:cNvPicPr>
+          <p:nvPr/>
+        </p:nvPicPr>
+        <p:blipFill>
+          <a:blip r:embed="rId3"/>
+          <a:stretch>
+            <a:fillRect/>
+          </a:stretch>
+        </p:blipFill>
+        <p:spPr>
+          <a:xfrm>
+            <a:off x="36127" y="4862261"/>
+            <a:ext cx="1960963" cy="228019"/>
+          </a:xfrm>
+          <a:prstGeom prst="rect">
+            <a:avLst/>
+          </a:prstGeom>
+        </p:spPr>
+      </p:pic>
     </p:spTree>
   </p:cSld>
   <p:clrMapOvr>
@@ -10970,42 +10950,6 @@
       </p:grpSpPr>
       <p:sp>
         <p:nvSpPr>
-          <p:cNvPr id="11" name="TextBox 10">
-            <a:extLst>
-              <a:ext uri="{FF2B5EF4-FFF2-40B4-BE49-F238E27FC236}">
-                <a16:creationId xmlns:a16="http://schemas.microsoft.com/office/drawing/2014/main" id="{904301EA-A429-42C9-A33E-8B6B533F9028}"/>
-              </a:ext>
-            </a:extLst>
-          </p:cNvPr>
-          <p:cNvSpPr txBox="1"/>
-          <p:nvPr/>
-        </p:nvSpPr>
-        <p:spPr>
-          <a:xfrm>
-            <a:off x="0" y="4835723"/>
-            <a:ext cx="832279" cy="307777"/>
-          </a:xfrm>
-          <a:prstGeom prst="rect">
-            <a:avLst/>
-          </a:prstGeom>
-          <a:noFill/>
-        </p:spPr>
-        <p:txBody>
-          <a:bodyPr wrap="none" rtlCol="0">
-            <a:spAutoFit/>
-          </a:bodyPr>
-          <a:lstStyle/>
-          <a:p>
-            <a:r>
-              <a:rPr lang="en-US" altLang="ko-KR" dirty="0"/>
-              <a:t>DE Lab.</a:t>
-            </a:r>
-            <a:endParaRPr lang="ko-KR" altLang="en-US" dirty="0"/>
-          </a:p>
-        </p:txBody>
-      </p:sp>
-      <p:sp>
-        <p:nvSpPr>
           <p:cNvPr id="13" name="TextBox 12">
             <a:extLst>
               <a:ext uri="{FF2B5EF4-FFF2-40B4-BE49-F238E27FC236}">
@@ -11395,6 +11339,36 @@
           </a:p>
         </p:txBody>
       </p:sp>
+      <p:pic>
+        <p:nvPicPr>
+          <p:cNvPr id="2" name="그림 1">
+            <a:extLst>
+              <a:ext uri="{FF2B5EF4-FFF2-40B4-BE49-F238E27FC236}">
+                <a16:creationId xmlns:a16="http://schemas.microsoft.com/office/drawing/2014/main" id="{A3E2069A-403D-C2E0-1308-4BF96C0E0F22}"/>
+              </a:ext>
+            </a:extLst>
+          </p:cNvPr>
+          <p:cNvPicPr>
+            <a:picLocks noChangeAspect="1"/>
+          </p:cNvPicPr>
+          <p:nvPr/>
+        </p:nvPicPr>
+        <p:blipFill>
+          <a:blip r:embed="rId5"/>
+          <a:stretch>
+            <a:fillRect/>
+          </a:stretch>
+        </p:blipFill>
+        <p:spPr>
+          <a:xfrm>
+            <a:off x="36127" y="4862261"/>
+            <a:ext cx="1960963" cy="228019"/>
+          </a:xfrm>
+          <a:prstGeom prst="rect">
+            <a:avLst/>
+          </a:prstGeom>
+        </p:spPr>
+      </p:pic>
     </p:spTree>
   </p:cSld>
   <p:clrMapOvr>
@@ -11422,42 +11396,6 @@
       </p:grpSpPr>
       <p:sp>
         <p:nvSpPr>
-          <p:cNvPr id="11" name="TextBox 10">
-            <a:extLst>
-              <a:ext uri="{FF2B5EF4-FFF2-40B4-BE49-F238E27FC236}">
-                <a16:creationId xmlns:a16="http://schemas.microsoft.com/office/drawing/2014/main" id="{904301EA-A429-42C9-A33E-8B6B533F9028}"/>
-              </a:ext>
-            </a:extLst>
-          </p:cNvPr>
-          <p:cNvSpPr txBox="1"/>
-          <p:nvPr/>
-        </p:nvSpPr>
-        <p:spPr>
-          <a:xfrm>
-            <a:off x="0" y="4835723"/>
-            <a:ext cx="832279" cy="307777"/>
-          </a:xfrm>
-          <a:prstGeom prst="rect">
-            <a:avLst/>
-          </a:prstGeom>
-          <a:noFill/>
-        </p:spPr>
-        <p:txBody>
-          <a:bodyPr wrap="none" rtlCol="0">
-            <a:spAutoFit/>
-          </a:bodyPr>
-          <a:lstStyle/>
-          <a:p>
-            <a:r>
-              <a:rPr lang="en-US" altLang="ko-KR" dirty="0"/>
-              <a:t>DE Lab.</a:t>
-            </a:r>
-            <a:endParaRPr lang="ko-KR" altLang="en-US" dirty="0"/>
-          </a:p>
-        </p:txBody>
-      </p:sp>
-      <p:sp>
-        <p:nvSpPr>
           <p:cNvPr id="13" name="TextBox 12">
             <a:extLst>
               <a:ext uri="{FF2B5EF4-FFF2-40B4-BE49-F238E27FC236}">
@@ -11796,6 +11734,36 @@
           </a:p>
         </p:txBody>
       </p:sp>
+      <p:pic>
+        <p:nvPicPr>
+          <p:cNvPr id="2" name="그림 1">
+            <a:extLst>
+              <a:ext uri="{FF2B5EF4-FFF2-40B4-BE49-F238E27FC236}">
+                <a16:creationId xmlns:a16="http://schemas.microsoft.com/office/drawing/2014/main" id="{235944F7-C8B7-91C5-A6B7-4A8544F5B28A}"/>
+              </a:ext>
+            </a:extLst>
+          </p:cNvPr>
+          <p:cNvPicPr>
+            <a:picLocks noChangeAspect="1"/>
+          </p:cNvPicPr>
+          <p:nvPr/>
+        </p:nvPicPr>
+        <p:blipFill>
+          <a:blip r:embed="rId4"/>
+          <a:stretch>
+            <a:fillRect/>
+          </a:stretch>
+        </p:blipFill>
+        <p:spPr>
+          <a:xfrm>
+            <a:off x="36127" y="4862261"/>
+            <a:ext cx="1960963" cy="228019"/>
+          </a:xfrm>
+          <a:prstGeom prst="rect">
+            <a:avLst/>
+          </a:prstGeom>
+        </p:spPr>
+      </p:pic>
     </p:spTree>
     <p:extLst>
       <p:ext uri="{BB962C8B-B14F-4D97-AF65-F5344CB8AC3E}">
@@ -11828,42 +11796,6 @@
       </p:grpSpPr>
       <p:sp>
         <p:nvSpPr>
-          <p:cNvPr id="11" name="TextBox 10">
-            <a:extLst>
-              <a:ext uri="{FF2B5EF4-FFF2-40B4-BE49-F238E27FC236}">
-                <a16:creationId xmlns:a16="http://schemas.microsoft.com/office/drawing/2014/main" id="{904301EA-A429-42C9-A33E-8B6B533F9028}"/>
-              </a:ext>
-            </a:extLst>
-          </p:cNvPr>
-          <p:cNvSpPr txBox="1"/>
-          <p:nvPr/>
-        </p:nvSpPr>
-        <p:spPr>
-          <a:xfrm>
-            <a:off x="0" y="4835723"/>
-            <a:ext cx="832279" cy="307777"/>
-          </a:xfrm>
-          <a:prstGeom prst="rect">
-            <a:avLst/>
-          </a:prstGeom>
-          <a:noFill/>
-        </p:spPr>
-        <p:txBody>
-          <a:bodyPr wrap="none" rtlCol="0">
-            <a:spAutoFit/>
-          </a:bodyPr>
-          <a:lstStyle/>
-          <a:p>
-            <a:r>
-              <a:rPr lang="en-US" altLang="ko-KR" dirty="0"/>
-              <a:t>DE Lab.</a:t>
-            </a:r>
-            <a:endParaRPr lang="ko-KR" altLang="en-US" dirty="0"/>
-          </a:p>
-        </p:txBody>
-      </p:sp>
-      <p:sp>
-        <p:nvSpPr>
           <p:cNvPr id="13" name="TextBox 12">
             <a:extLst>
               <a:ext uri="{FF2B5EF4-FFF2-40B4-BE49-F238E27FC236}">
@@ -12329,6 +12261,36 @@
           </a:p>
         </p:txBody>
       </p:sp>
+      <p:pic>
+        <p:nvPicPr>
+          <p:cNvPr id="2" name="그림 1">
+            <a:extLst>
+              <a:ext uri="{FF2B5EF4-FFF2-40B4-BE49-F238E27FC236}">
+                <a16:creationId xmlns:a16="http://schemas.microsoft.com/office/drawing/2014/main" id="{F838725E-66D4-351C-11EF-5E7545DAABAB}"/>
+              </a:ext>
+            </a:extLst>
+          </p:cNvPr>
+          <p:cNvPicPr>
+            <a:picLocks noChangeAspect="1"/>
+          </p:cNvPicPr>
+          <p:nvPr/>
+        </p:nvPicPr>
+        <p:blipFill>
+          <a:blip r:embed="rId5"/>
+          <a:stretch>
+            <a:fillRect/>
+          </a:stretch>
+        </p:blipFill>
+        <p:spPr>
+          <a:xfrm>
+            <a:off x="36127" y="4862261"/>
+            <a:ext cx="1960963" cy="228019"/>
+          </a:xfrm>
+          <a:prstGeom prst="rect">
+            <a:avLst/>
+          </a:prstGeom>
+        </p:spPr>
+      </p:pic>
     </p:spTree>
     <p:extLst>
       <p:ext uri="{BB962C8B-B14F-4D97-AF65-F5344CB8AC3E}">
@@ -12361,42 +12323,6 @@
       </p:grpSpPr>
       <p:sp>
         <p:nvSpPr>
-          <p:cNvPr id="11" name="TextBox 10">
-            <a:extLst>
-              <a:ext uri="{FF2B5EF4-FFF2-40B4-BE49-F238E27FC236}">
-                <a16:creationId xmlns:a16="http://schemas.microsoft.com/office/drawing/2014/main" id="{904301EA-A429-42C9-A33E-8B6B533F9028}"/>
-              </a:ext>
-            </a:extLst>
-          </p:cNvPr>
-          <p:cNvSpPr txBox="1"/>
-          <p:nvPr/>
-        </p:nvSpPr>
-        <p:spPr>
-          <a:xfrm>
-            <a:off x="0" y="4835723"/>
-            <a:ext cx="832279" cy="307777"/>
-          </a:xfrm>
-          <a:prstGeom prst="rect">
-            <a:avLst/>
-          </a:prstGeom>
-          <a:noFill/>
-        </p:spPr>
-        <p:txBody>
-          <a:bodyPr wrap="none" rtlCol="0">
-            <a:spAutoFit/>
-          </a:bodyPr>
-          <a:lstStyle/>
-          <a:p>
-            <a:r>
-              <a:rPr lang="en-US" altLang="ko-KR" dirty="0"/>
-              <a:t>DE Lab.</a:t>
-            </a:r>
-            <a:endParaRPr lang="ko-KR" altLang="en-US" dirty="0"/>
-          </a:p>
-        </p:txBody>
-      </p:sp>
-      <p:sp>
-        <p:nvSpPr>
           <p:cNvPr id="13" name="TextBox 12">
             <a:extLst>
               <a:ext uri="{FF2B5EF4-FFF2-40B4-BE49-F238E27FC236}">
@@ -12643,7 +12569,7 @@
         </p:nvSpPr>
         <p:spPr>
           <a:xfrm>
-            <a:off x="636908" y="3099284"/>
+            <a:off x="636908" y="2909810"/>
             <a:ext cx="1605065" cy="353943"/>
           </a:xfrm>
           <a:prstGeom prst="rect">
@@ -12686,7 +12612,7 @@
         </p:blipFill>
         <p:spPr>
           <a:xfrm>
-            <a:off x="832279" y="3499328"/>
+            <a:off x="818945" y="3309854"/>
             <a:ext cx="2119633" cy="1478870"/>
           </a:xfrm>
           <a:prstGeom prst="rect">
@@ -12708,7 +12634,7 @@
         </p:nvSpPr>
         <p:spPr>
           <a:xfrm>
-            <a:off x="2241973" y="3145450"/>
+            <a:off x="2241973" y="2955976"/>
             <a:ext cx="6021494" cy="261610"/>
           </a:xfrm>
           <a:prstGeom prst="rect">
@@ -12790,7 +12716,7 @@
         </p:nvSpPr>
         <p:spPr>
           <a:xfrm>
-            <a:off x="3013714" y="4496652"/>
+            <a:off x="3013713" y="4372135"/>
             <a:ext cx="1463460" cy="261610"/>
           </a:xfrm>
           <a:prstGeom prst="rect">
@@ -12805,10 +12731,9 @@
           <a:lstStyle/>
           <a:p>
             <a:r>
-              <a:rPr lang="ko-KR" altLang="en-US" sz="1100"/>
+              <a:rPr lang="ko-KR" altLang="en-US" sz="1100" dirty="0"/>
               <a:t>각 행은 벡터를 의미</a:t>
             </a:r>
-            <a:endParaRPr lang="ko-KR" altLang="en-US" sz="1100" dirty="0"/>
           </a:p>
         </p:txBody>
       </p:sp>
@@ -12847,6 +12772,36 @@
           </a:p>
         </p:txBody>
       </p:sp>
+      <p:pic>
+        <p:nvPicPr>
+          <p:cNvPr id="2" name="그림 1">
+            <a:extLst>
+              <a:ext uri="{FF2B5EF4-FFF2-40B4-BE49-F238E27FC236}">
+                <a16:creationId xmlns:a16="http://schemas.microsoft.com/office/drawing/2014/main" id="{07367575-CB74-3BCB-20C3-A623337EA148}"/>
+              </a:ext>
+            </a:extLst>
+          </p:cNvPr>
+          <p:cNvPicPr>
+            <a:picLocks noChangeAspect="1"/>
+          </p:cNvPicPr>
+          <p:nvPr/>
+        </p:nvPicPr>
+        <p:blipFill>
+          <a:blip r:embed="rId5"/>
+          <a:stretch>
+            <a:fillRect/>
+          </a:stretch>
+        </p:blipFill>
+        <p:spPr>
+          <a:xfrm>
+            <a:off x="36127" y="4862261"/>
+            <a:ext cx="1960963" cy="228019"/>
+          </a:xfrm>
+          <a:prstGeom prst="rect">
+            <a:avLst/>
+          </a:prstGeom>
+        </p:spPr>
+      </p:pic>
     </p:spTree>
     <p:extLst>
       <p:ext uri="{BB962C8B-B14F-4D97-AF65-F5344CB8AC3E}">
@@ -12879,42 +12834,6 @@
       </p:grpSpPr>
       <p:sp>
         <p:nvSpPr>
-          <p:cNvPr id="11" name="TextBox 10">
-            <a:extLst>
-              <a:ext uri="{FF2B5EF4-FFF2-40B4-BE49-F238E27FC236}">
-                <a16:creationId xmlns:a16="http://schemas.microsoft.com/office/drawing/2014/main" id="{904301EA-A429-42C9-A33E-8B6B533F9028}"/>
-              </a:ext>
-            </a:extLst>
-          </p:cNvPr>
-          <p:cNvSpPr txBox="1"/>
-          <p:nvPr/>
-        </p:nvSpPr>
-        <p:spPr>
-          <a:xfrm>
-            <a:off x="0" y="4835723"/>
-            <a:ext cx="832279" cy="307777"/>
-          </a:xfrm>
-          <a:prstGeom prst="rect">
-            <a:avLst/>
-          </a:prstGeom>
-          <a:noFill/>
-        </p:spPr>
-        <p:txBody>
-          <a:bodyPr wrap="none" rtlCol="0">
-            <a:spAutoFit/>
-          </a:bodyPr>
-          <a:lstStyle/>
-          <a:p>
-            <a:r>
-              <a:rPr lang="en-US" altLang="ko-KR" dirty="0"/>
-              <a:t>DE Lab.</a:t>
-            </a:r>
-            <a:endParaRPr lang="ko-KR" altLang="en-US" dirty="0"/>
-          </a:p>
-        </p:txBody>
-      </p:sp>
-      <p:sp>
-        <p:nvSpPr>
           <p:cNvPr id="13" name="TextBox 12">
             <a:extLst>
               <a:ext uri="{FF2B5EF4-FFF2-40B4-BE49-F238E27FC236}">
@@ -13669,6 +13588,36 @@
           </a:p>
         </p:txBody>
       </p:sp>
+      <p:pic>
+        <p:nvPicPr>
+          <p:cNvPr id="2" name="그림 1">
+            <a:extLst>
+              <a:ext uri="{FF2B5EF4-FFF2-40B4-BE49-F238E27FC236}">
+                <a16:creationId xmlns:a16="http://schemas.microsoft.com/office/drawing/2014/main" id="{8152677F-06DA-C2B8-FDD3-8B4E809FC086}"/>
+              </a:ext>
+            </a:extLst>
+          </p:cNvPr>
+          <p:cNvPicPr>
+            <a:picLocks noChangeAspect="1"/>
+          </p:cNvPicPr>
+          <p:nvPr/>
+        </p:nvPicPr>
+        <p:blipFill>
+          <a:blip r:embed="rId7"/>
+          <a:stretch>
+            <a:fillRect/>
+          </a:stretch>
+        </p:blipFill>
+        <p:spPr>
+          <a:xfrm>
+            <a:off x="36127" y="4862261"/>
+            <a:ext cx="1960963" cy="228019"/>
+          </a:xfrm>
+          <a:prstGeom prst="rect">
+            <a:avLst/>
+          </a:prstGeom>
+        </p:spPr>
+      </p:pic>
     </p:spTree>
     <p:extLst>
       <p:ext uri="{BB962C8B-B14F-4D97-AF65-F5344CB8AC3E}">
@@ -13701,46 +13650,6 @@
       </p:grpSpPr>
       <p:sp>
         <p:nvSpPr>
-          <p:cNvPr id="11" name="TextBox 10">
-            <a:extLst>
-              <a:ext uri="{FF2B5EF4-FFF2-40B4-BE49-F238E27FC236}">
-                <a16:creationId xmlns:a16="http://schemas.microsoft.com/office/drawing/2014/main" id="{904301EA-A429-42C9-A33E-8B6B533F9028}"/>
-              </a:ext>
-            </a:extLst>
-          </p:cNvPr>
-          <p:cNvSpPr txBox="1"/>
-          <p:nvPr/>
-        </p:nvSpPr>
-        <p:spPr>
-          <a:xfrm>
-            <a:off x="0" y="4835723"/>
-            <a:ext cx="832279" cy="307777"/>
-          </a:xfrm>
-          <a:prstGeom prst="rect">
-            <a:avLst/>
-          </a:prstGeom>
-          <a:noFill/>
-        </p:spPr>
-        <p:txBody>
-          <a:bodyPr wrap="none" rtlCol="0">
-            <a:spAutoFit/>
-          </a:bodyPr>
-          <a:lstStyle/>
-          <a:p>
-            <a:r>
-              <a:rPr lang="en-US" altLang="ko-KR" dirty="0">
-                <a:latin typeface="+mj-lt"/>
-              </a:rPr>
-              <a:t>DE Lab.</a:t>
-            </a:r>
-            <a:endParaRPr lang="ko-KR" altLang="en-US" dirty="0">
-              <a:latin typeface="+mj-lt"/>
-            </a:endParaRPr>
-          </a:p>
-        </p:txBody>
-      </p:sp>
-      <p:sp>
-        <p:nvSpPr>
           <p:cNvPr id="13" name="TextBox 12">
             <a:extLst>
               <a:ext uri="{FF2B5EF4-FFF2-40B4-BE49-F238E27FC236}">
@@ -14397,6 +14306,36 @@
           </a:p>
         </p:txBody>
       </p:sp>
+      <p:pic>
+        <p:nvPicPr>
+          <p:cNvPr id="2" name="그림 1">
+            <a:extLst>
+              <a:ext uri="{FF2B5EF4-FFF2-40B4-BE49-F238E27FC236}">
+                <a16:creationId xmlns:a16="http://schemas.microsoft.com/office/drawing/2014/main" id="{7DDE2922-50FF-4F8F-763B-F3EDCE43E271}"/>
+              </a:ext>
+            </a:extLst>
+          </p:cNvPr>
+          <p:cNvPicPr>
+            <a:picLocks noChangeAspect="1"/>
+          </p:cNvPicPr>
+          <p:nvPr/>
+        </p:nvPicPr>
+        <p:blipFill>
+          <a:blip r:embed="rId5"/>
+          <a:stretch>
+            <a:fillRect/>
+          </a:stretch>
+        </p:blipFill>
+        <p:spPr>
+          <a:xfrm>
+            <a:off x="36127" y="4862261"/>
+            <a:ext cx="1960963" cy="228019"/>
+          </a:xfrm>
+          <a:prstGeom prst="rect">
+            <a:avLst/>
+          </a:prstGeom>
+        </p:spPr>
+      </p:pic>
     </p:spTree>
     <p:extLst>
       <p:ext uri="{BB962C8B-B14F-4D97-AF65-F5344CB8AC3E}">
@@ -14429,42 +14368,6 @@
       </p:grpSpPr>
       <p:sp>
         <p:nvSpPr>
-          <p:cNvPr id="11" name="TextBox 10">
-            <a:extLst>
-              <a:ext uri="{FF2B5EF4-FFF2-40B4-BE49-F238E27FC236}">
-                <a16:creationId xmlns:a16="http://schemas.microsoft.com/office/drawing/2014/main" id="{904301EA-A429-42C9-A33E-8B6B533F9028}"/>
-              </a:ext>
-            </a:extLst>
-          </p:cNvPr>
-          <p:cNvSpPr txBox="1"/>
-          <p:nvPr/>
-        </p:nvSpPr>
-        <p:spPr>
-          <a:xfrm>
-            <a:off x="0" y="4835723"/>
-            <a:ext cx="832279" cy="307777"/>
-          </a:xfrm>
-          <a:prstGeom prst="rect">
-            <a:avLst/>
-          </a:prstGeom>
-          <a:noFill/>
-        </p:spPr>
-        <p:txBody>
-          <a:bodyPr wrap="none" rtlCol="0">
-            <a:spAutoFit/>
-          </a:bodyPr>
-          <a:lstStyle/>
-          <a:p>
-            <a:r>
-              <a:rPr lang="en-US" altLang="ko-KR" dirty="0"/>
-              <a:t>DE Lab.</a:t>
-            </a:r>
-            <a:endParaRPr lang="ko-KR" altLang="en-US" dirty="0"/>
-          </a:p>
-        </p:txBody>
-      </p:sp>
-      <p:sp>
-        <p:nvSpPr>
           <p:cNvPr id="13" name="TextBox 12">
             <a:extLst>
               <a:ext uri="{FF2B5EF4-FFF2-40B4-BE49-F238E27FC236}">
@@ -14718,8 +14621,8 @@
         </p:blipFill>
         <p:spPr>
           <a:xfrm>
-            <a:off x="759507" y="1944008"/>
-            <a:ext cx="5194253" cy="666989"/>
+            <a:off x="759508" y="1944009"/>
+            <a:ext cx="4496036" cy="577332"/>
           </a:xfrm>
           <a:prstGeom prst="rect">
             <a:avLst/>
@@ -15005,6 +14908,36 @@
           </a:p>
         </p:txBody>
       </p:sp>
+      <p:pic>
+        <p:nvPicPr>
+          <p:cNvPr id="2" name="그림 1">
+            <a:extLst>
+              <a:ext uri="{FF2B5EF4-FFF2-40B4-BE49-F238E27FC236}">
+                <a16:creationId xmlns:a16="http://schemas.microsoft.com/office/drawing/2014/main" id="{37022203-626E-834A-EFA9-B6ADF6B688C1}"/>
+              </a:ext>
+            </a:extLst>
+          </p:cNvPr>
+          <p:cNvPicPr>
+            <a:picLocks noChangeAspect="1"/>
+          </p:cNvPicPr>
+          <p:nvPr/>
+        </p:nvPicPr>
+        <p:blipFill>
+          <a:blip r:embed="rId6"/>
+          <a:stretch>
+            <a:fillRect/>
+          </a:stretch>
+        </p:blipFill>
+        <p:spPr>
+          <a:xfrm>
+            <a:off x="36127" y="4862261"/>
+            <a:ext cx="1960963" cy="228019"/>
+          </a:xfrm>
+          <a:prstGeom prst="rect">
+            <a:avLst/>
+          </a:prstGeom>
+        </p:spPr>
+      </p:pic>
     </p:spTree>
     <p:extLst>
       <p:ext uri="{BB962C8B-B14F-4D97-AF65-F5344CB8AC3E}">

--- a/study/발표자료/20250220_밑딥2_이승건_chap234발표자료.pptx
+++ b/study/발표자료/20250220_밑딥2_이승건_chap234발표자료.pptx
@@ -5,7 +5,7 @@
     <p:sldMasterId id="2147483675" r:id="rId1"/>
   </p:sldMasterIdLst>
   <p:notesMasterIdLst>
-    <p:notesMasterId r:id="rId20"/>
+    <p:notesMasterId r:id="rId21"/>
   </p:notesMasterIdLst>
   <p:sldIdLst>
     <p:sldId id="256" r:id="rId2"/>
@@ -26,35 +26,47 @@
     <p:sldId id="308" r:id="rId17"/>
     <p:sldId id="309" r:id="rId18"/>
     <p:sldId id="310" r:id="rId19"/>
+    <p:sldId id="311" r:id="rId20"/>
   </p:sldIdLst>
   <p:sldSz cx="9144000" cy="5143500" type="screen16x9"/>
   <p:notesSz cx="6858000" cy="9144000"/>
   <p:embeddedFontLst>
     <p:embeddedFont>
       <p:font typeface="Anaheim" panose="020B0600000101010101" charset="0"/>
-      <p:regular r:id="rId21"/>
-      <p:bold r:id="rId22"/>
+      <p:regular r:id="rId22"/>
+      <p:bold r:id="rId23"/>
     </p:embeddedFont>
     <p:embeddedFont>
-      <p:font typeface="DM Sans" pitchFamily="2" charset="0"/>
-      <p:regular r:id="rId23"/>
-      <p:bold r:id="rId24"/>
-      <p:italic r:id="rId25"/>
-      <p:boldItalic r:id="rId26"/>
+      <p:font typeface="Cambria Math" panose="02040503050406030204" pitchFamily="18" charset="0"/>
+      <p:regular r:id="rId24"/>
+    </p:embeddedFont>
+    <p:embeddedFont>
+      <p:font typeface="DM Sans" panose="020B0600000101010101" charset="0"/>
+      <p:regular r:id="rId25"/>
+      <p:bold r:id="rId26"/>
+      <p:italic r:id="rId27"/>
+      <p:boldItalic r:id="rId28"/>
+    </p:embeddedFont>
+    <p:embeddedFont>
+      <p:font typeface="Playfair Display" panose="00000500000000000000" pitchFamily="2" charset="0"/>
+      <p:regular r:id="rId29"/>
+      <p:bold r:id="rId30"/>
+      <p:italic r:id="rId31"/>
+      <p:boldItalic r:id="rId32"/>
     </p:embeddedFont>
     <p:embeddedFont>
       <p:font typeface="Playfair Display Medium" panose="020B0600000101010101" charset="0"/>
-      <p:regular r:id="rId27"/>
-      <p:bold r:id="rId28"/>
-      <p:italic r:id="rId29"/>
-      <p:boldItalic r:id="rId30"/>
+      <p:regular r:id="rId33"/>
+      <p:bold r:id="rId34"/>
+      <p:italic r:id="rId35"/>
+      <p:boldItalic r:id="rId36"/>
     </p:embeddedFont>
     <p:embeddedFont>
       <p:font typeface="Raleway" pitchFamily="2" charset="0"/>
-      <p:regular r:id="rId31"/>
-      <p:bold r:id="rId32"/>
-      <p:italic r:id="rId33"/>
-      <p:boldItalic r:id="rId34"/>
+      <p:regular r:id="rId37"/>
+      <p:bold r:id="rId38"/>
+      <p:italic r:id="rId39"/>
+      <p:boldItalic r:id="rId40"/>
     </p:embeddedFont>
   </p:embeddedFontLst>
   <p:defaultTextStyle>
@@ -1172,7 +1184,7 @@
     </p:spTree>
     <p:extLst>
       <p:ext uri="{BB962C8B-B14F-4D97-AF65-F5344CB8AC3E}">
-        <p14:creationId xmlns:p14="http://schemas.microsoft.com/office/powerpoint/2010/main" val="2624085136"/>
+        <p14:creationId xmlns:p14="http://schemas.microsoft.com/office/powerpoint/2010/main" val="888679477"/>
       </p:ext>
     </p:extLst>
   </p:cSld>
@@ -1281,7 +1293,7 @@
     </p:spTree>
     <p:extLst>
       <p:ext uri="{BB962C8B-B14F-4D97-AF65-F5344CB8AC3E}">
-        <p14:creationId xmlns:p14="http://schemas.microsoft.com/office/powerpoint/2010/main" val="1098057873"/>
+        <p14:creationId xmlns:p14="http://schemas.microsoft.com/office/powerpoint/2010/main" val="2885058666"/>
       </p:ext>
     </p:extLst>
   </p:cSld>
@@ -1390,7 +1402,7 @@
     </p:spTree>
     <p:extLst>
       <p:ext uri="{BB962C8B-B14F-4D97-AF65-F5344CB8AC3E}">
-        <p14:creationId xmlns:p14="http://schemas.microsoft.com/office/powerpoint/2010/main" val="137316290"/>
+        <p14:creationId xmlns:p14="http://schemas.microsoft.com/office/powerpoint/2010/main" val="3621401146"/>
       </p:ext>
     </p:extLst>
   </p:cSld>
@@ -1499,7 +1511,7 @@
     </p:spTree>
     <p:extLst>
       <p:ext uri="{BB962C8B-B14F-4D97-AF65-F5344CB8AC3E}">
-        <p14:creationId xmlns:p14="http://schemas.microsoft.com/office/powerpoint/2010/main" val="3658592977"/>
+        <p14:creationId xmlns:p14="http://schemas.microsoft.com/office/powerpoint/2010/main" val="2931483373"/>
       </p:ext>
     </p:extLst>
   </p:cSld>
@@ -1608,7 +1620,7 @@
     </p:spTree>
     <p:extLst>
       <p:ext uri="{BB962C8B-B14F-4D97-AF65-F5344CB8AC3E}">
-        <p14:creationId xmlns:p14="http://schemas.microsoft.com/office/powerpoint/2010/main" val="1101731856"/>
+        <p14:creationId xmlns:p14="http://schemas.microsoft.com/office/powerpoint/2010/main" val="2392687367"/>
       </p:ext>
     </p:extLst>
   </p:cSld>
@@ -1717,7 +1729,7 @@
     </p:spTree>
     <p:extLst>
       <p:ext uri="{BB962C8B-B14F-4D97-AF65-F5344CB8AC3E}">
-        <p14:creationId xmlns:p14="http://schemas.microsoft.com/office/powerpoint/2010/main" val="3954581880"/>
+        <p14:creationId xmlns:p14="http://schemas.microsoft.com/office/powerpoint/2010/main" val="2061791075"/>
       </p:ext>
     </p:extLst>
   </p:cSld>
@@ -1826,7 +1838,116 @@
     </p:spTree>
     <p:extLst>
       <p:ext uri="{BB962C8B-B14F-4D97-AF65-F5344CB8AC3E}">
-        <p14:creationId xmlns:p14="http://schemas.microsoft.com/office/powerpoint/2010/main" val="1646191046"/>
+        <p14:creationId xmlns:p14="http://schemas.microsoft.com/office/powerpoint/2010/main" val="3493492552"/>
+      </p:ext>
+    </p:extLst>
+  </p:cSld>
+  <p:clrMapOvr>
+    <a:masterClrMapping/>
+  </p:clrMapOvr>
+</p:notes>
+</file>
+
+<file path=ppt/notesSlides/notesSlide19.xml><?xml version="1.0" encoding="utf-8"?>
+<p:notes xmlns:a="http://schemas.openxmlformats.org/drawingml/2006/main" xmlns:r="http://schemas.openxmlformats.org/officeDocument/2006/relationships" xmlns:p="http://schemas.openxmlformats.org/presentationml/2006/main" showMasterSp="0" showMasterPhAnim="0">
+  <p:cSld>
+    <p:spTree>
+      <p:nvGrpSpPr>
+        <p:cNvPr id="1" name="Shape 203"/>
+        <p:cNvGrpSpPr/>
+        <p:nvPr/>
+      </p:nvGrpSpPr>
+      <p:grpSpPr>
+        <a:xfrm>
+          <a:off x="0" y="0"/>
+          <a:ext cx="0" cy="0"/>
+          <a:chOff x="0" y="0"/>
+          <a:chExt cx="0" cy="0"/>
+        </a:xfrm>
+      </p:grpSpPr>
+      <p:sp>
+        <p:nvSpPr>
+          <p:cNvPr id="204" name="Google Shape;204;g54dda1946d_6_322:notes"/>
+          <p:cNvSpPr>
+            <a:spLocks noGrp="1" noRot="1" noChangeAspect="1"/>
+          </p:cNvSpPr>
+          <p:nvPr>
+            <p:ph type="sldImg" idx="2"/>
+          </p:nvPr>
+        </p:nvSpPr>
+        <p:spPr>
+          <a:xfrm>
+            <a:off x="381000" y="685800"/>
+            <a:ext cx="6096000" cy="3429000"/>
+          </a:xfrm>
+          <a:custGeom>
+            <a:avLst/>
+            <a:gdLst/>
+            <a:ahLst/>
+            <a:cxnLst/>
+            <a:rect l="l" t="t" r="r" b="b"/>
+            <a:pathLst>
+              <a:path w="120000" h="120000" extrusionOk="0">
+                <a:moveTo>
+                  <a:pt x="0" y="0"/>
+                </a:moveTo>
+                <a:lnTo>
+                  <a:pt x="120000" y="0"/>
+                </a:lnTo>
+                <a:lnTo>
+                  <a:pt x="120000" y="120000"/>
+                </a:lnTo>
+                <a:lnTo>
+                  <a:pt x="0" y="120000"/>
+                </a:lnTo>
+                <a:close/>
+              </a:path>
+            </a:pathLst>
+          </a:custGeom>
+        </p:spPr>
+      </p:sp>
+      <p:sp>
+        <p:nvSpPr>
+          <p:cNvPr id="205" name="Google Shape;205;g54dda1946d_6_322:notes"/>
+          <p:cNvSpPr txBox="1">
+            <a:spLocks noGrp="1"/>
+          </p:cNvSpPr>
+          <p:nvPr>
+            <p:ph type="body" idx="1"/>
+          </p:nvPr>
+        </p:nvSpPr>
+        <p:spPr>
+          <a:xfrm>
+            <a:off x="685800" y="4343400"/>
+            <a:ext cx="5486400" cy="4114800"/>
+          </a:xfrm>
+          <a:prstGeom prst="rect">
+            <a:avLst/>
+          </a:prstGeom>
+        </p:spPr>
+        <p:txBody>
+          <a:bodyPr spcFirstLastPara="1" wrap="square" lIns="91425" tIns="91425" rIns="91425" bIns="91425" anchor="t" anchorCtr="0">
+            <a:noAutofit/>
+          </a:bodyPr>
+          <a:lstStyle/>
+          <a:p>
+            <a:pPr marL="0" lvl="0" indent="0" algn="l" rtl="0">
+              <a:spcBef>
+                <a:spcPts val="0"/>
+              </a:spcBef>
+              <a:spcAft>
+                <a:spcPts val="0"/>
+              </a:spcAft>
+              <a:buNone/>
+            </a:pPr>
+            <a:endParaRPr/>
+          </a:p>
+        </p:txBody>
+      </p:sp>
+    </p:spTree>
+    <p:extLst>
+      <p:ext uri="{BB962C8B-B14F-4D97-AF65-F5344CB8AC3E}">
+        <p14:creationId xmlns:p14="http://schemas.microsoft.com/office/powerpoint/2010/main" val="3701311816"/>
       </p:ext>
     </p:extLst>
   </p:cSld>
@@ -4384,12 +4505,6 @@
 <file path=ppt/slideLayouts/slideLayout5.xml><?xml version="1.0" encoding="utf-8"?>
 <p:sldLayout xmlns:a="http://schemas.openxmlformats.org/drawingml/2006/main" xmlns:r="http://schemas.openxmlformats.org/officeDocument/2006/relationships" xmlns:p="http://schemas.openxmlformats.org/presentationml/2006/main" matchingName="Blank" type="blank">
   <p:cSld name="BLANK">
-    <p:bg>
-      <p:bgPr>
-        <a:noFill/>
-        <a:effectLst/>
-      </p:bgPr>
-    </p:bg>
     <p:spTree>
       <p:nvGrpSpPr>
         <p:cNvPr id="1" name="Shape 59"/>
@@ -6848,7 +6963,7 @@
     <p:bg>
       <p:bgPr>
         <a:solidFill>
-          <a:schemeClr val="lt1"/>
+          <a:schemeClr val="accent5"/>
         </a:solidFill>
         <a:effectLst/>
       </p:bgPr>
@@ -8458,7 +8573,7 @@
         </p:nvSpPr>
         <p:spPr>
           <a:xfrm>
-            <a:off x="636908" y="1362846"/>
+            <a:off x="1913574" y="1162180"/>
             <a:ext cx="5316852" cy="338554"/>
           </a:xfrm>
           <a:prstGeom prst="rect">
@@ -8472,6 +8587,7 @@
           </a:bodyPr>
           <a:lstStyle/>
           <a:p>
+            <a:pPr algn="ctr"/>
             <a:r>
               <a:rPr lang="en-US" altLang="ko-KR" sz="1600" b="1" dirty="0" err="1">
                 <a:latin typeface="+mj-lt"/>
@@ -8490,36 +8606,6 @@
           </a:p>
         </p:txBody>
       </p:sp>
-      <p:pic>
-        <p:nvPicPr>
-          <p:cNvPr id="10" name="그림 9">
-            <a:extLst>
-              <a:ext uri="{FF2B5EF4-FFF2-40B4-BE49-F238E27FC236}">
-                <a16:creationId xmlns:a16="http://schemas.microsoft.com/office/drawing/2014/main" id="{E84B88A1-B639-42C6-81C9-969045CA45D8}"/>
-              </a:ext>
-            </a:extLst>
-          </p:cNvPr>
-          <p:cNvPicPr>
-            <a:picLocks noChangeAspect="1"/>
-          </p:cNvPicPr>
-          <p:nvPr/>
-        </p:nvPicPr>
-        <p:blipFill>
-          <a:blip r:embed="rId3"/>
-          <a:stretch>
-            <a:fillRect/>
-          </a:stretch>
-        </p:blipFill>
-        <p:spPr>
-          <a:xfrm>
-            <a:off x="698208" y="1701401"/>
-            <a:ext cx="2811112" cy="360972"/>
-          </a:xfrm>
-          <a:prstGeom prst="rect">
-            <a:avLst/>
-          </a:prstGeom>
-        </p:spPr>
-      </p:pic>
       <p:pic>
         <p:nvPicPr>
           <p:cNvPr id="2" name="그림 1">
@@ -8535,6 +8621,36 @@
           <p:nvPr/>
         </p:nvPicPr>
         <p:blipFill>
+          <a:blip r:embed="rId3"/>
+          <a:stretch>
+            <a:fillRect/>
+          </a:stretch>
+        </p:blipFill>
+        <p:spPr>
+          <a:xfrm>
+            <a:off x="36127" y="4862261"/>
+            <a:ext cx="1960963" cy="228019"/>
+          </a:xfrm>
+          <a:prstGeom prst="rect">
+            <a:avLst/>
+          </a:prstGeom>
+        </p:spPr>
+      </p:pic>
+      <p:pic>
+        <p:nvPicPr>
+          <p:cNvPr id="11" name="그림 10">
+            <a:extLst>
+              <a:ext uri="{FF2B5EF4-FFF2-40B4-BE49-F238E27FC236}">
+                <a16:creationId xmlns:a16="http://schemas.microsoft.com/office/drawing/2014/main" id="{FEAE7124-B614-4D82-B45A-8EF689A0464B}"/>
+              </a:ext>
+            </a:extLst>
+          </p:cNvPr>
+          <p:cNvPicPr>
+            <a:picLocks noChangeAspect="1"/>
+          </p:cNvPicPr>
+          <p:nvPr/>
+        </p:nvPicPr>
+        <p:blipFill>
           <a:blip r:embed="rId4"/>
           <a:stretch>
             <a:fillRect/>
@@ -8542,8 +8658,68 @@
         </p:blipFill>
         <p:spPr>
           <a:xfrm>
-            <a:off x="36127" y="4862261"/>
-            <a:ext cx="1960963" cy="228019"/>
+            <a:off x="3098088" y="1561835"/>
+            <a:ext cx="2947823" cy="378528"/>
+          </a:xfrm>
+          <a:prstGeom prst="rect">
+            <a:avLst/>
+          </a:prstGeom>
+        </p:spPr>
+      </p:pic>
+      <p:pic>
+        <p:nvPicPr>
+          <p:cNvPr id="4" name="그림 3">
+            <a:extLst>
+              <a:ext uri="{FF2B5EF4-FFF2-40B4-BE49-F238E27FC236}">
+                <a16:creationId xmlns:a16="http://schemas.microsoft.com/office/drawing/2014/main" id="{E7AC052C-BF78-4091-B308-632447FEC29B}"/>
+              </a:ext>
+            </a:extLst>
+          </p:cNvPr>
+          <p:cNvPicPr>
+            <a:picLocks noChangeAspect="1"/>
+          </p:cNvPicPr>
+          <p:nvPr/>
+        </p:nvPicPr>
+        <p:blipFill>
+          <a:blip r:embed="rId5"/>
+          <a:stretch>
+            <a:fillRect/>
+          </a:stretch>
+        </p:blipFill>
+        <p:spPr>
+          <a:xfrm>
+            <a:off x="665017" y="1932266"/>
+            <a:ext cx="2844001" cy="2748828"/>
+          </a:xfrm>
+          <a:prstGeom prst="rect">
+            <a:avLst/>
+          </a:prstGeom>
+        </p:spPr>
+      </p:pic>
+      <p:pic>
+        <p:nvPicPr>
+          <p:cNvPr id="6" name="그림 5">
+            <a:extLst>
+              <a:ext uri="{FF2B5EF4-FFF2-40B4-BE49-F238E27FC236}">
+                <a16:creationId xmlns:a16="http://schemas.microsoft.com/office/drawing/2014/main" id="{8421FE09-F0D4-4196-A083-D447E325E2B8}"/>
+              </a:ext>
+            </a:extLst>
+          </p:cNvPr>
+          <p:cNvPicPr>
+            <a:picLocks noChangeAspect="1"/>
+          </p:cNvPicPr>
+          <p:nvPr/>
+        </p:nvPicPr>
+        <p:blipFill>
+          <a:blip r:embed="rId6"/>
+          <a:stretch>
+            <a:fillRect/>
+          </a:stretch>
+        </p:blipFill>
+        <p:spPr>
+          <a:xfrm>
+            <a:off x="4572000" y="1921400"/>
+            <a:ext cx="3503819" cy="2719013"/>
           </a:xfrm>
           <a:prstGeom prst="rect">
             <a:avLst/>
@@ -8580,12 +8756,72 @@
           <a:chExt cx="0" cy="0"/>
         </a:xfrm>
       </p:grpSpPr>
+      <p:pic>
+        <p:nvPicPr>
+          <p:cNvPr id="10" name="그림 9">
+            <a:extLst>
+              <a:ext uri="{FF2B5EF4-FFF2-40B4-BE49-F238E27FC236}">
+                <a16:creationId xmlns:a16="http://schemas.microsoft.com/office/drawing/2014/main" id="{3CA10244-E679-4D03-BA50-D56254A41B77}"/>
+              </a:ext>
+            </a:extLst>
+          </p:cNvPr>
+          <p:cNvPicPr>
+            <a:picLocks noChangeAspect="1"/>
+          </p:cNvPicPr>
+          <p:nvPr/>
+        </p:nvPicPr>
+        <p:blipFill>
+          <a:blip r:embed="rId3"/>
+          <a:stretch>
+            <a:fillRect/>
+          </a:stretch>
+        </p:blipFill>
+        <p:spPr>
+          <a:xfrm>
+            <a:off x="1560234" y="1575821"/>
+            <a:ext cx="5498569" cy="3286440"/>
+          </a:xfrm>
+          <a:prstGeom prst="rect">
+            <a:avLst/>
+          </a:prstGeom>
+        </p:spPr>
+      </p:pic>
+      <p:pic>
+        <p:nvPicPr>
+          <p:cNvPr id="14" name="그림 13">
+            <a:extLst>
+              <a:ext uri="{FF2B5EF4-FFF2-40B4-BE49-F238E27FC236}">
+                <a16:creationId xmlns:a16="http://schemas.microsoft.com/office/drawing/2014/main" id="{1D4A5E59-2645-4613-8CE5-FAD578731D7E}"/>
+              </a:ext>
+            </a:extLst>
+          </p:cNvPr>
+          <p:cNvPicPr>
+            <a:picLocks noChangeAspect="1"/>
+          </p:cNvPicPr>
+          <p:nvPr/>
+        </p:nvPicPr>
+        <p:blipFill>
+          <a:blip r:embed="rId4"/>
+          <a:stretch>
+            <a:fillRect/>
+          </a:stretch>
+        </p:blipFill>
+        <p:spPr>
+          <a:xfrm>
+            <a:off x="36127" y="4862261"/>
+            <a:ext cx="1960963" cy="228019"/>
+          </a:xfrm>
+          <a:prstGeom prst="rect">
+            <a:avLst/>
+          </a:prstGeom>
+        </p:spPr>
+      </p:pic>
       <p:sp>
         <p:nvSpPr>
-          <p:cNvPr id="11" name="TextBox 10">
+          <p:cNvPr id="15" name="TextBox 14">
             <a:extLst>
               <a:ext uri="{FF2B5EF4-FFF2-40B4-BE49-F238E27FC236}">
-                <a16:creationId xmlns:a16="http://schemas.microsoft.com/office/drawing/2014/main" id="{904301EA-A429-42C9-A33E-8B6B533F9028}"/>
+                <a16:creationId xmlns:a16="http://schemas.microsoft.com/office/drawing/2014/main" id="{47F58ACF-4155-4B8D-9CDD-D47CE69D3A62}"/>
               </a:ext>
             </a:extLst>
           </p:cNvPr>
@@ -8594,8 +8830,8 @@
         </p:nvSpPr>
         <p:spPr>
           <a:xfrm>
-            <a:off x="0" y="4835723"/>
-            <a:ext cx="832279" cy="307777"/>
+            <a:off x="8705013" y="4761580"/>
+            <a:ext cx="383438" cy="307777"/>
           </a:xfrm>
           <a:prstGeom prst="rect">
             <a:avLst/>
@@ -8609,19 +8845,18 @@
           <a:lstStyle/>
           <a:p>
             <a:r>
-              <a:rPr lang="en-US" altLang="ko-KR" dirty="0"/>
-              <a:t>DE Lab.</a:t>
-            </a:r>
-            <a:endParaRPr lang="ko-KR" altLang="en-US" dirty="0"/>
+              <a:rPr lang="en-US" altLang="ko-KR" b="1" dirty="0"/>
+              <a:t>11</a:t>
+            </a:r>
           </a:p>
         </p:txBody>
       </p:sp>
       <p:sp>
         <p:nvSpPr>
-          <p:cNvPr id="12" name="TextBox 11">
+          <p:cNvPr id="16" name="TextBox 15">
             <a:extLst>
               <a:ext uri="{FF2B5EF4-FFF2-40B4-BE49-F238E27FC236}">
-                <a16:creationId xmlns:a16="http://schemas.microsoft.com/office/drawing/2014/main" id="{BD860A2B-D285-46E4-A777-75A659C153B0}"/>
+                <a16:creationId xmlns:a16="http://schemas.microsoft.com/office/drawing/2014/main" id="{F88F2F14-E708-41F0-8D6E-CF8C6AC78EB8}"/>
               </a:ext>
             </a:extLst>
           </p:cNvPr>
@@ -8630,44 +8865,8 @@
         </p:nvSpPr>
         <p:spPr>
           <a:xfrm>
-            <a:off x="8812107" y="4835722"/>
-            <a:ext cx="284052" cy="307777"/>
-          </a:xfrm>
-          <a:prstGeom prst="rect">
-            <a:avLst/>
-          </a:prstGeom>
-          <a:noFill/>
-        </p:spPr>
-        <p:txBody>
-          <a:bodyPr wrap="none" rtlCol="0">
-            <a:spAutoFit/>
-          </a:bodyPr>
-          <a:lstStyle/>
-          <a:p>
-            <a:r>
-              <a:rPr lang="en-US" altLang="ko-KR" b="1"/>
-              <a:t>5</a:t>
-            </a:r>
-            <a:endParaRPr lang="en-US" altLang="ko-KR" b="1" dirty="0"/>
-          </a:p>
-        </p:txBody>
-      </p:sp>
-      <p:sp>
-        <p:nvSpPr>
-          <p:cNvPr id="13" name="TextBox 12">
-            <a:extLst>
-              <a:ext uri="{FF2B5EF4-FFF2-40B4-BE49-F238E27FC236}">
-                <a16:creationId xmlns:a16="http://schemas.microsoft.com/office/drawing/2014/main" id="{9ADB1D43-0F16-4D7E-AF0F-814903EC48AC}"/>
-              </a:ext>
-            </a:extLst>
-          </p:cNvPr>
-          <p:cNvSpPr txBox="1"/>
-          <p:nvPr/>
-        </p:nvSpPr>
-        <p:spPr>
-          <a:xfrm>
-            <a:off x="73666" y="84879"/>
-            <a:ext cx="5880094" cy="307777"/>
+            <a:off x="1913574" y="1162180"/>
+            <a:ext cx="5316852" cy="338554"/>
           </a:xfrm>
           <a:prstGeom prst="rect">
             <a:avLst/>
@@ -8680,31 +8879,101 @@
           </a:bodyPr>
           <a:lstStyle/>
           <a:p>
+            <a:pPr algn="ctr"/>
+            <a:r>
+              <a:rPr lang="en-US" altLang="ko-KR" sz="1600" b="1" dirty="0" err="1">
+                <a:latin typeface="+mj-lt"/>
+              </a:rPr>
+              <a:t>CBoW</a:t>
+            </a:r>
+            <a:r>
+              <a:rPr lang="en-US" altLang="ko-KR" sz="1600" b="1" dirty="0">
+                <a:latin typeface="+mj-lt"/>
+              </a:rPr>
+              <a:t>(Continuous Bag-of-Words)</a:t>
+            </a:r>
+            <a:endParaRPr lang="ko-KR" altLang="en-US" sz="1600" b="1" dirty="0">
+              <a:latin typeface="+mj-lt"/>
+            </a:endParaRPr>
+          </a:p>
+        </p:txBody>
+      </p:sp>
+      <p:pic>
+        <p:nvPicPr>
+          <p:cNvPr id="17" name="그림 16">
+            <a:extLst>
+              <a:ext uri="{FF2B5EF4-FFF2-40B4-BE49-F238E27FC236}">
+                <a16:creationId xmlns:a16="http://schemas.microsoft.com/office/drawing/2014/main" id="{6880093B-9541-47D7-AA9D-2CC83B4B3DE9}"/>
+              </a:ext>
+            </a:extLst>
+          </p:cNvPr>
+          <p:cNvPicPr>
+            <a:picLocks noChangeAspect="1"/>
+          </p:cNvPicPr>
+          <p:nvPr/>
+        </p:nvPicPr>
+        <p:blipFill>
+          <a:blip r:embed="rId5"/>
+          <a:stretch>
+            <a:fillRect/>
+          </a:stretch>
+        </p:blipFill>
+        <p:spPr>
+          <a:xfrm>
+            <a:off x="3098088" y="1561835"/>
+            <a:ext cx="2947823" cy="378528"/>
+          </a:xfrm>
+          <a:prstGeom prst="rect">
+            <a:avLst/>
+          </a:prstGeom>
+        </p:spPr>
+      </p:pic>
+      <p:sp>
+        <p:nvSpPr>
+          <p:cNvPr id="18" name="TextBox 17">
+            <a:extLst>
+              <a:ext uri="{FF2B5EF4-FFF2-40B4-BE49-F238E27FC236}">
+                <a16:creationId xmlns:a16="http://schemas.microsoft.com/office/drawing/2014/main" id="{C2E46355-D5F0-4D9E-BE00-8AB99836B2F6}"/>
+              </a:ext>
+            </a:extLst>
+          </p:cNvPr>
+          <p:cNvSpPr txBox="1"/>
+          <p:nvPr/>
+        </p:nvSpPr>
+        <p:spPr>
+          <a:xfrm>
+            <a:off x="73666" y="84879"/>
+            <a:ext cx="5880094" cy="307777"/>
+          </a:xfrm>
+          <a:prstGeom prst="rect">
+            <a:avLst/>
+          </a:prstGeom>
+          <a:noFill/>
+        </p:spPr>
+        <p:txBody>
+          <a:bodyPr wrap="square" rtlCol="0">
+            <a:spAutoFit/>
+          </a:bodyPr>
+          <a:lstStyle/>
+          <a:p>
             <a:r>
               <a:rPr lang="en-US" altLang="ko-KR" b="1" dirty="0"/>
-              <a:t>Chap2. </a:t>
-            </a:r>
-            <a:r>
-              <a:rPr lang="ko-KR" altLang="en-US" b="1" dirty="0"/>
-              <a:t>자연어와 단어의 분산 표현 </a:t>
-            </a:r>
-            <a:r>
-              <a:rPr lang="en-US" altLang="ko-KR" b="1" dirty="0"/>
-              <a:t>– </a:t>
-            </a:r>
-            <a:r>
-              <a:rPr lang="ko-KR" altLang="en-US" b="1" dirty="0"/>
-              <a:t>통계 기반 기법 개선하기</a:t>
-            </a:r>
+              <a:t>Chap3. word2vec - </a:t>
+            </a:r>
+            <a:r>
+              <a:rPr lang="en-US" altLang="ko-KR" b="1" dirty="0" err="1"/>
+              <a:t>CBoW</a:t>
+            </a:r>
+            <a:endParaRPr lang="ko-KR" altLang="en-US" b="1" dirty="0"/>
           </a:p>
         </p:txBody>
       </p:sp>
       <p:sp>
         <p:nvSpPr>
-          <p:cNvPr id="6" name="TextBox 5">
+          <p:cNvPr id="19" name="TextBox 18">
             <a:extLst>
               <a:ext uri="{FF2B5EF4-FFF2-40B4-BE49-F238E27FC236}">
-                <a16:creationId xmlns:a16="http://schemas.microsoft.com/office/drawing/2014/main" id="{A94B277F-D560-4C41-B2B6-34342597C936}"/>
+                <a16:creationId xmlns:a16="http://schemas.microsoft.com/office/drawing/2014/main" id="{93A3BBF8-B115-438D-8E45-7538E30A0A32}"/>
               </a:ext>
             </a:extLst>
           </p:cNvPr>
@@ -8751,33 +9020,45 @@
               <a:buChar char="•"/>
             </a:pPr>
             <a:r>
+              <a:rPr lang="ko-KR" altLang="en-US" sz="1200" dirty="0">
+                <a:solidFill>
+                  <a:schemeClr val="tx1"/>
+                </a:solidFill>
+              </a:rPr>
+              <a:t>통계 기반 기법</a:t>
+            </a:r>
+            <a:endParaRPr lang="en-US" altLang="ko-KR" sz="1200" dirty="0">
+              <a:solidFill>
+                <a:schemeClr val="tx1"/>
+              </a:solidFill>
+            </a:endParaRPr>
+          </a:p>
+          <a:p>
+            <a:pPr marL="285750" indent="-285750">
+              <a:buFont typeface="Arial" panose="020B0604020202020204" pitchFamily="34" charset="0"/>
+              <a:buChar char="•"/>
+            </a:pPr>
+            <a:r>
               <a:rPr lang="ko-KR" altLang="en-US" sz="1200" b="1" dirty="0">
                 <a:solidFill>
                   <a:srgbClr val="FF0000"/>
                 </a:solidFill>
               </a:rPr>
-              <a:t>통계 기반 기법</a:t>
-            </a:r>
-            <a:endParaRPr lang="en-US" altLang="ko-KR" sz="1200" b="1" dirty="0">
+              <a:t>추론 기반 기법</a:t>
+            </a:r>
+            <a:r>
+              <a:rPr lang="en-US" altLang="ko-KR" sz="1200" b="1" dirty="0">
+                <a:solidFill>
+                  <a:srgbClr val="FF0000"/>
+                </a:solidFill>
+              </a:rPr>
+              <a:t>(word2vec)</a:t>
+            </a:r>
+            <a:endParaRPr lang="ko-KR" altLang="en-US" sz="1200" b="1" dirty="0">
               <a:solidFill>
                 <a:srgbClr val="FF0000"/>
               </a:solidFill>
             </a:endParaRPr>
-          </a:p>
-          <a:p>
-            <a:pPr marL="285750" indent="-285750">
-              <a:buFont typeface="Arial" panose="020B0604020202020204" pitchFamily="34" charset="0"/>
-              <a:buChar char="•"/>
-            </a:pPr>
-            <a:r>
-              <a:rPr lang="ko-KR" altLang="en-US" sz="1200" dirty="0"/>
-              <a:t>추론 기반 기법</a:t>
-            </a:r>
-            <a:r>
-              <a:rPr lang="en-US" altLang="ko-KR" sz="1200" dirty="0"/>
-              <a:t>(word2vec)</a:t>
-            </a:r>
-            <a:endParaRPr lang="ko-KR" altLang="en-US" sz="1200" dirty="0"/>
           </a:p>
         </p:txBody>
       </p:sp>
@@ -8811,12 +9092,42 @@
           <a:chExt cx="0" cy="0"/>
         </a:xfrm>
       </p:grpSpPr>
+      <p:pic>
+        <p:nvPicPr>
+          <p:cNvPr id="14" name="그림 13">
+            <a:extLst>
+              <a:ext uri="{FF2B5EF4-FFF2-40B4-BE49-F238E27FC236}">
+                <a16:creationId xmlns:a16="http://schemas.microsoft.com/office/drawing/2014/main" id="{1D4A5E59-2645-4613-8CE5-FAD578731D7E}"/>
+              </a:ext>
+            </a:extLst>
+          </p:cNvPr>
+          <p:cNvPicPr>
+            <a:picLocks noChangeAspect="1"/>
+          </p:cNvPicPr>
+          <p:nvPr/>
+        </p:nvPicPr>
+        <p:blipFill>
+          <a:blip r:embed="rId3"/>
+          <a:stretch>
+            <a:fillRect/>
+          </a:stretch>
+        </p:blipFill>
+        <p:spPr>
+          <a:xfrm>
+            <a:off x="36127" y="4862261"/>
+            <a:ext cx="1960963" cy="228019"/>
+          </a:xfrm>
+          <a:prstGeom prst="rect">
+            <a:avLst/>
+          </a:prstGeom>
+        </p:spPr>
+      </p:pic>
       <p:sp>
         <p:nvSpPr>
-          <p:cNvPr id="11" name="TextBox 10">
+          <p:cNvPr id="15" name="TextBox 14">
             <a:extLst>
               <a:ext uri="{FF2B5EF4-FFF2-40B4-BE49-F238E27FC236}">
-                <a16:creationId xmlns:a16="http://schemas.microsoft.com/office/drawing/2014/main" id="{904301EA-A429-42C9-A33E-8B6B533F9028}"/>
+                <a16:creationId xmlns:a16="http://schemas.microsoft.com/office/drawing/2014/main" id="{47F58ACF-4155-4B8D-9CDD-D47CE69D3A62}"/>
               </a:ext>
             </a:extLst>
           </p:cNvPr>
@@ -8825,8 +9136,8 @@
         </p:nvSpPr>
         <p:spPr>
           <a:xfrm>
-            <a:off x="0" y="4835723"/>
-            <a:ext cx="832279" cy="307777"/>
+            <a:off x="8705013" y="4761580"/>
+            <a:ext cx="383438" cy="307777"/>
           </a:xfrm>
           <a:prstGeom prst="rect">
             <a:avLst/>
@@ -8840,19 +9151,18 @@
           <a:lstStyle/>
           <a:p>
             <a:r>
-              <a:rPr lang="en-US" altLang="ko-KR" dirty="0"/>
-              <a:t>DE Lab.</a:t>
-            </a:r>
-            <a:endParaRPr lang="ko-KR" altLang="en-US" dirty="0"/>
+              <a:rPr lang="en-US" altLang="ko-KR" b="1" dirty="0"/>
+              <a:t>12</a:t>
+            </a:r>
           </a:p>
         </p:txBody>
       </p:sp>
       <p:sp>
         <p:nvSpPr>
-          <p:cNvPr id="12" name="TextBox 11">
+          <p:cNvPr id="16" name="TextBox 15">
             <a:extLst>
               <a:ext uri="{FF2B5EF4-FFF2-40B4-BE49-F238E27FC236}">
-                <a16:creationId xmlns:a16="http://schemas.microsoft.com/office/drawing/2014/main" id="{BD860A2B-D285-46E4-A777-75A659C153B0}"/>
+                <a16:creationId xmlns:a16="http://schemas.microsoft.com/office/drawing/2014/main" id="{F88F2F14-E708-41F0-8D6E-CF8C6AC78EB8}"/>
               </a:ext>
             </a:extLst>
           </p:cNvPr>
@@ -8861,8 +9171,145 @@
         </p:nvSpPr>
         <p:spPr>
           <a:xfrm>
-            <a:off x="8812107" y="4835722"/>
-            <a:ext cx="284052" cy="307777"/>
+            <a:off x="1836844" y="1162180"/>
+            <a:ext cx="5316852" cy="338554"/>
+          </a:xfrm>
+          <a:prstGeom prst="rect">
+            <a:avLst/>
+          </a:prstGeom>
+          <a:noFill/>
+        </p:spPr>
+        <p:txBody>
+          <a:bodyPr wrap="square" rtlCol="0">
+            <a:spAutoFit/>
+          </a:bodyPr>
+          <a:lstStyle/>
+          <a:p>
+            <a:pPr algn="ctr"/>
+            <a:r>
+              <a:rPr lang="en-US" altLang="ko-KR" sz="1600" b="1" dirty="0">
+                <a:latin typeface="+mj-lt"/>
+              </a:rPr>
+              <a:t>skip-gram</a:t>
+            </a:r>
+            <a:endParaRPr lang="ko-KR" altLang="en-US" sz="1600" b="1" dirty="0">
+              <a:latin typeface="+mj-lt"/>
+            </a:endParaRPr>
+          </a:p>
+        </p:txBody>
+      </p:sp>
+      <p:sp>
+        <p:nvSpPr>
+          <p:cNvPr id="18" name="TextBox 17">
+            <a:extLst>
+              <a:ext uri="{FF2B5EF4-FFF2-40B4-BE49-F238E27FC236}">
+                <a16:creationId xmlns:a16="http://schemas.microsoft.com/office/drawing/2014/main" id="{C2E46355-D5F0-4D9E-BE00-8AB99836B2F6}"/>
+              </a:ext>
+            </a:extLst>
+          </p:cNvPr>
+          <p:cNvSpPr txBox="1"/>
+          <p:nvPr/>
+        </p:nvSpPr>
+        <p:spPr>
+          <a:xfrm>
+            <a:off x="73666" y="84879"/>
+            <a:ext cx="5880094" cy="307777"/>
+          </a:xfrm>
+          <a:prstGeom prst="rect">
+            <a:avLst/>
+          </a:prstGeom>
+          <a:noFill/>
+        </p:spPr>
+        <p:txBody>
+          <a:bodyPr wrap="square" rtlCol="0">
+            <a:spAutoFit/>
+          </a:bodyPr>
+          <a:lstStyle/>
+          <a:p>
+            <a:r>
+              <a:rPr lang="en-US" altLang="ko-KR" b="1" dirty="0"/>
+              <a:t>Chap3. word2vec - skip-gram</a:t>
+            </a:r>
+            <a:endParaRPr lang="ko-KR" altLang="en-US" b="1" dirty="0"/>
+          </a:p>
+        </p:txBody>
+      </p:sp>
+      <p:pic>
+        <p:nvPicPr>
+          <p:cNvPr id="3" name="그림 2">
+            <a:extLst>
+              <a:ext uri="{FF2B5EF4-FFF2-40B4-BE49-F238E27FC236}">
+                <a16:creationId xmlns:a16="http://schemas.microsoft.com/office/drawing/2014/main" id="{EEEDCC8A-2A23-4037-9C49-417362C6BC6D}"/>
+              </a:ext>
+            </a:extLst>
+          </p:cNvPr>
+          <p:cNvPicPr>
+            <a:picLocks noChangeAspect="1"/>
+          </p:cNvPicPr>
+          <p:nvPr/>
+        </p:nvPicPr>
+        <p:blipFill>
+          <a:blip r:embed="rId4"/>
+          <a:stretch>
+            <a:fillRect/>
+          </a:stretch>
+        </p:blipFill>
+        <p:spPr>
+          <a:xfrm>
+            <a:off x="748145" y="1743886"/>
+            <a:ext cx="3990109" cy="659066"/>
+          </a:xfrm>
+          <a:prstGeom prst="rect">
+            <a:avLst/>
+          </a:prstGeom>
+        </p:spPr>
+      </p:pic>
+      <p:pic>
+        <p:nvPicPr>
+          <p:cNvPr id="5" name="그림 4">
+            <a:extLst>
+              <a:ext uri="{FF2B5EF4-FFF2-40B4-BE49-F238E27FC236}">
+                <a16:creationId xmlns:a16="http://schemas.microsoft.com/office/drawing/2014/main" id="{53C5A584-01D4-41F4-BF7A-AA8E8B931FD1}"/>
+              </a:ext>
+            </a:extLst>
+          </p:cNvPr>
+          <p:cNvPicPr>
+            <a:picLocks noChangeAspect="1"/>
+          </p:cNvPicPr>
+          <p:nvPr/>
+        </p:nvPicPr>
+        <p:blipFill>
+          <a:blip r:embed="rId5"/>
+          <a:stretch>
+            <a:fillRect/>
+          </a:stretch>
+        </p:blipFill>
+        <p:spPr>
+          <a:xfrm>
+            <a:off x="1321013" y="2402952"/>
+            <a:ext cx="3154739" cy="2557896"/>
+          </a:xfrm>
+          <a:prstGeom prst="rect">
+            <a:avLst/>
+          </a:prstGeom>
+        </p:spPr>
+      </p:pic>
+      <p:sp>
+        <p:nvSpPr>
+          <p:cNvPr id="8" name="TextBox 7">
+            <a:extLst>
+              <a:ext uri="{FF2B5EF4-FFF2-40B4-BE49-F238E27FC236}">
+                <a16:creationId xmlns:a16="http://schemas.microsoft.com/office/drawing/2014/main" id="{502AE69D-5D75-4032-A19B-2B962ED2C31B}"/>
+              </a:ext>
+            </a:extLst>
+          </p:cNvPr>
+          <p:cNvSpPr txBox="1"/>
+          <p:nvPr/>
+        </p:nvSpPr>
+        <p:spPr>
+          <a:xfrm>
+            <a:off x="3439318" y="1500734"/>
+            <a:ext cx="2265364" cy="261610"/>
           </a:xfrm>
           <a:prstGeom prst="rect">
             <a:avLst/>
@@ -8876,66 +9323,30 @@
           <a:lstStyle/>
           <a:p>
             <a:r>
-              <a:rPr lang="en-US" altLang="ko-KR" b="1"/>
-              <a:t>5</a:t>
-            </a:r>
-            <a:endParaRPr lang="en-US" altLang="ko-KR" b="1" dirty="0"/>
+              <a:rPr lang="en-US" altLang="ko-KR" sz="1100" dirty="0"/>
+              <a:t>- Target</a:t>
+            </a:r>
+            <a:r>
+              <a:rPr lang="ko-KR" altLang="en-US" sz="1100" dirty="0"/>
+              <a:t>으로부터 </a:t>
+            </a:r>
+            <a:r>
+              <a:rPr lang="en-US" altLang="ko-KR" sz="1100" dirty="0"/>
+              <a:t>contexts</a:t>
+            </a:r>
+            <a:r>
+              <a:rPr lang="ko-KR" altLang="en-US" sz="1100" dirty="0"/>
+              <a:t>를 추론</a:t>
+            </a:r>
           </a:p>
         </p:txBody>
       </p:sp>
       <p:sp>
         <p:nvSpPr>
-          <p:cNvPr id="13" name="TextBox 12">
+          <p:cNvPr id="19" name="TextBox 18">
             <a:extLst>
               <a:ext uri="{FF2B5EF4-FFF2-40B4-BE49-F238E27FC236}">
-                <a16:creationId xmlns:a16="http://schemas.microsoft.com/office/drawing/2014/main" id="{9ADB1D43-0F16-4D7E-AF0F-814903EC48AC}"/>
-              </a:ext>
-            </a:extLst>
-          </p:cNvPr>
-          <p:cNvSpPr txBox="1"/>
-          <p:nvPr/>
-        </p:nvSpPr>
-        <p:spPr>
-          <a:xfrm>
-            <a:off x="73666" y="84879"/>
-            <a:ext cx="5880094" cy="307777"/>
-          </a:xfrm>
-          <a:prstGeom prst="rect">
-            <a:avLst/>
-          </a:prstGeom>
-          <a:noFill/>
-        </p:spPr>
-        <p:txBody>
-          <a:bodyPr wrap="square" rtlCol="0">
-            <a:spAutoFit/>
-          </a:bodyPr>
-          <a:lstStyle/>
-          <a:p>
-            <a:r>
-              <a:rPr lang="en-US" altLang="ko-KR" b="1" dirty="0"/>
-              <a:t>Chap2. </a:t>
-            </a:r>
-            <a:r>
-              <a:rPr lang="ko-KR" altLang="en-US" b="1" dirty="0"/>
-              <a:t>자연어와 단어의 분산 표현 </a:t>
-            </a:r>
-            <a:r>
-              <a:rPr lang="en-US" altLang="ko-KR" b="1" dirty="0"/>
-              <a:t>– </a:t>
-            </a:r>
-            <a:r>
-              <a:rPr lang="ko-KR" altLang="en-US" b="1" dirty="0"/>
-              <a:t>통계 기반 기법 개선하기</a:t>
-            </a:r>
-          </a:p>
-        </p:txBody>
-      </p:sp>
-      <p:sp>
-        <p:nvSpPr>
-          <p:cNvPr id="6" name="TextBox 5">
-            <a:extLst>
-              <a:ext uri="{FF2B5EF4-FFF2-40B4-BE49-F238E27FC236}">
-                <a16:creationId xmlns:a16="http://schemas.microsoft.com/office/drawing/2014/main" id="{A94B277F-D560-4C41-B2B6-34342597C936}"/>
+                <a16:creationId xmlns:a16="http://schemas.microsoft.com/office/drawing/2014/main" id="{DB66AB13-EAE1-4EDA-8987-A9E8E3EF3E28}"/>
               </a:ext>
             </a:extLst>
           </p:cNvPr>
@@ -8982,40 +9393,331 @@
               <a:buChar char="•"/>
             </a:pPr>
             <a:r>
+              <a:rPr lang="ko-KR" altLang="en-US" sz="1200" dirty="0">
+                <a:solidFill>
+                  <a:schemeClr val="tx1"/>
+                </a:solidFill>
+              </a:rPr>
+              <a:t>통계 기반 기법</a:t>
+            </a:r>
+            <a:endParaRPr lang="en-US" altLang="ko-KR" sz="1200" dirty="0">
+              <a:solidFill>
+                <a:schemeClr val="tx1"/>
+              </a:solidFill>
+            </a:endParaRPr>
+          </a:p>
+          <a:p>
+            <a:pPr marL="285750" indent="-285750">
+              <a:buFont typeface="Arial" panose="020B0604020202020204" pitchFamily="34" charset="0"/>
+              <a:buChar char="•"/>
+            </a:pPr>
+            <a:r>
               <a:rPr lang="ko-KR" altLang="en-US" sz="1200" b="1" dirty="0">
                 <a:solidFill>
                   <a:srgbClr val="FF0000"/>
                 </a:solidFill>
               </a:rPr>
-              <a:t>통계 기반 기법</a:t>
-            </a:r>
-            <a:endParaRPr lang="en-US" altLang="ko-KR" sz="1200" b="1" dirty="0">
+              <a:t>추론 기반 기법</a:t>
+            </a:r>
+            <a:r>
+              <a:rPr lang="en-US" altLang="ko-KR" sz="1200" b="1" dirty="0">
+                <a:solidFill>
+                  <a:srgbClr val="FF0000"/>
+                </a:solidFill>
+              </a:rPr>
+              <a:t>(word2vec)</a:t>
+            </a:r>
+            <a:endParaRPr lang="ko-KR" altLang="en-US" sz="1200" b="1" dirty="0">
               <a:solidFill>
                 <a:srgbClr val="FF0000"/>
               </a:solidFill>
             </a:endParaRPr>
           </a:p>
-          <a:p>
-            <a:pPr marL="285750" indent="-285750">
-              <a:buFont typeface="Arial" panose="020B0604020202020204" pitchFamily="34" charset="0"/>
-              <a:buChar char="•"/>
-            </a:pPr>
-            <a:r>
-              <a:rPr lang="ko-KR" altLang="en-US" sz="1200" dirty="0"/>
-              <a:t>추론 기반 기법</a:t>
-            </a:r>
-            <a:r>
-              <a:rPr lang="en-US" altLang="ko-KR" sz="1200" dirty="0"/>
-              <a:t>(word2vec)</a:t>
-            </a:r>
-            <a:endParaRPr lang="ko-KR" altLang="en-US" sz="1200" dirty="0"/>
-          </a:p>
         </p:txBody>
       </p:sp>
+      <p:sp>
+        <p:nvSpPr>
+          <p:cNvPr id="20" name="TextBox 19">
+            <a:extLst>
+              <a:ext uri="{FF2B5EF4-FFF2-40B4-BE49-F238E27FC236}">
+                <a16:creationId xmlns:a16="http://schemas.microsoft.com/office/drawing/2014/main" id="{E2072A5A-2F38-4BF1-8158-98B482544452}"/>
+              </a:ext>
+            </a:extLst>
+          </p:cNvPr>
+          <p:cNvSpPr txBox="1"/>
+          <p:nvPr/>
+        </p:nvSpPr>
+        <p:spPr>
+          <a:xfrm>
+            <a:off x="4624491" y="3035569"/>
+            <a:ext cx="3931782" cy="430887"/>
+          </a:xfrm>
+          <a:prstGeom prst="rect">
+            <a:avLst/>
+          </a:prstGeom>
+          <a:noFill/>
+        </p:spPr>
+        <p:txBody>
+          <a:bodyPr wrap="square" rtlCol="0">
+            <a:spAutoFit/>
+          </a:bodyPr>
+          <a:lstStyle/>
+          <a:p>
+            <a:pPr marL="171450" indent="-171450">
+              <a:buFontTx/>
+              <a:buChar char="-"/>
+            </a:pPr>
+            <a:r>
+              <a:rPr lang="ko-KR" altLang="en-US" sz="1100" dirty="0"/>
+              <a:t>성능 면에서 </a:t>
+            </a:r>
+            <a:r>
+              <a:rPr lang="en-US" altLang="ko-KR" sz="1100" dirty="0"/>
+              <a:t>skip-gram</a:t>
+            </a:r>
+            <a:r>
+              <a:rPr lang="ko-KR" altLang="en-US" sz="1100" dirty="0"/>
+              <a:t>이 </a:t>
+            </a:r>
+            <a:r>
+              <a:rPr lang="en-US" altLang="ko-KR" sz="1100" dirty="0" err="1"/>
+              <a:t>CBoW</a:t>
+            </a:r>
+            <a:r>
+              <a:rPr lang="ko-KR" altLang="en-US" sz="1100" dirty="0"/>
+              <a:t>보다 뛰어남 </a:t>
+            </a:r>
+            <a:endParaRPr lang="en-US" altLang="ko-KR" sz="1100" dirty="0"/>
+          </a:p>
+          <a:p>
+            <a:pPr marL="171450" indent="-171450">
+              <a:buFontTx/>
+              <a:buChar char="-"/>
+            </a:pPr>
+            <a:r>
+              <a:rPr lang="ko-KR" altLang="en-US" sz="1100" dirty="0"/>
+              <a:t>학습 속도 면에서는 </a:t>
+            </a:r>
+            <a:r>
+              <a:rPr lang="en-US" altLang="ko-KR" sz="1100" dirty="0" err="1"/>
+              <a:t>CBoW</a:t>
+            </a:r>
+            <a:r>
+              <a:rPr lang="ko-KR" altLang="en-US" sz="1100" dirty="0"/>
+              <a:t>모델이 더 빠름</a:t>
+            </a:r>
+          </a:p>
+        </p:txBody>
+      </p:sp>
+      <p:cxnSp>
+        <p:nvCxnSpPr>
+          <p:cNvPr id="11" name="직선 연결선 10">
+            <a:extLst>
+              <a:ext uri="{FF2B5EF4-FFF2-40B4-BE49-F238E27FC236}">
+                <a16:creationId xmlns:a16="http://schemas.microsoft.com/office/drawing/2014/main" id="{6C7BCF5C-478D-4857-90D4-DC381CC1A82D}"/>
+              </a:ext>
+            </a:extLst>
+          </p:cNvPr>
+          <p:cNvCxnSpPr/>
+          <p:nvPr/>
+        </p:nvCxnSpPr>
+        <p:spPr>
+          <a:xfrm>
+            <a:off x="3331485" y="3190808"/>
+            <a:ext cx="0" cy="60204"/>
+          </a:xfrm>
+          <a:prstGeom prst="line">
+            <a:avLst/>
+          </a:prstGeom>
+          <a:ln>
+            <a:solidFill>
+              <a:srgbClr val="D6D4D2"/>
+            </a:solidFill>
+          </a:ln>
+        </p:spPr>
+        <p:style>
+          <a:lnRef idx="1">
+            <a:schemeClr val="accent1"/>
+          </a:lnRef>
+          <a:fillRef idx="0">
+            <a:schemeClr val="accent1"/>
+          </a:fillRef>
+          <a:effectRef idx="0">
+            <a:schemeClr val="accent1"/>
+          </a:effectRef>
+          <a:fontRef idx="minor">
+            <a:schemeClr val="tx1"/>
+          </a:fontRef>
+        </p:style>
+      </p:cxnSp>
+      <p:cxnSp>
+        <p:nvCxnSpPr>
+          <p:cNvPr id="13" name="직선 연결선 12">
+            <a:extLst>
+              <a:ext uri="{FF2B5EF4-FFF2-40B4-BE49-F238E27FC236}">
+                <a16:creationId xmlns:a16="http://schemas.microsoft.com/office/drawing/2014/main" id="{C4D638B7-C2E4-454C-817D-01689F61FD68}"/>
+              </a:ext>
+            </a:extLst>
+          </p:cNvPr>
+          <p:cNvCxnSpPr/>
+          <p:nvPr/>
+        </p:nvCxnSpPr>
+        <p:spPr>
+          <a:xfrm>
+            <a:off x="3331485" y="3852863"/>
+            <a:ext cx="0" cy="52387"/>
+          </a:xfrm>
+          <a:prstGeom prst="line">
+            <a:avLst/>
+          </a:prstGeom>
+          <a:ln>
+            <a:solidFill>
+              <a:srgbClr val="D6D4D2"/>
+            </a:solidFill>
+          </a:ln>
+        </p:spPr>
+        <p:style>
+          <a:lnRef idx="1">
+            <a:schemeClr val="accent1"/>
+          </a:lnRef>
+          <a:fillRef idx="0">
+            <a:schemeClr val="accent1"/>
+          </a:fillRef>
+          <a:effectRef idx="0">
+            <a:schemeClr val="accent1"/>
+          </a:effectRef>
+          <a:fontRef idx="minor">
+            <a:schemeClr val="tx1"/>
+          </a:fontRef>
+        </p:style>
+      </p:cxnSp>
+      <p:cxnSp>
+        <p:nvCxnSpPr>
+          <p:cNvPr id="22" name="직선 연결선 21">
+            <a:extLst>
+              <a:ext uri="{FF2B5EF4-FFF2-40B4-BE49-F238E27FC236}">
+                <a16:creationId xmlns:a16="http://schemas.microsoft.com/office/drawing/2014/main" id="{40DC7BA3-F4AF-4AB5-BD59-389C46A67385}"/>
+              </a:ext>
+            </a:extLst>
+          </p:cNvPr>
+          <p:cNvCxnSpPr/>
+          <p:nvPr/>
+        </p:nvCxnSpPr>
+        <p:spPr>
+          <a:xfrm>
+            <a:off x="3331485" y="4593431"/>
+            <a:ext cx="0" cy="80963"/>
+          </a:xfrm>
+          <a:prstGeom prst="line">
+            <a:avLst/>
+          </a:prstGeom>
+          <a:ln>
+            <a:solidFill>
+              <a:srgbClr val="D6D4D2"/>
+            </a:solidFill>
+          </a:ln>
+        </p:spPr>
+        <p:style>
+          <a:lnRef idx="1">
+            <a:schemeClr val="accent1"/>
+          </a:lnRef>
+          <a:fillRef idx="0">
+            <a:schemeClr val="accent1"/>
+          </a:fillRef>
+          <a:effectRef idx="0">
+            <a:schemeClr val="accent1"/>
+          </a:effectRef>
+          <a:fontRef idx="minor">
+            <a:schemeClr val="tx1"/>
+          </a:fontRef>
+        </p:style>
+      </p:cxnSp>
+      <p:cxnSp>
+        <p:nvCxnSpPr>
+          <p:cNvPr id="24" name="직선 연결선 23">
+            <a:extLst>
+              <a:ext uri="{FF2B5EF4-FFF2-40B4-BE49-F238E27FC236}">
+                <a16:creationId xmlns:a16="http://schemas.microsoft.com/office/drawing/2014/main" id="{DA6DCFBB-D2D5-4AAA-BF34-DFC4CCB6DF7F}"/>
+              </a:ext>
+            </a:extLst>
+          </p:cNvPr>
+          <p:cNvCxnSpPr/>
+          <p:nvPr/>
+        </p:nvCxnSpPr>
+        <p:spPr>
+          <a:xfrm>
+            <a:off x="3386138" y="2405333"/>
+            <a:ext cx="53180" cy="0"/>
+          </a:xfrm>
+          <a:prstGeom prst="line">
+            <a:avLst/>
+          </a:prstGeom>
+          <a:ln>
+            <a:solidFill>
+              <a:srgbClr val="D6D4D2"/>
+            </a:solidFill>
+          </a:ln>
+        </p:spPr>
+        <p:style>
+          <a:lnRef idx="1">
+            <a:schemeClr val="accent1"/>
+          </a:lnRef>
+          <a:fillRef idx="0">
+            <a:schemeClr val="accent1"/>
+          </a:fillRef>
+          <a:effectRef idx="0">
+            <a:schemeClr val="accent1"/>
+          </a:effectRef>
+          <a:fontRef idx="minor">
+            <a:schemeClr val="tx1"/>
+          </a:fontRef>
+        </p:style>
+      </p:cxnSp>
+      <p:cxnSp>
+        <p:nvCxnSpPr>
+          <p:cNvPr id="26" name="직선 연결선 25">
+            <a:extLst>
+              <a:ext uri="{FF2B5EF4-FFF2-40B4-BE49-F238E27FC236}">
+                <a16:creationId xmlns:a16="http://schemas.microsoft.com/office/drawing/2014/main" id="{DCFD404F-317A-48B7-A8D6-ED33EAF574F8}"/>
+              </a:ext>
+            </a:extLst>
+          </p:cNvPr>
+          <p:cNvCxnSpPr/>
+          <p:nvPr/>
+        </p:nvCxnSpPr>
+        <p:spPr>
+          <a:xfrm>
+            <a:off x="3333866" y="2455069"/>
+            <a:ext cx="0" cy="35718"/>
+          </a:xfrm>
+          <a:prstGeom prst="line">
+            <a:avLst/>
+          </a:prstGeom>
+          <a:ln>
+            <a:solidFill>
+              <a:srgbClr val="D6D4D2"/>
+            </a:solidFill>
+          </a:ln>
+        </p:spPr>
+        <p:style>
+          <a:lnRef idx="1">
+            <a:schemeClr val="accent1"/>
+          </a:lnRef>
+          <a:fillRef idx="0">
+            <a:schemeClr val="accent1"/>
+          </a:fillRef>
+          <a:effectRef idx="0">
+            <a:schemeClr val="accent1"/>
+          </a:effectRef>
+          <a:fontRef idx="minor">
+            <a:schemeClr val="tx1"/>
+          </a:fontRef>
+        </p:style>
+      </p:cxnSp>
     </p:spTree>
     <p:extLst>
       <p:ext uri="{BB962C8B-B14F-4D97-AF65-F5344CB8AC3E}">
-        <p14:creationId xmlns:p14="http://schemas.microsoft.com/office/powerpoint/2010/main" val="3725177325"/>
+        <p14:creationId xmlns:p14="http://schemas.microsoft.com/office/powerpoint/2010/main" val="1329567803"/>
       </p:ext>
     </p:extLst>
   </p:cSld>
@@ -9042,12 +9744,42 @@
           <a:chExt cx="0" cy="0"/>
         </a:xfrm>
       </p:grpSpPr>
+      <p:pic>
+        <p:nvPicPr>
+          <p:cNvPr id="14" name="그림 13">
+            <a:extLst>
+              <a:ext uri="{FF2B5EF4-FFF2-40B4-BE49-F238E27FC236}">
+                <a16:creationId xmlns:a16="http://schemas.microsoft.com/office/drawing/2014/main" id="{1D4A5E59-2645-4613-8CE5-FAD578731D7E}"/>
+              </a:ext>
+            </a:extLst>
+          </p:cNvPr>
+          <p:cNvPicPr>
+            <a:picLocks noChangeAspect="1"/>
+          </p:cNvPicPr>
+          <p:nvPr/>
+        </p:nvPicPr>
+        <p:blipFill>
+          <a:blip r:embed="rId3"/>
+          <a:stretch>
+            <a:fillRect/>
+          </a:stretch>
+        </p:blipFill>
+        <p:spPr>
+          <a:xfrm>
+            <a:off x="36127" y="4862261"/>
+            <a:ext cx="1960963" cy="228019"/>
+          </a:xfrm>
+          <a:prstGeom prst="rect">
+            <a:avLst/>
+          </a:prstGeom>
+        </p:spPr>
+      </p:pic>
       <p:sp>
         <p:nvSpPr>
-          <p:cNvPr id="11" name="TextBox 10">
+          <p:cNvPr id="15" name="TextBox 14">
             <a:extLst>
               <a:ext uri="{FF2B5EF4-FFF2-40B4-BE49-F238E27FC236}">
-                <a16:creationId xmlns:a16="http://schemas.microsoft.com/office/drawing/2014/main" id="{904301EA-A429-42C9-A33E-8B6B533F9028}"/>
+                <a16:creationId xmlns:a16="http://schemas.microsoft.com/office/drawing/2014/main" id="{47F58ACF-4155-4B8D-9CDD-D47CE69D3A62}"/>
               </a:ext>
             </a:extLst>
           </p:cNvPr>
@@ -9056,8 +9788,8 @@
         </p:nvSpPr>
         <p:spPr>
           <a:xfrm>
-            <a:off x="0" y="4835723"/>
-            <a:ext cx="832279" cy="307777"/>
+            <a:off x="8705013" y="4761580"/>
+            <a:ext cx="383438" cy="307777"/>
           </a:xfrm>
           <a:prstGeom prst="rect">
             <a:avLst/>
@@ -9071,55 +9803,18 @@
           <a:lstStyle/>
           <a:p>
             <a:r>
-              <a:rPr lang="en-US" altLang="ko-KR" dirty="0"/>
-              <a:t>DE Lab.</a:t>
-            </a:r>
-            <a:endParaRPr lang="ko-KR" altLang="en-US" dirty="0"/>
+              <a:rPr lang="en-US" altLang="ko-KR" b="1" dirty="0"/>
+              <a:t>13</a:t>
+            </a:r>
           </a:p>
         </p:txBody>
       </p:sp>
       <p:sp>
         <p:nvSpPr>
-          <p:cNvPr id="12" name="TextBox 11">
+          <p:cNvPr id="18" name="TextBox 17">
             <a:extLst>
               <a:ext uri="{FF2B5EF4-FFF2-40B4-BE49-F238E27FC236}">
-                <a16:creationId xmlns:a16="http://schemas.microsoft.com/office/drawing/2014/main" id="{BD860A2B-D285-46E4-A777-75A659C153B0}"/>
-              </a:ext>
-            </a:extLst>
-          </p:cNvPr>
-          <p:cNvSpPr txBox="1"/>
-          <p:nvPr/>
-        </p:nvSpPr>
-        <p:spPr>
-          <a:xfrm>
-            <a:off x="8812107" y="4835722"/>
-            <a:ext cx="284052" cy="307777"/>
-          </a:xfrm>
-          <a:prstGeom prst="rect">
-            <a:avLst/>
-          </a:prstGeom>
-          <a:noFill/>
-        </p:spPr>
-        <p:txBody>
-          <a:bodyPr wrap="none" rtlCol="0">
-            <a:spAutoFit/>
-          </a:bodyPr>
-          <a:lstStyle/>
-          <a:p>
-            <a:r>
-              <a:rPr lang="en-US" altLang="ko-KR" b="1"/>
-              <a:t>5</a:t>
-            </a:r>
-            <a:endParaRPr lang="en-US" altLang="ko-KR" b="1" dirty="0"/>
-          </a:p>
-        </p:txBody>
-      </p:sp>
-      <p:sp>
-        <p:nvSpPr>
-          <p:cNvPr id="13" name="TextBox 12">
-            <a:extLst>
-              <a:ext uri="{FF2B5EF4-FFF2-40B4-BE49-F238E27FC236}">
-                <a16:creationId xmlns:a16="http://schemas.microsoft.com/office/drawing/2014/main" id="{9ADB1D43-0F16-4D7E-AF0F-814903EC48AC}"/>
+                <a16:creationId xmlns:a16="http://schemas.microsoft.com/office/drawing/2014/main" id="{C2E46355-D5F0-4D9E-BE00-8AB99836B2F6}"/>
               </a:ext>
             </a:extLst>
           </p:cNvPr>
@@ -9144,29 +9839,29 @@
           <a:p>
             <a:r>
               <a:rPr lang="en-US" altLang="ko-KR" b="1" dirty="0"/>
-              <a:t>Chap2. </a:t>
+              <a:t>Chap4. word2vec </a:t>
             </a:r>
             <a:r>
               <a:rPr lang="ko-KR" altLang="en-US" b="1" dirty="0"/>
-              <a:t>자연어와 단어의 분산 표현 </a:t>
+              <a:t>속도 개선</a:t>
             </a:r>
             <a:r>
               <a:rPr lang="en-US" altLang="ko-KR" b="1" dirty="0"/>
-              <a:t>– </a:t>
+              <a:t> - Embedding</a:t>
             </a:r>
             <a:r>
               <a:rPr lang="ko-KR" altLang="en-US" b="1" dirty="0"/>
-              <a:t>통계 기반 기법 개선하기</a:t>
+              <a:t>계층</a:t>
             </a:r>
           </a:p>
         </p:txBody>
       </p:sp>
       <p:sp>
         <p:nvSpPr>
-          <p:cNvPr id="6" name="TextBox 5">
+          <p:cNvPr id="21" name="TextBox 20">
             <a:extLst>
               <a:ext uri="{FF2B5EF4-FFF2-40B4-BE49-F238E27FC236}">
-                <a16:creationId xmlns:a16="http://schemas.microsoft.com/office/drawing/2014/main" id="{A94B277F-D560-4C41-B2B6-34342597C936}"/>
+                <a16:creationId xmlns:a16="http://schemas.microsoft.com/office/drawing/2014/main" id="{291699F5-EF6E-4EC4-95C8-B96F1EC6F395}"/>
               </a:ext>
             </a:extLst>
           </p:cNvPr>
@@ -9175,8 +9870,8 @@
         </p:nvSpPr>
         <p:spPr>
           <a:xfrm>
-            <a:off x="189867" y="538891"/>
-            <a:ext cx="2262292" cy="646331"/>
+            <a:off x="252228" y="904797"/>
+            <a:ext cx="5316852" cy="338554"/>
           </a:xfrm>
           <a:prstGeom prst="rect">
             <a:avLst/>
@@ -9189,64 +9884,606 @@
           </a:bodyPr>
           <a:lstStyle/>
           <a:p>
-            <a:pPr marL="285750" indent="-285750">
-              <a:buFont typeface="Arial" panose="020B0604020202020204" pitchFamily="34" charset="0"/>
-              <a:buChar char="•"/>
+            <a:r>
+              <a:rPr lang="ko-KR" altLang="en-US" sz="1600" b="1" dirty="0">
+                <a:latin typeface="+mj-lt"/>
+              </a:rPr>
+              <a:t>기존 </a:t>
+            </a:r>
+            <a:r>
+              <a:rPr lang="en-US" altLang="ko-KR" sz="1600" b="1" dirty="0" err="1">
+                <a:latin typeface="+mj-lt"/>
+              </a:rPr>
+              <a:t>CBoW</a:t>
+            </a:r>
+            <a:r>
+              <a:rPr lang="ko-KR" altLang="en-US" sz="1600" b="1" dirty="0">
+                <a:latin typeface="+mj-lt"/>
+              </a:rPr>
+              <a:t>의 문제점 </a:t>
+            </a:r>
+            <a:r>
+              <a:rPr lang="en-US" altLang="ko-KR" sz="1600" b="1" dirty="0">
+                <a:latin typeface="+mj-lt"/>
+              </a:rPr>
+              <a:t>1</a:t>
+            </a:r>
+            <a:endParaRPr lang="ko-KR" altLang="en-US" sz="1600" b="1" dirty="0">
+              <a:latin typeface="+mj-lt"/>
+            </a:endParaRPr>
+          </a:p>
+        </p:txBody>
+      </p:sp>
+      <p:sp>
+        <p:nvSpPr>
+          <p:cNvPr id="23" name="TextBox 22">
+            <a:extLst>
+              <a:ext uri="{FF2B5EF4-FFF2-40B4-BE49-F238E27FC236}">
+                <a16:creationId xmlns:a16="http://schemas.microsoft.com/office/drawing/2014/main" id="{B3A19DEA-7757-4A50-8EB9-09C23775B33D}"/>
+              </a:ext>
+            </a:extLst>
+          </p:cNvPr>
+          <p:cNvSpPr txBox="1"/>
+          <p:nvPr/>
+        </p:nvSpPr>
+        <p:spPr>
+          <a:xfrm>
+            <a:off x="252228" y="1283214"/>
+            <a:ext cx="4116572" cy="430887"/>
+          </a:xfrm>
+          <a:prstGeom prst="rect">
+            <a:avLst/>
+          </a:prstGeom>
+          <a:noFill/>
+        </p:spPr>
+        <p:txBody>
+          <a:bodyPr wrap="square" rtlCol="0">
+            <a:spAutoFit/>
+          </a:bodyPr>
+          <a:lstStyle/>
+          <a:p>
+            <a:r>
+              <a:rPr lang="en-US" altLang="ko-KR" sz="1100" dirty="0"/>
+              <a:t>- </a:t>
+            </a:r>
+            <a:r>
+              <a:rPr lang="ko-KR" altLang="en-US" sz="1100" dirty="0"/>
+              <a:t>문장 어휘와 </a:t>
+            </a:r>
+            <a:r>
+              <a:rPr lang="ko-KR" altLang="en-US" sz="1100" dirty="0" err="1"/>
+              <a:t>은닉층</a:t>
+            </a:r>
+            <a:r>
+              <a:rPr lang="ko-KR" altLang="en-US" sz="1100" dirty="0"/>
+              <a:t> 뉴런의 개수가 많아지면 입력층과        의 행렬 곱 </a:t>
+            </a:r>
+            <a:r>
+              <a:rPr lang="ko-KR" altLang="en-US" sz="1100" dirty="0" err="1"/>
+              <a:t>계산량이</a:t>
+            </a:r>
+            <a:r>
+              <a:rPr lang="ko-KR" altLang="en-US" sz="1100" dirty="0"/>
+              <a:t> 커져 병목 발생 </a:t>
+            </a:r>
+            <a:endParaRPr lang="en-US" altLang="ko-KR" sz="1100" dirty="0"/>
+          </a:p>
+        </p:txBody>
+      </p:sp>
+      <p:pic>
+        <p:nvPicPr>
+          <p:cNvPr id="17" name="그림 16">
+            <a:extLst>
+              <a:ext uri="{FF2B5EF4-FFF2-40B4-BE49-F238E27FC236}">
+                <a16:creationId xmlns:a16="http://schemas.microsoft.com/office/drawing/2014/main" id="{8EC1C2E5-A59E-4830-8BFC-F39673C04FB5}"/>
+              </a:ext>
+            </a:extLst>
+          </p:cNvPr>
+          <p:cNvPicPr>
+            <a:picLocks noChangeAspect="1"/>
+          </p:cNvPicPr>
+          <p:nvPr/>
+        </p:nvPicPr>
+        <p:blipFill>
+          <a:blip r:embed="rId4"/>
+          <a:stretch>
+            <a:fillRect/>
+          </a:stretch>
+        </p:blipFill>
+        <p:spPr>
+          <a:xfrm>
+            <a:off x="5519204" y="517126"/>
+            <a:ext cx="2687580" cy="2054623"/>
+          </a:xfrm>
+          <a:prstGeom prst="rect">
+            <a:avLst/>
+          </a:prstGeom>
+        </p:spPr>
+      </p:pic>
+      <p:pic>
+        <p:nvPicPr>
+          <p:cNvPr id="27" name="그림 26">
+            <a:extLst>
+              <a:ext uri="{FF2B5EF4-FFF2-40B4-BE49-F238E27FC236}">
+                <a16:creationId xmlns:a16="http://schemas.microsoft.com/office/drawing/2014/main" id="{AB64DE55-F627-4454-AFA7-6515D168507C}"/>
+              </a:ext>
+            </a:extLst>
+          </p:cNvPr>
+          <p:cNvPicPr>
+            <a:picLocks noChangeAspect="1"/>
+          </p:cNvPicPr>
+          <p:nvPr/>
+        </p:nvPicPr>
+        <p:blipFill>
+          <a:blip r:embed="rId5"/>
+          <a:stretch>
+            <a:fillRect/>
+          </a:stretch>
+        </p:blipFill>
+        <p:spPr>
+          <a:xfrm>
+            <a:off x="4764856" y="2733475"/>
+            <a:ext cx="3746988" cy="1730403"/>
+          </a:xfrm>
+          <a:prstGeom prst="rect">
+            <a:avLst/>
+          </a:prstGeom>
+        </p:spPr>
+      </p:pic>
+      <p:sp>
+        <p:nvSpPr>
+          <p:cNvPr id="28" name="TextBox 27">
+            <a:extLst>
+              <a:ext uri="{FF2B5EF4-FFF2-40B4-BE49-F238E27FC236}">
+                <a16:creationId xmlns:a16="http://schemas.microsoft.com/office/drawing/2014/main" id="{027D396B-2857-40E4-9366-8937D8D19939}"/>
+              </a:ext>
+            </a:extLst>
+          </p:cNvPr>
+          <p:cNvSpPr txBox="1"/>
+          <p:nvPr/>
+        </p:nvSpPr>
+        <p:spPr>
+          <a:xfrm>
+            <a:off x="252228" y="2582726"/>
+            <a:ext cx="5316852" cy="338554"/>
+          </a:xfrm>
+          <a:prstGeom prst="rect">
+            <a:avLst/>
+          </a:prstGeom>
+          <a:noFill/>
+        </p:spPr>
+        <p:txBody>
+          <a:bodyPr wrap="square" rtlCol="0">
+            <a:spAutoFit/>
+          </a:bodyPr>
+          <a:lstStyle/>
+          <a:p>
+            <a:r>
+              <a:rPr lang="en-US" altLang="ko-KR" sz="1600" b="1" dirty="0">
+                <a:latin typeface="+mj-lt"/>
+              </a:rPr>
+              <a:t>Embedding</a:t>
+            </a:r>
+            <a:r>
+              <a:rPr lang="ko-KR" altLang="en-US" sz="1600" b="1" dirty="0">
+                <a:latin typeface="+mj-lt"/>
+              </a:rPr>
+              <a:t>계층</a:t>
+            </a:r>
+          </a:p>
+        </p:txBody>
+      </p:sp>
+      <p:sp>
+        <p:nvSpPr>
+          <p:cNvPr id="31" name="TextBox 30">
+            <a:extLst>
+              <a:ext uri="{FF2B5EF4-FFF2-40B4-BE49-F238E27FC236}">
+                <a16:creationId xmlns:a16="http://schemas.microsoft.com/office/drawing/2014/main" id="{FDE9268E-E96E-4F2A-B985-6F73C1518F9F}"/>
+              </a:ext>
+            </a:extLst>
+          </p:cNvPr>
+          <p:cNvSpPr txBox="1"/>
+          <p:nvPr/>
+        </p:nvSpPr>
+        <p:spPr>
+          <a:xfrm>
+            <a:off x="252228" y="2921280"/>
+            <a:ext cx="4512628" cy="938719"/>
+          </a:xfrm>
+          <a:prstGeom prst="rect">
+            <a:avLst/>
+          </a:prstGeom>
+          <a:noFill/>
+        </p:spPr>
+        <p:txBody>
+          <a:bodyPr wrap="square" rtlCol="0">
+            <a:spAutoFit/>
+          </a:bodyPr>
+          <a:lstStyle/>
+          <a:p>
+            <a:r>
+              <a:rPr lang="en-US" altLang="ko-KR" sz="1100" dirty="0"/>
+              <a:t>- </a:t>
+            </a:r>
+            <a:r>
+              <a:rPr lang="ko-KR" altLang="en-US" sz="1100" dirty="0" err="1"/>
+              <a:t>원핫</a:t>
+            </a:r>
+            <a:r>
+              <a:rPr lang="ko-KR" altLang="en-US" sz="1100" dirty="0"/>
+              <a:t> 벡터와 가중치의 곱은 </a:t>
+            </a:r>
+            <a:r>
+              <a:rPr lang="ko-KR" altLang="en-US" sz="1100" dirty="0" err="1"/>
+              <a:t>행벡터</a:t>
+            </a:r>
+            <a:r>
+              <a:rPr lang="ko-KR" altLang="en-US" sz="1100" dirty="0"/>
+              <a:t> 추출과 동일 </a:t>
+            </a:r>
+            <a:endParaRPr lang="en-US" altLang="ko-KR" sz="1100" dirty="0"/>
+          </a:p>
+          <a:p>
+            <a:pPr marL="171450" indent="-171450">
+              <a:buFontTx/>
+              <a:buChar char="-"/>
             </a:pPr>
             <a:r>
-              <a:rPr lang="ko-KR" altLang="en-US" sz="1200" dirty="0">
-                <a:solidFill>
-                  <a:schemeClr val="tx1"/>
-                </a:solidFill>
-              </a:rPr>
-              <a:t>시소러스</a:t>
-            </a:r>
-            <a:endParaRPr lang="en-US" altLang="ko-KR" sz="1200" dirty="0">
-              <a:solidFill>
-                <a:schemeClr val="tx1"/>
-              </a:solidFill>
-            </a:endParaRPr>
-          </a:p>
-          <a:p>
-            <a:pPr marL="285750" indent="-285750">
-              <a:buFont typeface="Arial" panose="020B0604020202020204" pitchFamily="34" charset="0"/>
-              <a:buChar char="•"/>
-            </a:pPr>
-            <a:r>
-              <a:rPr lang="ko-KR" altLang="en-US" sz="1200" b="1" dirty="0">
-                <a:solidFill>
-                  <a:srgbClr val="FF0000"/>
-                </a:solidFill>
-              </a:rPr>
-              <a:t>통계 기반 기법</a:t>
-            </a:r>
-            <a:endParaRPr lang="en-US" altLang="ko-KR" sz="1200" b="1" dirty="0">
-              <a:solidFill>
-                <a:srgbClr val="FF0000"/>
-              </a:solidFill>
-            </a:endParaRPr>
-          </a:p>
-          <a:p>
-            <a:pPr marL="285750" indent="-285750">
-              <a:buFont typeface="Arial" panose="020B0604020202020204" pitchFamily="34" charset="0"/>
-              <a:buChar char="•"/>
-            </a:pPr>
-            <a:r>
-              <a:rPr lang="ko-KR" altLang="en-US" sz="1200" dirty="0"/>
-              <a:t>추론 기반 기법</a:t>
-            </a:r>
-            <a:r>
-              <a:rPr lang="en-US" altLang="ko-KR" sz="1200" dirty="0"/>
-              <a:t>(word2vec)</a:t>
-            </a:r>
-            <a:endParaRPr lang="ko-KR" altLang="en-US" sz="1200" dirty="0"/>
+              <a:rPr lang="en-US" altLang="ko-KR" sz="1100" dirty="0"/>
+              <a:t>     (</a:t>
+            </a:r>
+            <a:r>
+              <a:rPr lang="ko-KR" altLang="en-US" sz="1100" dirty="0"/>
+              <a:t>분산 표현 벡터</a:t>
+            </a:r>
+            <a:r>
+              <a:rPr lang="en-US" altLang="ko-KR" sz="1100" dirty="0"/>
+              <a:t>)</a:t>
+            </a:r>
+            <a:r>
+              <a:rPr lang="ko-KR" altLang="en-US" sz="1100" dirty="0"/>
+              <a:t>로부터 인덱스에 해당하는 </a:t>
+            </a:r>
+            <a:r>
+              <a:rPr lang="ko-KR" altLang="en-US" sz="1100" dirty="0" err="1"/>
+              <a:t>행만을</a:t>
+            </a:r>
+            <a:r>
+              <a:rPr lang="ko-KR" altLang="en-US" sz="1100" dirty="0"/>
+              <a:t> 추출해 계산</a:t>
+            </a:r>
+            <a:endParaRPr lang="en-US" altLang="ko-KR" sz="1100" dirty="0"/>
+          </a:p>
+          <a:p>
+            <a:endParaRPr lang="en-US" altLang="ko-KR" sz="1100" dirty="0"/>
+          </a:p>
+          <a:p>
+            <a:r>
+              <a:rPr lang="en-US" altLang="ko-KR" sz="1100" dirty="0"/>
+              <a:t>- </a:t>
+            </a:r>
+            <a:r>
+              <a:rPr lang="ko-KR" altLang="en-US" sz="1100" dirty="0" err="1"/>
+              <a:t>역전파</a:t>
+            </a:r>
+            <a:r>
+              <a:rPr lang="ko-KR" altLang="en-US" sz="1100" dirty="0"/>
+              <a:t> 과정에서 인덱스가 겹치는 경우를 고려하여 </a:t>
+            </a:r>
+            <a:r>
+              <a:rPr lang="ko-KR" altLang="en-US" sz="1100" dirty="0" err="1"/>
+              <a:t>손실함수값을</a:t>
+            </a:r>
+            <a:r>
+              <a:rPr lang="ko-KR" altLang="en-US" sz="1100" dirty="0"/>
+              <a:t> 할당이 아닌 더하기로 학습</a:t>
+            </a:r>
+          </a:p>
+        </p:txBody>
+      </p:sp>
+      <mc:AlternateContent xmlns:mc="http://schemas.openxmlformats.org/markup-compatibility/2006">
+        <mc:Choice xmlns:a14="http://schemas.microsoft.com/office/drawing/2010/main" Requires="a14">
+          <p:sp>
+            <p:nvSpPr>
+              <p:cNvPr id="35" name="TextBox 34">
+                <a:extLst>
+                  <a:ext uri="{FF2B5EF4-FFF2-40B4-BE49-F238E27FC236}">
+                    <a16:creationId xmlns:a16="http://schemas.microsoft.com/office/drawing/2014/main" id="{D8884F15-9F38-47BC-ACD3-90B019FFDFF3}"/>
+                  </a:ext>
+                </a:extLst>
+              </p:cNvPr>
+              <p:cNvSpPr txBox="1"/>
+              <p:nvPr/>
+            </p:nvSpPr>
+            <p:spPr>
+              <a:xfrm>
+                <a:off x="409575" y="3089002"/>
+                <a:ext cx="317908" cy="215444"/>
+              </a:xfrm>
+              <a:prstGeom prst="rect">
+                <a:avLst/>
+              </a:prstGeom>
+              <a:noFill/>
+            </p:spPr>
+            <p:txBody>
+              <a:bodyPr wrap="none" lIns="0" tIns="0" rIns="0" bIns="0" rtlCol="0">
+                <a:spAutoFit/>
+              </a:bodyPr>
+              <a:lstStyle/>
+              <a:p>
+                <a14:m>
+                  <m:oMathPara xmlns:m="http://schemas.openxmlformats.org/officeDocument/2006/math">
+                    <m:oMathParaPr>
+                      <m:jc m:val="centerGroup"/>
+                    </m:oMathParaPr>
+                    <m:oMath xmlns:m="http://schemas.openxmlformats.org/officeDocument/2006/math">
+                      <m:sSub>
+                        <m:sSubPr>
+                          <m:ctrlPr>
+                            <a:rPr lang="ko-KR" altLang="en-US" smtClean="0">
+                              <a:solidFill>
+                                <a:srgbClr val="836967"/>
+                              </a:solidFill>
+                              <a:latin typeface="Cambria Math" panose="02040503050406030204" pitchFamily="18" charset="0"/>
+                            </a:rPr>
+                          </m:ctrlPr>
+                        </m:sSubPr>
+                        <m:e>
+                          <m:r>
+                            <a:rPr lang="ko-KR" altLang="en-US" i="1">
+                              <a:latin typeface="Cambria Math" panose="02040503050406030204" pitchFamily="18" charset="0"/>
+                            </a:rPr>
+                            <m:t>𝑤</m:t>
+                          </m:r>
+                        </m:e>
+                        <m:sub>
+                          <m:r>
+                            <a:rPr lang="ko-KR" altLang="en-US" i="1">
+                              <a:latin typeface="Cambria Math" panose="02040503050406030204" pitchFamily="18" charset="0"/>
+                            </a:rPr>
+                            <m:t>𝑖𝑛</m:t>
+                          </m:r>
+                        </m:sub>
+                      </m:sSub>
+                    </m:oMath>
+                  </m:oMathPara>
+                </a14:m>
+                <a:endParaRPr lang="ko-KR" altLang="en-US" dirty="0"/>
+              </a:p>
+            </p:txBody>
+          </p:sp>
+        </mc:Choice>
+        <mc:Fallback>
+          <p:sp>
+            <p:nvSpPr>
+              <p:cNvPr id="35" name="TextBox 34">
+                <a:extLst>
+                  <a:ext uri="{FF2B5EF4-FFF2-40B4-BE49-F238E27FC236}">
+                    <a16:creationId xmlns:a16="http://schemas.microsoft.com/office/drawing/2014/main" id="{D8884F15-9F38-47BC-ACD3-90B019FFDFF3}"/>
+                  </a:ext>
+                </a:extLst>
+              </p:cNvPr>
+              <p:cNvSpPr txBox="1">
+                <a:spLocks noRot="1" noChangeAspect="1" noMove="1" noResize="1" noEditPoints="1" noAdjustHandles="1" noChangeArrowheads="1" noChangeShapeType="1" noTextEdit="1"/>
+              </p:cNvSpPr>
+              <p:nvPr/>
+            </p:nvSpPr>
+            <p:spPr>
+              <a:xfrm>
+                <a:off x="409575" y="3089002"/>
+                <a:ext cx="317908" cy="215444"/>
+              </a:xfrm>
+              <a:prstGeom prst="rect">
+                <a:avLst/>
+              </a:prstGeom>
+              <a:blipFill>
+                <a:blip r:embed="rId6"/>
+                <a:stretch>
+                  <a:fillRect l="-5769" r="-1923" b="-17143"/>
+                </a:stretch>
+              </a:blipFill>
+            </p:spPr>
+            <p:txBody>
+              <a:bodyPr/>
+              <a:lstStyle/>
+              <a:p>
+                <a:r>
+                  <a:rPr lang="ko-KR" altLang="en-US">
+                    <a:noFill/>
+                  </a:rPr>
+                  <a:t> </a:t>
+                </a:r>
+              </a:p>
+            </p:txBody>
+          </p:sp>
+        </mc:Fallback>
+      </mc:AlternateContent>
+      <p:pic>
+        <p:nvPicPr>
+          <p:cNvPr id="37" name="그림 36">
+            <a:extLst>
+              <a:ext uri="{FF2B5EF4-FFF2-40B4-BE49-F238E27FC236}">
+                <a16:creationId xmlns:a16="http://schemas.microsoft.com/office/drawing/2014/main" id="{1590C7A5-827E-4220-87E8-26EAA6BC6E84}"/>
+              </a:ext>
+            </a:extLst>
+          </p:cNvPr>
+          <p:cNvPicPr>
+            <a:picLocks noChangeAspect="1"/>
+          </p:cNvPicPr>
+          <p:nvPr/>
+        </p:nvPicPr>
+        <p:blipFill>
+          <a:blip r:embed="rId7"/>
+          <a:stretch>
+            <a:fillRect/>
+          </a:stretch>
+        </p:blipFill>
+        <p:spPr>
+          <a:xfrm>
+            <a:off x="2095213" y="3675460"/>
+            <a:ext cx="1630881" cy="1046186"/>
+          </a:xfrm>
+          <a:prstGeom prst="rect">
+            <a:avLst/>
+          </a:prstGeom>
+        </p:spPr>
+      </p:pic>
+      <mc:AlternateContent xmlns:mc="http://schemas.openxmlformats.org/markup-compatibility/2006">
+        <mc:Choice xmlns:a14="http://schemas.microsoft.com/office/drawing/2010/main" Requires="a14">
+          <p:sp>
+            <p:nvSpPr>
+              <p:cNvPr id="38" name="TextBox 37">
+                <a:extLst>
+                  <a:ext uri="{FF2B5EF4-FFF2-40B4-BE49-F238E27FC236}">
+                    <a16:creationId xmlns:a16="http://schemas.microsoft.com/office/drawing/2014/main" id="{319E5462-9D5F-470C-BD14-BC6C802D7D3F}"/>
+                  </a:ext>
+                </a:extLst>
+              </p:cNvPr>
+              <p:cNvSpPr txBox="1"/>
+              <p:nvPr/>
+            </p:nvSpPr>
+            <p:spPr>
+              <a:xfrm>
+                <a:off x="3749675" y="1272247"/>
+                <a:ext cx="317908" cy="215444"/>
+              </a:xfrm>
+              <a:prstGeom prst="rect">
+                <a:avLst/>
+              </a:prstGeom>
+              <a:noFill/>
+            </p:spPr>
+            <p:txBody>
+              <a:bodyPr wrap="none" lIns="0" tIns="0" rIns="0" bIns="0" rtlCol="0">
+                <a:spAutoFit/>
+              </a:bodyPr>
+              <a:lstStyle/>
+              <a:p>
+                <a14:m>
+                  <m:oMathPara xmlns:m="http://schemas.openxmlformats.org/officeDocument/2006/math">
+                    <m:oMathParaPr>
+                      <m:jc m:val="centerGroup"/>
+                    </m:oMathParaPr>
+                    <m:oMath xmlns:m="http://schemas.openxmlformats.org/officeDocument/2006/math">
+                      <m:sSub>
+                        <m:sSubPr>
+                          <m:ctrlPr>
+                            <a:rPr lang="ko-KR" altLang="en-US" smtClean="0">
+                              <a:solidFill>
+                                <a:srgbClr val="836967"/>
+                              </a:solidFill>
+                              <a:latin typeface="Cambria Math" panose="02040503050406030204" pitchFamily="18" charset="0"/>
+                            </a:rPr>
+                          </m:ctrlPr>
+                        </m:sSubPr>
+                        <m:e>
+                          <m:r>
+                            <a:rPr lang="ko-KR" altLang="en-US" i="1">
+                              <a:latin typeface="Cambria Math" panose="02040503050406030204" pitchFamily="18" charset="0"/>
+                            </a:rPr>
+                            <m:t>𝑤</m:t>
+                          </m:r>
+                        </m:e>
+                        <m:sub>
+                          <m:r>
+                            <a:rPr lang="ko-KR" altLang="en-US" i="1">
+                              <a:latin typeface="Cambria Math" panose="02040503050406030204" pitchFamily="18" charset="0"/>
+                            </a:rPr>
+                            <m:t>𝑖𝑛</m:t>
+                          </m:r>
+                        </m:sub>
+                      </m:sSub>
+                    </m:oMath>
+                  </m:oMathPara>
+                </a14:m>
+                <a:endParaRPr lang="ko-KR" altLang="en-US" dirty="0"/>
+              </a:p>
+            </p:txBody>
+          </p:sp>
+        </mc:Choice>
+        <mc:Fallback>
+          <p:sp>
+            <p:nvSpPr>
+              <p:cNvPr id="38" name="TextBox 37">
+                <a:extLst>
+                  <a:ext uri="{FF2B5EF4-FFF2-40B4-BE49-F238E27FC236}">
+                    <a16:creationId xmlns:a16="http://schemas.microsoft.com/office/drawing/2014/main" id="{319E5462-9D5F-470C-BD14-BC6C802D7D3F}"/>
+                  </a:ext>
+                </a:extLst>
+              </p:cNvPr>
+              <p:cNvSpPr txBox="1">
+                <a:spLocks noRot="1" noChangeAspect="1" noMove="1" noResize="1" noEditPoints="1" noAdjustHandles="1" noChangeArrowheads="1" noChangeShapeType="1" noTextEdit="1"/>
+              </p:cNvSpPr>
+              <p:nvPr/>
+            </p:nvSpPr>
+            <p:spPr>
+              <a:xfrm>
+                <a:off x="3749675" y="1272247"/>
+                <a:ext cx="317908" cy="215444"/>
+              </a:xfrm>
+              <a:prstGeom prst="rect">
+                <a:avLst/>
+              </a:prstGeom>
+              <a:blipFill>
+                <a:blip r:embed="rId6"/>
+                <a:stretch>
+                  <a:fillRect l="-5769" r="-1923" b="-17143"/>
+                </a:stretch>
+              </a:blipFill>
+            </p:spPr>
+            <p:txBody>
+              <a:bodyPr/>
+              <a:lstStyle/>
+              <a:p>
+                <a:r>
+                  <a:rPr lang="ko-KR" altLang="en-US">
+                    <a:noFill/>
+                  </a:rPr>
+                  <a:t> </a:t>
+                </a:r>
+              </a:p>
+            </p:txBody>
+          </p:sp>
+        </mc:Fallback>
+      </mc:AlternateContent>
+      <p:sp>
+        <p:nvSpPr>
+          <p:cNvPr id="39" name="TextBox 38">
+            <a:extLst>
+              <a:ext uri="{FF2B5EF4-FFF2-40B4-BE49-F238E27FC236}">
+                <a16:creationId xmlns:a16="http://schemas.microsoft.com/office/drawing/2014/main" id="{24B7737D-DC63-4445-B11B-07068952C3B5}"/>
+              </a:ext>
+            </a:extLst>
+          </p:cNvPr>
+          <p:cNvSpPr txBox="1"/>
+          <p:nvPr/>
+        </p:nvSpPr>
+        <p:spPr>
+          <a:xfrm>
+            <a:off x="1997090" y="4721646"/>
+            <a:ext cx="2086603" cy="215444"/>
+          </a:xfrm>
+          <a:prstGeom prst="rect">
+            <a:avLst/>
+          </a:prstGeom>
+          <a:noFill/>
+        </p:spPr>
+        <p:txBody>
+          <a:bodyPr wrap="square" rtlCol="0">
+            <a:spAutoFit/>
+          </a:bodyPr>
+          <a:lstStyle/>
+          <a:p>
+            <a:r>
+              <a:rPr lang="ko-KR" altLang="en-US" sz="800" b="1" dirty="0"/>
+              <a:t>인덱스가 겹친 원소의 경우</a:t>
+            </a:r>
           </a:p>
         </p:txBody>
       </p:sp>
     </p:spTree>
     <p:extLst>
       <p:ext uri="{BB962C8B-B14F-4D97-AF65-F5344CB8AC3E}">
-        <p14:creationId xmlns:p14="http://schemas.microsoft.com/office/powerpoint/2010/main" val="1424872046"/>
+        <p14:creationId xmlns:p14="http://schemas.microsoft.com/office/powerpoint/2010/main" val="1058880674"/>
       </p:ext>
     </p:extLst>
   </p:cSld>
@@ -9273,12 +10510,42 @@
           <a:chExt cx="0" cy="0"/>
         </a:xfrm>
       </p:grpSpPr>
+      <p:pic>
+        <p:nvPicPr>
+          <p:cNvPr id="14" name="그림 13">
+            <a:extLst>
+              <a:ext uri="{FF2B5EF4-FFF2-40B4-BE49-F238E27FC236}">
+                <a16:creationId xmlns:a16="http://schemas.microsoft.com/office/drawing/2014/main" id="{1D4A5E59-2645-4613-8CE5-FAD578731D7E}"/>
+              </a:ext>
+            </a:extLst>
+          </p:cNvPr>
+          <p:cNvPicPr>
+            <a:picLocks noChangeAspect="1"/>
+          </p:cNvPicPr>
+          <p:nvPr/>
+        </p:nvPicPr>
+        <p:blipFill>
+          <a:blip r:embed="rId3"/>
+          <a:stretch>
+            <a:fillRect/>
+          </a:stretch>
+        </p:blipFill>
+        <p:spPr>
+          <a:xfrm>
+            <a:off x="36127" y="4862261"/>
+            <a:ext cx="1960963" cy="228019"/>
+          </a:xfrm>
+          <a:prstGeom prst="rect">
+            <a:avLst/>
+          </a:prstGeom>
+        </p:spPr>
+      </p:pic>
       <p:sp>
         <p:nvSpPr>
-          <p:cNvPr id="11" name="TextBox 10">
+          <p:cNvPr id="15" name="TextBox 14">
             <a:extLst>
               <a:ext uri="{FF2B5EF4-FFF2-40B4-BE49-F238E27FC236}">
-                <a16:creationId xmlns:a16="http://schemas.microsoft.com/office/drawing/2014/main" id="{904301EA-A429-42C9-A33E-8B6B533F9028}"/>
+                <a16:creationId xmlns:a16="http://schemas.microsoft.com/office/drawing/2014/main" id="{47F58ACF-4155-4B8D-9CDD-D47CE69D3A62}"/>
               </a:ext>
             </a:extLst>
           </p:cNvPr>
@@ -9287,8 +10554,8 @@
         </p:nvSpPr>
         <p:spPr>
           <a:xfrm>
-            <a:off x="0" y="4835723"/>
-            <a:ext cx="832279" cy="307777"/>
+            <a:off x="8705013" y="4761580"/>
+            <a:ext cx="383438" cy="307777"/>
           </a:xfrm>
           <a:prstGeom prst="rect">
             <a:avLst/>
@@ -9302,10 +10569,56 @@
           <a:lstStyle/>
           <a:p>
             <a:r>
-              <a:rPr lang="en-US" altLang="ko-KR" dirty="0"/>
-              <a:t>DE Lab.</a:t>
-            </a:r>
-            <a:endParaRPr lang="ko-KR" altLang="en-US" dirty="0"/>
+              <a:rPr lang="en-US" altLang="ko-KR" b="1" dirty="0"/>
+              <a:t>14</a:t>
+            </a:r>
+          </a:p>
+        </p:txBody>
+      </p:sp>
+      <p:sp>
+        <p:nvSpPr>
+          <p:cNvPr id="18" name="TextBox 17">
+            <a:extLst>
+              <a:ext uri="{FF2B5EF4-FFF2-40B4-BE49-F238E27FC236}">
+                <a16:creationId xmlns:a16="http://schemas.microsoft.com/office/drawing/2014/main" id="{C2E46355-D5F0-4D9E-BE00-8AB99836B2F6}"/>
+              </a:ext>
+            </a:extLst>
+          </p:cNvPr>
+          <p:cNvSpPr txBox="1"/>
+          <p:nvPr/>
+        </p:nvSpPr>
+        <p:spPr>
+          <a:xfrm>
+            <a:off x="73666" y="84879"/>
+            <a:ext cx="5880094" cy="307777"/>
+          </a:xfrm>
+          <a:prstGeom prst="rect">
+            <a:avLst/>
+          </a:prstGeom>
+          <a:noFill/>
+        </p:spPr>
+        <p:txBody>
+          <a:bodyPr wrap="square" rtlCol="0">
+            <a:spAutoFit/>
+          </a:bodyPr>
+          <a:lstStyle/>
+          <a:p>
+            <a:r>
+              <a:rPr lang="en-US" altLang="ko-KR" b="1" dirty="0"/>
+              <a:t>Chap4. word2vec </a:t>
+            </a:r>
+            <a:r>
+              <a:rPr lang="ko-KR" altLang="en-US" b="1" dirty="0"/>
+              <a:t>속도 개선 </a:t>
+            </a:r>
+            <a:r>
+              <a:rPr lang="en-US" altLang="ko-KR" b="1" dirty="0"/>
+              <a:t>– </a:t>
+            </a:r>
+            <a:r>
+              <a:rPr lang="ko-KR" altLang="en-US" b="1" dirty="0"/>
+              <a:t>네거티브 샘플링</a:t>
+            </a:r>
           </a:p>
         </p:txBody>
       </p:sp>
@@ -9314,7 +10627,7 @@
           <p:cNvPr id="12" name="TextBox 11">
             <a:extLst>
               <a:ext uri="{FF2B5EF4-FFF2-40B4-BE49-F238E27FC236}">
-                <a16:creationId xmlns:a16="http://schemas.microsoft.com/office/drawing/2014/main" id="{BD860A2B-D285-46E4-A777-75A659C153B0}"/>
+                <a16:creationId xmlns:a16="http://schemas.microsoft.com/office/drawing/2014/main" id="{227B37A3-E438-4978-81B6-06804B305A6C}"/>
               </a:ext>
             </a:extLst>
           </p:cNvPr>
@@ -9323,44 +10636,8 @@
         </p:nvSpPr>
         <p:spPr>
           <a:xfrm>
-            <a:off x="8812107" y="4835722"/>
-            <a:ext cx="284052" cy="307777"/>
-          </a:xfrm>
-          <a:prstGeom prst="rect">
-            <a:avLst/>
-          </a:prstGeom>
-          <a:noFill/>
-        </p:spPr>
-        <p:txBody>
-          <a:bodyPr wrap="none" rtlCol="0">
-            <a:spAutoFit/>
-          </a:bodyPr>
-          <a:lstStyle/>
-          <a:p>
-            <a:r>
-              <a:rPr lang="en-US" altLang="ko-KR" b="1"/>
-              <a:t>5</a:t>
-            </a:r>
-            <a:endParaRPr lang="en-US" altLang="ko-KR" b="1" dirty="0"/>
-          </a:p>
-        </p:txBody>
-      </p:sp>
-      <p:sp>
-        <p:nvSpPr>
-          <p:cNvPr id="13" name="TextBox 12">
-            <a:extLst>
-              <a:ext uri="{FF2B5EF4-FFF2-40B4-BE49-F238E27FC236}">
-                <a16:creationId xmlns:a16="http://schemas.microsoft.com/office/drawing/2014/main" id="{9ADB1D43-0F16-4D7E-AF0F-814903EC48AC}"/>
-              </a:ext>
-            </a:extLst>
-          </p:cNvPr>
-          <p:cNvSpPr txBox="1"/>
-          <p:nvPr/>
-        </p:nvSpPr>
-        <p:spPr>
-          <a:xfrm>
-            <a:off x="73666" y="84879"/>
-            <a:ext cx="5880094" cy="307777"/>
+            <a:off x="525278" y="1049624"/>
+            <a:ext cx="5316852" cy="338554"/>
           </a:xfrm>
           <a:prstGeom prst="rect">
             <a:avLst/>
@@ -9374,30 +10651,392 @@
           <a:lstStyle/>
           <a:p>
             <a:r>
-              <a:rPr lang="en-US" altLang="ko-KR" b="1" dirty="0"/>
-              <a:t>Chap2. </a:t>
-            </a:r>
-            <a:r>
-              <a:rPr lang="ko-KR" altLang="en-US" b="1" dirty="0"/>
-              <a:t>자연어와 단어의 분산 표현 </a:t>
-            </a:r>
-            <a:r>
-              <a:rPr lang="en-US" altLang="ko-KR" b="1" dirty="0"/>
-              <a:t>– </a:t>
-            </a:r>
-            <a:r>
-              <a:rPr lang="ko-KR" altLang="en-US" b="1" dirty="0"/>
-              <a:t>통계 기반 기법 개선하기</a:t>
-            </a:r>
+              <a:rPr lang="ko-KR" altLang="en-US" sz="1600" b="1" dirty="0">
+                <a:latin typeface="+mj-lt"/>
+              </a:rPr>
+              <a:t>기존 </a:t>
+            </a:r>
+            <a:r>
+              <a:rPr lang="en-US" altLang="ko-KR" sz="1600" b="1" dirty="0" err="1">
+                <a:latin typeface="+mj-lt"/>
+              </a:rPr>
+              <a:t>CBoW</a:t>
+            </a:r>
+            <a:r>
+              <a:rPr lang="ko-KR" altLang="en-US" sz="1600" b="1" dirty="0">
+                <a:latin typeface="+mj-lt"/>
+              </a:rPr>
+              <a:t>의 문제점 </a:t>
+            </a:r>
+            <a:r>
+              <a:rPr lang="en-US" altLang="ko-KR" sz="1600" b="1" dirty="0">
+                <a:latin typeface="+mj-lt"/>
+              </a:rPr>
+              <a:t>2</a:t>
+            </a:r>
+            <a:endParaRPr lang="ko-KR" altLang="en-US" sz="1600" b="1" dirty="0">
+              <a:latin typeface="+mj-lt"/>
+            </a:endParaRPr>
           </a:p>
         </p:txBody>
       </p:sp>
+      <mc:AlternateContent xmlns:mc="http://schemas.openxmlformats.org/markup-compatibility/2006">
+        <mc:Choice xmlns:a14="http://schemas.microsoft.com/office/drawing/2010/main" Requires="a14">
+          <p:sp>
+            <p:nvSpPr>
+              <p:cNvPr id="16" name="TextBox 15">
+                <a:extLst>
+                  <a:ext uri="{FF2B5EF4-FFF2-40B4-BE49-F238E27FC236}">
+                    <a16:creationId xmlns:a16="http://schemas.microsoft.com/office/drawing/2014/main" id="{A6470417-AE90-4564-8141-0489CA06CF80}"/>
+                  </a:ext>
+                </a:extLst>
+              </p:cNvPr>
+              <p:cNvSpPr txBox="1"/>
+              <p:nvPr/>
+            </p:nvSpPr>
+            <p:spPr>
+              <a:xfrm>
+                <a:off x="580793" y="1415503"/>
+                <a:ext cx="4116572" cy="600164"/>
+              </a:xfrm>
+              <a:prstGeom prst="rect">
+                <a:avLst/>
+              </a:prstGeom>
+              <a:noFill/>
+            </p:spPr>
+            <p:txBody>
+              <a:bodyPr wrap="square" rtlCol="0">
+                <a:spAutoFit/>
+              </a:bodyPr>
+              <a:lstStyle/>
+              <a:p>
+                <a:r>
+                  <a:rPr lang="en-US" altLang="ko-KR" sz="1100" dirty="0"/>
+                  <a:t>- </a:t>
+                </a:r>
+                <a:r>
+                  <a:rPr lang="ko-KR" altLang="en-US" sz="1100" dirty="0"/>
+                  <a:t>문장 어휘와 </a:t>
+                </a:r>
+                <a:r>
+                  <a:rPr lang="ko-KR" altLang="en-US" sz="1100" dirty="0" err="1"/>
+                  <a:t>은닉층</a:t>
+                </a:r>
+                <a:r>
+                  <a:rPr lang="ko-KR" altLang="en-US" sz="1100" dirty="0"/>
+                  <a:t> 뉴런의 개수가 많아지면 입력층과 </a:t>
+                </a:r>
+                <a14:m>
+                  <m:oMath xmlns:m="http://schemas.openxmlformats.org/officeDocument/2006/math">
+                    <m:sSub>
+                      <m:sSubPr>
+                        <m:ctrlPr>
+                          <a:rPr lang="en-US" altLang="ko-KR" sz="1100" i="1">
+                            <a:solidFill>
+                              <a:srgbClr val="836967"/>
+                            </a:solidFill>
+                            <a:latin typeface="Cambria Math" panose="02040503050406030204" pitchFamily="18" charset="0"/>
+                          </a:rPr>
+                        </m:ctrlPr>
+                      </m:sSubPr>
+                      <m:e>
+                        <m:r>
+                          <a:rPr lang="en-US" altLang="ko-KR" sz="1100" i="1">
+                            <a:latin typeface="Cambria Math" panose="02040503050406030204" pitchFamily="18" charset="0"/>
+                          </a:rPr>
+                          <m:t>𝑤</m:t>
+                        </m:r>
+                      </m:e>
+                      <m:sub>
+                        <m:r>
+                          <a:rPr lang="en-US" altLang="ko-KR" sz="1100" i="1">
+                            <a:latin typeface="Cambria Math" panose="02040503050406030204" pitchFamily="18" charset="0"/>
+                          </a:rPr>
+                          <m:t>𝑜𝑢𝑡</m:t>
+                        </m:r>
+                      </m:sub>
+                    </m:sSub>
+                    <m:r>
+                      <a:rPr lang="en-US" altLang="ko-KR" sz="1100" i="1">
+                        <a:latin typeface="Cambria Math" panose="02040503050406030204" pitchFamily="18" charset="0"/>
+                      </a:rPr>
+                      <m:t> </m:t>
+                    </m:r>
+                  </m:oMath>
+                </a14:m>
+                <a:r>
+                  <a:rPr lang="ko-KR" altLang="en-US" sz="1100" dirty="0"/>
+                  <a:t>의 행렬 곱 </a:t>
+                </a:r>
+                <a:r>
+                  <a:rPr lang="ko-KR" altLang="en-US" sz="1100" dirty="0" err="1"/>
+                  <a:t>계산량이</a:t>
+                </a:r>
+                <a:r>
+                  <a:rPr lang="ko-KR" altLang="en-US" sz="1100" dirty="0"/>
+                  <a:t> 커져 병목 발생</a:t>
+                </a:r>
+                <a:endParaRPr lang="en-US" altLang="ko-KR" sz="1100" dirty="0"/>
+              </a:p>
+              <a:p>
+                <a:r>
+                  <a:rPr lang="en-US" altLang="ko-KR" sz="1100" dirty="0"/>
+                  <a:t>- </a:t>
+                </a:r>
+                <a:r>
+                  <a:rPr lang="en-US" altLang="ko-KR" sz="1100" dirty="0" err="1"/>
+                  <a:t>Softmax</a:t>
+                </a:r>
+                <a:r>
+                  <a:rPr lang="ko-KR" altLang="en-US" sz="1100" dirty="0"/>
+                  <a:t>의 계산식의 무거움</a:t>
+                </a:r>
+                <a:endParaRPr lang="en-US" altLang="ko-KR" sz="1100" dirty="0"/>
+              </a:p>
+            </p:txBody>
+          </p:sp>
+        </mc:Choice>
+        <mc:Fallback>
+          <p:sp>
+            <p:nvSpPr>
+              <p:cNvPr id="16" name="TextBox 15">
+                <a:extLst>
+                  <a:ext uri="{FF2B5EF4-FFF2-40B4-BE49-F238E27FC236}">
+                    <a16:creationId xmlns:a16="http://schemas.microsoft.com/office/drawing/2014/main" id="{A6470417-AE90-4564-8141-0489CA06CF80}"/>
+                  </a:ext>
+                </a:extLst>
+              </p:cNvPr>
+              <p:cNvSpPr txBox="1">
+                <a:spLocks noRot="1" noChangeAspect="1" noMove="1" noResize="1" noEditPoints="1" noAdjustHandles="1" noChangeArrowheads="1" noChangeShapeType="1" noTextEdit="1"/>
+              </p:cNvSpPr>
+              <p:nvPr/>
+            </p:nvSpPr>
+            <p:spPr>
+              <a:xfrm>
+                <a:off x="580793" y="1415503"/>
+                <a:ext cx="4116572" cy="600164"/>
+              </a:xfrm>
+              <a:prstGeom prst="rect">
+                <a:avLst/>
+              </a:prstGeom>
+              <a:blipFill>
+                <a:blip r:embed="rId4"/>
+                <a:stretch>
+                  <a:fillRect t="-1010" b="-5051"/>
+                </a:stretch>
+              </a:blipFill>
+            </p:spPr>
+            <p:txBody>
+              <a:bodyPr/>
+              <a:lstStyle/>
+              <a:p>
+                <a:r>
+                  <a:rPr lang="ko-KR" altLang="en-US">
+                    <a:noFill/>
+                  </a:rPr>
+                  <a:t> </a:t>
+                </a:r>
+              </a:p>
+            </p:txBody>
+          </p:sp>
+        </mc:Fallback>
+      </mc:AlternateContent>
+      <p:pic>
+        <p:nvPicPr>
+          <p:cNvPr id="3" name="그림 2">
+            <a:extLst>
+              <a:ext uri="{FF2B5EF4-FFF2-40B4-BE49-F238E27FC236}">
+                <a16:creationId xmlns:a16="http://schemas.microsoft.com/office/drawing/2014/main" id="{1B48018D-FB8B-4240-857B-227ADF712893}"/>
+              </a:ext>
+            </a:extLst>
+          </p:cNvPr>
+          <p:cNvPicPr>
+            <a:picLocks noChangeAspect="1"/>
+          </p:cNvPicPr>
+          <p:nvPr/>
+        </p:nvPicPr>
+        <p:blipFill>
+          <a:blip r:embed="rId5"/>
+          <a:stretch>
+            <a:fillRect/>
+          </a:stretch>
+        </p:blipFill>
+        <p:spPr>
+          <a:xfrm>
+            <a:off x="6586716" y="1122860"/>
+            <a:ext cx="1367942" cy="600164"/>
+          </a:xfrm>
+          <a:prstGeom prst="rect">
+            <a:avLst/>
+          </a:prstGeom>
+        </p:spPr>
+      </p:pic>
+      <p:sp>
+        <p:nvSpPr>
+          <p:cNvPr id="20" name="TextBox 19">
+            <a:extLst>
+              <a:ext uri="{FF2B5EF4-FFF2-40B4-BE49-F238E27FC236}">
+                <a16:creationId xmlns:a16="http://schemas.microsoft.com/office/drawing/2014/main" id="{41111EAA-CC93-41CC-8F0A-0CE380879BB0}"/>
+              </a:ext>
+            </a:extLst>
+          </p:cNvPr>
+          <p:cNvSpPr txBox="1"/>
+          <p:nvPr/>
+        </p:nvSpPr>
+        <p:spPr>
+          <a:xfrm>
+            <a:off x="525278" y="2640310"/>
+            <a:ext cx="2192522" cy="338554"/>
+          </a:xfrm>
+          <a:prstGeom prst="rect">
+            <a:avLst/>
+          </a:prstGeom>
+          <a:noFill/>
+        </p:spPr>
+        <p:txBody>
+          <a:bodyPr wrap="square" rtlCol="0">
+            <a:spAutoFit/>
+          </a:bodyPr>
+          <a:lstStyle/>
+          <a:p>
+            <a:r>
+              <a:rPr lang="ko-KR" altLang="en-US" sz="1600" b="1" dirty="0">
+                <a:latin typeface="+mj-lt"/>
+              </a:rPr>
+              <a:t>네거티브 샘플링</a:t>
+            </a:r>
+          </a:p>
+        </p:txBody>
+      </p:sp>
+      <p:sp>
+        <p:nvSpPr>
+          <p:cNvPr id="21" name="TextBox 20">
+            <a:extLst>
+              <a:ext uri="{FF2B5EF4-FFF2-40B4-BE49-F238E27FC236}">
+                <a16:creationId xmlns:a16="http://schemas.microsoft.com/office/drawing/2014/main" id="{FE39FFF0-C9F1-4530-830C-BB6AF8A321E6}"/>
+              </a:ext>
+            </a:extLst>
+          </p:cNvPr>
+          <p:cNvSpPr txBox="1"/>
+          <p:nvPr/>
+        </p:nvSpPr>
+        <p:spPr>
+          <a:xfrm>
+            <a:off x="580793" y="3015328"/>
+            <a:ext cx="4399968" cy="600164"/>
+          </a:xfrm>
+          <a:prstGeom prst="rect">
+            <a:avLst/>
+          </a:prstGeom>
+          <a:noFill/>
+        </p:spPr>
+        <p:txBody>
+          <a:bodyPr wrap="square" rtlCol="0">
+            <a:spAutoFit/>
+          </a:bodyPr>
+          <a:lstStyle/>
+          <a:p>
+            <a:r>
+              <a:rPr lang="en-US" altLang="ko-KR" sz="1100" dirty="0"/>
+              <a:t>- </a:t>
+            </a:r>
+            <a:r>
+              <a:rPr lang="ko-KR" altLang="en-US" sz="1100" dirty="0"/>
+              <a:t>다중 분류를 이진 분류로 근사</a:t>
+            </a:r>
+            <a:endParaRPr lang="en-US" altLang="ko-KR" sz="1100" dirty="0"/>
+          </a:p>
+          <a:p>
+            <a:r>
+              <a:rPr lang="en-US" altLang="ko-KR" sz="1100" dirty="0"/>
+              <a:t>- Target</a:t>
+            </a:r>
+            <a:r>
+              <a:rPr lang="ko-KR" altLang="en-US" sz="1100" dirty="0"/>
+              <a:t>에 해당하는 열벡터와 </a:t>
+            </a:r>
+            <a:r>
+              <a:rPr lang="ko-KR" altLang="en-US" sz="1100" dirty="0" err="1"/>
+              <a:t>은닉층</a:t>
+            </a:r>
+            <a:r>
+              <a:rPr lang="ko-KR" altLang="en-US" sz="1100" dirty="0"/>
+              <a:t> 뉴런의 내적을 계산</a:t>
+            </a:r>
+            <a:r>
+              <a:rPr lang="en-US" altLang="ko-KR" sz="1100" dirty="0"/>
+              <a:t>(</a:t>
+            </a:r>
+            <a:r>
+              <a:rPr lang="ko-KR" altLang="en-US" sz="1100" dirty="0"/>
+              <a:t>긍정적 예</a:t>
+            </a:r>
+            <a:r>
+              <a:rPr lang="en-US" altLang="ko-KR" sz="1100" dirty="0"/>
+              <a:t>)</a:t>
+            </a:r>
+          </a:p>
+          <a:p>
+            <a:r>
+              <a:rPr lang="en-US" altLang="ko-KR" sz="1100" dirty="0"/>
+              <a:t>- </a:t>
+            </a:r>
+            <a:r>
+              <a:rPr lang="en-US" altLang="ko-KR" sz="1100" dirty="0" err="1"/>
+              <a:t>Softmax</a:t>
+            </a:r>
+            <a:r>
+              <a:rPr lang="ko-KR" altLang="en-US" sz="1100" dirty="0"/>
+              <a:t>가 아닌 </a:t>
+            </a:r>
+            <a:r>
+              <a:rPr lang="en-US" altLang="ko-KR" sz="1100" dirty="0"/>
+              <a:t>Sigmoid</a:t>
+            </a:r>
+            <a:r>
+              <a:rPr lang="ko-KR" altLang="en-US" sz="1100" dirty="0"/>
+              <a:t>함수 사용</a:t>
+            </a:r>
+            <a:endParaRPr lang="en-US" altLang="ko-KR" sz="1100" dirty="0"/>
+          </a:p>
+        </p:txBody>
+      </p:sp>
+      <p:pic>
+        <p:nvPicPr>
+          <p:cNvPr id="5" name="그림 4">
+            <a:extLst>
+              <a:ext uri="{FF2B5EF4-FFF2-40B4-BE49-F238E27FC236}">
+                <a16:creationId xmlns:a16="http://schemas.microsoft.com/office/drawing/2014/main" id="{718AEA0D-EA31-4A98-950F-3C413C8632CE}"/>
+              </a:ext>
+            </a:extLst>
+          </p:cNvPr>
+          <p:cNvPicPr>
+            <a:picLocks noChangeAspect="1"/>
+          </p:cNvPicPr>
+          <p:nvPr/>
+        </p:nvPicPr>
+        <p:blipFill>
+          <a:blip r:embed="rId6"/>
+          <a:stretch>
+            <a:fillRect/>
+          </a:stretch>
+        </p:blipFill>
+        <p:spPr>
+          <a:xfrm>
+            <a:off x="4980761" y="2160599"/>
+            <a:ext cx="3093953" cy="2679700"/>
+          </a:xfrm>
+          <a:prstGeom prst="rect">
+            <a:avLst/>
+          </a:prstGeom>
+        </p:spPr>
+      </p:pic>
       <p:sp>
         <p:nvSpPr>
           <p:cNvPr id="6" name="TextBox 5">
             <a:extLst>
               <a:ext uri="{FF2B5EF4-FFF2-40B4-BE49-F238E27FC236}">
-                <a16:creationId xmlns:a16="http://schemas.microsoft.com/office/drawing/2014/main" id="{A94B277F-D560-4C41-B2B6-34342597C936}"/>
+                <a16:creationId xmlns:a16="http://schemas.microsoft.com/office/drawing/2014/main" id="{E4B33726-ACA3-4BBD-8706-FC87585E3BFA}"/>
               </a:ext>
             </a:extLst>
           </p:cNvPr>
@@ -9406,8 +11045,8 @@
         </p:nvSpPr>
         <p:spPr>
           <a:xfrm>
-            <a:off x="189867" y="538891"/>
-            <a:ext cx="2262292" cy="646331"/>
+            <a:off x="6318250" y="1615302"/>
+            <a:ext cx="2143753" cy="215444"/>
           </a:xfrm>
           <a:prstGeom prst="rect">
             <a:avLst/>
@@ -9420,64 +11059,33 @@
           </a:bodyPr>
           <a:lstStyle/>
           <a:p>
-            <a:pPr marL="285750" indent="-285750">
-              <a:buFont typeface="Arial" panose="020B0604020202020204" pitchFamily="34" charset="0"/>
-              <a:buChar char="•"/>
-            </a:pPr>
-            <a:r>
-              <a:rPr lang="ko-KR" altLang="en-US" sz="1200" dirty="0">
-                <a:solidFill>
-                  <a:schemeClr val="tx1"/>
-                </a:solidFill>
-              </a:rPr>
-              <a:t>시소러스</a:t>
-            </a:r>
-            <a:endParaRPr lang="en-US" altLang="ko-KR" sz="1200" dirty="0">
-              <a:solidFill>
-                <a:schemeClr val="tx1"/>
-              </a:solidFill>
-            </a:endParaRPr>
-          </a:p>
-          <a:p>
-            <a:pPr marL="285750" indent="-285750">
-              <a:buFont typeface="Arial" panose="020B0604020202020204" pitchFamily="34" charset="0"/>
-              <a:buChar char="•"/>
-            </a:pPr>
-            <a:r>
-              <a:rPr lang="ko-KR" altLang="en-US" sz="1200" b="1" dirty="0">
-                <a:solidFill>
-                  <a:srgbClr val="FF0000"/>
-                </a:solidFill>
-              </a:rPr>
-              <a:t>통계 기반 기법</a:t>
-            </a:r>
-            <a:endParaRPr lang="en-US" altLang="ko-KR" sz="1200" b="1" dirty="0">
-              <a:solidFill>
-                <a:srgbClr val="FF0000"/>
-              </a:solidFill>
-            </a:endParaRPr>
-          </a:p>
-          <a:p>
-            <a:pPr marL="285750" indent="-285750">
-              <a:buFont typeface="Arial" panose="020B0604020202020204" pitchFamily="34" charset="0"/>
-              <a:buChar char="•"/>
-            </a:pPr>
-            <a:r>
-              <a:rPr lang="ko-KR" altLang="en-US" sz="1200" dirty="0"/>
-              <a:t>추론 기반 기법</a:t>
-            </a:r>
-            <a:r>
-              <a:rPr lang="en-US" altLang="ko-KR" sz="1200" dirty="0"/>
-              <a:t>(word2vec)</a:t>
-            </a:r>
-            <a:endParaRPr lang="ko-KR" altLang="en-US" sz="1200" dirty="0"/>
+            <a:r>
+              <a:rPr lang="en-US" altLang="ko-KR" sz="800" b="1" dirty="0" err="1"/>
+              <a:t>Softmax</a:t>
+            </a:r>
+            <a:r>
+              <a:rPr lang="en-US" altLang="ko-KR" sz="800" b="1" dirty="0"/>
+              <a:t>: n</a:t>
+            </a:r>
+            <a:r>
+              <a:rPr lang="ko-KR" altLang="en-US" sz="800" b="1" dirty="0"/>
+              <a:t>개의 단어 중 </a:t>
+            </a:r>
+            <a:r>
+              <a:rPr lang="en-US" altLang="ko-KR" sz="800" b="1" dirty="0"/>
+              <a:t>k</a:t>
+            </a:r>
+            <a:r>
+              <a:rPr lang="ko-KR" altLang="en-US" sz="800" b="1" dirty="0"/>
+              <a:t>번째 단어일 확률</a:t>
+            </a:r>
           </a:p>
         </p:txBody>
       </p:sp>
     </p:spTree>
     <p:extLst>
       <p:ext uri="{BB962C8B-B14F-4D97-AF65-F5344CB8AC3E}">
-        <p14:creationId xmlns:p14="http://schemas.microsoft.com/office/powerpoint/2010/main" val="667072701"/>
+        <p14:creationId xmlns:p14="http://schemas.microsoft.com/office/powerpoint/2010/main" val="4125198413"/>
       </p:ext>
     </p:extLst>
   </p:cSld>
@@ -9504,12 +11112,42 @@
           <a:chExt cx="0" cy="0"/>
         </a:xfrm>
       </p:grpSpPr>
+      <p:pic>
+        <p:nvPicPr>
+          <p:cNvPr id="14" name="그림 13">
+            <a:extLst>
+              <a:ext uri="{FF2B5EF4-FFF2-40B4-BE49-F238E27FC236}">
+                <a16:creationId xmlns:a16="http://schemas.microsoft.com/office/drawing/2014/main" id="{1D4A5E59-2645-4613-8CE5-FAD578731D7E}"/>
+              </a:ext>
+            </a:extLst>
+          </p:cNvPr>
+          <p:cNvPicPr>
+            <a:picLocks noChangeAspect="1"/>
+          </p:cNvPicPr>
+          <p:nvPr/>
+        </p:nvPicPr>
+        <p:blipFill>
+          <a:blip r:embed="rId3"/>
+          <a:stretch>
+            <a:fillRect/>
+          </a:stretch>
+        </p:blipFill>
+        <p:spPr>
+          <a:xfrm>
+            <a:off x="36127" y="4862261"/>
+            <a:ext cx="1960963" cy="228019"/>
+          </a:xfrm>
+          <a:prstGeom prst="rect">
+            <a:avLst/>
+          </a:prstGeom>
+        </p:spPr>
+      </p:pic>
       <p:sp>
         <p:nvSpPr>
-          <p:cNvPr id="11" name="TextBox 10">
+          <p:cNvPr id="15" name="TextBox 14">
             <a:extLst>
               <a:ext uri="{FF2B5EF4-FFF2-40B4-BE49-F238E27FC236}">
-                <a16:creationId xmlns:a16="http://schemas.microsoft.com/office/drawing/2014/main" id="{904301EA-A429-42C9-A33E-8B6B533F9028}"/>
+                <a16:creationId xmlns:a16="http://schemas.microsoft.com/office/drawing/2014/main" id="{47F58ACF-4155-4B8D-9CDD-D47CE69D3A62}"/>
               </a:ext>
             </a:extLst>
           </p:cNvPr>
@@ -9518,8 +11156,8 @@
         </p:nvSpPr>
         <p:spPr>
           <a:xfrm>
-            <a:off x="0" y="4835723"/>
-            <a:ext cx="832279" cy="307777"/>
+            <a:off x="8705013" y="4761580"/>
+            <a:ext cx="383438" cy="307777"/>
           </a:xfrm>
           <a:prstGeom prst="rect">
             <a:avLst/>
@@ -9533,55 +11171,18 @@
           <a:lstStyle/>
           <a:p>
             <a:r>
-              <a:rPr lang="en-US" altLang="ko-KR" dirty="0"/>
-              <a:t>DE Lab.</a:t>
-            </a:r>
-            <a:endParaRPr lang="ko-KR" altLang="en-US" dirty="0"/>
+              <a:rPr lang="en-US" altLang="ko-KR" b="1" dirty="0"/>
+              <a:t>12</a:t>
+            </a:r>
           </a:p>
         </p:txBody>
       </p:sp>
       <p:sp>
         <p:nvSpPr>
-          <p:cNvPr id="12" name="TextBox 11">
+          <p:cNvPr id="18" name="TextBox 17">
             <a:extLst>
               <a:ext uri="{FF2B5EF4-FFF2-40B4-BE49-F238E27FC236}">
-                <a16:creationId xmlns:a16="http://schemas.microsoft.com/office/drawing/2014/main" id="{BD860A2B-D285-46E4-A777-75A659C153B0}"/>
-              </a:ext>
-            </a:extLst>
-          </p:cNvPr>
-          <p:cNvSpPr txBox="1"/>
-          <p:nvPr/>
-        </p:nvSpPr>
-        <p:spPr>
-          <a:xfrm>
-            <a:off x="8812107" y="4835722"/>
-            <a:ext cx="284052" cy="307777"/>
-          </a:xfrm>
-          <a:prstGeom prst="rect">
-            <a:avLst/>
-          </a:prstGeom>
-          <a:noFill/>
-        </p:spPr>
-        <p:txBody>
-          <a:bodyPr wrap="none" rtlCol="0">
-            <a:spAutoFit/>
-          </a:bodyPr>
-          <a:lstStyle/>
-          <a:p>
-            <a:r>
-              <a:rPr lang="en-US" altLang="ko-KR" b="1"/>
-              <a:t>5</a:t>
-            </a:r>
-            <a:endParaRPr lang="en-US" altLang="ko-KR" b="1" dirty="0"/>
-          </a:p>
-        </p:txBody>
-      </p:sp>
-      <p:sp>
-        <p:nvSpPr>
-          <p:cNvPr id="13" name="TextBox 12">
-            <a:extLst>
-              <a:ext uri="{FF2B5EF4-FFF2-40B4-BE49-F238E27FC236}">
-                <a16:creationId xmlns:a16="http://schemas.microsoft.com/office/drawing/2014/main" id="{9ADB1D43-0F16-4D7E-AF0F-814903EC48AC}"/>
+                <a16:creationId xmlns:a16="http://schemas.microsoft.com/office/drawing/2014/main" id="{C2E46355-D5F0-4D9E-BE00-8AB99836B2F6}"/>
               </a:ext>
             </a:extLst>
           </p:cNvPr>
@@ -9606,109 +11207,19 @@
           <a:p>
             <a:r>
               <a:rPr lang="en-US" altLang="ko-KR" b="1" dirty="0"/>
-              <a:t>Chap2. </a:t>
+              <a:t>Chap4. word2vec </a:t>
             </a:r>
             <a:r>
               <a:rPr lang="ko-KR" altLang="en-US" b="1" dirty="0"/>
-              <a:t>자연어와 단어의 분산 표현 </a:t>
-            </a:r>
-            <a:r>
-              <a:rPr lang="en-US" altLang="ko-KR" b="1" dirty="0"/>
-              <a:t>– </a:t>
-            </a:r>
-            <a:r>
-              <a:rPr lang="ko-KR" altLang="en-US" b="1" dirty="0"/>
-              <a:t>통계 기반 기법 개선하기</a:t>
-            </a:r>
-          </a:p>
-        </p:txBody>
-      </p:sp>
-      <p:sp>
-        <p:nvSpPr>
-          <p:cNvPr id="6" name="TextBox 5">
-            <a:extLst>
-              <a:ext uri="{FF2B5EF4-FFF2-40B4-BE49-F238E27FC236}">
-                <a16:creationId xmlns:a16="http://schemas.microsoft.com/office/drawing/2014/main" id="{A94B277F-D560-4C41-B2B6-34342597C936}"/>
-              </a:ext>
-            </a:extLst>
-          </p:cNvPr>
-          <p:cNvSpPr txBox="1"/>
-          <p:nvPr/>
-        </p:nvSpPr>
-        <p:spPr>
-          <a:xfrm>
-            <a:off x="189867" y="538891"/>
-            <a:ext cx="2262292" cy="646331"/>
-          </a:xfrm>
-          <a:prstGeom prst="rect">
-            <a:avLst/>
-          </a:prstGeom>
-          <a:noFill/>
-        </p:spPr>
-        <p:txBody>
-          <a:bodyPr wrap="square" rtlCol="0">
-            <a:spAutoFit/>
-          </a:bodyPr>
-          <a:lstStyle/>
-          <a:p>
-            <a:pPr marL="285750" indent="-285750">
-              <a:buFont typeface="Arial" panose="020B0604020202020204" pitchFamily="34" charset="0"/>
-              <a:buChar char="•"/>
-            </a:pPr>
-            <a:r>
-              <a:rPr lang="ko-KR" altLang="en-US" sz="1200" dirty="0">
-                <a:solidFill>
-                  <a:schemeClr val="tx1"/>
-                </a:solidFill>
-              </a:rPr>
-              <a:t>시소러스</a:t>
-            </a:r>
-            <a:endParaRPr lang="en-US" altLang="ko-KR" sz="1200" dirty="0">
-              <a:solidFill>
-                <a:schemeClr val="tx1"/>
-              </a:solidFill>
-            </a:endParaRPr>
-          </a:p>
-          <a:p>
-            <a:pPr marL="285750" indent="-285750">
-              <a:buFont typeface="Arial" panose="020B0604020202020204" pitchFamily="34" charset="0"/>
-              <a:buChar char="•"/>
-            </a:pPr>
-            <a:r>
-              <a:rPr lang="ko-KR" altLang="en-US" sz="1200" b="1" dirty="0">
-                <a:solidFill>
-                  <a:srgbClr val="FF0000"/>
-                </a:solidFill>
-              </a:rPr>
-              <a:t>통계 기반 기법</a:t>
-            </a:r>
-            <a:endParaRPr lang="en-US" altLang="ko-KR" sz="1200" b="1" dirty="0">
-              <a:solidFill>
-                <a:srgbClr val="FF0000"/>
-              </a:solidFill>
-            </a:endParaRPr>
-          </a:p>
-          <a:p>
-            <a:pPr marL="285750" indent="-285750">
-              <a:buFont typeface="Arial" panose="020B0604020202020204" pitchFamily="34" charset="0"/>
-              <a:buChar char="•"/>
-            </a:pPr>
-            <a:r>
-              <a:rPr lang="ko-KR" altLang="en-US" sz="1200" dirty="0"/>
-              <a:t>추론 기반 기법</a:t>
-            </a:r>
-            <a:r>
-              <a:rPr lang="en-US" altLang="ko-KR" sz="1200" dirty="0"/>
-              <a:t>(word2vec)</a:t>
-            </a:r>
-            <a:endParaRPr lang="ko-KR" altLang="en-US" sz="1200" dirty="0"/>
+              <a:t>속도 개선</a:t>
+            </a:r>
           </a:p>
         </p:txBody>
       </p:sp>
     </p:spTree>
     <p:extLst>
       <p:ext uri="{BB962C8B-B14F-4D97-AF65-F5344CB8AC3E}">
-        <p14:creationId xmlns:p14="http://schemas.microsoft.com/office/powerpoint/2010/main" val="2414672143"/>
+        <p14:creationId xmlns:p14="http://schemas.microsoft.com/office/powerpoint/2010/main" val="935444110"/>
       </p:ext>
     </p:extLst>
   </p:cSld>
@@ -9735,12 +11246,42 @@
           <a:chExt cx="0" cy="0"/>
         </a:xfrm>
       </p:grpSpPr>
+      <p:pic>
+        <p:nvPicPr>
+          <p:cNvPr id="14" name="그림 13">
+            <a:extLst>
+              <a:ext uri="{FF2B5EF4-FFF2-40B4-BE49-F238E27FC236}">
+                <a16:creationId xmlns:a16="http://schemas.microsoft.com/office/drawing/2014/main" id="{1D4A5E59-2645-4613-8CE5-FAD578731D7E}"/>
+              </a:ext>
+            </a:extLst>
+          </p:cNvPr>
+          <p:cNvPicPr>
+            <a:picLocks noChangeAspect="1"/>
+          </p:cNvPicPr>
+          <p:nvPr/>
+        </p:nvPicPr>
+        <p:blipFill>
+          <a:blip r:embed="rId3"/>
+          <a:stretch>
+            <a:fillRect/>
+          </a:stretch>
+        </p:blipFill>
+        <p:spPr>
+          <a:xfrm>
+            <a:off x="36127" y="4862261"/>
+            <a:ext cx="1960963" cy="228019"/>
+          </a:xfrm>
+          <a:prstGeom prst="rect">
+            <a:avLst/>
+          </a:prstGeom>
+        </p:spPr>
+      </p:pic>
       <p:sp>
         <p:nvSpPr>
-          <p:cNvPr id="11" name="TextBox 10">
+          <p:cNvPr id="15" name="TextBox 14">
             <a:extLst>
               <a:ext uri="{FF2B5EF4-FFF2-40B4-BE49-F238E27FC236}">
-                <a16:creationId xmlns:a16="http://schemas.microsoft.com/office/drawing/2014/main" id="{904301EA-A429-42C9-A33E-8B6B533F9028}"/>
+                <a16:creationId xmlns:a16="http://schemas.microsoft.com/office/drawing/2014/main" id="{47F58ACF-4155-4B8D-9CDD-D47CE69D3A62}"/>
               </a:ext>
             </a:extLst>
           </p:cNvPr>
@@ -9749,8 +11290,8 @@
         </p:nvSpPr>
         <p:spPr>
           <a:xfrm>
-            <a:off x="0" y="4835723"/>
-            <a:ext cx="832279" cy="307777"/>
+            <a:off x="8705013" y="4761580"/>
+            <a:ext cx="383438" cy="307777"/>
           </a:xfrm>
           <a:prstGeom prst="rect">
             <a:avLst/>
@@ -9764,55 +11305,18 @@
           <a:lstStyle/>
           <a:p>
             <a:r>
-              <a:rPr lang="en-US" altLang="ko-KR" dirty="0"/>
-              <a:t>DE Lab.</a:t>
-            </a:r>
-            <a:endParaRPr lang="ko-KR" altLang="en-US" dirty="0"/>
+              <a:rPr lang="en-US" altLang="ko-KR" b="1" dirty="0"/>
+              <a:t>12</a:t>
+            </a:r>
           </a:p>
         </p:txBody>
       </p:sp>
       <p:sp>
         <p:nvSpPr>
-          <p:cNvPr id="12" name="TextBox 11">
+          <p:cNvPr id="18" name="TextBox 17">
             <a:extLst>
               <a:ext uri="{FF2B5EF4-FFF2-40B4-BE49-F238E27FC236}">
-                <a16:creationId xmlns:a16="http://schemas.microsoft.com/office/drawing/2014/main" id="{BD860A2B-D285-46E4-A777-75A659C153B0}"/>
-              </a:ext>
-            </a:extLst>
-          </p:cNvPr>
-          <p:cNvSpPr txBox="1"/>
-          <p:nvPr/>
-        </p:nvSpPr>
-        <p:spPr>
-          <a:xfrm>
-            <a:off x="8812107" y="4835722"/>
-            <a:ext cx="284052" cy="307777"/>
-          </a:xfrm>
-          <a:prstGeom prst="rect">
-            <a:avLst/>
-          </a:prstGeom>
-          <a:noFill/>
-        </p:spPr>
-        <p:txBody>
-          <a:bodyPr wrap="none" rtlCol="0">
-            <a:spAutoFit/>
-          </a:bodyPr>
-          <a:lstStyle/>
-          <a:p>
-            <a:r>
-              <a:rPr lang="en-US" altLang="ko-KR" b="1"/>
-              <a:t>5</a:t>
-            </a:r>
-            <a:endParaRPr lang="en-US" altLang="ko-KR" b="1" dirty="0"/>
-          </a:p>
-        </p:txBody>
-      </p:sp>
-      <p:sp>
-        <p:nvSpPr>
-          <p:cNvPr id="13" name="TextBox 12">
-            <a:extLst>
-              <a:ext uri="{FF2B5EF4-FFF2-40B4-BE49-F238E27FC236}">
-                <a16:creationId xmlns:a16="http://schemas.microsoft.com/office/drawing/2014/main" id="{9ADB1D43-0F16-4D7E-AF0F-814903EC48AC}"/>
+                <a16:creationId xmlns:a16="http://schemas.microsoft.com/office/drawing/2014/main" id="{C2E46355-D5F0-4D9E-BE00-8AB99836B2F6}"/>
               </a:ext>
             </a:extLst>
           </p:cNvPr>
@@ -9837,109 +11341,19 @@
           <a:p>
             <a:r>
               <a:rPr lang="en-US" altLang="ko-KR" b="1" dirty="0"/>
-              <a:t>Chap2. </a:t>
+              <a:t>Chap4. word2vec </a:t>
             </a:r>
             <a:r>
               <a:rPr lang="ko-KR" altLang="en-US" b="1" dirty="0"/>
-              <a:t>자연어와 단어의 분산 표현 </a:t>
-            </a:r>
-            <a:r>
-              <a:rPr lang="en-US" altLang="ko-KR" b="1" dirty="0"/>
-              <a:t>– </a:t>
-            </a:r>
-            <a:r>
-              <a:rPr lang="ko-KR" altLang="en-US" b="1" dirty="0"/>
-              <a:t>통계 기반 기법 개선하기</a:t>
-            </a:r>
-          </a:p>
-        </p:txBody>
-      </p:sp>
-      <p:sp>
-        <p:nvSpPr>
-          <p:cNvPr id="6" name="TextBox 5">
-            <a:extLst>
-              <a:ext uri="{FF2B5EF4-FFF2-40B4-BE49-F238E27FC236}">
-                <a16:creationId xmlns:a16="http://schemas.microsoft.com/office/drawing/2014/main" id="{A94B277F-D560-4C41-B2B6-34342597C936}"/>
-              </a:ext>
-            </a:extLst>
-          </p:cNvPr>
-          <p:cNvSpPr txBox="1"/>
-          <p:nvPr/>
-        </p:nvSpPr>
-        <p:spPr>
-          <a:xfrm>
-            <a:off x="189867" y="538891"/>
-            <a:ext cx="2262292" cy="646331"/>
-          </a:xfrm>
-          <a:prstGeom prst="rect">
-            <a:avLst/>
-          </a:prstGeom>
-          <a:noFill/>
-        </p:spPr>
-        <p:txBody>
-          <a:bodyPr wrap="square" rtlCol="0">
-            <a:spAutoFit/>
-          </a:bodyPr>
-          <a:lstStyle/>
-          <a:p>
-            <a:pPr marL="285750" indent="-285750">
-              <a:buFont typeface="Arial" panose="020B0604020202020204" pitchFamily="34" charset="0"/>
-              <a:buChar char="•"/>
-            </a:pPr>
-            <a:r>
-              <a:rPr lang="ko-KR" altLang="en-US" sz="1200" dirty="0">
-                <a:solidFill>
-                  <a:schemeClr val="tx1"/>
-                </a:solidFill>
-              </a:rPr>
-              <a:t>시소러스</a:t>
-            </a:r>
-            <a:endParaRPr lang="en-US" altLang="ko-KR" sz="1200" dirty="0">
-              <a:solidFill>
-                <a:schemeClr val="tx1"/>
-              </a:solidFill>
-            </a:endParaRPr>
-          </a:p>
-          <a:p>
-            <a:pPr marL="285750" indent="-285750">
-              <a:buFont typeface="Arial" panose="020B0604020202020204" pitchFamily="34" charset="0"/>
-              <a:buChar char="•"/>
-            </a:pPr>
-            <a:r>
-              <a:rPr lang="ko-KR" altLang="en-US" sz="1200" b="1" dirty="0">
-                <a:solidFill>
-                  <a:srgbClr val="FF0000"/>
-                </a:solidFill>
-              </a:rPr>
-              <a:t>통계 기반 기법</a:t>
-            </a:r>
-            <a:endParaRPr lang="en-US" altLang="ko-KR" sz="1200" b="1" dirty="0">
-              <a:solidFill>
-                <a:srgbClr val="FF0000"/>
-              </a:solidFill>
-            </a:endParaRPr>
-          </a:p>
-          <a:p>
-            <a:pPr marL="285750" indent="-285750">
-              <a:buFont typeface="Arial" panose="020B0604020202020204" pitchFamily="34" charset="0"/>
-              <a:buChar char="•"/>
-            </a:pPr>
-            <a:r>
-              <a:rPr lang="ko-KR" altLang="en-US" sz="1200" dirty="0"/>
-              <a:t>추론 기반 기법</a:t>
-            </a:r>
-            <a:r>
-              <a:rPr lang="en-US" altLang="ko-KR" sz="1200" dirty="0"/>
-              <a:t>(word2vec)</a:t>
-            </a:r>
-            <a:endParaRPr lang="ko-KR" altLang="en-US" sz="1200" dirty="0"/>
+              <a:t>속도 개선</a:t>
+            </a:r>
           </a:p>
         </p:txBody>
       </p:sp>
     </p:spTree>
     <p:extLst>
       <p:ext uri="{BB962C8B-B14F-4D97-AF65-F5344CB8AC3E}">
-        <p14:creationId xmlns:p14="http://schemas.microsoft.com/office/powerpoint/2010/main" val="683066623"/>
+        <p14:creationId xmlns:p14="http://schemas.microsoft.com/office/powerpoint/2010/main" val="3523608068"/>
       </p:ext>
     </p:extLst>
   </p:cSld>
@@ -9966,12 +11380,42 @@
           <a:chExt cx="0" cy="0"/>
         </a:xfrm>
       </p:grpSpPr>
+      <p:pic>
+        <p:nvPicPr>
+          <p:cNvPr id="14" name="그림 13">
+            <a:extLst>
+              <a:ext uri="{FF2B5EF4-FFF2-40B4-BE49-F238E27FC236}">
+                <a16:creationId xmlns:a16="http://schemas.microsoft.com/office/drawing/2014/main" id="{1D4A5E59-2645-4613-8CE5-FAD578731D7E}"/>
+              </a:ext>
+            </a:extLst>
+          </p:cNvPr>
+          <p:cNvPicPr>
+            <a:picLocks noChangeAspect="1"/>
+          </p:cNvPicPr>
+          <p:nvPr/>
+        </p:nvPicPr>
+        <p:blipFill>
+          <a:blip r:embed="rId3"/>
+          <a:stretch>
+            <a:fillRect/>
+          </a:stretch>
+        </p:blipFill>
+        <p:spPr>
+          <a:xfrm>
+            <a:off x="36127" y="4862261"/>
+            <a:ext cx="1960963" cy="228019"/>
+          </a:xfrm>
+          <a:prstGeom prst="rect">
+            <a:avLst/>
+          </a:prstGeom>
+        </p:spPr>
+      </p:pic>
       <p:sp>
         <p:nvSpPr>
-          <p:cNvPr id="11" name="TextBox 10">
+          <p:cNvPr id="15" name="TextBox 14">
             <a:extLst>
               <a:ext uri="{FF2B5EF4-FFF2-40B4-BE49-F238E27FC236}">
-                <a16:creationId xmlns:a16="http://schemas.microsoft.com/office/drawing/2014/main" id="{904301EA-A429-42C9-A33E-8B6B533F9028}"/>
+                <a16:creationId xmlns:a16="http://schemas.microsoft.com/office/drawing/2014/main" id="{47F58ACF-4155-4B8D-9CDD-D47CE69D3A62}"/>
               </a:ext>
             </a:extLst>
           </p:cNvPr>
@@ -9980,8 +11424,8 @@
         </p:nvSpPr>
         <p:spPr>
           <a:xfrm>
-            <a:off x="0" y="4835723"/>
-            <a:ext cx="832279" cy="307777"/>
+            <a:off x="8705013" y="4761580"/>
+            <a:ext cx="383438" cy="307777"/>
           </a:xfrm>
           <a:prstGeom prst="rect">
             <a:avLst/>
@@ -9995,55 +11439,18 @@
           <a:lstStyle/>
           <a:p>
             <a:r>
-              <a:rPr lang="en-US" altLang="ko-KR" dirty="0"/>
-              <a:t>DE Lab.</a:t>
-            </a:r>
-            <a:endParaRPr lang="ko-KR" altLang="en-US" dirty="0"/>
+              <a:rPr lang="en-US" altLang="ko-KR" b="1" dirty="0"/>
+              <a:t>12</a:t>
+            </a:r>
           </a:p>
         </p:txBody>
       </p:sp>
       <p:sp>
         <p:nvSpPr>
-          <p:cNvPr id="12" name="TextBox 11">
+          <p:cNvPr id="18" name="TextBox 17">
             <a:extLst>
               <a:ext uri="{FF2B5EF4-FFF2-40B4-BE49-F238E27FC236}">
-                <a16:creationId xmlns:a16="http://schemas.microsoft.com/office/drawing/2014/main" id="{BD860A2B-D285-46E4-A777-75A659C153B0}"/>
-              </a:ext>
-            </a:extLst>
-          </p:cNvPr>
-          <p:cNvSpPr txBox="1"/>
-          <p:nvPr/>
-        </p:nvSpPr>
-        <p:spPr>
-          <a:xfrm>
-            <a:off x="8812107" y="4835722"/>
-            <a:ext cx="284052" cy="307777"/>
-          </a:xfrm>
-          <a:prstGeom prst="rect">
-            <a:avLst/>
-          </a:prstGeom>
-          <a:noFill/>
-        </p:spPr>
-        <p:txBody>
-          <a:bodyPr wrap="none" rtlCol="0">
-            <a:spAutoFit/>
-          </a:bodyPr>
-          <a:lstStyle/>
-          <a:p>
-            <a:r>
-              <a:rPr lang="en-US" altLang="ko-KR" b="1"/>
-              <a:t>5</a:t>
-            </a:r>
-            <a:endParaRPr lang="en-US" altLang="ko-KR" b="1" dirty="0"/>
-          </a:p>
-        </p:txBody>
-      </p:sp>
-      <p:sp>
-        <p:nvSpPr>
-          <p:cNvPr id="13" name="TextBox 12">
-            <a:extLst>
-              <a:ext uri="{FF2B5EF4-FFF2-40B4-BE49-F238E27FC236}">
-                <a16:creationId xmlns:a16="http://schemas.microsoft.com/office/drawing/2014/main" id="{9ADB1D43-0F16-4D7E-AF0F-814903EC48AC}"/>
+                <a16:creationId xmlns:a16="http://schemas.microsoft.com/office/drawing/2014/main" id="{C2E46355-D5F0-4D9E-BE00-8AB99836B2F6}"/>
               </a:ext>
             </a:extLst>
           </p:cNvPr>
@@ -10068,109 +11475,19 @@
           <a:p>
             <a:r>
               <a:rPr lang="en-US" altLang="ko-KR" b="1" dirty="0"/>
-              <a:t>Chap2. </a:t>
+              <a:t>Chap4. word2vec </a:t>
             </a:r>
             <a:r>
               <a:rPr lang="ko-KR" altLang="en-US" b="1" dirty="0"/>
-              <a:t>자연어와 단어의 분산 표현 </a:t>
-            </a:r>
-            <a:r>
-              <a:rPr lang="en-US" altLang="ko-KR" b="1" dirty="0"/>
-              <a:t>– </a:t>
-            </a:r>
-            <a:r>
-              <a:rPr lang="ko-KR" altLang="en-US" b="1" dirty="0"/>
-              <a:t>통계 기반 기법 개선하기</a:t>
-            </a:r>
-          </a:p>
-        </p:txBody>
-      </p:sp>
-      <p:sp>
-        <p:nvSpPr>
-          <p:cNvPr id="6" name="TextBox 5">
-            <a:extLst>
-              <a:ext uri="{FF2B5EF4-FFF2-40B4-BE49-F238E27FC236}">
-                <a16:creationId xmlns:a16="http://schemas.microsoft.com/office/drawing/2014/main" id="{A94B277F-D560-4C41-B2B6-34342597C936}"/>
-              </a:ext>
-            </a:extLst>
-          </p:cNvPr>
-          <p:cNvSpPr txBox="1"/>
-          <p:nvPr/>
-        </p:nvSpPr>
-        <p:spPr>
-          <a:xfrm>
-            <a:off x="189867" y="538891"/>
-            <a:ext cx="2262292" cy="646331"/>
-          </a:xfrm>
-          <a:prstGeom prst="rect">
-            <a:avLst/>
-          </a:prstGeom>
-          <a:noFill/>
-        </p:spPr>
-        <p:txBody>
-          <a:bodyPr wrap="square" rtlCol="0">
-            <a:spAutoFit/>
-          </a:bodyPr>
-          <a:lstStyle/>
-          <a:p>
-            <a:pPr marL="285750" indent="-285750">
-              <a:buFont typeface="Arial" panose="020B0604020202020204" pitchFamily="34" charset="0"/>
-              <a:buChar char="•"/>
-            </a:pPr>
-            <a:r>
-              <a:rPr lang="ko-KR" altLang="en-US" sz="1200" dirty="0">
-                <a:solidFill>
-                  <a:schemeClr val="tx1"/>
-                </a:solidFill>
-              </a:rPr>
-              <a:t>시소러스</a:t>
-            </a:r>
-            <a:endParaRPr lang="en-US" altLang="ko-KR" sz="1200" dirty="0">
-              <a:solidFill>
-                <a:schemeClr val="tx1"/>
-              </a:solidFill>
-            </a:endParaRPr>
-          </a:p>
-          <a:p>
-            <a:pPr marL="285750" indent="-285750">
-              <a:buFont typeface="Arial" panose="020B0604020202020204" pitchFamily="34" charset="0"/>
-              <a:buChar char="•"/>
-            </a:pPr>
-            <a:r>
-              <a:rPr lang="ko-KR" altLang="en-US" sz="1200" b="1" dirty="0">
-                <a:solidFill>
-                  <a:srgbClr val="FF0000"/>
-                </a:solidFill>
-              </a:rPr>
-              <a:t>통계 기반 기법</a:t>
-            </a:r>
-            <a:endParaRPr lang="en-US" altLang="ko-KR" sz="1200" b="1" dirty="0">
-              <a:solidFill>
-                <a:srgbClr val="FF0000"/>
-              </a:solidFill>
-            </a:endParaRPr>
-          </a:p>
-          <a:p>
-            <a:pPr marL="285750" indent="-285750">
-              <a:buFont typeface="Arial" panose="020B0604020202020204" pitchFamily="34" charset="0"/>
-              <a:buChar char="•"/>
-            </a:pPr>
-            <a:r>
-              <a:rPr lang="ko-KR" altLang="en-US" sz="1200" dirty="0"/>
-              <a:t>추론 기반 기법</a:t>
-            </a:r>
-            <a:r>
-              <a:rPr lang="en-US" altLang="ko-KR" sz="1200" dirty="0"/>
-              <a:t>(word2vec)</a:t>
-            </a:r>
-            <a:endParaRPr lang="ko-KR" altLang="en-US" sz="1200" dirty="0"/>
+              <a:t>속도 개선</a:t>
+            </a:r>
           </a:p>
         </p:txBody>
       </p:sp>
     </p:spTree>
     <p:extLst>
       <p:ext uri="{BB962C8B-B14F-4D97-AF65-F5344CB8AC3E}">
-        <p14:creationId xmlns:p14="http://schemas.microsoft.com/office/powerpoint/2010/main" val="3873351876"/>
+        <p14:creationId xmlns:p14="http://schemas.microsoft.com/office/powerpoint/2010/main" val="260324260"/>
       </p:ext>
     </p:extLst>
   </p:cSld>
@@ -10197,12 +11514,42 @@
           <a:chExt cx="0" cy="0"/>
         </a:xfrm>
       </p:grpSpPr>
+      <p:pic>
+        <p:nvPicPr>
+          <p:cNvPr id="14" name="그림 13">
+            <a:extLst>
+              <a:ext uri="{FF2B5EF4-FFF2-40B4-BE49-F238E27FC236}">
+                <a16:creationId xmlns:a16="http://schemas.microsoft.com/office/drawing/2014/main" id="{1D4A5E59-2645-4613-8CE5-FAD578731D7E}"/>
+              </a:ext>
+            </a:extLst>
+          </p:cNvPr>
+          <p:cNvPicPr>
+            <a:picLocks noChangeAspect="1"/>
+          </p:cNvPicPr>
+          <p:nvPr/>
+        </p:nvPicPr>
+        <p:blipFill>
+          <a:blip r:embed="rId3"/>
+          <a:stretch>
+            <a:fillRect/>
+          </a:stretch>
+        </p:blipFill>
+        <p:spPr>
+          <a:xfrm>
+            <a:off x="36127" y="4862261"/>
+            <a:ext cx="1960963" cy="228019"/>
+          </a:xfrm>
+          <a:prstGeom prst="rect">
+            <a:avLst/>
+          </a:prstGeom>
+        </p:spPr>
+      </p:pic>
       <p:sp>
         <p:nvSpPr>
-          <p:cNvPr id="11" name="TextBox 10">
+          <p:cNvPr id="15" name="TextBox 14">
             <a:extLst>
               <a:ext uri="{FF2B5EF4-FFF2-40B4-BE49-F238E27FC236}">
-                <a16:creationId xmlns:a16="http://schemas.microsoft.com/office/drawing/2014/main" id="{904301EA-A429-42C9-A33E-8B6B533F9028}"/>
+                <a16:creationId xmlns:a16="http://schemas.microsoft.com/office/drawing/2014/main" id="{47F58ACF-4155-4B8D-9CDD-D47CE69D3A62}"/>
               </a:ext>
             </a:extLst>
           </p:cNvPr>
@@ -10211,8 +11558,8 @@
         </p:nvSpPr>
         <p:spPr>
           <a:xfrm>
-            <a:off x="0" y="4835723"/>
-            <a:ext cx="832279" cy="307777"/>
+            <a:off x="8705013" y="4761580"/>
+            <a:ext cx="383438" cy="307777"/>
           </a:xfrm>
           <a:prstGeom prst="rect">
             <a:avLst/>
@@ -10226,19 +11573,18 @@
           <a:lstStyle/>
           <a:p>
             <a:r>
-              <a:rPr lang="en-US" altLang="ko-KR" dirty="0"/>
-              <a:t>DE Lab.</a:t>
-            </a:r>
-            <a:endParaRPr lang="ko-KR" altLang="en-US" dirty="0"/>
+              <a:rPr lang="en-US" altLang="ko-KR" b="1" dirty="0"/>
+              <a:t>12</a:t>
+            </a:r>
           </a:p>
         </p:txBody>
       </p:sp>
       <p:sp>
         <p:nvSpPr>
-          <p:cNvPr id="12" name="TextBox 11">
+          <p:cNvPr id="18" name="TextBox 17">
             <a:extLst>
               <a:ext uri="{FF2B5EF4-FFF2-40B4-BE49-F238E27FC236}">
-                <a16:creationId xmlns:a16="http://schemas.microsoft.com/office/drawing/2014/main" id="{BD860A2B-D285-46E4-A777-75A659C153B0}"/>
+                <a16:creationId xmlns:a16="http://schemas.microsoft.com/office/drawing/2014/main" id="{C2E46355-D5F0-4D9E-BE00-8AB99836B2F6}"/>
               </a:ext>
             </a:extLst>
           </p:cNvPr>
@@ -10247,8 +11593,107 @@
         </p:nvSpPr>
         <p:spPr>
           <a:xfrm>
-            <a:off x="8812107" y="4835722"/>
-            <a:ext cx="284052" cy="307777"/>
+            <a:off x="73666" y="84879"/>
+            <a:ext cx="5880094" cy="307777"/>
+          </a:xfrm>
+          <a:prstGeom prst="rect">
+            <a:avLst/>
+          </a:prstGeom>
+          <a:noFill/>
+        </p:spPr>
+        <p:txBody>
+          <a:bodyPr wrap="square" rtlCol="0">
+            <a:spAutoFit/>
+          </a:bodyPr>
+          <a:lstStyle/>
+          <a:p>
+            <a:r>
+              <a:rPr lang="en-US" altLang="ko-KR" b="1" dirty="0"/>
+              <a:t>Chap4. word2vec </a:t>
+            </a:r>
+            <a:r>
+              <a:rPr lang="ko-KR" altLang="en-US" b="1" dirty="0"/>
+              <a:t>속도 개선</a:t>
+            </a:r>
+          </a:p>
+        </p:txBody>
+      </p:sp>
+    </p:spTree>
+    <p:extLst>
+      <p:ext uri="{BB962C8B-B14F-4D97-AF65-F5344CB8AC3E}">
+        <p14:creationId xmlns:p14="http://schemas.microsoft.com/office/powerpoint/2010/main" val="2707570112"/>
+      </p:ext>
+    </p:extLst>
+  </p:cSld>
+  <p:clrMapOvr>
+    <a:masterClrMapping/>
+  </p:clrMapOvr>
+</p:sld>
+</file>
+
+<file path=ppt/slides/slide19.xml><?xml version="1.0" encoding="utf-8"?>
+<p:sld xmlns:a="http://schemas.openxmlformats.org/drawingml/2006/main" xmlns:r="http://schemas.openxmlformats.org/officeDocument/2006/relationships" xmlns:p="http://schemas.openxmlformats.org/presentationml/2006/main">
+  <p:cSld>
+    <p:spTree>
+      <p:nvGrpSpPr>
+        <p:cNvPr id="1" name="Shape 206"/>
+        <p:cNvGrpSpPr/>
+        <p:nvPr/>
+      </p:nvGrpSpPr>
+      <p:grpSpPr>
+        <a:xfrm>
+          <a:off x="0" y="0"/>
+          <a:ext cx="0" cy="0"/>
+          <a:chOff x="0" y="0"/>
+          <a:chExt cx="0" cy="0"/>
+        </a:xfrm>
+      </p:grpSpPr>
+      <p:pic>
+        <p:nvPicPr>
+          <p:cNvPr id="14" name="그림 13">
+            <a:extLst>
+              <a:ext uri="{FF2B5EF4-FFF2-40B4-BE49-F238E27FC236}">
+                <a16:creationId xmlns:a16="http://schemas.microsoft.com/office/drawing/2014/main" id="{1D4A5E59-2645-4613-8CE5-FAD578731D7E}"/>
+              </a:ext>
+            </a:extLst>
+          </p:cNvPr>
+          <p:cNvPicPr>
+            <a:picLocks noChangeAspect="1"/>
+          </p:cNvPicPr>
+          <p:nvPr/>
+        </p:nvPicPr>
+        <p:blipFill>
+          <a:blip r:embed="rId3"/>
+          <a:stretch>
+            <a:fillRect/>
+          </a:stretch>
+        </p:blipFill>
+        <p:spPr>
+          <a:xfrm>
+            <a:off x="36127" y="4862261"/>
+            <a:ext cx="1960963" cy="228019"/>
+          </a:xfrm>
+          <a:prstGeom prst="rect">
+            <a:avLst/>
+          </a:prstGeom>
+        </p:spPr>
+      </p:pic>
+      <p:sp>
+        <p:nvSpPr>
+          <p:cNvPr id="15" name="TextBox 14">
+            <a:extLst>
+              <a:ext uri="{FF2B5EF4-FFF2-40B4-BE49-F238E27FC236}">
+                <a16:creationId xmlns:a16="http://schemas.microsoft.com/office/drawing/2014/main" id="{47F58ACF-4155-4B8D-9CDD-D47CE69D3A62}"/>
+              </a:ext>
+            </a:extLst>
+          </p:cNvPr>
+          <p:cNvSpPr txBox="1"/>
+          <p:nvPr/>
+        </p:nvSpPr>
+        <p:spPr>
+          <a:xfrm>
+            <a:off x="8705013" y="4761580"/>
+            <a:ext cx="383438" cy="307777"/>
           </a:xfrm>
           <a:prstGeom prst="rect">
             <a:avLst/>
@@ -10262,19 +11707,18 @@
           <a:lstStyle/>
           <a:p>
             <a:r>
-              <a:rPr lang="en-US" altLang="ko-KR" b="1"/>
-              <a:t>5</a:t>
-            </a:r>
-            <a:endParaRPr lang="en-US" altLang="ko-KR" b="1" dirty="0"/>
+              <a:rPr lang="en-US" altLang="ko-KR" b="1" dirty="0"/>
+              <a:t>12</a:t>
+            </a:r>
           </a:p>
         </p:txBody>
       </p:sp>
       <p:sp>
         <p:nvSpPr>
-          <p:cNvPr id="13" name="TextBox 12">
+          <p:cNvPr id="18" name="TextBox 17">
             <a:extLst>
               <a:ext uri="{FF2B5EF4-FFF2-40B4-BE49-F238E27FC236}">
-                <a16:creationId xmlns:a16="http://schemas.microsoft.com/office/drawing/2014/main" id="{9ADB1D43-0F16-4D7E-AF0F-814903EC48AC}"/>
+                <a16:creationId xmlns:a16="http://schemas.microsoft.com/office/drawing/2014/main" id="{C2E46355-D5F0-4D9E-BE00-8AB99836B2F6}"/>
               </a:ext>
             </a:extLst>
           </p:cNvPr>
@@ -10299,109 +11743,19 @@
           <a:p>
             <a:r>
               <a:rPr lang="en-US" altLang="ko-KR" b="1" dirty="0"/>
-              <a:t>Chap2. </a:t>
+              <a:t>Chap4. word2vec </a:t>
             </a:r>
             <a:r>
               <a:rPr lang="ko-KR" altLang="en-US" b="1" dirty="0"/>
-              <a:t>자연어와 단어의 분산 표현 </a:t>
-            </a:r>
-            <a:r>
-              <a:rPr lang="en-US" altLang="ko-KR" b="1" dirty="0"/>
-              <a:t>– </a:t>
-            </a:r>
-            <a:r>
-              <a:rPr lang="ko-KR" altLang="en-US" b="1" dirty="0"/>
-              <a:t>통계 기반 기법 개선하기</a:t>
-            </a:r>
-          </a:p>
-        </p:txBody>
-      </p:sp>
-      <p:sp>
-        <p:nvSpPr>
-          <p:cNvPr id="6" name="TextBox 5">
-            <a:extLst>
-              <a:ext uri="{FF2B5EF4-FFF2-40B4-BE49-F238E27FC236}">
-                <a16:creationId xmlns:a16="http://schemas.microsoft.com/office/drawing/2014/main" id="{A94B277F-D560-4C41-B2B6-34342597C936}"/>
-              </a:ext>
-            </a:extLst>
-          </p:cNvPr>
-          <p:cNvSpPr txBox="1"/>
-          <p:nvPr/>
-        </p:nvSpPr>
-        <p:spPr>
-          <a:xfrm>
-            <a:off x="189867" y="538891"/>
-            <a:ext cx="2262292" cy="646331"/>
-          </a:xfrm>
-          <a:prstGeom prst="rect">
-            <a:avLst/>
-          </a:prstGeom>
-          <a:noFill/>
-        </p:spPr>
-        <p:txBody>
-          <a:bodyPr wrap="square" rtlCol="0">
-            <a:spAutoFit/>
-          </a:bodyPr>
-          <a:lstStyle/>
-          <a:p>
-            <a:pPr marL="285750" indent="-285750">
-              <a:buFont typeface="Arial" panose="020B0604020202020204" pitchFamily="34" charset="0"/>
-              <a:buChar char="•"/>
-            </a:pPr>
-            <a:r>
-              <a:rPr lang="ko-KR" altLang="en-US" sz="1200" dirty="0">
-                <a:solidFill>
-                  <a:schemeClr val="tx1"/>
-                </a:solidFill>
-              </a:rPr>
-              <a:t>시소러스</a:t>
-            </a:r>
-            <a:endParaRPr lang="en-US" altLang="ko-KR" sz="1200" dirty="0">
-              <a:solidFill>
-                <a:schemeClr val="tx1"/>
-              </a:solidFill>
-            </a:endParaRPr>
-          </a:p>
-          <a:p>
-            <a:pPr marL="285750" indent="-285750">
-              <a:buFont typeface="Arial" panose="020B0604020202020204" pitchFamily="34" charset="0"/>
-              <a:buChar char="•"/>
-            </a:pPr>
-            <a:r>
-              <a:rPr lang="ko-KR" altLang="en-US" sz="1200" b="1" dirty="0">
-                <a:solidFill>
-                  <a:srgbClr val="FF0000"/>
-                </a:solidFill>
-              </a:rPr>
-              <a:t>통계 기반 기법</a:t>
-            </a:r>
-            <a:endParaRPr lang="en-US" altLang="ko-KR" sz="1200" b="1" dirty="0">
-              <a:solidFill>
-                <a:srgbClr val="FF0000"/>
-              </a:solidFill>
-            </a:endParaRPr>
-          </a:p>
-          <a:p>
-            <a:pPr marL="285750" indent="-285750">
-              <a:buFont typeface="Arial" panose="020B0604020202020204" pitchFamily="34" charset="0"/>
-              <a:buChar char="•"/>
-            </a:pPr>
-            <a:r>
-              <a:rPr lang="ko-KR" altLang="en-US" sz="1200" dirty="0"/>
-              <a:t>추론 기반 기법</a:t>
-            </a:r>
-            <a:r>
-              <a:rPr lang="en-US" altLang="ko-KR" sz="1200" dirty="0"/>
-              <a:t>(word2vec)</a:t>
-            </a:r>
-            <a:endParaRPr lang="ko-KR" altLang="en-US" sz="1200" dirty="0"/>
+              <a:t>속도 개선</a:t>
+            </a:r>
           </a:p>
         </p:txBody>
       </p:sp>
     </p:spTree>
     <p:extLst>
       <p:ext uri="{BB962C8B-B14F-4D97-AF65-F5344CB8AC3E}">
-        <p14:creationId xmlns:p14="http://schemas.microsoft.com/office/powerpoint/2010/main" val="3879634556"/>
+        <p14:creationId xmlns:p14="http://schemas.microsoft.com/office/powerpoint/2010/main" val="904299227"/>
       </p:ext>
     </p:extLst>
   </p:cSld>
@@ -10923,6 +12277,50 @@
           </a:prstGeom>
         </p:spPr>
       </p:pic>
+      <p:sp>
+        <p:nvSpPr>
+          <p:cNvPr id="11" name="TextBox 10">
+            <a:extLst>
+              <a:ext uri="{FF2B5EF4-FFF2-40B4-BE49-F238E27FC236}">
+                <a16:creationId xmlns:a16="http://schemas.microsoft.com/office/drawing/2014/main" id="{616469F4-C91E-459C-99CD-C4DC248C860E}"/>
+              </a:ext>
+            </a:extLst>
+          </p:cNvPr>
+          <p:cNvSpPr txBox="1"/>
+          <p:nvPr/>
+        </p:nvSpPr>
+        <p:spPr>
+          <a:xfrm>
+            <a:off x="4670216" y="2997096"/>
+            <a:ext cx="3542453" cy="307777"/>
+          </a:xfrm>
+          <a:prstGeom prst="rect">
+            <a:avLst/>
+          </a:prstGeom>
+          <a:noFill/>
+        </p:spPr>
+        <p:txBody>
+          <a:bodyPr wrap="square" rtlCol="0">
+            <a:spAutoFit/>
+          </a:bodyPr>
+          <a:lstStyle/>
+          <a:p>
+            <a:r>
+              <a:rPr lang="en-US" altLang="ko-KR" b="1" dirty="0"/>
+              <a:t>Chap5. </a:t>
+            </a:r>
+            <a:r>
+              <a:rPr lang="ko-KR" altLang="en-US" b="1" dirty="0"/>
+              <a:t>순환 신경망</a:t>
+            </a:r>
+            <a:r>
+              <a:rPr lang="en-US" altLang="ko-KR" b="1" dirty="0"/>
+              <a:t>(RNN)</a:t>
+            </a:r>
+            <a:endParaRPr lang="ko-KR" altLang="en-US" b="1" dirty="0"/>
+          </a:p>
+        </p:txBody>
+      </p:sp>
     </p:spTree>
   </p:cSld>
   <p:clrMapOvr>
@@ -11069,66 +12467,6 @@
           </a:p>
         </p:txBody>
       </p:sp>
-      <p:pic>
-        <p:nvPicPr>
-          <p:cNvPr id="10" name="그림 9">
-            <a:extLst>
-              <a:ext uri="{FF2B5EF4-FFF2-40B4-BE49-F238E27FC236}">
-                <a16:creationId xmlns:a16="http://schemas.microsoft.com/office/drawing/2014/main" id="{A9998D3D-C818-46ED-824D-2865F391AA45}"/>
-              </a:ext>
-            </a:extLst>
-          </p:cNvPr>
-          <p:cNvPicPr>
-            <a:picLocks noChangeAspect="1"/>
-          </p:cNvPicPr>
-          <p:nvPr/>
-        </p:nvPicPr>
-        <p:blipFill>
-          <a:blip r:embed="rId3"/>
-          <a:stretch>
-            <a:fillRect/>
-          </a:stretch>
-        </p:blipFill>
-        <p:spPr>
-          <a:xfrm>
-            <a:off x="4139292" y="1945865"/>
-            <a:ext cx="4566067" cy="304665"/>
-          </a:xfrm>
-          <a:prstGeom prst="rect">
-            <a:avLst/>
-          </a:prstGeom>
-        </p:spPr>
-      </p:pic>
-      <p:pic>
-        <p:nvPicPr>
-          <p:cNvPr id="15" name="그림 14">
-            <a:extLst>
-              <a:ext uri="{FF2B5EF4-FFF2-40B4-BE49-F238E27FC236}">
-                <a16:creationId xmlns:a16="http://schemas.microsoft.com/office/drawing/2014/main" id="{957733D8-FABC-4278-8F6F-881284174B8A}"/>
-              </a:ext>
-            </a:extLst>
-          </p:cNvPr>
-          <p:cNvPicPr>
-            <a:picLocks noChangeAspect="1"/>
-          </p:cNvPicPr>
-          <p:nvPr/>
-        </p:nvPicPr>
-        <p:blipFill>
-          <a:blip r:embed="rId4"/>
-          <a:stretch>
-            <a:fillRect/>
-          </a:stretch>
-        </p:blipFill>
-        <p:spPr>
-          <a:xfrm>
-            <a:off x="5080420" y="2512756"/>
-            <a:ext cx="2683813" cy="1987594"/>
-          </a:xfrm>
-          <a:prstGeom prst="rect">
-            <a:avLst/>
-          </a:prstGeom>
-        </p:spPr>
-      </p:pic>
       <p:sp>
         <p:nvSpPr>
           <p:cNvPr id="20" name="TextBox 19">
@@ -11354,6 +12692,66 @@
           <p:nvPr/>
         </p:nvPicPr>
         <p:blipFill>
+          <a:blip r:embed="rId3"/>
+          <a:stretch>
+            <a:fillRect/>
+          </a:stretch>
+        </p:blipFill>
+        <p:spPr>
+          <a:xfrm>
+            <a:off x="36127" y="4862261"/>
+            <a:ext cx="1960963" cy="228019"/>
+          </a:xfrm>
+          <a:prstGeom prst="rect">
+            <a:avLst/>
+          </a:prstGeom>
+        </p:spPr>
+      </p:pic>
+      <p:pic>
+        <p:nvPicPr>
+          <p:cNvPr id="4" name="그림 3">
+            <a:extLst>
+              <a:ext uri="{FF2B5EF4-FFF2-40B4-BE49-F238E27FC236}">
+                <a16:creationId xmlns:a16="http://schemas.microsoft.com/office/drawing/2014/main" id="{776E39B5-13FF-4A02-862C-DDB525CE8402}"/>
+              </a:ext>
+            </a:extLst>
+          </p:cNvPr>
+          <p:cNvPicPr>
+            <a:picLocks noChangeAspect="1"/>
+          </p:cNvPicPr>
+          <p:nvPr/>
+        </p:nvPicPr>
+        <p:blipFill>
+          <a:blip r:embed="rId4"/>
+          <a:stretch>
+            <a:fillRect/>
+          </a:stretch>
+        </p:blipFill>
+        <p:spPr>
+          <a:xfrm>
+            <a:off x="4301083" y="1914621"/>
+            <a:ext cx="4242486" cy="283074"/>
+          </a:xfrm>
+          <a:prstGeom prst="rect">
+            <a:avLst/>
+          </a:prstGeom>
+        </p:spPr>
+      </p:pic>
+      <p:pic>
+        <p:nvPicPr>
+          <p:cNvPr id="6" name="그림 5">
+            <a:extLst>
+              <a:ext uri="{FF2B5EF4-FFF2-40B4-BE49-F238E27FC236}">
+                <a16:creationId xmlns:a16="http://schemas.microsoft.com/office/drawing/2014/main" id="{FA9839C4-4C33-453C-83E7-C515CCD5701F}"/>
+              </a:ext>
+            </a:extLst>
+          </p:cNvPr>
+          <p:cNvPicPr>
+            <a:picLocks noChangeAspect="1"/>
+          </p:cNvPicPr>
+          <p:nvPr/>
+        </p:nvPicPr>
+        <p:blipFill>
           <a:blip r:embed="rId5"/>
           <a:stretch>
             <a:fillRect/>
@@ -11361,8 +12759,8 @@
         </p:blipFill>
         <p:spPr>
           <a:xfrm>
-            <a:off x="36127" y="4862261"/>
-            <a:ext cx="1960963" cy="228019"/>
+            <a:off x="5036328" y="2420874"/>
+            <a:ext cx="2591009" cy="1917614"/>
           </a:xfrm>
           <a:prstGeom prst="rect">
             <a:avLst/>
@@ -11545,8 +12943,8 @@
         </p:blipFill>
         <p:spPr>
           <a:xfrm>
-            <a:off x="3057856" y="1705232"/>
-            <a:ext cx="5647982" cy="1913973"/>
+            <a:off x="1076868" y="2351416"/>
+            <a:ext cx="6990264" cy="2368842"/>
           </a:xfrm>
           <a:prstGeom prst="rect">
             <a:avLst/>
@@ -11567,7 +12965,7 @@
         </p:nvSpPr>
         <p:spPr>
           <a:xfrm>
-            <a:off x="3013713" y="3597605"/>
+            <a:off x="6356461" y="4680954"/>
             <a:ext cx="1794081" cy="184666"/>
           </a:xfrm>
           <a:prstGeom prst="rect">
@@ -11615,7 +13013,7 @@
         </p:nvSpPr>
         <p:spPr>
           <a:xfrm>
-            <a:off x="579242" y="1884942"/>
+            <a:off x="3403232" y="1469700"/>
             <a:ext cx="2459507" cy="353943"/>
           </a:xfrm>
           <a:prstGeom prst="rect">
@@ -11655,7 +13053,7 @@
         </p:nvSpPr>
         <p:spPr>
           <a:xfrm>
-            <a:off x="608695" y="2462064"/>
+            <a:off x="3274513" y="1927410"/>
             <a:ext cx="2594974" cy="430887"/>
           </a:xfrm>
           <a:prstGeom prst="rect">
@@ -11937,7 +13335,7 @@
         </p:nvSpPr>
         <p:spPr>
           <a:xfrm>
-            <a:off x="1222405" y="1417378"/>
+            <a:off x="1234176" y="1670096"/>
             <a:ext cx="2459507" cy="353943"/>
           </a:xfrm>
           <a:prstGeom prst="rect">
@@ -11958,36 +13356,6 @@
           </a:p>
         </p:txBody>
       </p:sp>
-      <p:pic>
-        <p:nvPicPr>
-          <p:cNvPr id="5" name="그림 4">
-            <a:extLst>
-              <a:ext uri="{FF2B5EF4-FFF2-40B4-BE49-F238E27FC236}">
-                <a16:creationId xmlns:a16="http://schemas.microsoft.com/office/drawing/2014/main" id="{1D6C7882-625D-4019-9DD5-3B88478FD906}"/>
-              </a:ext>
-            </a:extLst>
-          </p:cNvPr>
-          <p:cNvPicPr>
-            <a:picLocks noChangeAspect="1"/>
-          </p:cNvPicPr>
-          <p:nvPr/>
-        </p:nvPicPr>
-        <p:blipFill>
-          <a:blip r:embed="rId3"/>
-          <a:stretch>
-            <a:fillRect/>
-          </a:stretch>
-        </p:blipFill>
-        <p:spPr>
-          <a:xfrm>
-            <a:off x="1321013" y="1817487"/>
-            <a:ext cx="3318935" cy="550571"/>
-          </a:xfrm>
-          <a:prstGeom prst="rect">
-            <a:avLst/>
-          </a:prstGeom>
-        </p:spPr>
-      </p:pic>
       <p:sp>
         <p:nvSpPr>
           <p:cNvPr id="16" name="TextBox 15">
@@ -12002,7 +13370,7 @@
         </p:nvSpPr>
         <p:spPr>
           <a:xfrm>
-            <a:off x="2231001" y="1463544"/>
+            <a:off x="2231001" y="1708426"/>
             <a:ext cx="2594974" cy="261610"/>
           </a:xfrm>
           <a:prstGeom prst="rect">
@@ -12037,7 +13405,7 @@
         </p:nvSpPr>
         <p:spPr>
           <a:xfrm>
-            <a:off x="4639948" y="1877328"/>
+            <a:off x="5027101" y="2085090"/>
             <a:ext cx="2810719" cy="430887"/>
           </a:xfrm>
           <a:prstGeom prst="rect">
@@ -12092,7 +13460,7 @@
         </p:nvSpPr>
         <p:spPr>
           <a:xfrm>
-            <a:off x="1222404" y="2937510"/>
+            <a:off x="1222405" y="2948217"/>
             <a:ext cx="2459507" cy="353943"/>
           </a:xfrm>
           <a:prstGeom prst="rect">
@@ -12127,7 +13495,7 @@
         </p:nvSpPr>
         <p:spPr>
           <a:xfrm>
-            <a:off x="2231000" y="2983676"/>
+            <a:off x="2231001" y="2994383"/>
             <a:ext cx="5592200" cy="261610"/>
           </a:xfrm>
           <a:prstGeom prst="rect">
@@ -12170,7 +13538,7 @@
         </p:nvSpPr>
         <p:spPr>
           <a:xfrm>
-            <a:off x="1321013" y="3318803"/>
+            <a:off x="2137093" y="3363754"/>
             <a:ext cx="4869814" cy="261610"/>
           </a:xfrm>
           <a:prstGeom prst="rect">
@@ -12196,36 +13564,6 @@
           </a:p>
         </p:txBody>
       </p:sp>
-      <p:pic>
-        <p:nvPicPr>
-          <p:cNvPr id="8" name="그림 7">
-            <a:extLst>
-              <a:ext uri="{FF2B5EF4-FFF2-40B4-BE49-F238E27FC236}">
-                <a16:creationId xmlns:a16="http://schemas.microsoft.com/office/drawing/2014/main" id="{1992592A-4DD9-4E8A-A9AC-DB5A8832E40D}"/>
-              </a:ext>
-            </a:extLst>
-          </p:cNvPr>
-          <p:cNvPicPr>
-            <a:picLocks noChangeAspect="1"/>
-          </p:cNvPicPr>
-          <p:nvPr/>
-        </p:nvPicPr>
-        <p:blipFill>
-          <a:blip r:embed="rId4"/>
-          <a:stretch>
-            <a:fillRect/>
-          </a:stretch>
-        </p:blipFill>
-        <p:spPr>
-          <a:xfrm>
-            <a:off x="1321013" y="3653930"/>
-            <a:ext cx="3404870" cy="1038774"/>
-          </a:xfrm>
-          <a:prstGeom prst="rect">
-            <a:avLst/>
-          </a:prstGeom>
-        </p:spPr>
-      </p:pic>
       <p:sp>
         <p:nvSpPr>
           <p:cNvPr id="21" name="TextBox 20">
@@ -12276,6 +13614,66 @@
           <p:nvPr/>
         </p:nvPicPr>
         <p:blipFill>
+          <a:blip r:embed="rId3"/>
+          <a:stretch>
+            <a:fillRect/>
+          </a:stretch>
+        </p:blipFill>
+        <p:spPr>
+          <a:xfrm>
+            <a:off x="36127" y="4862261"/>
+            <a:ext cx="1960963" cy="228019"/>
+          </a:xfrm>
+          <a:prstGeom prst="rect">
+            <a:avLst/>
+          </a:prstGeom>
+        </p:spPr>
+      </p:pic>
+      <p:pic>
+        <p:nvPicPr>
+          <p:cNvPr id="4" name="그림 3">
+            <a:extLst>
+              <a:ext uri="{FF2B5EF4-FFF2-40B4-BE49-F238E27FC236}">
+                <a16:creationId xmlns:a16="http://schemas.microsoft.com/office/drawing/2014/main" id="{5A1432D7-88F9-4780-91F1-BAE5018D8C8B}"/>
+              </a:ext>
+            </a:extLst>
+          </p:cNvPr>
+          <p:cNvPicPr>
+            <a:picLocks noChangeAspect="1"/>
+          </p:cNvPicPr>
+          <p:nvPr/>
+        </p:nvPicPr>
+        <p:blipFill>
+          <a:blip r:embed="rId4"/>
+          <a:stretch>
+            <a:fillRect/>
+          </a:stretch>
+        </p:blipFill>
+        <p:spPr>
+          <a:xfrm>
+            <a:off x="2917909" y="3607763"/>
+            <a:ext cx="3308182" cy="1009276"/>
+          </a:xfrm>
+          <a:prstGeom prst="rect">
+            <a:avLst/>
+          </a:prstGeom>
+        </p:spPr>
+      </p:pic>
+      <p:pic>
+        <p:nvPicPr>
+          <p:cNvPr id="9" name="그림 8">
+            <a:extLst>
+              <a:ext uri="{FF2B5EF4-FFF2-40B4-BE49-F238E27FC236}">
+                <a16:creationId xmlns:a16="http://schemas.microsoft.com/office/drawing/2014/main" id="{C7F69CEB-0B1C-41D2-9D6B-3452D3DC1856}"/>
+              </a:ext>
+            </a:extLst>
+          </p:cNvPr>
+          <p:cNvPicPr>
+            <a:picLocks noChangeAspect="1"/>
+          </p:cNvPicPr>
+          <p:nvPr/>
+        </p:nvPicPr>
+        <p:blipFill>
           <a:blip r:embed="rId5"/>
           <a:stretch>
             <a:fillRect/>
@@ -12283,8 +13681,8 @@
         </p:blipFill>
         <p:spPr>
           <a:xfrm>
-            <a:off x="36127" y="4862261"/>
-            <a:ext cx="1960963" cy="228019"/>
+            <a:off x="1544326" y="2154721"/>
+            <a:ext cx="3281649" cy="544386"/>
           </a:xfrm>
           <a:prstGeom prst="rect">
             <a:avLst/>
@@ -12525,36 +13923,6 @@
           </a:p>
         </p:txBody>
       </p:sp>
-      <p:pic>
-        <p:nvPicPr>
-          <p:cNvPr id="3" name="그림 2">
-            <a:extLst>
-              <a:ext uri="{FF2B5EF4-FFF2-40B4-BE49-F238E27FC236}">
-                <a16:creationId xmlns:a16="http://schemas.microsoft.com/office/drawing/2014/main" id="{D04B993C-9005-4397-84EA-938A6869D02B}"/>
-              </a:ext>
-            </a:extLst>
-          </p:cNvPr>
-          <p:cNvPicPr>
-            <a:picLocks noChangeAspect="1"/>
-          </p:cNvPicPr>
-          <p:nvPr/>
-        </p:nvPicPr>
-        <p:blipFill>
-          <a:blip r:embed="rId3"/>
-          <a:stretch>
-            <a:fillRect/>
-          </a:stretch>
-        </p:blipFill>
-        <p:spPr>
-          <a:xfrm>
-            <a:off x="818945" y="1775151"/>
-            <a:ext cx="3010747" cy="1081117"/>
-          </a:xfrm>
-          <a:prstGeom prst="rect">
-            <a:avLst/>
-          </a:prstGeom>
-        </p:spPr>
-      </p:pic>
       <p:sp>
         <p:nvSpPr>
           <p:cNvPr id="22" name="TextBox 21">
@@ -12605,15 +13973,15 @@
           <p:nvPr/>
         </p:nvPicPr>
         <p:blipFill>
-          <a:blip r:embed="rId4"/>
+          <a:blip r:embed="rId3"/>
           <a:stretch>
             <a:fillRect/>
           </a:stretch>
         </p:blipFill>
         <p:spPr>
           <a:xfrm>
-            <a:off x="818945" y="3309854"/>
-            <a:ext cx="2119633" cy="1478870"/>
+            <a:off x="3351211" y="3286589"/>
+            <a:ext cx="2441577" cy="1703491"/>
           </a:xfrm>
           <a:prstGeom prst="rect">
             <a:avLst/>
@@ -12669,7 +14037,7 @@
         </p:nvSpPr>
         <p:spPr>
           <a:xfrm>
-            <a:off x="3958385" y="2440945"/>
+            <a:off x="6075510" y="2571750"/>
             <a:ext cx="3844495" cy="261610"/>
           </a:xfrm>
           <a:prstGeom prst="rect">
@@ -12716,7 +14084,7 @@
         </p:nvSpPr>
         <p:spPr>
           <a:xfrm>
-            <a:off x="3013713" y="4372135"/>
+            <a:off x="5792788" y="4731456"/>
             <a:ext cx="1463460" cy="261610"/>
           </a:xfrm>
           <a:prstGeom prst="rect">
@@ -12787,6 +14155,36 @@
           <p:nvPr/>
         </p:nvPicPr>
         <p:blipFill>
+          <a:blip r:embed="rId4"/>
+          <a:stretch>
+            <a:fillRect/>
+          </a:stretch>
+        </p:blipFill>
+        <p:spPr>
+          <a:xfrm>
+            <a:off x="36127" y="4862261"/>
+            <a:ext cx="1960963" cy="228019"/>
+          </a:xfrm>
+          <a:prstGeom prst="rect">
+            <a:avLst/>
+          </a:prstGeom>
+        </p:spPr>
+      </p:pic>
+      <p:pic>
+        <p:nvPicPr>
+          <p:cNvPr id="5" name="그림 4">
+            <a:extLst>
+              <a:ext uri="{FF2B5EF4-FFF2-40B4-BE49-F238E27FC236}">
+                <a16:creationId xmlns:a16="http://schemas.microsoft.com/office/drawing/2014/main" id="{78998801-0549-45F6-927E-5E5F18BB3B63}"/>
+              </a:ext>
+            </a:extLst>
+          </p:cNvPr>
+          <p:cNvPicPr>
+            <a:picLocks noChangeAspect="1"/>
+          </p:cNvPicPr>
+          <p:nvPr/>
+        </p:nvPicPr>
+        <p:blipFill>
           <a:blip r:embed="rId5"/>
           <a:stretch>
             <a:fillRect/>
@@ -12794,8 +14192,8 @@
         </p:blipFill>
         <p:spPr>
           <a:xfrm>
-            <a:off x="36127" y="4862261"/>
-            <a:ext cx="1960963" cy="228019"/>
+            <a:off x="3002280" y="1727450"/>
+            <a:ext cx="3139440" cy="1125531"/>
           </a:xfrm>
           <a:prstGeom prst="rect">
             <a:avLst/>
@@ -13064,66 +14462,6 @@
           </a:p>
         </p:txBody>
       </p:sp>
-      <p:pic>
-        <p:nvPicPr>
-          <p:cNvPr id="10" name="그림 9">
-            <a:extLst>
-              <a:ext uri="{FF2B5EF4-FFF2-40B4-BE49-F238E27FC236}">
-                <a16:creationId xmlns:a16="http://schemas.microsoft.com/office/drawing/2014/main" id="{A2E1A66D-16B5-4232-B5C1-531C4B55F8EF}"/>
-              </a:ext>
-            </a:extLst>
-          </p:cNvPr>
-          <p:cNvPicPr>
-            <a:picLocks noChangeAspect="1"/>
-          </p:cNvPicPr>
-          <p:nvPr/>
-        </p:nvPicPr>
-        <p:blipFill>
-          <a:blip r:embed="rId3"/>
-          <a:stretch>
-            <a:fillRect/>
-          </a:stretch>
-        </p:blipFill>
-        <p:spPr>
-          <a:xfrm>
-            <a:off x="697866" y="1990199"/>
-            <a:ext cx="3055306" cy="474256"/>
-          </a:xfrm>
-          <a:prstGeom prst="rect">
-            <a:avLst/>
-          </a:prstGeom>
-        </p:spPr>
-      </p:pic>
-      <p:pic>
-        <p:nvPicPr>
-          <p:cNvPr id="15" name="그림 14">
-            <a:extLst>
-              <a:ext uri="{FF2B5EF4-FFF2-40B4-BE49-F238E27FC236}">
-                <a16:creationId xmlns:a16="http://schemas.microsoft.com/office/drawing/2014/main" id="{E70C7759-39D6-4A40-8C3A-704539C98659}"/>
-              </a:ext>
-            </a:extLst>
-          </p:cNvPr>
-          <p:cNvPicPr>
-            <a:picLocks noChangeAspect="1"/>
-          </p:cNvPicPr>
-          <p:nvPr/>
-        </p:nvPicPr>
-        <p:blipFill>
-          <a:blip r:embed="rId4"/>
-          <a:stretch>
-            <a:fillRect/>
-          </a:stretch>
-        </p:blipFill>
-        <p:spPr>
-          <a:xfrm>
-            <a:off x="697866" y="2429921"/>
-            <a:ext cx="3239204" cy="483337"/>
-          </a:xfrm>
-          <a:prstGeom prst="rect">
-            <a:avLst/>
-          </a:prstGeom>
-        </p:spPr>
-      </p:pic>
       <p:sp>
         <p:nvSpPr>
           <p:cNvPr id="16" name="TextBox 15">
@@ -13138,7 +14476,7 @@
         </p:nvSpPr>
         <p:spPr>
           <a:xfrm>
-            <a:off x="3937070" y="2190005"/>
+            <a:off x="3937070" y="2099562"/>
             <a:ext cx="4869814" cy="600164"/>
           </a:xfrm>
           <a:prstGeom prst="rect">
@@ -13248,36 +14586,6 @@
           </a:p>
         </p:txBody>
       </p:sp>
-      <p:pic>
-        <p:nvPicPr>
-          <p:cNvPr id="18" name="그림 17">
-            <a:extLst>
-              <a:ext uri="{FF2B5EF4-FFF2-40B4-BE49-F238E27FC236}">
-                <a16:creationId xmlns:a16="http://schemas.microsoft.com/office/drawing/2014/main" id="{47071DEA-A850-4181-AF4E-C7409529A33F}"/>
-              </a:ext>
-            </a:extLst>
-          </p:cNvPr>
-          <p:cNvPicPr>
-            <a:picLocks noChangeAspect="1"/>
-          </p:cNvPicPr>
-          <p:nvPr/>
-        </p:nvPicPr>
-        <p:blipFill>
-          <a:blip r:embed="rId5"/>
-          <a:stretch>
-            <a:fillRect/>
-          </a:stretch>
-        </p:blipFill>
-        <p:spPr>
-          <a:xfrm>
-            <a:off x="5721972" y="1235309"/>
-            <a:ext cx="3029340" cy="593628"/>
-          </a:xfrm>
-          <a:prstGeom prst="rect">
-            <a:avLst/>
-          </a:prstGeom>
-        </p:spPr>
-      </p:pic>
       <p:sp>
         <p:nvSpPr>
           <p:cNvPr id="19" name="TextBox 18">
@@ -13292,7 +14600,7 @@
         </p:nvSpPr>
         <p:spPr>
           <a:xfrm>
-            <a:off x="697866" y="2946173"/>
+            <a:off x="697866" y="2830841"/>
             <a:ext cx="4869814" cy="261610"/>
           </a:xfrm>
           <a:prstGeom prst="rect">
@@ -13343,7 +14651,7 @@
         </p:nvSpPr>
         <p:spPr>
           <a:xfrm>
-            <a:off x="636908" y="3329340"/>
+            <a:off x="636908" y="3477624"/>
             <a:ext cx="5316852" cy="338554"/>
           </a:xfrm>
           <a:prstGeom prst="rect">
@@ -13387,7 +14695,7 @@
         </p:nvSpPr>
         <p:spPr>
           <a:xfrm>
-            <a:off x="697866" y="3698092"/>
+            <a:off x="697866" y="3846376"/>
             <a:ext cx="4869814" cy="261610"/>
           </a:xfrm>
           <a:prstGeom prst="rect">
@@ -13523,36 +14831,6 @@
           </a:p>
         </p:txBody>
       </p:sp>
-      <p:pic>
-        <p:nvPicPr>
-          <p:cNvPr id="25" name="그림 24">
-            <a:extLst>
-              <a:ext uri="{FF2B5EF4-FFF2-40B4-BE49-F238E27FC236}">
-                <a16:creationId xmlns:a16="http://schemas.microsoft.com/office/drawing/2014/main" id="{BA921473-C016-4E79-A3BB-44966481B566}"/>
-              </a:ext>
-            </a:extLst>
-          </p:cNvPr>
-          <p:cNvPicPr>
-            <a:picLocks noChangeAspect="1"/>
-          </p:cNvPicPr>
-          <p:nvPr/>
-        </p:nvPicPr>
-        <p:blipFill>
-          <a:blip r:embed="rId6"/>
-          <a:stretch>
-            <a:fillRect/>
-          </a:stretch>
-        </p:blipFill>
-        <p:spPr>
-          <a:xfrm>
-            <a:off x="697866" y="4029256"/>
-            <a:ext cx="3200564" cy="355618"/>
-          </a:xfrm>
-          <a:prstGeom prst="rect">
-            <a:avLst/>
-          </a:prstGeom>
-        </p:spPr>
-      </p:pic>
       <p:sp>
         <p:nvSpPr>
           <p:cNvPr id="26" name="TextBox 25">
@@ -13603,6 +14881,126 @@
           <p:nvPr/>
         </p:nvPicPr>
         <p:blipFill>
+          <a:blip r:embed="rId3"/>
+          <a:stretch>
+            <a:fillRect/>
+          </a:stretch>
+        </p:blipFill>
+        <p:spPr>
+          <a:xfrm>
+            <a:off x="36127" y="4862261"/>
+            <a:ext cx="1960963" cy="228019"/>
+          </a:xfrm>
+          <a:prstGeom prst="rect">
+            <a:avLst/>
+          </a:prstGeom>
+        </p:spPr>
+      </p:pic>
+      <p:pic>
+        <p:nvPicPr>
+          <p:cNvPr id="4" name="그림 3">
+            <a:extLst>
+              <a:ext uri="{FF2B5EF4-FFF2-40B4-BE49-F238E27FC236}">
+                <a16:creationId xmlns:a16="http://schemas.microsoft.com/office/drawing/2014/main" id="{BC094231-B458-4B8D-9E42-7CB09175F787}"/>
+              </a:ext>
+            </a:extLst>
+          </p:cNvPr>
+          <p:cNvPicPr>
+            <a:picLocks noChangeAspect="1"/>
+          </p:cNvPicPr>
+          <p:nvPr/>
+        </p:nvPicPr>
+        <p:blipFill>
+          <a:blip r:embed="rId4"/>
+          <a:stretch>
+            <a:fillRect/>
+          </a:stretch>
+        </p:blipFill>
+        <p:spPr>
+          <a:xfrm>
+            <a:off x="5686185" y="1277477"/>
+            <a:ext cx="3035304" cy="594797"/>
+          </a:xfrm>
+          <a:prstGeom prst="rect">
+            <a:avLst/>
+          </a:prstGeom>
+        </p:spPr>
+      </p:pic>
+      <p:pic>
+        <p:nvPicPr>
+          <p:cNvPr id="7" name="그림 6">
+            <a:extLst>
+              <a:ext uri="{FF2B5EF4-FFF2-40B4-BE49-F238E27FC236}">
+                <a16:creationId xmlns:a16="http://schemas.microsoft.com/office/drawing/2014/main" id="{3A79FC49-59E3-4970-8339-DAC2D873D342}"/>
+              </a:ext>
+            </a:extLst>
+          </p:cNvPr>
+          <p:cNvPicPr>
+            <a:picLocks noChangeAspect="1"/>
+          </p:cNvPicPr>
+          <p:nvPr/>
+        </p:nvPicPr>
+        <p:blipFill>
+          <a:blip r:embed="rId5"/>
+          <a:stretch>
+            <a:fillRect/>
+          </a:stretch>
+        </p:blipFill>
+        <p:spPr>
+          <a:xfrm>
+            <a:off x="713725" y="1973333"/>
+            <a:ext cx="2886075" cy="447988"/>
+          </a:xfrm>
+          <a:prstGeom prst="rect">
+            <a:avLst/>
+          </a:prstGeom>
+        </p:spPr>
+      </p:pic>
+      <p:pic>
+        <p:nvPicPr>
+          <p:cNvPr id="12" name="그림 11">
+            <a:extLst>
+              <a:ext uri="{FF2B5EF4-FFF2-40B4-BE49-F238E27FC236}">
+                <a16:creationId xmlns:a16="http://schemas.microsoft.com/office/drawing/2014/main" id="{45CBBAA1-99B3-4DAE-A779-623DE6865D31}"/>
+              </a:ext>
+            </a:extLst>
+          </p:cNvPr>
+          <p:cNvPicPr>
+            <a:picLocks noChangeAspect="1"/>
+          </p:cNvPicPr>
+          <p:nvPr/>
+        </p:nvPicPr>
+        <p:blipFill>
+          <a:blip r:embed="rId6"/>
+          <a:stretch>
+            <a:fillRect/>
+          </a:stretch>
+        </p:blipFill>
+        <p:spPr>
+          <a:xfrm>
+            <a:off x="692169" y="2352258"/>
+            <a:ext cx="3244901" cy="484187"/>
+          </a:xfrm>
+          <a:prstGeom prst="rect">
+            <a:avLst/>
+          </a:prstGeom>
+        </p:spPr>
+      </p:pic>
+      <p:pic>
+        <p:nvPicPr>
+          <p:cNvPr id="17" name="그림 16">
+            <a:extLst>
+              <a:ext uri="{FF2B5EF4-FFF2-40B4-BE49-F238E27FC236}">
+                <a16:creationId xmlns:a16="http://schemas.microsoft.com/office/drawing/2014/main" id="{DCD7615A-E0F4-4341-9DD6-4C3CBCF67E6A}"/>
+              </a:ext>
+            </a:extLst>
+          </p:cNvPr>
+          <p:cNvPicPr>
+            <a:picLocks noChangeAspect="1"/>
+          </p:cNvPicPr>
+          <p:nvPr/>
+        </p:nvPicPr>
+        <p:blipFill>
           <a:blip r:embed="rId7"/>
           <a:stretch>
             <a:fillRect/>
@@ -13610,8 +15008,8 @@
         </p:blipFill>
         <p:spPr>
           <a:xfrm>
-            <a:off x="36127" y="4862261"/>
-            <a:ext cx="1960963" cy="228019"/>
+            <a:off x="713725" y="4179096"/>
+            <a:ext cx="3443226" cy="382581"/>
           </a:xfrm>
           <a:prstGeom prst="rect">
             <a:avLst/>
@@ -14044,36 +15442,6 @@
           </a:p>
         </p:txBody>
       </p:sp>
-      <p:pic>
-        <p:nvPicPr>
-          <p:cNvPr id="3" name="그림 2">
-            <a:extLst>
-              <a:ext uri="{FF2B5EF4-FFF2-40B4-BE49-F238E27FC236}">
-                <a16:creationId xmlns:a16="http://schemas.microsoft.com/office/drawing/2014/main" id="{5A2E0F3B-393F-41F8-856C-54E358CAA8BC}"/>
-              </a:ext>
-            </a:extLst>
-          </p:cNvPr>
-          <p:cNvPicPr>
-            <a:picLocks noChangeAspect="1"/>
-          </p:cNvPicPr>
-          <p:nvPr/>
-        </p:nvPicPr>
-        <p:blipFill>
-          <a:blip r:embed="rId3"/>
-          <a:stretch>
-            <a:fillRect/>
-          </a:stretch>
-        </p:blipFill>
-        <p:spPr>
-          <a:xfrm>
-            <a:off x="3339252" y="2354908"/>
-            <a:ext cx="1104221" cy="348070"/>
-          </a:xfrm>
-          <a:prstGeom prst="rect">
-            <a:avLst/>
-          </a:prstGeom>
-        </p:spPr>
-      </p:pic>
       <p:sp>
         <p:nvSpPr>
           <p:cNvPr id="15" name="TextBox 14">
@@ -14088,7 +15456,7 @@
         </p:nvSpPr>
         <p:spPr>
           <a:xfrm>
-            <a:off x="4368905" y="2431882"/>
+            <a:off x="5801937" y="3834208"/>
             <a:ext cx="1232640" cy="307777"/>
           </a:xfrm>
           <a:prstGeom prst="rect">
@@ -14137,36 +15505,6 @@
           </a:p>
         </p:txBody>
       </p:sp>
-      <p:pic>
-        <p:nvPicPr>
-          <p:cNvPr id="5" name="그림 4">
-            <a:extLst>
-              <a:ext uri="{FF2B5EF4-FFF2-40B4-BE49-F238E27FC236}">
-                <a16:creationId xmlns:a16="http://schemas.microsoft.com/office/drawing/2014/main" id="{BBFF3228-8EC5-460F-891B-3CE1702D82C5}"/>
-              </a:ext>
-            </a:extLst>
-          </p:cNvPr>
-          <p:cNvPicPr>
-            <a:picLocks noChangeAspect="1"/>
-          </p:cNvPicPr>
-          <p:nvPr/>
-        </p:nvPicPr>
-        <p:blipFill>
-          <a:blip r:embed="rId4"/>
-          <a:stretch>
-            <a:fillRect/>
-          </a:stretch>
-        </p:blipFill>
-        <p:spPr>
-          <a:xfrm>
-            <a:off x="765386" y="2692074"/>
-            <a:ext cx="3920919" cy="1337030"/>
-          </a:xfrm>
-          <a:prstGeom prst="rect">
-            <a:avLst/>
-          </a:prstGeom>
-        </p:spPr>
-      </p:pic>
       <p:sp>
         <p:nvSpPr>
           <p:cNvPr id="16" name="TextBox 15">
@@ -14235,6 +15573,12 @@
           </a:bodyPr>
           <a:lstStyle/>
           <a:p>
+            <a:r>
+              <a:rPr lang="en-US" altLang="ko-KR" sz="1100" dirty="0">
+                <a:latin typeface="+mj-lt"/>
+              </a:rPr>
+              <a:t>- </a:t>
+            </a:r>
             <a:r>
               <a:rPr lang="ko-KR" altLang="en-US" sz="1100" dirty="0">
                 <a:latin typeface="+mj-lt"/>
@@ -14321,6 +15665,66 @@
           <p:nvPr/>
         </p:nvPicPr>
         <p:blipFill>
+          <a:blip r:embed="rId3"/>
+          <a:stretch>
+            <a:fillRect/>
+          </a:stretch>
+        </p:blipFill>
+        <p:spPr>
+          <a:xfrm>
+            <a:off x="36127" y="4862261"/>
+            <a:ext cx="1960963" cy="228019"/>
+          </a:xfrm>
+          <a:prstGeom prst="rect">
+            <a:avLst/>
+          </a:prstGeom>
+        </p:spPr>
+      </p:pic>
+      <p:pic>
+        <p:nvPicPr>
+          <p:cNvPr id="11" name="그림 10">
+            <a:extLst>
+              <a:ext uri="{FF2B5EF4-FFF2-40B4-BE49-F238E27FC236}">
+                <a16:creationId xmlns:a16="http://schemas.microsoft.com/office/drawing/2014/main" id="{69C11689-C4F2-4E9B-8D89-7F89510EC14A}"/>
+              </a:ext>
+            </a:extLst>
+          </p:cNvPr>
+          <p:cNvPicPr>
+            <a:picLocks noChangeAspect="1"/>
+          </p:cNvPicPr>
+          <p:nvPr/>
+        </p:nvPicPr>
+        <p:blipFill>
+          <a:blip r:embed="rId4"/>
+          <a:stretch>
+            <a:fillRect/>
+          </a:stretch>
+        </p:blipFill>
+        <p:spPr>
+          <a:xfrm>
+            <a:off x="950281" y="3180339"/>
+            <a:ext cx="1052588" cy="331794"/>
+          </a:xfrm>
+          <a:prstGeom prst="rect">
+            <a:avLst/>
+          </a:prstGeom>
+        </p:spPr>
+      </p:pic>
+      <p:pic>
+        <p:nvPicPr>
+          <p:cNvPr id="14" name="그림 13">
+            <a:extLst>
+              <a:ext uri="{FF2B5EF4-FFF2-40B4-BE49-F238E27FC236}">
+                <a16:creationId xmlns:a16="http://schemas.microsoft.com/office/drawing/2014/main" id="{30052FB0-53A0-4D7E-A0F1-B87CF9FD53B1}"/>
+              </a:ext>
+            </a:extLst>
+          </p:cNvPr>
+          <p:cNvPicPr>
+            <a:picLocks noChangeAspect="1"/>
+          </p:cNvPicPr>
+          <p:nvPr/>
+        </p:nvPicPr>
+        <p:blipFill>
           <a:blip r:embed="rId5"/>
           <a:stretch>
             <a:fillRect/>
@@ -14328,8 +15732,8 @@
         </p:blipFill>
         <p:spPr>
           <a:xfrm>
-            <a:off x="36127" y="4862261"/>
-            <a:ext cx="1960963" cy="228019"/>
+            <a:off x="2316243" y="2703924"/>
+            <a:ext cx="4102014" cy="1394493"/>
           </a:xfrm>
           <a:prstGeom prst="rect">
             <a:avLst/>
@@ -14555,8 +15959,8 @@
         </p:nvSpPr>
         <p:spPr>
           <a:xfrm>
-            <a:off x="759507" y="1685588"/>
-            <a:ext cx="4869814" cy="261610"/>
+            <a:off x="2062952" y="1387186"/>
+            <a:ext cx="4869814" cy="430887"/>
           </a:xfrm>
           <a:prstGeom prst="rect">
             <a:avLst/>
@@ -14597,68 +16001,25 @@
               <a:latin typeface="+mj-lt"/>
             </a:endParaRPr>
           </a:p>
+          <a:p>
+            <a:r>
+              <a:rPr lang="en-US" altLang="ko-KR" sz="1100" dirty="0">
+                <a:latin typeface="+mj-lt"/>
+              </a:rPr>
+              <a:t>- </a:t>
+            </a:r>
+            <a:r>
+              <a:rPr lang="ko-KR" altLang="en-US" sz="1100" dirty="0">
+                <a:latin typeface="+mj-lt"/>
+              </a:rPr>
+              <a:t>통계 기반 기법과 달리 미니 배치 학습 가능</a:t>
+            </a:r>
+            <a:endParaRPr lang="en-US" altLang="ko-KR" sz="1100" dirty="0">
+              <a:latin typeface="+mj-lt"/>
+            </a:endParaRPr>
+          </a:p>
         </p:txBody>
       </p:sp>
-      <p:pic>
-        <p:nvPicPr>
-          <p:cNvPr id="3" name="그림 2">
-            <a:extLst>
-              <a:ext uri="{FF2B5EF4-FFF2-40B4-BE49-F238E27FC236}">
-                <a16:creationId xmlns:a16="http://schemas.microsoft.com/office/drawing/2014/main" id="{B0322182-1F21-4C74-A70F-8716C992E605}"/>
-              </a:ext>
-            </a:extLst>
-          </p:cNvPr>
-          <p:cNvPicPr>
-            <a:picLocks noChangeAspect="1"/>
-          </p:cNvPicPr>
-          <p:nvPr/>
-        </p:nvPicPr>
-        <p:blipFill>
-          <a:blip r:embed="rId3"/>
-          <a:stretch>
-            <a:fillRect/>
-          </a:stretch>
-        </p:blipFill>
-        <p:spPr>
-          <a:xfrm>
-            <a:off x="759508" y="1944009"/>
-            <a:ext cx="4496036" cy="577332"/>
-          </a:xfrm>
-          <a:prstGeom prst="rect">
-            <a:avLst/>
-          </a:prstGeom>
-        </p:spPr>
-      </p:pic>
-      <p:pic>
-        <p:nvPicPr>
-          <p:cNvPr id="10" name="그림 9">
-            <a:extLst>
-              <a:ext uri="{FF2B5EF4-FFF2-40B4-BE49-F238E27FC236}">
-                <a16:creationId xmlns:a16="http://schemas.microsoft.com/office/drawing/2014/main" id="{D95E9DA1-684D-46AE-8DB5-AD23CF4D3185}"/>
-              </a:ext>
-            </a:extLst>
-          </p:cNvPr>
-          <p:cNvPicPr>
-            <a:picLocks noChangeAspect="1"/>
-          </p:cNvPicPr>
-          <p:nvPr/>
-        </p:nvPicPr>
-        <p:blipFill>
-          <a:blip r:embed="rId4"/>
-          <a:stretch>
-            <a:fillRect/>
-          </a:stretch>
-        </p:blipFill>
-        <p:spPr>
-          <a:xfrm>
-            <a:off x="751276" y="3572955"/>
-            <a:ext cx="4504267" cy="940403"/>
-          </a:xfrm>
-          <a:prstGeom prst="rect">
-            <a:avLst/>
-          </a:prstGeom>
-        </p:spPr>
-      </p:pic>
       <p:sp>
         <p:nvSpPr>
           <p:cNvPr id="15" name="TextBox 14">
@@ -14673,7 +16034,7 @@
         </p:nvSpPr>
         <p:spPr>
           <a:xfrm>
-            <a:off x="698207" y="2901306"/>
+            <a:off x="698207" y="2878678"/>
             <a:ext cx="2343020" cy="338554"/>
           </a:xfrm>
           <a:prstGeom prst="rect">
@@ -14688,14 +16049,11 @@
           <a:lstStyle/>
           <a:p>
             <a:r>
-              <a:rPr lang="ko-KR" altLang="en-US" sz="1600" b="1">
+              <a:rPr lang="ko-KR" altLang="en-US" sz="1600" b="1" dirty="0">
                 <a:latin typeface="+mj-lt"/>
               </a:rPr>
               <a:t>신경망에서의 단어 처리</a:t>
             </a:r>
-            <a:endParaRPr lang="ko-KR" altLang="en-US" sz="1600" b="1" dirty="0">
-              <a:latin typeface="+mj-lt"/>
-            </a:endParaRPr>
           </a:p>
         </p:txBody>
       </p:sp>
@@ -14713,7 +16071,7 @@
         </p:nvSpPr>
         <p:spPr>
           <a:xfrm>
-            <a:off x="759507" y="3265369"/>
+            <a:off x="2911403" y="2918810"/>
             <a:ext cx="3480600" cy="430887"/>
           </a:xfrm>
           <a:prstGeom prst="rect">
@@ -14801,36 +16159,6 @@
           </a:p>
         </p:txBody>
       </p:sp>
-      <p:pic>
-        <p:nvPicPr>
-          <p:cNvPr id="18" name="그림 17">
-            <a:extLst>
-              <a:ext uri="{FF2B5EF4-FFF2-40B4-BE49-F238E27FC236}">
-                <a16:creationId xmlns:a16="http://schemas.microsoft.com/office/drawing/2014/main" id="{06905E8E-982A-40B4-8907-83391FFFAA20}"/>
-              </a:ext>
-            </a:extLst>
-          </p:cNvPr>
-          <p:cNvPicPr>
-            <a:picLocks noChangeAspect="1"/>
-          </p:cNvPicPr>
-          <p:nvPr/>
-        </p:nvPicPr>
-        <p:blipFill>
-          <a:blip r:embed="rId5"/>
-          <a:stretch>
-            <a:fillRect/>
-          </a:stretch>
-        </p:blipFill>
-        <p:spPr>
-          <a:xfrm>
-            <a:off x="6218487" y="3152558"/>
-            <a:ext cx="2228101" cy="1781195"/>
-          </a:xfrm>
-          <a:prstGeom prst="rect">
-            <a:avLst/>
-          </a:prstGeom>
-        </p:spPr>
-      </p:pic>
       <p:cxnSp>
         <p:nvCxnSpPr>
           <p:cNvPr id="20" name="직선 화살표 연결선 19">
@@ -14840,13 +16168,15 @@
               </a:ext>
             </a:extLst>
           </p:cNvPr>
-          <p:cNvCxnSpPr/>
+          <p:cNvCxnSpPr>
+            <a:cxnSpLocks/>
+          </p:cNvCxnSpPr>
           <p:nvPr/>
         </p:nvCxnSpPr>
         <p:spPr>
           <a:xfrm>
-            <a:off x="5364481" y="4043156"/>
-            <a:ext cx="745068" cy="0"/>
+            <a:off x="2550266" y="3966016"/>
+            <a:ext cx="490961" cy="0"/>
           </a:xfrm>
           <a:prstGeom prst="straightConnector1">
             <a:avLst/>
@@ -14923,6 +16253,96 @@
           <p:nvPr/>
         </p:nvPicPr>
         <p:blipFill>
+          <a:blip r:embed="rId3"/>
+          <a:stretch>
+            <a:fillRect/>
+          </a:stretch>
+        </p:blipFill>
+        <p:spPr>
+          <a:xfrm>
+            <a:off x="36127" y="4862261"/>
+            <a:ext cx="1960963" cy="228019"/>
+          </a:xfrm>
+          <a:prstGeom prst="rect">
+            <a:avLst/>
+          </a:prstGeom>
+        </p:spPr>
+      </p:pic>
+      <p:pic>
+        <p:nvPicPr>
+          <p:cNvPr id="11" name="그림 10">
+            <a:extLst>
+              <a:ext uri="{FF2B5EF4-FFF2-40B4-BE49-F238E27FC236}">
+                <a16:creationId xmlns:a16="http://schemas.microsoft.com/office/drawing/2014/main" id="{C47BB8CA-AD01-44E1-A989-1F1BE23ABA8C}"/>
+              </a:ext>
+            </a:extLst>
+          </p:cNvPr>
+          <p:cNvPicPr>
+            <a:picLocks noChangeAspect="1"/>
+          </p:cNvPicPr>
+          <p:nvPr/>
+        </p:nvPicPr>
+        <p:blipFill>
+          <a:blip r:embed="rId4"/>
+          <a:stretch>
+            <a:fillRect/>
+          </a:stretch>
+        </p:blipFill>
+        <p:spPr>
+          <a:xfrm>
+            <a:off x="296085" y="1929254"/>
+            <a:ext cx="3829239" cy="491709"/>
+          </a:xfrm>
+          <a:prstGeom prst="rect">
+            <a:avLst/>
+          </a:prstGeom>
+        </p:spPr>
+      </p:pic>
+      <p:pic>
+        <p:nvPicPr>
+          <p:cNvPr id="14" name="그림 13">
+            <a:extLst>
+              <a:ext uri="{FF2B5EF4-FFF2-40B4-BE49-F238E27FC236}">
+                <a16:creationId xmlns:a16="http://schemas.microsoft.com/office/drawing/2014/main" id="{F033D31F-0285-49E5-92B9-721CCFE4ECB4}"/>
+              </a:ext>
+            </a:extLst>
+          </p:cNvPr>
+          <p:cNvPicPr>
+            <a:picLocks noChangeAspect="1"/>
+          </p:cNvPicPr>
+          <p:nvPr/>
+        </p:nvPicPr>
+        <p:blipFill>
+          <a:blip r:embed="rId5"/>
+          <a:stretch>
+            <a:fillRect/>
+          </a:stretch>
+        </p:blipFill>
+        <p:spPr>
+          <a:xfrm>
+            <a:off x="3273843" y="3279799"/>
+            <a:ext cx="2156923" cy="1724767"/>
+          </a:xfrm>
+          <a:prstGeom prst="rect">
+            <a:avLst/>
+          </a:prstGeom>
+        </p:spPr>
+      </p:pic>
+      <p:pic>
+        <p:nvPicPr>
+          <p:cNvPr id="19" name="그림 18">
+            <a:extLst>
+              <a:ext uri="{FF2B5EF4-FFF2-40B4-BE49-F238E27FC236}">
+                <a16:creationId xmlns:a16="http://schemas.microsoft.com/office/drawing/2014/main" id="{8B5BB9B4-D2E8-4D76-80F6-BFEC4691650D}"/>
+              </a:ext>
+            </a:extLst>
+          </p:cNvPr>
+          <p:cNvPicPr>
+            <a:picLocks noChangeAspect="1"/>
+          </p:cNvPicPr>
+          <p:nvPr/>
+        </p:nvPicPr>
+        <p:blipFill>
           <a:blip r:embed="rId6"/>
           <a:stretch>
             <a:fillRect/>
@@ -14930,8 +16350,148 @@
         </p:blipFill>
         <p:spPr>
           <a:xfrm>
-            <a:off x="36127" y="4862261"/>
-            <a:ext cx="1960963" cy="228019"/>
+            <a:off x="138714" y="3690902"/>
+            <a:ext cx="2343020" cy="489177"/>
+          </a:xfrm>
+          <a:prstGeom prst="rect">
+            <a:avLst/>
+          </a:prstGeom>
+        </p:spPr>
+      </p:pic>
+      <p:cxnSp>
+        <p:nvCxnSpPr>
+          <p:cNvPr id="23" name="직선 연결선 22">
+            <a:extLst>
+              <a:ext uri="{FF2B5EF4-FFF2-40B4-BE49-F238E27FC236}">
+                <a16:creationId xmlns:a16="http://schemas.microsoft.com/office/drawing/2014/main" id="{9E96F614-DBEA-4780-9346-BE66AD7E0C6C}"/>
+              </a:ext>
+            </a:extLst>
+          </p:cNvPr>
+          <p:cNvCxnSpPr>
+            <a:cxnSpLocks/>
+          </p:cNvCxnSpPr>
+          <p:nvPr/>
+        </p:nvCxnSpPr>
+        <p:spPr>
+          <a:xfrm>
+            <a:off x="2364169" y="3953214"/>
+            <a:ext cx="0" cy="112166"/>
+          </a:xfrm>
+          <a:prstGeom prst="line">
+            <a:avLst/>
+          </a:prstGeom>
+        </p:spPr>
+        <p:style>
+          <a:lnRef idx="1">
+            <a:schemeClr val="accent1"/>
+          </a:lnRef>
+          <a:fillRef idx="0">
+            <a:schemeClr val="accent1"/>
+          </a:fillRef>
+          <a:effectRef idx="0">
+            <a:schemeClr val="accent1"/>
+          </a:effectRef>
+          <a:fontRef idx="minor">
+            <a:schemeClr val="tx1"/>
+          </a:fontRef>
+        </p:style>
+      </p:cxnSp>
+      <p:pic>
+        <p:nvPicPr>
+          <p:cNvPr id="25" name="그림 24">
+            <a:extLst>
+              <a:ext uri="{FF2B5EF4-FFF2-40B4-BE49-F238E27FC236}">
+                <a16:creationId xmlns:a16="http://schemas.microsoft.com/office/drawing/2014/main" id="{DBFA5B17-9B95-4429-949F-62C9F178732F}"/>
+              </a:ext>
+            </a:extLst>
+          </p:cNvPr>
+          <p:cNvPicPr>
+            <a:picLocks noChangeAspect="1"/>
+          </p:cNvPicPr>
+          <p:nvPr/>
+        </p:nvPicPr>
+        <p:blipFill>
+          <a:blip r:embed="rId7"/>
+          <a:stretch>
+            <a:fillRect/>
+          </a:stretch>
+        </p:blipFill>
+        <p:spPr>
+          <a:xfrm>
+            <a:off x="5052342" y="1673860"/>
+            <a:ext cx="3218420" cy="1006658"/>
+          </a:xfrm>
+          <a:prstGeom prst="rect">
+            <a:avLst/>
+          </a:prstGeom>
+        </p:spPr>
+      </p:pic>
+      <p:cxnSp>
+        <p:nvCxnSpPr>
+          <p:cNvPr id="26" name="직선 화살표 연결선 25">
+            <a:extLst>
+              <a:ext uri="{FF2B5EF4-FFF2-40B4-BE49-F238E27FC236}">
+                <a16:creationId xmlns:a16="http://schemas.microsoft.com/office/drawing/2014/main" id="{13F1F686-724A-4ABA-94A3-402291838A0E}"/>
+              </a:ext>
+            </a:extLst>
+          </p:cNvPr>
+          <p:cNvCxnSpPr/>
+          <p:nvPr/>
+        </p:nvCxnSpPr>
+        <p:spPr>
+          <a:xfrm>
+            <a:off x="4136316" y="2125083"/>
+            <a:ext cx="745068" cy="0"/>
+          </a:xfrm>
+          <a:prstGeom prst="straightConnector1">
+            <a:avLst/>
+          </a:prstGeom>
+          <a:ln>
+            <a:solidFill>
+              <a:srgbClr val="FF0000"/>
+            </a:solidFill>
+            <a:tailEnd type="triangle"/>
+          </a:ln>
+        </p:spPr>
+        <p:style>
+          <a:lnRef idx="1">
+            <a:schemeClr val="accent1"/>
+          </a:lnRef>
+          <a:fillRef idx="0">
+            <a:schemeClr val="accent1"/>
+          </a:fillRef>
+          <a:effectRef idx="0">
+            <a:schemeClr val="accent1"/>
+          </a:effectRef>
+          <a:fontRef idx="minor">
+            <a:schemeClr val="tx1"/>
+          </a:fontRef>
+        </p:style>
+      </p:cxnSp>
+      <p:pic>
+        <p:nvPicPr>
+          <p:cNvPr id="31" name="그림 30">
+            <a:extLst>
+              <a:ext uri="{FF2B5EF4-FFF2-40B4-BE49-F238E27FC236}">
+                <a16:creationId xmlns:a16="http://schemas.microsoft.com/office/drawing/2014/main" id="{F119D735-9C7C-4060-8BFA-FB59A7480739}"/>
+              </a:ext>
+            </a:extLst>
+          </p:cNvPr>
+          <p:cNvPicPr>
+            <a:picLocks noChangeAspect="1"/>
+          </p:cNvPicPr>
+          <p:nvPr/>
+        </p:nvPicPr>
+        <p:blipFill>
+          <a:blip r:embed="rId8"/>
+          <a:stretch>
+            <a:fillRect/>
+          </a:stretch>
+        </p:blipFill>
+        <p:spPr>
+          <a:xfrm>
+            <a:off x="5750097" y="3558349"/>
+            <a:ext cx="2365338" cy="1006658"/>
           </a:xfrm>
           <a:prstGeom prst="rect">
             <a:avLst/>

--- a/study/발표자료/20250220_밑딥2_이승건_chap234발표자료.pptx
+++ b/study/발표자료/20250220_밑딥2_이승건_chap234발표자료.pptx
@@ -5,7 +5,7 @@
     <p:sldMasterId id="2147483675" r:id="rId1"/>
   </p:sldMasterIdLst>
   <p:notesMasterIdLst>
-    <p:notesMasterId r:id="rId21"/>
+    <p:notesMasterId r:id="rId25"/>
   </p:notesMasterIdLst>
   <p:sldIdLst>
     <p:sldId id="256" r:id="rId2"/>
@@ -27,46 +27,50 @@
     <p:sldId id="309" r:id="rId18"/>
     <p:sldId id="310" r:id="rId19"/>
     <p:sldId id="311" r:id="rId20"/>
+    <p:sldId id="312" r:id="rId21"/>
+    <p:sldId id="313" r:id="rId22"/>
+    <p:sldId id="314" r:id="rId23"/>
+    <p:sldId id="315" r:id="rId24"/>
   </p:sldIdLst>
   <p:sldSz cx="9144000" cy="5143500" type="screen16x9"/>
   <p:notesSz cx="6858000" cy="9144000"/>
   <p:embeddedFontLst>
     <p:embeddedFont>
       <p:font typeface="Anaheim" panose="020B0600000101010101" charset="0"/>
-      <p:regular r:id="rId22"/>
-      <p:bold r:id="rId23"/>
+      <p:regular r:id="rId26"/>
+      <p:bold r:id="rId27"/>
     </p:embeddedFont>
     <p:embeddedFont>
       <p:font typeface="Cambria Math" panose="02040503050406030204" pitchFamily="18" charset="0"/>
-      <p:regular r:id="rId24"/>
+      <p:regular r:id="rId28"/>
     </p:embeddedFont>
     <p:embeddedFont>
       <p:font typeface="DM Sans" panose="020B0600000101010101" charset="0"/>
-      <p:regular r:id="rId25"/>
-      <p:bold r:id="rId26"/>
-      <p:italic r:id="rId27"/>
-      <p:boldItalic r:id="rId28"/>
-    </p:embeddedFont>
-    <p:embeddedFont>
-      <p:font typeface="Playfair Display" panose="00000500000000000000" pitchFamily="2" charset="0"/>
       <p:regular r:id="rId29"/>
       <p:bold r:id="rId30"/>
       <p:italic r:id="rId31"/>
       <p:boldItalic r:id="rId32"/>
     </p:embeddedFont>
     <p:embeddedFont>
-      <p:font typeface="Playfair Display Medium" panose="020B0600000101010101" charset="0"/>
+      <p:font typeface="Playfair Display" panose="00000500000000000000" pitchFamily="2" charset="0"/>
       <p:regular r:id="rId33"/>
       <p:bold r:id="rId34"/>
       <p:italic r:id="rId35"/>
       <p:boldItalic r:id="rId36"/>
     </p:embeddedFont>
     <p:embeddedFont>
-      <p:font typeface="Raleway" pitchFamily="2" charset="0"/>
+      <p:font typeface="Playfair Display Medium" panose="020B0600000101010101" charset="0"/>
       <p:regular r:id="rId37"/>
       <p:bold r:id="rId38"/>
       <p:italic r:id="rId39"/>
       <p:boldItalic r:id="rId40"/>
+    </p:embeddedFont>
+    <p:embeddedFont>
+      <p:font typeface="Raleway" pitchFamily="2" charset="0"/>
+      <p:regular r:id="rId41"/>
+      <p:bold r:id="rId42"/>
+      <p:italic r:id="rId43"/>
+      <p:boldItalic r:id="rId44"/>
     </p:embeddedFont>
   </p:embeddedFontLst>
   <p:defaultTextStyle>
@@ -1395,6 +1399,10 @@
               </a:spcAft>
               <a:buNone/>
             </a:pPr>
+            <a:r>
+              <a:rPr lang="en-US"/>
+              <a:t>168p</a:t>
+            </a:r>
             <a:endParaRPr/>
           </a:p>
         </p:txBody>
@@ -1504,7 +1512,7 @@
               </a:spcAft>
               <a:buNone/>
             </a:pPr>
-            <a:endParaRPr/>
+            <a:endParaRPr dirty="0"/>
           </a:p>
         </p:txBody>
       </p:sp>
@@ -1831,7 +1839,47 @@
               </a:spcAft>
               <a:buNone/>
             </a:pPr>
-            <a:endParaRPr/>
+            <a:r>
+              <a:rPr lang="en-US" dirty="0"/>
+              <a:t>BPTT </a:t>
+            </a:r>
+            <a:r>
+              <a:rPr lang="ko-KR" altLang="en-US" dirty="0"/>
+              <a:t>기울기 불안정 이유 </a:t>
+            </a:r>
+            <a:r>
+              <a:rPr lang="en-US" altLang="ko-KR" dirty="0"/>
+              <a:t>– tanh</a:t>
+            </a:r>
+            <a:r>
+              <a:rPr lang="ko-KR" altLang="en-US" dirty="0"/>
+              <a:t>로 인한 기울기 소실</a:t>
+            </a:r>
+            <a:r>
+              <a:rPr lang="en-US" altLang="ko-KR" dirty="0"/>
+              <a:t>, </a:t>
+            </a:r>
+            <a:r>
+              <a:rPr lang="ko-KR" altLang="en-US" dirty="0"/>
+              <a:t>같은 가중치 </a:t>
+            </a:r>
+            <a:r>
+              <a:rPr lang="en-US" altLang="ko-KR" dirty="0"/>
+              <a:t>W</a:t>
+            </a:r>
+            <a:r>
+              <a:rPr lang="ko-KR" altLang="en-US" dirty="0"/>
+              <a:t>의 반복적인 곱으로 인한 기울기 소실</a:t>
+            </a:r>
+            <a:r>
+              <a:rPr lang="en-US" altLang="ko-KR" dirty="0"/>
+              <a:t>/</a:t>
+            </a:r>
+            <a:r>
+              <a:rPr lang="ko-KR" altLang="en-US" dirty="0"/>
+              <a:t>폭발</a:t>
+            </a:r>
+            <a:endParaRPr dirty="0"/>
           </a:p>
         </p:txBody>
       </p:sp>
@@ -1940,14 +1988,93 @@
               </a:spcAft>
               <a:buNone/>
             </a:pPr>
-            <a:endParaRPr/>
+            <a:r>
+              <a:rPr lang="ko-KR" altLang="en-US" dirty="0"/>
+              <a:t>데이터의 순차적 입력이 중요한 </a:t>
+            </a:r>
+            <a:r>
+              <a:rPr lang="en-US" altLang="ko-KR" dirty="0"/>
+              <a:t>RNN</a:t>
+            </a:r>
+            <a:r>
+              <a:rPr lang="ko-KR" altLang="en-US" dirty="0"/>
+              <a:t>에서 미니배치를 사용하여 병렬로 </a:t>
+            </a:r>
+            <a:r>
+              <a:rPr lang="ko-KR" altLang="en-US" dirty="0" err="1"/>
+              <a:t>계산시</a:t>
+            </a:r>
+            <a:r>
+              <a:rPr lang="ko-KR" altLang="en-US" dirty="0"/>
+              <a:t> </a:t>
+            </a:r>
+            <a:r>
+              <a:rPr lang="en-US" altLang="ko-KR" dirty="0"/>
+              <a:t>, </a:t>
+            </a:r>
+            <a:r>
+              <a:rPr lang="ko-KR" altLang="en-US" dirty="0"/>
+              <a:t>현재 예시에서 </a:t>
+            </a:r>
+            <a:r>
+              <a:rPr lang="en-US" altLang="ko-KR" dirty="0"/>
+              <a:t>500</a:t>
+            </a:r>
+            <a:r>
+              <a:rPr lang="ko-KR" altLang="en-US" dirty="0"/>
+              <a:t>만큼 </a:t>
+            </a:r>
+            <a:r>
+              <a:rPr lang="en-US" altLang="ko-KR" dirty="0"/>
+              <a:t>offset</a:t>
+            </a:r>
+            <a:r>
+              <a:rPr lang="ko-KR" altLang="en-US" dirty="0"/>
+              <a:t>한 시각의 첫 처리는 이전 은닉 상태 벡터</a:t>
+            </a:r>
+            <a:r>
+              <a:rPr lang="en-US" altLang="ko-KR" dirty="0"/>
+              <a:t>(h499)</a:t>
+            </a:r>
+            <a:r>
+              <a:rPr lang="ko-KR" altLang="en-US" dirty="0"/>
+              <a:t>를 받지 못한 상태에서 계산이 진행되는데</a:t>
+            </a:r>
+            <a:r>
+              <a:rPr lang="en-US" altLang="ko-KR" dirty="0"/>
+              <a:t>, </a:t>
+            </a:r>
+          </a:p>
+          <a:p>
+            <a:pPr marL="0" lvl="0" indent="0" algn="l" rtl="0">
+              <a:spcBef>
+                <a:spcPts val="0"/>
+              </a:spcBef>
+              <a:spcAft>
+                <a:spcPts val="0"/>
+              </a:spcAft>
+              <a:buNone/>
+            </a:pPr>
+            <a:r>
+              <a:rPr lang="ko-KR" altLang="en-US" dirty="0"/>
+              <a:t>이게 </a:t>
+            </a:r>
+            <a:r>
+              <a:rPr lang="ko-KR" altLang="en-US" dirty="0" err="1"/>
+              <a:t>상관없는건지</a:t>
+            </a:r>
+            <a:r>
+              <a:rPr lang="en-US" altLang="ko-KR" dirty="0"/>
+              <a:t>?</a:t>
+            </a:r>
+            <a:endParaRPr dirty="0"/>
           </a:p>
         </p:txBody>
       </p:sp>
     </p:spTree>
     <p:extLst>
       <p:ext uri="{BB962C8B-B14F-4D97-AF65-F5344CB8AC3E}">
-        <p14:creationId xmlns:p14="http://schemas.microsoft.com/office/powerpoint/2010/main" val="3701311816"/>
+        <p14:creationId xmlns:p14="http://schemas.microsoft.com/office/powerpoint/2010/main" val="4030941249"/>
       </p:ext>
     </p:extLst>
   </p:cSld>
@@ -2079,6 +2206,442 @@
         </p:txBody>
       </p:sp>
     </p:spTree>
+  </p:cSld>
+  <p:clrMapOvr>
+    <a:masterClrMapping/>
+  </p:clrMapOvr>
+</p:notes>
+</file>
+
+<file path=ppt/notesSlides/notesSlide20.xml><?xml version="1.0" encoding="utf-8"?>
+<p:notes xmlns:a="http://schemas.openxmlformats.org/drawingml/2006/main" xmlns:r="http://schemas.openxmlformats.org/officeDocument/2006/relationships" xmlns:p="http://schemas.openxmlformats.org/presentationml/2006/main" showMasterSp="0" showMasterPhAnim="0">
+  <p:cSld>
+    <p:spTree>
+      <p:nvGrpSpPr>
+        <p:cNvPr id="1" name="Shape 203"/>
+        <p:cNvGrpSpPr/>
+        <p:nvPr/>
+      </p:nvGrpSpPr>
+      <p:grpSpPr>
+        <a:xfrm>
+          <a:off x="0" y="0"/>
+          <a:ext cx="0" cy="0"/>
+          <a:chOff x="0" y="0"/>
+          <a:chExt cx="0" cy="0"/>
+        </a:xfrm>
+      </p:grpSpPr>
+      <p:sp>
+        <p:nvSpPr>
+          <p:cNvPr id="204" name="Google Shape;204;g54dda1946d_6_322:notes"/>
+          <p:cNvSpPr>
+            <a:spLocks noGrp="1" noRot="1" noChangeAspect="1"/>
+          </p:cNvSpPr>
+          <p:nvPr>
+            <p:ph type="sldImg" idx="2"/>
+          </p:nvPr>
+        </p:nvSpPr>
+        <p:spPr>
+          <a:xfrm>
+            <a:off x="381000" y="685800"/>
+            <a:ext cx="6096000" cy="3429000"/>
+          </a:xfrm>
+          <a:custGeom>
+            <a:avLst/>
+            <a:gdLst/>
+            <a:ahLst/>
+            <a:cxnLst/>
+            <a:rect l="l" t="t" r="r" b="b"/>
+            <a:pathLst>
+              <a:path w="120000" h="120000" extrusionOk="0">
+                <a:moveTo>
+                  <a:pt x="0" y="0"/>
+                </a:moveTo>
+                <a:lnTo>
+                  <a:pt x="120000" y="0"/>
+                </a:lnTo>
+                <a:lnTo>
+                  <a:pt x="120000" y="120000"/>
+                </a:lnTo>
+                <a:lnTo>
+                  <a:pt x="0" y="120000"/>
+                </a:lnTo>
+                <a:close/>
+              </a:path>
+            </a:pathLst>
+          </a:custGeom>
+        </p:spPr>
+      </p:sp>
+      <p:sp>
+        <p:nvSpPr>
+          <p:cNvPr id="205" name="Google Shape;205;g54dda1946d_6_322:notes"/>
+          <p:cNvSpPr txBox="1">
+            <a:spLocks noGrp="1"/>
+          </p:cNvSpPr>
+          <p:nvPr>
+            <p:ph type="body" idx="1"/>
+          </p:nvPr>
+        </p:nvSpPr>
+        <p:spPr>
+          <a:xfrm>
+            <a:off x="685800" y="4343400"/>
+            <a:ext cx="5486400" cy="4114800"/>
+          </a:xfrm>
+          <a:prstGeom prst="rect">
+            <a:avLst/>
+          </a:prstGeom>
+        </p:spPr>
+        <p:txBody>
+          <a:bodyPr spcFirstLastPara="1" wrap="square" lIns="91425" tIns="91425" rIns="91425" bIns="91425" anchor="t" anchorCtr="0">
+            <a:noAutofit/>
+          </a:bodyPr>
+          <a:lstStyle/>
+          <a:p>
+            <a:pPr marL="0" lvl="0" indent="0" algn="l" rtl="0">
+              <a:spcBef>
+                <a:spcPts val="0"/>
+              </a:spcBef>
+              <a:spcAft>
+                <a:spcPts val="0"/>
+              </a:spcAft>
+              <a:buNone/>
+            </a:pPr>
+            <a:endParaRPr/>
+          </a:p>
+        </p:txBody>
+      </p:sp>
+    </p:spTree>
+    <p:extLst>
+      <p:ext uri="{BB962C8B-B14F-4D97-AF65-F5344CB8AC3E}">
+        <p14:creationId xmlns:p14="http://schemas.microsoft.com/office/powerpoint/2010/main" val="1920293579"/>
+      </p:ext>
+    </p:extLst>
+  </p:cSld>
+  <p:clrMapOvr>
+    <a:masterClrMapping/>
+  </p:clrMapOvr>
+</p:notes>
+</file>
+
+<file path=ppt/notesSlides/notesSlide21.xml><?xml version="1.0" encoding="utf-8"?>
+<p:notes xmlns:a="http://schemas.openxmlformats.org/drawingml/2006/main" xmlns:r="http://schemas.openxmlformats.org/officeDocument/2006/relationships" xmlns:p="http://schemas.openxmlformats.org/presentationml/2006/main" showMasterSp="0" showMasterPhAnim="0">
+  <p:cSld>
+    <p:spTree>
+      <p:nvGrpSpPr>
+        <p:cNvPr id="1" name="Shape 203"/>
+        <p:cNvGrpSpPr/>
+        <p:nvPr/>
+      </p:nvGrpSpPr>
+      <p:grpSpPr>
+        <a:xfrm>
+          <a:off x="0" y="0"/>
+          <a:ext cx="0" cy="0"/>
+          <a:chOff x="0" y="0"/>
+          <a:chExt cx="0" cy="0"/>
+        </a:xfrm>
+      </p:grpSpPr>
+      <p:sp>
+        <p:nvSpPr>
+          <p:cNvPr id="204" name="Google Shape;204;g54dda1946d_6_322:notes"/>
+          <p:cNvSpPr>
+            <a:spLocks noGrp="1" noRot="1" noChangeAspect="1"/>
+          </p:cNvSpPr>
+          <p:nvPr>
+            <p:ph type="sldImg" idx="2"/>
+          </p:nvPr>
+        </p:nvSpPr>
+        <p:spPr>
+          <a:xfrm>
+            <a:off x="381000" y="685800"/>
+            <a:ext cx="6096000" cy="3429000"/>
+          </a:xfrm>
+          <a:custGeom>
+            <a:avLst/>
+            <a:gdLst/>
+            <a:ahLst/>
+            <a:cxnLst/>
+            <a:rect l="l" t="t" r="r" b="b"/>
+            <a:pathLst>
+              <a:path w="120000" h="120000" extrusionOk="0">
+                <a:moveTo>
+                  <a:pt x="0" y="0"/>
+                </a:moveTo>
+                <a:lnTo>
+                  <a:pt x="120000" y="0"/>
+                </a:lnTo>
+                <a:lnTo>
+                  <a:pt x="120000" y="120000"/>
+                </a:lnTo>
+                <a:lnTo>
+                  <a:pt x="0" y="120000"/>
+                </a:lnTo>
+                <a:close/>
+              </a:path>
+            </a:pathLst>
+          </a:custGeom>
+        </p:spPr>
+      </p:sp>
+      <p:sp>
+        <p:nvSpPr>
+          <p:cNvPr id="205" name="Google Shape;205;g54dda1946d_6_322:notes"/>
+          <p:cNvSpPr txBox="1">
+            <a:spLocks noGrp="1"/>
+          </p:cNvSpPr>
+          <p:nvPr>
+            <p:ph type="body" idx="1"/>
+          </p:nvPr>
+        </p:nvSpPr>
+        <p:spPr>
+          <a:xfrm>
+            <a:off x="685800" y="4343400"/>
+            <a:ext cx="5486400" cy="4114800"/>
+          </a:xfrm>
+          <a:prstGeom prst="rect">
+            <a:avLst/>
+          </a:prstGeom>
+        </p:spPr>
+        <p:txBody>
+          <a:bodyPr spcFirstLastPara="1" wrap="square" lIns="91425" tIns="91425" rIns="91425" bIns="91425" anchor="t" anchorCtr="0">
+            <a:noAutofit/>
+          </a:bodyPr>
+          <a:lstStyle/>
+          <a:p>
+            <a:pPr marL="0" lvl="0" indent="0" algn="l" rtl="0">
+              <a:spcBef>
+                <a:spcPts val="0"/>
+              </a:spcBef>
+              <a:spcAft>
+                <a:spcPts val="0"/>
+              </a:spcAft>
+              <a:buNone/>
+            </a:pPr>
+            <a:endParaRPr/>
+          </a:p>
+        </p:txBody>
+      </p:sp>
+    </p:spTree>
+    <p:extLst>
+      <p:ext uri="{BB962C8B-B14F-4D97-AF65-F5344CB8AC3E}">
+        <p14:creationId xmlns:p14="http://schemas.microsoft.com/office/powerpoint/2010/main" val="510412602"/>
+      </p:ext>
+    </p:extLst>
+  </p:cSld>
+  <p:clrMapOvr>
+    <a:masterClrMapping/>
+  </p:clrMapOvr>
+</p:notes>
+</file>
+
+<file path=ppt/notesSlides/notesSlide22.xml><?xml version="1.0" encoding="utf-8"?>
+<p:notes xmlns:a="http://schemas.openxmlformats.org/drawingml/2006/main" xmlns:r="http://schemas.openxmlformats.org/officeDocument/2006/relationships" xmlns:p="http://schemas.openxmlformats.org/presentationml/2006/main" showMasterSp="0" showMasterPhAnim="0">
+  <p:cSld>
+    <p:spTree>
+      <p:nvGrpSpPr>
+        <p:cNvPr id="1" name="Shape 203"/>
+        <p:cNvGrpSpPr/>
+        <p:nvPr/>
+      </p:nvGrpSpPr>
+      <p:grpSpPr>
+        <a:xfrm>
+          <a:off x="0" y="0"/>
+          <a:ext cx="0" cy="0"/>
+          <a:chOff x="0" y="0"/>
+          <a:chExt cx="0" cy="0"/>
+        </a:xfrm>
+      </p:grpSpPr>
+      <p:sp>
+        <p:nvSpPr>
+          <p:cNvPr id="204" name="Google Shape;204;g54dda1946d_6_322:notes"/>
+          <p:cNvSpPr>
+            <a:spLocks noGrp="1" noRot="1" noChangeAspect="1"/>
+          </p:cNvSpPr>
+          <p:nvPr>
+            <p:ph type="sldImg" idx="2"/>
+          </p:nvPr>
+        </p:nvSpPr>
+        <p:spPr>
+          <a:xfrm>
+            <a:off x="381000" y="685800"/>
+            <a:ext cx="6096000" cy="3429000"/>
+          </a:xfrm>
+          <a:custGeom>
+            <a:avLst/>
+            <a:gdLst/>
+            <a:ahLst/>
+            <a:cxnLst/>
+            <a:rect l="l" t="t" r="r" b="b"/>
+            <a:pathLst>
+              <a:path w="120000" h="120000" extrusionOk="0">
+                <a:moveTo>
+                  <a:pt x="0" y="0"/>
+                </a:moveTo>
+                <a:lnTo>
+                  <a:pt x="120000" y="0"/>
+                </a:lnTo>
+                <a:lnTo>
+                  <a:pt x="120000" y="120000"/>
+                </a:lnTo>
+                <a:lnTo>
+                  <a:pt x="0" y="120000"/>
+                </a:lnTo>
+                <a:close/>
+              </a:path>
+            </a:pathLst>
+          </a:custGeom>
+        </p:spPr>
+      </p:sp>
+      <p:sp>
+        <p:nvSpPr>
+          <p:cNvPr id="205" name="Google Shape;205;g54dda1946d_6_322:notes"/>
+          <p:cNvSpPr txBox="1">
+            <a:spLocks noGrp="1"/>
+          </p:cNvSpPr>
+          <p:nvPr>
+            <p:ph type="body" idx="1"/>
+          </p:nvPr>
+        </p:nvSpPr>
+        <p:spPr>
+          <a:xfrm>
+            <a:off x="685800" y="4343400"/>
+            <a:ext cx="5486400" cy="4114800"/>
+          </a:xfrm>
+          <a:prstGeom prst="rect">
+            <a:avLst/>
+          </a:prstGeom>
+        </p:spPr>
+        <p:txBody>
+          <a:bodyPr spcFirstLastPara="1" wrap="square" lIns="91425" tIns="91425" rIns="91425" bIns="91425" anchor="t" anchorCtr="0">
+            <a:noAutofit/>
+          </a:bodyPr>
+          <a:lstStyle/>
+          <a:p>
+            <a:pPr marL="0" lvl="0" indent="0" algn="l" rtl="0">
+              <a:spcBef>
+                <a:spcPts val="0"/>
+              </a:spcBef>
+              <a:spcAft>
+                <a:spcPts val="0"/>
+              </a:spcAft>
+              <a:buNone/>
+            </a:pPr>
+            <a:endParaRPr/>
+          </a:p>
+        </p:txBody>
+      </p:sp>
+    </p:spTree>
+    <p:extLst>
+      <p:ext uri="{BB962C8B-B14F-4D97-AF65-F5344CB8AC3E}">
+        <p14:creationId xmlns:p14="http://schemas.microsoft.com/office/powerpoint/2010/main" val="3392298689"/>
+      </p:ext>
+    </p:extLst>
+  </p:cSld>
+  <p:clrMapOvr>
+    <a:masterClrMapping/>
+  </p:clrMapOvr>
+</p:notes>
+</file>
+
+<file path=ppt/notesSlides/notesSlide23.xml><?xml version="1.0" encoding="utf-8"?>
+<p:notes xmlns:a="http://schemas.openxmlformats.org/drawingml/2006/main" xmlns:r="http://schemas.openxmlformats.org/officeDocument/2006/relationships" xmlns:p="http://schemas.openxmlformats.org/presentationml/2006/main" showMasterSp="0" showMasterPhAnim="0">
+  <p:cSld>
+    <p:spTree>
+      <p:nvGrpSpPr>
+        <p:cNvPr id="1" name="Shape 203"/>
+        <p:cNvGrpSpPr/>
+        <p:nvPr/>
+      </p:nvGrpSpPr>
+      <p:grpSpPr>
+        <a:xfrm>
+          <a:off x="0" y="0"/>
+          <a:ext cx="0" cy="0"/>
+          <a:chOff x="0" y="0"/>
+          <a:chExt cx="0" cy="0"/>
+        </a:xfrm>
+      </p:grpSpPr>
+      <p:sp>
+        <p:nvSpPr>
+          <p:cNvPr id="204" name="Google Shape;204;g54dda1946d_6_322:notes"/>
+          <p:cNvSpPr>
+            <a:spLocks noGrp="1" noRot="1" noChangeAspect="1"/>
+          </p:cNvSpPr>
+          <p:nvPr>
+            <p:ph type="sldImg" idx="2"/>
+          </p:nvPr>
+        </p:nvSpPr>
+        <p:spPr>
+          <a:xfrm>
+            <a:off x="381000" y="685800"/>
+            <a:ext cx="6096000" cy="3429000"/>
+          </a:xfrm>
+          <a:custGeom>
+            <a:avLst/>
+            <a:gdLst/>
+            <a:ahLst/>
+            <a:cxnLst/>
+            <a:rect l="l" t="t" r="r" b="b"/>
+            <a:pathLst>
+              <a:path w="120000" h="120000" extrusionOk="0">
+                <a:moveTo>
+                  <a:pt x="0" y="0"/>
+                </a:moveTo>
+                <a:lnTo>
+                  <a:pt x="120000" y="0"/>
+                </a:lnTo>
+                <a:lnTo>
+                  <a:pt x="120000" y="120000"/>
+                </a:lnTo>
+                <a:lnTo>
+                  <a:pt x="0" y="120000"/>
+                </a:lnTo>
+                <a:close/>
+              </a:path>
+            </a:pathLst>
+          </a:custGeom>
+        </p:spPr>
+      </p:sp>
+      <p:sp>
+        <p:nvSpPr>
+          <p:cNvPr id="205" name="Google Shape;205;g54dda1946d_6_322:notes"/>
+          <p:cNvSpPr txBox="1">
+            <a:spLocks noGrp="1"/>
+          </p:cNvSpPr>
+          <p:nvPr>
+            <p:ph type="body" idx="1"/>
+          </p:nvPr>
+        </p:nvSpPr>
+        <p:spPr>
+          <a:xfrm>
+            <a:off x="685800" y="4343400"/>
+            <a:ext cx="5486400" cy="4114800"/>
+          </a:xfrm>
+          <a:prstGeom prst="rect">
+            <a:avLst/>
+          </a:prstGeom>
+        </p:spPr>
+        <p:txBody>
+          <a:bodyPr spcFirstLastPara="1" wrap="square" lIns="91425" tIns="91425" rIns="91425" bIns="91425" anchor="t" anchorCtr="0">
+            <a:noAutofit/>
+          </a:bodyPr>
+          <a:lstStyle/>
+          <a:p>
+            <a:pPr marL="0" lvl="0" indent="0" algn="l" rtl="0">
+              <a:spcBef>
+                <a:spcPts val="0"/>
+              </a:spcBef>
+              <a:spcAft>
+                <a:spcPts val="0"/>
+              </a:spcAft>
+              <a:buNone/>
+            </a:pPr>
+            <a:endParaRPr/>
+          </a:p>
+        </p:txBody>
+      </p:sp>
+    </p:spTree>
+    <p:extLst>
+      <p:ext uri="{BB962C8B-B14F-4D97-AF65-F5344CB8AC3E}">
+        <p14:creationId xmlns:p14="http://schemas.microsoft.com/office/powerpoint/2010/main" val="92557529"/>
+      </p:ext>
+    </p:extLst>
   </p:cSld>
   <p:clrMapOvr>
     <a:masterClrMapping/>
@@ -9964,9 +10527,13 @@
             </a:r>
             <a:r>
               <a:rPr lang="ko-KR" altLang="en-US" sz="1100" dirty="0"/>
-              <a:t> 커져 병목 발생 </a:t>
-            </a:r>
-            <a:endParaRPr lang="en-US" altLang="ko-KR" sz="1100" dirty="0"/>
+              <a:t> 커져 </a:t>
+            </a:r>
+            <a:r>
+              <a:rPr lang="ko-KR" altLang="en-US" sz="1100" b="1" dirty="0"/>
+              <a:t>병목 발생 </a:t>
+            </a:r>
+            <a:endParaRPr lang="en-US" altLang="ko-KR" sz="1100" b="1" dirty="0"/>
           </a:p>
         </p:txBody>
       </p:sp>
@@ -10088,7 +10655,7 @@
         <p:spPr>
           <a:xfrm>
             <a:off x="252228" y="2921280"/>
-            <a:ext cx="4512628" cy="938719"/>
+            <a:ext cx="4694526" cy="938719"/>
           </a:xfrm>
           <a:prstGeom prst="rect">
             <a:avLst/>
@@ -10142,7 +10709,7 @@
             </a:r>
             <a:r>
               <a:rPr lang="ko-KR" altLang="en-US" sz="1100" dirty="0"/>
-              <a:t>로부터 인덱스에 해당하는 </a:t>
+              <a:t>으로부터 인덱스에 해당하는 </a:t>
             </a:r>
             <a:r>
               <a:rPr lang="ko-KR" altLang="en-US" sz="1100" dirty="0" err="1"/>
@@ -10181,8 +10748,8 @@
           </a:p>
         </p:txBody>
       </p:sp>
-      <mc:AlternateContent xmlns:mc="http://schemas.openxmlformats.org/markup-compatibility/2006">
-        <mc:Choice xmlns:a14="http://schemas.microsoft.com/office/drawing/2010/main" Requires="a14">
+      <mc:AlternateContent xmlns:mc="http://schemas.openxmlformats.org/markup-compatibility/2006" xmlns:a14="http://schemas.microsoft.com/office/drawing/2010/main">
+        <mc:Choice Requires="a14">
           <p:sp>
             <p:nvSpPr>
               <p:cNvPr id="35" name="TextBox 34">
@@ -10211,6 +10778,7 @@
               </a:bodyPr>
               <a:lstStyle/>
               <a:p>
+                <a:pPr/>
                 <a14:m>
                   <m:oMathPara xmlns:m="http://schemas.openxmlformats.org/officeDocument/2006/math">
                     <m:oMathParaPr>
@@ -10220,7 +10788,7 @@
                       <m:sSub>
                         <m:sSubPr>
                           <m:ctrlPr>
-                            <a:rPr lang="ko-KR" altLang="en-US" smtClean="0">
+                            <a:rPr lang="ko-KR" altLang="en-US" i="1" smtClean="0">
                               <a:solidFill>
                                 <a:srgbClr val="836967"/>
                               </a:solidFill>
@@ -10253,7 +10821,7 @@
             </p:txBody>
           </p:sp>
         </mc:Choice>
-        <mc:Fallback>
+        <mc:Fallback xmlns="">
           <p:sp>
             <p:nvSpPr>
               <p:cNvPr id="35" name="TextBox 34">
@@ -10328,8 +10896,8 @@
           </a:prstGeom>
         </p:spPr>
       </p:pic>
-      <mc:AlternateContent xmlns:mc="http://schemas.openxmlformats.org/markup-compatibility/2006">
-        <mc:Choice xmlns:a14="http://schemas.microsoft.com/office/drawing/2010/main" Requires="a14">
+      <mc:AlternateContent xmlns:mc="http://schemas.openxmlformats.org/markup-compatibility/2006" xmlns:a14="http://schemas.microsoft.com/office/drawing/2010/main">
+        <mc:Choice Requires="a14">
           <p:sp>
             <p:nvSpPr>
               <p:cNvPr id="38" name="TextBox 37">
@@ -10358,6 +10926,7 @@
               </a:bodyPr>
               <a:lstStyle/>
               <a:p>
+                <a:pPr/>
                 <a14:m>
                   <m:oMathPara xmlns:m="http://schemas.openxmlformats.org/officeDocument/2006/math">
                     <m:oMathParaPr>
@@ -10367,7 +10936,7 @@
                       <m:sSub>
                         <m:sSubPr>
                           <m:ctrlPr>
-                            <a:rPr lang="ko-KR" altLang="en-US" smtClean="0">
+                            <a:rPr lang="ko-KR" altLang="en-US" i="1" smtClean="0">
                               <a:solidFill>
                                 <a:srgbClr val="836967"/>
                               </a:solidFill>
@@ -10400,7 +10969,7 @@
             </p:txBody>
           </p:sp>
         </mc:Choice>
-        <mc:Fallback>
+        <mc:Fallback xmlns="">
           <p:sp>
             <p:nvSpPr>
               <p:cNvPr id="38" name="TextBox 37">
@@ -10680,8 +11249,8 @@
           </a:p>
         </p:txBody>
       </p:sp>
-      <mc:AlternateContent xmlns:mc="http://schemas.openxmlformats.org/markup-compatibility/2006">
-        <mc:Choice xmlns:a14="http://schemas.microsoft.com/office/drawing/2010/main" Requires="a14">
+      <mc:AlternateContent xmlns:mc="http://schemas.openxmlformats.org/markup-compatibility/2006" xmlns:a14="http://schemas.microsoft.com/office/drawing/2010/main">
+        <mc:Choice Requires="a14">
           <p:sp>
             <p:nvSpPr>
               <p:cNvPr id="16" name="TextBox 15">
@@ -10796,7 +11365,7 @@
             </p:txBody>
           </p:sp>
         </mc:Choice>
-        <mc:Fallback>
+        <mc:Fallback xmlns="">
           <p:sp>
             <p:nvSpPr>
               <p:cNvPr id="16" name="TextBox 15">
@@ -11172,7 +11741,7 @@
           <a:p>
             <a:r>
               <a:rPr lang="en-US" altLang="ko-KR" b="1" dirty="0"/>
-              <a:t>12</a:t>
+              <a:t>15</a:t>
             </a:r>
           </a:p>
         </p:txBody>
@@ -11211,7 +11780,304 @@
             </a:r>
             <a:r>
               <a:rPr lang="ko-KR" altLang="en-US" b="1" dirty="0"/>
-              <a:t>속도 개선</a:t>
+              <a:t>속도 개선 </a:t>
+            </a:r>
+            <a:r>
+              <a:rPr lang="en-US" altLang="ko-KR" b="1" dirty="0"/>
+              <a:t>– </a:t>
+            </a:r>
+            <a:r>
+              <a:rPr lang="ko-KR" altLang="en-US" b="1" dirty="0"/>
+              <a:t>네거티브 샘플링</a:t>
+            </a:r>
+          </a:p>
+        </p:txBody>
+      </p:sp>
+      <p:sp>
+        <p:nvSpPr>
+          <p:cNvPr id="6" name="TextBox 5">
+            <a:extLst>
+              <a:ext uri="{FF2B5EF4-FFF2-40B4-BE49-F238E27FC236}">
+                <a16:creationId xmlns:a16="http://schemas.microsoft.com/office/drawing/2014/main" id="{9D724C3E-1CB4-4C7B-8727-DECAE1DF994F}"/>
+              </a:ext>
+            </a:extLst>
+          </p:cNvPr>
+          <p:cNvSpPr txBox="1"/>
+          <p:nvPr/>
+        </p:nvSpPr>
+        <p:spPr>
+          <a:xfrm>
+            <a:off x="525278" y="1049624"/>
+            <a:ext cx="3067008" cy="338554"/>
+          </a:xfrm>
+          <a:prstGeom prst="rect">
+            <a:avLst/>
+          </a:prstGeom>
+          <a:noFill/>
+        </p:spPr>
+        <p:txBody>
+          <a:bodyPr wrap="square" rtlCol="0">
+            <a:spAutoFit/>
+          </a:bodyPr>
+          <a:lstStyle/>
+          <a:p>
+            <a:r>
+              <a:rPr lang="ko-KR" altLang="en-US" sz="1600" b="1" dirty="0">
+                <a:latin typeface="+mj-lt"/>
+              </a:rPr>
+              <a:t>네거티브 샘플링의 샘플링 기법</a:t>
+            </a:r>
+          </a:p>
+        </p:txBody>
+      </p:sp>
+      <p:sp>
+        <p:nvSpPr>
+          <p:cNvPr id="8" name="TextBox 7">
+            <a:extLst>
+              <a:ext uri="{FF2B5EF4-FFF2-40B4-BE49-F238E27FC236}">
+                <a16:creationId xmlns:a16="http://schemas.microsoft.com/office/drawing/2014/main" id="{B1A8DC46-EF67-4EE5-A95F-4A577EC56CEC}"/>
+              </a:ext>
+            </a:extLst>
+          </p:cNvPr>
+          <p:cNvSpPr txBox="1"/>
+          <p:nvPr/>
+        </p:nvSpPr>
+        <p:spPr>
+          <a:xfrm>
+            <a:off x="526139" y="1410153"/>
+            <a:ext cx="4116572" cy="1107996"/>
+          </a:xfrm>
+          <a:prstGeom prst="rect">
+            <a:avLst/>
+          </a:prstGeom>
+          <a:noFill/>
+        </p:spPr>
+        <p:txBody>
+          <a:bodyPr wrap="square" rtlCol="0">
+            <a:spAutoFit/>
+          </a:bodyPr>
+          <a:lstStyle/>
+          <a:p>
+            <a:r>
+              <a:rPr lang="en-US" altLang="ko-KR" sz="1100" dirty="0"/>
+              <a:t>- </a:t>
+            </a:r>
+            <a:r>
+              <a:rPr lang="ko-KR" altLang="en-US" sz="1100" dirty="0"/>
+              <a:t>긍정적 예 이외에 부정적 예를 몇 개 학습</a:t>
+            </a:r>
+            <a:endParaRPr lang="en-US" altLang="ko-KR" sz="1100" dirty="0"/>
+          </a:p>
+          <a:p>
+            <a:r>
+              <a:rPr lang="en-US" altLang="ko-KR" sz="1100" dirty="0"/>
+              <a:t>- </a:t>
+            </a:r>
+            <a:r>
+              <a:rPr lang="ko-KR" altLang="en-US" sz="1100" dirty="0"/>
+              <a:t>부정적 예는 적은 수를 샘플링  </a:t>
+            </a:r>
+            <a:endParaRPr lang="en-US" altLang="ko-KR" sz="1100" dirty="0"/>
+          </a:p>
+          <a:p>
+            <a:r>
+              <a:rPr lang="en-US" altLang="ko-KR" sz="1100" dirty="0"/>
+              <a:t>- </a:t>
+            </a:r>
+            <a:r>
+              <a:rPr lang="ko-KR" altLang="en-US" sz="1100" dirty="0"/>
+              <a:t>말뭉치의 단어 빈도를 기준으로 확률분포를 통해 샘플링</a:t>
+            </a:r>
+            <a:endParaRPr lang="en-US" altLang="ko-KR" sz="1100" dirty="0"/>
+          </a:p>
+          <a:p>
+            <a:r>
+              <a:rPr lang="en-US" altLang="ko-KR" sz="1100" dirty="0"/>
+              <a:t>- </a:t>
+            </a:r>
+            <a:r>
+              <a:rPr lang="ko-KR" altLang="en-US" sz="1100" dirty="0"/>
+              <a:t>낮은 확률의 단어를 배제하지 않기 위해 각 요소를 제곱하여          </a:t>
+            </a:r>
+            <a:endParaRPr lang="en-US" altLang="ko-KR" sz="1100" dirty="0"/>
+          </a:p>
+          <a:p>
+            <a:r>
+              <a:rPr lang="ko-KR" altLang="en-US" sz="1100" dirty="0"/>
+              <a:t>  확률 보정</a:t>
+            </a:r>
+            <a:endParaRPr lang="en-US" altLang="ko-KR" sz="1100" dirty="0"/>
+          </a:p>
+          <a:p>
+            <a:r>
+              <a:rPr lang="en-US" altLang="ko-KR" sz="1100" dirty="0"/>
+              <a:t>- </a:t>
+            </a:r>
+            <a:r>
+              <a:rPr lang="ko-KR" altLang="en-US" sz="1100" dirty="0"/>
+              <a:t>각 손실을 모두 더한 값이 최종 손실</a:t>
+            </a:r>
+            <a:endParaRPr lang="en-US" altLang="ko-KR" sz="1100" dirty="0"/>
+          </a:p>
+        </p:txBody>
+      </p:sp>
+      <p:pic>
+        <p:nvPicPr>
+          <p:cNvPr id="3" name="그림 2">
+            <a:extLst>
+              <a:ext uri="{FF2B5EF4-FFF2-40B4-BE49-F238E27FC236}">
+                <a16:creationId xmlns:a16="http://schemas.microsoft.com/office/drawing/2014/main" id="{393DA6D7-B1FF-4B2F-B67C-5EFE71A5FF51}"/>
+              </a:ext>
+            </a:extLst>
+          </p:cNvPr>
+          <p:cNvPicPr>
+            <a:picLocks noChangeAspect="1"/>
+          </p:cNvPicPr>
+          <p:nvPr/>
+        </p:nvPicPr>
+        <p:blipFill>
+          <a:blip r:embed="rId4"/>
+          <a:stretch>
+            <a:fillRect/>
+          </a:stretch>
+        </p:blipFill>
+        <p:spPr>
+          <a:xfrm>
+            <a:off x="1312367" y="2518149"/>
+            <a:ext cx="2939765" cy="1202917"/>
+          </a:xfrm>
+          <a:prstGeom prst="rect">
+            <a:avLst/>
+          </a:prstGeom>
+        </p:spPr>
+      </p:pic>
+      <p:pic>
+        <p:nvPicPr>
+          <p:cNvPr id="9" name="그림 8">
+            <a:extLst>
+              <a:ext uri="{FF2B5EF4-FFF2-40B4-BE49-F238E27FC236}">
+                <a16:creationId xmlns:a16="http://schemas.microsoft.com/office/drawing/2014/main" id="{A8F45DE6-39BB-410E-B897-CB18582CC8D0}"/>
+              </a:ext>
+            </a:extLst>
+          </p:cNvPr>
+          <p:cNvPicPr>
+            <a:picLocks noChangeAspect="1"/>
+          </p:cNvPicPr>
+          <p:nvPr/>
+        </p:nvPicPr>
+        <p:blipFill>
+          <a:blip r:embed="rId5"/>
+          <a:stretch>
+            <a:fillRect/>
+          </a:stretch>
+        </p:blipFill>
+        <p:spPr>
+          <a:xfrm>
+            <a:off x="4642711" y="845906"/>
+            <a:ext cx="3330344" cy="3727997"/>
+          </a:xfrm>
+          <a:prstGeom prst="rect">
+            <a:avLst/>
+          </a:prstGeom>
+        </p:spPr>
+      </p:pic>
+      <p:pic>
+        <p:nvPicPr>
+          <p:cNvPr id="11" name="그림 10">
+            <a:extLst>
+              <a:ext uri="{FF2B5EF4-FFF2-40B4-BE49-F238E27FC236}">
+                <a16:creationId xmlns:a16="http://schemas.microsoft.com/office/drawing/2014/main" id="{327B9D1A-3DB0-4882-8B82-5D027823FE5B}"/>
+              </a:ext>
+            </a:extLst>
+          </p:cNvPr>
+          <p:cNvPicPr>
+            <a:picLocks noChangeAspect="1"/>
+          </p:cNvPicPr>
+          <p:nvPr/>
+        </p:nvPicPr>
+        <p:blipFill>
+          <a:blip r:embed="rId6"/>
+          <a:stretch>
+            <a:fillRect/>
+          </a:stretch>
+        </p:blipFill>
+        <p:spPr>
+          <a:xfrm>
+            <a:off x="1312367" y="3974787"/>
+            <a:ext cx="1178037" cy="599116"/>
+          </a:xfrm>
+          <a:prstGeom prst="rect">
+            <a:avLst/>
+          </a:prstGeom>
+        </p:spPr>
+      </p:pic>
+      <p:sp>
+        <p:nvSpPr>
+          <p:cNvPr id="16" name="TextBox 15">
+            <a:extLst>
+              <a:ext uri="{FF2B5EF4-FFF2-40B4-BE49-F238E27FC236}">
+                <a16:creationId xmlns:a16="http://schemas.microsoft.com/office/drawing/2014/main" id="{F127638F-2B97-40B3-9A2E-6952BDF01349}"/>
+              </a:ext>
+            </a:extLst>
+          </p:cNvPr>
+          <p:cNvSpPr txBox="1"/>
+          <p:nvPr/>
+        </p:nvSpPr>
+        <p:spPr>
+          <a:xfrm>
+            <a:off x="1312367" y="3728617"/>
+            <a:ext cx="2086603" cy="215444"/>
+          </a:xfrm>
+          <a:prstGeom prst="rect">
+            <a:avLst/>
+          </a:prstGeom>
+          <a:noFill/>
+        </p:spPr>
+        <p:txBody>
+          <a:bodyPr wrap="square" rtlCol="0">
+            <a:spAutoFit/>
+          </a:bodyPr>
+          <a:lstStyle/>
+          <a:p>
+            <a:r>
+              <a:rPr lang="ko-KR" altLang="en-US" sz="800" b="1"/>
+              <a:t>단어빈도 확률분포표</a:t>
+            </a:r>
+            <a:endParaRPr lang="ko-KR" altLang="en-US" sz="800" b="1" dirty="0"/>
+          </a:p>
+        </p:txBody>
+      </p:sp>
+      <p:sp>
+        <p:nvSpPr>
+          <p:cNvPr id="17" name="TextBox 16">
+            <a:extLst>
+              <a:ext uri="{FF2B5EF4-FFF2-40B4-BE49-F238E27FC236}">
+                <a16:creationId xmlns:a16="http://schemas.microsoft.com/office/drawing/2014/main" id="{B47759F6-163C-4257-AC1D-ED4B28C738BB}"/>
+              </a:ext>
+            </a:extLst>
+          </p:cNvPr>
+          <p:cNvSpPr txBox="1"/>
+          <p:nvPr/>
+        </p:nvSpPr>
+        <p:spPr>
+          <a:xfrm>
+            <a:off x="1312366" y="4504402"/>
+            <a:ext cx="2086603" cy="215444"/>
+          </a:xfrm>
+          <a:prstGeom prst="rect">
+            <a:avLst/>
+          </a:prstGeom>
+          <a:noFill/>
+        </p:spPr>
+        <p:txBody>
+          <a:bodyPr wrap="square" rtlCol="0">
+            <a:spAutoFit/>
+          </a:bodyPr>
+          <a:lstStyle/>
+          <a:p>
+            <a:r>
+              <a:rPr lang="ko-KR" altLang="en-US" sz="800" b="1" dirty="0"/>
+              <a:t>각 요소들의 확률보정</a:t>
             </a:r>
           </a:p>
         </p:txBody>
@@ -11350,6 +12216,199 @@
           </a:p>
         </p:txBody>
       </p:sp>
+      <p:sp>
+        <p:nvSpPr>
+          <p:cNvPr id="5" name="TextBox 4">
+            <a:extLst>
+              <a:ext uri="{FF2B5EF4-FFF2-40B4-BE49-F238E27FC236}">
+                <a16:creationId xmlns:a16="http://schemas.microsoft.com/office/drawing/2014/main" id="{BC093C68-C4D9-456D-B0C2-926E9AAB987E}"/>
+              </a:ext>
+            </a:extLst>
+          </p:cNvPr>
+          <p:cNvSpPr txBox="1"/>
+          <p:nvPr/>
+        </p:nvSpPr>
+        <p:spPr>
+          <a:xfrm>
+            <a:off x="570248" y="1049624"/>
+            <a:ext cx="5043567" cy="338554"/>
+          </a:xfrm>
+          <a:prstGeom prst="rect">
+            <a:avLst/>
+          </a:prstGeom>
+          <a:noFill/>
+        </p:spPr>
+        <p:txBody>
+          <a:bodyPr wrap="square" rtlCol="0">
+            <a:spAutoFit/>
+          </a:bodyPr>
+          <a:lstStyle/>
+          <a:p>
+            <a:r>
+              <a:rPr lang="en-US" altLang="ko-KR" sz="1600" b="1" dirty="0">
+                <a:latin typeface="+mj-lt"/>
+              </a:rPr>
+              <a:t>188~189p </a:t>
+            </a:r>
+            <a:r>
+              <a:rPr lang="ko-KR" altLang="en-US" sz="1600" b="1" dirty="0" err="1">
+                <a:latin typeface="+mj-lt"/>
+              </a:rPr>
+              <a:t>넣을지말지</a:t>
+            </a:r>
+            <a:r>
+              <a:rPr lang="ko-KR" altLang="en-US" sz="1600" b="1" dirty="0">
+                <a:latin typeface="+mj-lt"/>
+              </a:rPr>
+              <a:t> </a:t>
+            </a:r>
+            <a:r>
+              <a:rPr lang="ko-KR" altLang="en-US" sz="1600" b="1" dirty="0" err="1">
+                <a:latin typeface="+mj-lt"/>
+              </a:rPr>
+              <a:t>고민좀해보기</a:t>
+            </a:r>
+            <a:endParaRPr lang="ko-KR" altLang="en-US" sz="1600" b="1" dirty="0">
+              <a:latin typeface="+mj-lt"/>
+            </a:endParaRPr>
+          </a:p>
+        </p:txBody>
+      </p:sp>
+      <p:sp>
+        <p:nvSpPr>
+          <p:cNvPr id="7" name="TextBox 6">
+            <a:extLst>
+              <a:ext uri="{FF2B5EF4-FFF2-40B4-BE49-F238E27FC236}">
+                <a16:creationId xmlns:a16="http://schemas.microsoft.com/office/drawing/2014/main" id="{1858BBC6-4FCA-4FCD-9C6E-F09125D01E00}"/>
+              </a:ext>
+            </a:extLst>
+          </p:cNvPr>
+          <p:cNvSpPr txBox="1"/>
+          <p:nvPr/>
+        </p:nvSpPr>
+        <p:spPr>
+          <a:xfrm>
+            <a:off x="954995" y="3035743"/>
+            <a:ext cx="6697483" cy="830997"/>
+          </a:xfrm>
+          <a:prstGeom prst="rect">
+            <a:avLst/>
+          </a:prstGeom>
+          <a:noFill/>
+        </p:spPr>
+        <p:txBody>
+          <a:bodyPr wrap="square" rtlCol="0">
+            <a:spAutoFit/>
+          </a:bodyPr>
+          <a:lstStyle/>
+          <a:p>
+            <a:r>
+              <a:rPr lang="en-US" altLang="ko-KR" sz="1600" b="1" dirty="0">
+                <a:latin typeface="+mj-lt"/>
+              </a:rPr>
+              <a:t>+ chap5. </a:t>
+            </a:r>
+            <a:r>
+              <a:rPr lang="ko-KR" altLang="en-US" sz="1600" b="1" dirty="0">
+                <a:latin typeface="+mj-lt"/>
+              </a:rPr>
+              <a:t>언어 모델 </a:t>
+            </a:r>
+            <a:r>
+              <a:rPr lang="en-US" altLang="ko-KR" sz="1600" b="1" dirty="0">
+                <a:latin typeface="+mj-lt"/>
+              </a:rPr>
+              <a:t>-&gt; </a:t>
+            </a:r>
+            <a:r>
+              <a:rPr lang="ko-KR" altLang="en-US" sz="1600" b="1" dirty="0">
+                <a:latin typeface="+mj-lt"/>
+              </a:rPr>
+              <a:t>시퀀스를 확률로 해석</a:t>
+            </a:r>
+            <a:endParaRPr lang="en-US" altLang="ko-KR" sz="1600" b="1" dirty="0">
+              <a:latin typeface="+mj-lt"/>
+            </a:endParaRPr>
+          </a:p>
+          <a:p>
+            <a:r>
+              <a:rPr lang="en-US" altLang="ko-KR" sz="1600" b="1" dirty="0">
+                <a:latin typeface="+mj-lt"/>
+              </a:rPr>
+              <a:t>(</a:t>
+            </a:r>
+            <a:r>
+              <a:rPr lang="ko-KR" altLang="en-US" sz="1600" b="1" dirty="0">
+                <a:latin typeface="+mj-lt"/>
+              </a:rPr>
+              <a:t>왜 </a:t>
+            </a:r>
+            <a:r>
+              <a:rPr lang="en-US" altLang="ko-KR" sz="1600" b="1" dirty="0" err="1">
+                <a:latin typeface="+mj-lt"/>
+              </a:rPr>
+              <a:t>CBoW</a:t>
+            </a:r>
+            <a:r>
+              <a:rPr lang="ko-KR" altLang="en-US" sz="1600" b="1" dirty="0">
+                <a:latin typeface="+mj-lt"/>
+              </a:rPr>
+              <a:t>로 언어 모델을 만들기 부적합한가</a:t>
+            </a:r>
+            <a:r>
+              <a:rPr lang="en-US" altLang="ko-KR" sz="1600" b="1" dirty="0">
+                <a:latin typeface="+mj-lt"/>
+              </a:rPr>
+              <a:t>?)-&gt; </a:t>
+            </a:r>
+            <a:r>
+              <a:rPr lang="ko-KR" altLang="en-US" sz="1600" b="1" dirty="0">
+                <a:latin typeface="+mj-lt"/>
+              </a:rPr>
+              <a:t>기존 </a:t>
+            </a:r>
+            <a:r>
+              <a:rPr lang="en-US" altLang="ko-KR" sz="1600" b="1" dirty="0" err="1">
+                <a:latin typeface="+mj-lt"/>
+              </a:rPr>
+              <a:t>CboW</a:t>
+            </a:r>
+            <a:r>
+              <a:rPr lang="ko-KR" altLang="en-US" sz="1600" b="1" dirty="0">
+                <a:latin typeface="+mj-lt"/>
+              </a:rPr>
+              <a:t>모델은 단어의 순서를 고려하는 것이 아닌</a:t>
+            </a:r>
+            <a:r>
+              <a:rPr lang="en-US" altLang="ko-KR" sz="1600" b="1" dirty="0">
+                <a:latin typeface="+mj-lt"/>
+              </a:rPr>
+              <a:t>, </a:t>
+            </a:r>
+            <a:r>
+              <a:rPr lang="ko-KR" altLang="en-US" sz="1600" b="1" dirty="0">
+                <a:latin typeface="+mj-lt"/>
+              </a:rPr>
+              <a:t>단어의 분산표현에 </a:t>
+            </a:r>
+            <a:r>
+              <a:rPr lang="ko-KR" altLang="en-US" sz="1600" b="1" dirty="0" err="1">
+                <a:latin typeface="+mj-lt"/>
+              </a:rPr>
+              <a:t>포커싱되어있음</a:t>
+            </a:r>
+            <a:r>
+              <a:rPr lang="en-US" altLang="ko-KR" sz="1600" b="1" dirty="0">
+                <a:latin typeface="+mj-lt"/>
+              </a:rPr>
+              <a:t> </a:t>
+            </a:r>
+            <a:endParaRPr lang="ko-KR" altLang="en-US" sz="1600" b="1" dirty="0">
+              <a:latin typeface="+mj-lt"/>
+            </a:endParaRPr>
+          </a:p>
+        </p:txBody>
+      </p:sp>
     </p:spTree>
     <p:extLst>
       <p:ext uri="{BB962C8B-B14F-4D97-AF65-F5344CB8AC3E}">
@@ -11440,7 +12499,7 @@
           <a:p>
             <a:r>
               <a:rPr lang="en-US" altLang="ko-KR" b="1" dirty="0"/>
-              <a:t>12</a:t>
+              <a:t>17</a:t>
             </a:r>
           </a:p>
         </p:txBody>
@@ -11475,15 +12534,221 @@
           <a:p>
             <a:r>
               <a:rPr lang="en-US" altLang="ko-KR" b="1" dirty="0"/>
-              <a:t>Chap4. word2vec </a:t>
+              <a:t>Chap5. RNN – RNN</a:t>
             </a:r>
             <a:r>
               <a:rPr lang="ko-KR" altLang="en-US" b="1" dirty="0"/>
-              <a:t>속도 개선</a:t>
+              <a:t>이란 </a:t>
             </a:r>
           </a:p>
         </p:txBody>
       </p:sp>
+      <p:sp>
+        <p:nvSpPr>
+          <p:cNvPr id="6" name="TextBox 5">
+            <a:extLst>
+              <a:ext uri="{FF2B5EF4-FFF2-40B4-BE49-F238E27FC236}">
+                <a16:creationId xmlns:a16="http://schemas.microsoft.com/office/drawing/2014/main" id="{D4DB9401-DD48-4064-BFA1-7C6549AA84E3}"/>
+              </a:ext>
+            </a:extLst>
+          </p:cNvPr>
+          <p:cNvSpPr txBox="1"/>
+          <p:nvPr/>
+        </p:nvSpPr>
+        <p:spPr>
+          <a:xfrm>
+            <a:off x="158655" y="1063729"/>
+            <a:ext cx="5316852" cy="338554"/>
+          </a:xfrm>
+          <a:prstGeom prst="rect">
+            <a:avLst/>
+          </a:prstGeom>
+          <a:noFill/>
+        </p:spPr>
+        <p:txBody>
+          <a:bodyPr wrap="square" rtlCol="0">
+            <a:spAutoFit/>
+          </a:bodyPr>
+          <a:lstStyle/>
+          <a:p>
+            <a:pPr algn="ctr"/>
+            <a:r>
+              <a:rPr lang="en-US" altLang="ko-KR" sz="1600" b="1" dirty="0">
+                <a:latin typeface="+mj-lt"/>
+              </a:rPr>
+              <a:t>Recurrent Neural Network, RNN</a:t>
+            </a:r>
+            <a:endParaRPr lang="ko-KR" altLang="en-US" sz="1600" b="1" dirty="0">
+              <a:latin typeface="+mj-lt"/>
+            </a:endParaRPr>
+          </a:p>
+        </p:txBody>
+      </p:sp>
+      <p:sp>
+        <p:nvSpPr>
+          <p:cNvPr id="10" name="TextBox 9">
+            <a:extLst>
+              <a:ext uri="{FF2B5EF4-FFF2-40B4-BE49-F238E27FC236}">
+                <a16:creationId xmlns:a16="http://schemas.microsoft.com/office/drawing/2014/main" id="{9E0C3B96-09F1-4F71-B295-A48C327D58BE}"/>
+              </a:ext>
+            </a:extLst>
+          </p:cNvPr>
+          <p:cNvSpPr txBox="1"/>
+          <p:nvPr/>
+        </p:nvSpPr>
+        <p:spPr>
+          <a:xfrm>
+            <a:off x="1259864" y="1412842"/>
+            <a:ext cx="5316852" cy="769441"/>
+          </a:xfrm>
+          <a:prstGeom prst="rect">
+            <a:avLst/>
+          </a:prstGeom>
+          <a:noFill/>
+        </p:spPr>
+        <p:txBody>
+          <a:bodyPr wrap="square" rtlCol="0">
+            <a:spAutoFit/>
+          </a:bodyPr>
+          <a:lstStyle/>
+          <a:p>
+            <a:r>
+              <a:rPr lang="en-US" altLang="ko-KR" sz="1100" dirty="0"/>
+              <a:t>- </a:t>
+            </a:r>
+            <a:r>
+              <a:rPr lang="ko-KR" altLang="en-US" sz="1100" dirty="0"/>
+              <a:t>닫힌 경로가 존재하는 순환하는 신경망</a:t>
+            </a:r>
+            <a:endParaRPr lang="en-US" altLang="ko-KR" sz="1100" dirty="0"/>
+          </a:p>
+          <a:p>
+            <a:r>
+              <a:rPr lang="en-US" altLang="ko-KR" sz="1100" dirty="0"/>
+              <a:t>- </a:t>
+            </a:r>
+            <a:r>
+              <a:rPr lang="ko-KR" altLang="en-US" sz="1100" dirty="0"/>
+              <a:t>이전</a:t>
+            </a:r>
+            <a:r>
+              <a:rPr lang="en-US" altLang="ko-KR" sz="1100" dirty="0"/>
+              <a:t> </a:t>
+            </a:r>
+            <a:r>
+              <a:rPr lang="ko-KR" altLang="en-US" sz="1100" dirty="0"/>
+              <a:t>시각의 정보를 바탕으로 현 시각의 출력 계산</a:t>
+            </a:r>
+            <a:endParaRPr lang="en-US" altLang="ko-KR" sz="1100" dirty="0"/>
+          </a:p>
+          <a:p>
+            <a:r>
+              <a:rPr lang="en-US" altLang="ko-KR" sz="1100" dirty="0"/>
+              <a:t>- </a:t>
+            </a:r>
+            <a:r>
+              <a:rPr lang="ko-KR" altLang="en-US" sz="1100" dirty="0"/>
+              <a:t>계층의 출력이 </a:t>
+            </a:r>
+            <a:r>
+              <a:rPr lang="en-US" altLang="ko-KR" sz="1100" dirty="0"/>
+              <a:t>2</a:t>
+            </a:r>
+            <a:r>
+              <a:rPr lang="ko-KR" altLang="en-US" sz="1100" dirty="0"/>
+              <a:t>개로 분기 </a:t>
+            </a:r>
+            <a:endParaRPr lang="en-US" altLang="ko-KR" sz="1100" dirty="0"/>
+          </a:p>
+          <a:p>
+            <a:r>
+              <a:rPr lang="en-US" altLang="ko-KR" sz="1100" dirty="0"/>
+              <a:t>- </a:t>
+            </a:r>
+            <a:r>
+              <a:rPr lang="ko-KR" altLang="en-US" sz="1100" dirty="0"/>
+              <a:t>은닉 상태 벡터 </a:t>
+            </a:r>
+            <a:r>
+              <a:rPr lang="en-US" altLang="ko-KR" sz="1100" b="1" dirty="0"/>
+              <a:t>h</a:t>
+            </a:r>
+            <a:r>
+              <a:rPr lang="ko-KR" altLang="en-US" sz="1100" dirty="0"/>
+              <a:t>는 활성화 함수로 </a:t>
+            </a:r>
+            <a:r>
+              <a:rPr lang="en-US" altLang="ko-KR" sz="1100" dirty="0"/>
+              <a:t>tanh </a:t>
+            </a:r>
+            <a:r>
+              <a:rPr lang="ko-KR" altLang="en-US" sz="1100" dirty="0"/>
+              <a:t>사용</a:t>
+            </a:r>
+            <a:endParaRPr lang="en-US" altLang="ko-KR" sz="1100" dirty="0"/>
+          </a:p>
+        </p:txBody>
+      </p:sp>
+      <p:pic>
+        <p:nvPicPr>
+          <p:cNvPr id="3" name="그림 2">
+            <a:extLst>
+              <a:ext uri="{FF2B5EF4-FFF2-40B4-BE49-F238E27FC236}">
+                <a16:creationId xmlns:a16="http://schemas.microsoft.com/office/drawing/2014/main" id="{CA8BE904-3A22-440A-91FF-22EEF1F0CA4E}"/>
+              </a:ext>
+            </a:extLst>
+          </p:cNvPr>
+          <p:cNvPicPr>
+            <a:picLocks noChangeAspect="1"/>
+          </p:cNvPicPr>
+          <p:nvPr/>
+        </p:nvPicPr>
+        <p:blipFill>
+          <a:blip r:embed="rId4"/>
+          <a:stretch>
+            <a:fillRect/>
+          </a:stretch>
+        </p:blipFill>
+        <p:spPr>
+          <a:xfrm>
+            <a:off x="1324755" y="2330154"/>
+            <a:ext cx="6494489" cy="1285058"/>
+          </a:xfrm>
+          <a:prstGeom prst="rect">
+            <a:avLst/>
+          </a:prstGeom>
+        </p:spPr>
+      </p:pic>
+      <p:pic>
+        <p:nvPicPr>
+          <p:cNvPr id="11" name="그림 10">
+            <a:extLst>
+              <a:ext uri="{FF2B5EF4-FFF2-40B4-BE49-F238E27FC236}">
+                <a16:creationId xmlns:a16="http://schemas.microsoft.com/office/drawing/2014/main" id="{66C35D6F-E950-4958-807F-6B00B50A6C9F}"/>
+              </a:ext>
+            </a:extLst>
+          </p:cNvPr>
+          <p:cNvPicPr>
+            <a:picLocks noChangeAspect="1"/>
+          </p:cNvPicPr>
+          <p:nvPr/>
+        </p:nvPicPr>
+        <p:blipFill>
+          <a:blip r:embed="rId5"/>
+          <a:stretch>
+            <a:fillRect/>
+          </a:stretch>
+        </p:blipFill>
+        <p:spPr>
+          <a:xfrm>
+            <a:off x="1324755" y="3693109"/>
+            <a:ext cx="2984653" cy="355618"/>
+          </a:xfrm>
+          <a:prstGeom prst="rect">
+            <a:avLst/>
+          </a:prstGeom>
+        </p:spPr>
+      </p:pic>
     </p:spTree>
     <p:extLst>
       <p:ext uri="{BB962C8B-B14F-4D97-AF65-F5344CB8AC3E}">
@@ -11574,17 +12839,17 @@
           <a:p>
             <a:r>
               <a:rPr lang="en-US" altLang="ko-KR" b="1" dirty="0"/>
-              <a:t>12</a:t>
+              <a:t>18</a:t>
             </a:r>
           </a:p>
         </p:txBody>
       </p:sp>
       <p:sp>
         <p:nvSpPr>
-          <p:cNvPr id="18" name="TextBox 17">
-            <a:extLst>
-              <a:ext uri="{FF2B5EF4-FFF2-40B4-BE49-F238E27FC236}">
-                <a16:creationId xmlns:a16="http://schemas.microsoft.com/office/drawing/2014/main" id="{C2E46355-D5F0-4D9E-BE00-8AB99836B2F6}"/>
+          <p:cNvPr id="5" name="TextBox 4">
+            <a:extLst>
+              <a:ext uri="{FF2B5EF4-FFF2-40B4-BE49-F238E27FC236}">
+                <a16:creationId xmlns:a16="http://schemas.microsoft.com/office/drawing/2014/main" id="{329ABCDA-4C89-4F79-A078-E5A992A3C474}"/>
               </a:ext>
             </a:extLst>
           </p:cNvPr>
@@ -11609,15 +12874,286 @@
           <a:p>
             <a:r>
               <a:rPr lang="en-US" altLang="ko-KR" b="1" dirty="0"/>
-              <a:t>Chap4. word2vec </a:t>
-            </a:r>
-            <a:r>
-              <a:rPr lang="ko-KR" altLang="en-US" b="1" dirty="0"/>
-              <a:t>속도 개선</a:t>
-            </a:r>
+              <a:t>Chap5. RNN –  BPTT</a:t>
+            </a:r>
+            <a:endParaRPr lang="ko-KR" altLang="en-US" b="1" dirty="0"/>
           </a:p>
         </p:txBody>
       </p:sp>
+      <p:sp>
+        <p:nvSpPr>
+          <p:cNvPr id="6" name="TextBox 5">
+            <a:extLst>
+              <a:ext uri="{FF2B5EF4-FFF2-40B4-BE49-F238E27FC236}">
+                <a16:creationId xmlns:a16="http://schemas.microsoft.com/office/drawing/2014/main" id="{E347943B-2D03-4135-B943-9098C31FA830}"/>
+              </a:ext>
+            </a:extLst>
+          </p:cNvPr>
+          <p:cNvSpPr txBox="1"/>
+          <p:nvPr/>
+        </p:nvSpPr>
+        <p:spPr>
+          <a:xfrm>
+            <a:off x="158655" y="651504"/>
+            <a:ext cx="875666" cy="338554"/>
+          </a:xfrm>
+          <a:prstGeom prst="rect">
+            <a:avLst/>
+          </a:prstGeom>
+          <a:noFill/>
+        </p:spPr>
+        <p:txBody>
+          <a:bodyPr wrap="square" rtlCol="0">
+            <a:spAutoFit/>
+          </a:bodyPr>
+          <a:lstStyle/>
+          <a:p>
+            <a:r>
+              <a:rPr lang="en-US" altLang="ko-KR" sz="1600" b="1" dirty="0">
+                <a:latin typeface="+mj-lt"/>
+              </a:rPr>
+              <a:t>BPTT</a:t>
+            </a:r>
+            <a:endParaRPr lang="ko-KR" altLang="en-US" sz="1600" b="1" dirty="0">
+              <a:latin typeface="+mj-lt"/>
+            </a:endParaRPr>
+          </a:p>
+        </p:txBody>
+      </p:sp>
+      <p:sp>
+        <p:nvSpPr>
+          <p:cNvPr id="7" name="TextBox 6">
+            <a:extLst>
+              <a:ext uri="{FF2B5EF4-FFF2-40B4-BE49-F238E27FC236}">
+                <a16:creationId xmlns:a16="http://schemas.microsoft.com/office/drawing/2014/main" id="{0116346D-DE11-4A8F-8848-F88FD7651426}"/>
+              </a:ext>
+            </a:extLst>
+          </p:cNvPr>
+          <p:cNvSpPr txBox="1"/>
+          <p:nvPr/>
+        </p:nvSpPr>
+        <p:spPr>
+          <a:xfrm>
+            <a:off x="810160" y="689976"/>
+            <a:ext cx="5316852" cy="430887"/>
+          </a:xfrm>
+          <a:prstGeom prst="rect">
+            <a:avLst/>
+          </a:prstGeom>
+          <a:noFill/>
+        </p:spPr>
+        <p:txBody>
+          <a:bodyPr wrap="square" rtlCol="0">
+            <a:spAutoFit/>
+          </a:bodyPr>
+          <a:lstStyle/>
+          <a:p>
+            <a:r>
+              <a:rPr lang="en-US" altLang="ko-KR" sz="1100" dirty="0"/>
+              <a:t>- </a:t>
+            </a:r>
+            <a:r>
+              <a:rPr lang="ko-KR" altLang="en-US" sz="1100" dirty="0"/>
+              <a:t>시간</a:t>
+            </a:r>
+            <a:r>
+              <a:rPr lang="en-US" altLang="ko-KR" sz="1100" dirty="0"/>
+              <a:t> </a:t>
+            </a:r>
+            <a:r>
+              <a:rPr lang="ko-KR" altLang="en-US" sz="1100" dirty="0"/>
+              <a:t>방향으로 펼친 신경망의 </a:t>
+            </a:r>
+            <a:r>
+              <a:rPr lang="ko-KR" altLang="en-US" sz="1100" dirty="0" err="1"/>
+              <a:t>오차역전파법</a:t>
+            </a:r>
+            <a:endParaRPr lang="en-US" altLang="ko-KR" sz="1100" dirty="0"/>
+          </a:p>
+          <a:p>
+            <a:r>
+              <a:rPr lang="en-US" altLang="ko-KR" sz="1100" dirty="0"/>
+              <a:t>- </a:t>
+            </a:r>
+            <a:r>
+              <a:rPr lang="ko-KR" altLang="en-US" sz="1100" dirty="0"/>
+              <a:t>큰 시계열 데이터를 처리할 시 역전파의 기울기가 불안정하고 </a:t>
+            </a:r>
+            <a:r>
+              <a:rPr lang="ko-KR" altLang="en-US" sz="1100" dirty="0" err="1"/>
+              <a:t>계산량이</a:t>
+            </a:r>
+            <a:r>
+              <a:rPr lang="ko-KR" altLang="en-US" sz="1100" dirty="0"/>
+              <a:t> 커짐</a:t>
+            </a:r>
+            <a:endParaRPr lang="en-US" altLang="ko-KR" sz="1100" dirty="0"/>
+          </a:p>
+        </p:txBody>
+      </p:sp>
+      <p:pic>
+        <p:nvPicPr>
+          <p:cNvPr id="3" name="그림 2">
+            <a:extLst>
+              <a:ext uri="{FF2B5EF4-FFF2-40B4-BE49-F238E27FC236}">
+                <a16:creationId xmlns:a16="http://schemas.microsoft.com/office/drawing/2014/main" id="{1CEC472E-F188-4FDE-8037-2779593FD478}"/>
+              </a:ext>
+            </a:extLst>
+          </p:cNvPr>
+          <p:cNvPicPr>
+            <a:picLocks noChangeAspect="1"/>
+          </p:cNvPicPr>
+          <p:nvPr/>
+        </p:nvPicPr>
+        <p:blipFill>
+          <a:blip r:embed="rId4"/>
+          <a:stretch>
+            <a:fillRect/>
+          </a:stretch>
+        </p:blipFill>
+        <p:spPr>
+          <a:xfrm>
+            <a:off x="1609394" y="1120863"/>
+            <a:ext cx="5925212" cy="1155483"/>
+          </a:xfrm>
+          <a:prstGeom prst="rect">
+            <a:avLst/>
+          </a:prstGeom>
+        </p:spPr>
+      </p:pic>
+      <p:sp>
+        <p:nvSpPr>
+          <p:cNvPr id="10" name="TextBox 9">
+            <a:extLst>
+              <a:ext uri="{FF2B5EF4-FFF2-40B4-BE49-F238E27FC236}">
+                <a16:creationId xmlns:a16="http://schemas.microsoft.com/office/drawing/2014/main" id="{00AF7D49-BE13-4666-B45A-7F6BCD647ACD}"/>
+              </a:ext>
+            </a:extLst>
+          </p:cNvPr>
+          <p:cNvSpPr txBox="1"/>
+          <p:nvPr/>
+        </p:nvSpPr>
+        <p:spPr>
+          <a:xfrm>
+            <a:off x="164865" y="2422043"/>
+            <a:ext cx="2375968" cy="338554"/>
+          </a:xfrm>
+          <a:prstGeom prst="rect">
+            <a:avLst/>
+          </a:prstGeom>
+          <a:noFill/>
+        </p:spPr>
+        <p:txBody>
+          <a:bodyPr wrap="square" rtlCol="0">
+            <a:spAutoFit/>
+          </a:bodyPr>
+          <a:lstStyle/>
+          <a:p>
+            <a:r>
+              <a:rPr lang="en-US" altLang="ko-KR" sz="1600" b="1" dirty="0">
+                <a:latin typeface="+mj-lt"/>
+              </a:rPr>
+              <a:t>Truncated BPTT</a:t>
+            </a:r>
+            <a:endParaRPr lang="ko-KR" altLang="en-US" sz="1600" b="1" dirty="0">
+              <a:latin typeface="+mj-lt"/>
+            </a:endParaRPr>
+          </a:p>
+        </p:txBody>
+      </p:sp>
+      <p:sp>
+        <p:nvSpPr>
+          <p:cNvPr id="11" name="TextBox 10">
+            <a:extLst>
+              <a:ext uri="{FF2B5EF4-FFF2-40B4-BE49-F238E27FC236}">
+                <a16:creationId xmlns:a16="http://schemas.microsoft.com/office/drawing/2014/main" id="{1263817F-7159-4FCD-99F2-2390A340CF6F}"/>
+              </a:ext>
+            </a:extLst>
+          </p:cNvPr>
+          <p:cNvSpPr txBox="1"/>
+          <p:nvPr/>
+        </p:nvSpPr>
+        <p:spPr>
+          <a:xfrm>
+            <a:off x="1806448" y="2440614"/>
+            <a:ext cx="5316852" cy="430887"/>
+          </a:xfrm>
+          <a:prstGeom prst="rect">
+            <a:avLst/>
+          </a:prstGeom>
+          <a:noFill/>
+        </p:spPr>
+        <p:txBody>
+          <a:bodyPr wrap="square" rtlCol="0">
+            <a:spAutoFit/>
+          </a:bodyPr>
+          <a:lstStyle/>
+          <a:p>
+            <a:r>
+              <a:rPr lang="en-US" altLang="ko-KR" sz="1100" dirty="0"/>
+              <a:t>- </a:t>
+            </a:r>
+            <a:r>
+              <a:rPr lang="ko-KR" altLang="en-US" sz="1100" dirty="0"/>
+              <a:t>큰 시계열 데이터를 작은 신경망 여러 개로 잘라서 만들어 </a:t>
+            </a:r>
+            <a:r>
+              <a:rPr lang="ko-KR" altLang="en-US" sz="1100" dirty="0" err="1"/>
+              <a:t>오차역전파법</a:t>
+            </a:r>
+            <a:r>
+              <a:rPr lang="ko-KR" altLang="en-US" sz="1100" dirty="0"/>
+              <a:t> 수행</a:t>
+            </a:r>
+            <a:endParaRPr lang="en-US" altLang="ko-KR" sz="1100" dirty="0"/>
+          </a:p>
+          <a:p>
+            <a:r>
+              <a:rPr lang="en-US" altLang="ko-KR" sz="1100" dirty="0"/>
+              <a:t>- </a:t>
+            </a:r>
+            <a:r>
+              <a:rPr lang="ko-KR" altLang="en-US" sz="1100" dirty="0"/>
+              <a:t>순전파의 연결은 그대로 유지하며 역전파의 연결만 </a:t>
+            </a:r>
+            <a:r>
+              <a:rPr lang="ko-KR" altLang="en-US" sz="1100" dirty="0" err="1"/>
+              <a:t>잘라냄</a:t>
+            </a:r>
+            <a:endParaRPr lang="en-US" altLang="ko-KR" sz="1100" dirty="0"/>
+          </a:p>
+        </p:txBody>
+      </p:sp>
+      <p:pic>
+        <p:nvPicPr>
+          <p:cNvPr id="8" name="그림 7">
+            <a:extLst>
+              <a:ext uri="{FF2B5EF4-FFF2-40B4-BE49-F238E27FC236}">
+                <a16:creationId xmlns:a16="http://schemas.microsoft.com/office/drawing/2014/main" id="{BC3FE726-4062-478B-8833-FDC174DD5DA8}"/>
+              </a:ext>
+            </a:extLst>
+          </p:cNvPr>
+          <p:cNvPicPr>
+            <a:picLocks noChangeAspect="1"/>
+          </p:cNvPicPr>
+          <p:nvPr/>
+        </p:nvPicPr>
+        <p:blipFill>
+          <a:blip r:embed="rId5"/>
+          <a:stretch>
+            <a:fillRect/>
+          </a:stretch>
+        </p:blipFill>
+        <p:spPr>
+          <a:xfrm>
+            <a:off x="2188564" y="2890072"/>
+            <a:ext cx="4766872" cy="2012392"/>
+          </a:xfrm>
+          <a:prstGeom prst="rect">
+            <a:avLst/>
+          </a:prstGeom>
+        </p:spPr>
+      </p:pic>
     </p:spTree>
     <p:extLst>
       <p:ext uri="{BB962C8B-B14F-4D97-AF65-F5344CB8AC3E}">
@@ -11708,17 +13244,17 @@
           <a:p>
             <a:r>
               <a:rPr lang="en-US" altLang="ko-KR" b="1" dirty="0"/>
-              <a:t>12</a:t>
+              <a:t>19</a:t>
             </a:r>
           </a:p>
         </p:txBody>
       </p:sp>
       <p:sp>
         <p:nvSpPr>
-          <p:cNvPr id="18" name="TextBox 17">
-            <a:extLst>
-              <a:ext uri="{FF2B5EF4-FFF2-40B4-BE49-F238E27FC236}">
-                <a16:creationId xmlns:a16="http://schemas.microsoft.com/office/drawing/2014/main" id="{C2E46355-D5F0-4D9E-BE00-8AB99836B2F6}"/>
+          <p:cNvPr id="5" name="TextBox 4">
+            <a:extLst>
+              <a:ext uri="{FF2B5EF4-FFF2-40B4-BE49-F238E27FC236}">
+                <a16:creationId xmlns:a16="http://schemas.microsoft.com/office/drawing/2014/main" id="{329ABCDA-4C89-4F79-A078-E5A992A3C474}"/>
               </a:ext>
             </a:extLst>
           </p:cNvPr>
@@ -11743,19 +13279,159 @@
           <a:p>
             <a:r>
               <a:rPr lang="en-US" altLang="ko-KR" b="1" dirty="0"/>
-              <a:t>Chap4. word2vec </a:t>
+              <a:t>Chap5. RNN – Truncated BPTT </a:t>
             </a:r>
             <a:r>
               <a:rPr lang="ko-KR" altLang="en-US" b="1" dirty="0"/>
-              <a:t>속도 개선</a:t>
-            </a:r>
+              <a:t>미니배치 학습</a:t>
+            </a:r>
+          </a:p>
+        </p:txBody>
+      </p:sp>
+      <p:sp>
+        <p:nvSpPr>
+          <p:cNvPr id="6" name="TextBox 5">
+            <a:extLst>
+              <a:ext uri="{FF2B5EF4-FFF2-40B4-BE49-F238E27FC236}">
+                <a16:creationId xmlns:a16="http://schemas.microsoft.com/office/drawing/2014/main" id="{BCE8AC36-615B-4F65-8DCC-06F65EB7079C}"/>
+              </a:ext>
+            </a:extLst>
+          </p:cNvPr>
+          <p:cNvSpPr txBox="1"/>
+          <p:nvPr/>
+        </p:nvSpPr>
+        <p:spPr>
+          <a:xfrm>
+            <a:off x="298777" y="2145552"/>
+            <a:ext cx="3396625" cy="338554"/>
+          </a:xfrm>
+          <a:prstGeom prst="rect">
+            <a:avLst/>
+          </a:prstGeom>
+          <a:noFill/>
+        </p:spPr>
+        <p:txBody>
+          <a:bodyPr wrap="square" rtlCol="0">
+            <a:spAutoFit/>
+          </a:bodyPr>
+          <a:lstStyle/>
+          <a:p>
+            <a:r>
+              <a:rPr lang="en-US" altLang="ko-KR" sz="1600" b="1" dirty="0">
+                <a:latin typeface="+mj-lt"/>
+              </a:rPr>
+              <a:t>Truncated BPTT</a:t>
+            </a:r>
+            <a:r>
+              <a:rPr lang="ko-KR" altLang="en-US" sz="1600" b="1" dirty="0">
+                <a:latin typeface="+mj-lt"/>
+              </a:rPr>
+              <a:t>의 미니배치 학습</a:t>
+            </a:r>
+          </a:p>
+        </p:txBody>
+      </p:sp>
+      <p:pic>
+        <p:nvPicPr>
+          <p:cNvPr id="3" name="그림 2">
+            <a:extLst>
+              <a:ext uri="{FF2B5EF4-FFF2-40B4-BE49-F238E27FC236}">
+                <a16:creationId xmlns:a16="http://schemas.microsoft.com/office/drawing/2014/main" id="{DEA4B5AA-8FFD-4E22-B882-5E412C95DB3C}"/>
+              </a:ext>
+            </a:extLst>
+          </p:cNvPr>
+          <p:cNvPicPr>
+            <a:picLocks noChangeAspect="1"/>
+          </p:cNvPicPr>
+          <p:nvPr/>
+        </p:nvPicPr>
+        <p:blipFill>
+          <a:blip r:embed="rId4"/>
+          <a:stretch>
+            <a:fillRect/>
+          </a:stretch>
+        </p:blipFill>
+        <p:spPr>
+          <a:xfrm>
+            <a:off x="4512039" y="846381"/>
+            <a:ext cx="3936271" cy="4029569"/>
+          </a:xfrm>
+          <a:prstGeom prst="rect">
+            <a:avLst/>
+          </a:prstGeom>
+        </p:spPr>
+      </p:pic>
+      <p:sp>
+        <p:nvSpPr>
+          <p:cNvPr id="8" name="TextBox 7">
+            <a:extLst>
+              <a:ext uri="{FF2B5EF4-FFF2-40B4-BE49-F238E27FC236}">
+                <a16:creationId xmlns:a16="http://schemas.microsoft.com/office/drawing/2014/main" id="{DD154CA5-56B4-4A1C-ADBC-20DE3DEF8D0F}"/>
+              </a:ext>
+            </a:extLst>
+          </p:cNvPr>
+          <p:cNvSpPr txBox="1"/>
+          <p:nvPr/>
+        </p:nvSpPr>
+        <p:spPr>
+          <a:xfrm>
+            <a:off x="255524" y="2506944"/>
+            <a:ext cx="4256515" cy="430887"/>
+          </a:xfrm>
+          <a:prstGeom prst="rect">
+            <a:avLst/>
+          </a:prstGeom>
+          <a:noFill/>
+        </p:spPr>
+        <p:txBody>
+          <a:bodyPr wrap="square" rtlCol="0">
+            <a:spAutoFit/>
+          </a:bodyPr>
+          <a:lstStyle/>
+          <a:p>
+            <a:r>
+              <a:rPr lang="en-US" altLang="ko-KR" sz="1100" dirty="0"/>
+              <a:t>- </a:t>
+            </a:r>
+            <a:r>
+              <a:rPr lang="ko-KR" altLang="en-US" sz="1100" dirty="0"/>
+              <a:t>순차적인 데이터 입력을 위해 </a:t>
+            </a:r>
+            <a:r>
+              <a:rPr lang="en-US" altLang="ko-KR" sz="1100" dirty="0"/>
+              <a:t>batch size</a:t>
+            </a:r>
+            <a:r>
+              <a:rPr lang="ko-KR" altLang="en-US" sz="1100" dirty="0"/>
+              <a:t>에 맞게 </a:t>
+            </a:r>
+            <a:r>
+              <a:rPr lang="en-US" altLang="ko-KR" sz="1100" dirty="0"/>
+              <a:t>offset </a:t>
+            </a:r>
+            <a:r>
+              <a:rPr lang="ko-KR" altLang="en-US" sz="1100" dirty="0"/>
+              <a:t>수행</a:t>
+            </a:r>
+            <a:endParaRPr lang="en-US" altLang="ko-KR" sz="1100" dirty="0"/>
+          </a:p>
+          <a:p>
+            <a:r>
+              <a:rPr lang="en-US" altLang="ko-KR" sz="1100" dirty="0"/>
+              <a:t>- </a:t>
+            </a:r>
+            <a:r>
+              <a:rPr lang="ko-KR" altLang="en-US" sz="1100" dirty="0"/>
+              <a:t>데이터를 순서대로 입력하다 끝에 도달하면 다시 처음부터 입력</a:t>
+            </a:r>
+            <a:endParaRPr lang="en-US" altLang="ko-KR" sz="1100" dirty="0"/>
           </a:p>
         </p:txBody>
       </p:sp>
     </p:spTree>
     <p:extLst>
       <p:ext uri="{BB962C8B-B14F-4D97-AF65-F5344CB8AC3E}">
-        <p14:creationId xmlns:p14="http://schemas.microsoft.com/office/powerpoint/2010/main" val="904299227"/>
+        <p14:creationId xmlns:p14="http://schemas.microsoft.com/office/powerpoint/2010/main" val="4123214401"/>
       </p:ext>
     </p:extLst>
   </p:cSld>
@@ -12322,6 +13998,623 @@
         </p:txBody>
       </p:sp>
     </p:spTree>
+  </p:cSld>
+  <p:clrMapOvr>
+    <a:masterClrMapping/>
+  </p:clrMapOvr>
+</p:sld>
+</file>
+
+<file path=ppt/slides/slide20.xml><?xml version="1.0" encoding="utf-8"?>
+<p:sld xmlns:a="http://schemas.openxmlformats.org/drawingml/2006/main" xmlns:r="http://schemas.openxmlformats.org/officeDocument/2006/relationships" xmlns:p="http://schemas.openxmlformats.org/presentationml/2006/main">
+  <p:cSld>
+    <p:spTree>
+      <p:nvGrpSpPr>
+        <p:cNvPr id="1" name="Shape 206"/>
+        <p:cNvGrpSpPr/>
+        <p:nvPr/>
+      </p:nvGrpSpPr>
+      <p:grpSpPr>
+        <a:xfrm>
+          <a:off x="0" y="0"/>
+          <a:ext cx="0" cy="0"/>
+          <a:chOff x="0" y="0"/>
+          <a:chExt cx="0" cy="0"/>
+        </a:xfrm>
+      </p:grpSpPr>
+      <p:pic>
+        <p:nvPicPr>
+          <p:cNvPr id="14" name="그림 13">
+            <a:extLst>
+              <a:ext uri="{FF2B5EF4-FFF2-40B4-BE49-F238E27FC236}">
+                <a16:creationId xmlns:a16="http://schemas.microsoft.com/office/drawing/2014/main" id="{1D4A5E59-2645-4613-8CE5-FAD578731D7E}"/>
+              </a:ext>
+            </a:extLst>
+          </p:cNvPr>
+          <p:cNvPicPr>
+            <a:picLocks noChangeAspect="1"/>
+          </p:cNvPicPr>
+          <p:nvPr/>
+        </p:nvPicPr>
+        <p:blipFill>
+          <a:blip r:embed="rId3"/>
+          <a:stretch>
+            <a:fillRect/>
+          </a:stretch>
+        </p:blipFill>
+        <p:spPr>
+          <a:xfrm>
+            <a:off x="36127" y="4862261"/>
+            <a:ext cx="1960963" cy="228019"/>
+          </a:xfrm>
+          <a:prstGeom prst="rect">
+            <a:avLst/>
+          </a:prstGeom>
+        </p:spPr>
+      </p:pic>
+      <p:sp>
+        <p:nvSpPr>
+          <p:cNvPr id="15" name="TextBox 14">
+            <a:extLst>
+              <a:ext uri="{FF2B5EF4-FFF2-40B4-BE49-F238E27FC236}">
+                <a16:creationId xmlns:a16="http://schemas.microsoft.com/office/drawing/2014/main" id="{47F58ACF-4155-4B8D-9CDD-D47CE69D3A62}"/>
+              </a:ext>
+            </a:extLst>
+          </p:cNvPr>
+          <p:cNvSpPr txBox="1"/>
+          <p:nvPr/>
+        </p:nvSpPr>
+        <p:spPr>
+          <a:xfrm>
+            <a:off x="8705013" y="4761580"/>
+            <a:ext cx="383438" cy="307777"/>
+          </a:xfrm>
+          <a:prstGeom prst="rect">
+            <a:avLst/>
+          </a:prstGeom>
+          <a:noFill/>
+        </p:spPr>
+        <p:txBody>
+          <a:bodyPr wrap="none" rtlCol="0">
+            <a:spAutoFit/>
+          </a:bodyPr>
+          <a:lstStyle/>
+          <a:p>
+            <a:r>
+              <a:rPr lang="en-US" altLang="ko-KR" b="1" dirty="0"/>
+              <a:t>20</a:t>
+            </a:r>
+          </a:p>
+        </p:txBody>
+      </p:sp>
+      <p:sp>
+        <p:nvSpPr>
+          <p:cNvPr id="5" name="TextBox 4">
+            <a:extLst>
+              <a:ext uri="{FF2B5EF4-FFF2-40B4-BE49-F238E27FC236}">
+                <a16:creationId xmlns:a16="http://schemas.microsoft.com/office/drawing/2014/main" id="{329ABCDA-4C89-4F79-A078-E5A992A3C474}"/>
+              </a:ext>
+            </a:extLst>
+          </p:cNvPr>
+          <p:cNvSpPr txBox="1"/>
+          <p:nvPr/>
+        </p:nvSpPr>
+        <p:spPr>
+          <a:xfrm>
+            <a:off x="73666" y="84879"/>
+            <a:ext cx="5880094" cy="307777"/>
+          </a:xfrm>
+          <a:prstGeom prst="rect">
+            <a:avLst/>
+          </a:prstGeom>
+          <a:noFill/>
+        </p:spPr>
+        <p:txBody>
+          <a:bodyPr wrap="square" rtlCol="0">
+            <a:spAutoFit/>
+          </a:bodyPr>
+          <a:lstStyle/>
+          <a:p>
+            <a:r>
+              <a:rPr lang="en-US" altLang="ko-KR" b="1" dirty="0"/>
+              <a:t>Chap5. RNN – RNN</a:t>
+            </a:r>
+            <a:r>
+              <a:rPr lang="ko-KR" altLang="en-US" b="1" dirty="0"/>
+              <a:t>이란 </a:t>
+            </a:r>
+          </a:p>
+        </p:txBody>
+      </p:sp>
+      <p:sp>
+        <p:nvSpPr>
+          <p:cNvPr id="6" name="TextBox 5">
+            <a:extLst>
+              <a:ext uri="{FF2B5EF4-FFF2-40B4-BE49-F238E27FC236}">
+                <a16:creationId xmlns:a16="http://schemas.microsoft.com/office/drawing/2014/main" id="{8818FE89-EA1F-441D-8222-A2B2D209D5AB}"/>
+              </a:ext>
+            </a:extLst>
+          </p:cNvPr>
+          <p:cNvSpPr txBox="1"/>
+          <p:nvPr/>
+        </p:nvSpPr>
+        <p:spPr>
+          <a:xfrm>
+            <a:off x="1602921" y="1560936"/>
+            <a:ext cx="4872830" cy="1323439"/>
+          </a:xfrm>
+          <a:prstGeom prst="rect">
+            <a:avLst/>
+          </a:prstGeom>
+          <a:noFill/>
+        </p:spPr>
+        <p:txBody>
+          <a:bodyPr wrap="square" rtlCol="0">
+            <a:spAutoFit/>
+          </a:bodyPr>
+          <a:lstStyle/>
+          <a:p>
+            <a:r>
+              <a:rPr lang="en-US" altLang="ko-KR" sz="1600" b="1" dirty="0">
+                <a:latin typeface="+mj-lt"/>
+              </a:rPr>
+              <a:t>~210p. About Time RNN</a:t>
+            </a:r>
+          </a:p>
+          <a:p>
+            <a:endParaRPr lang="en-US" altLang="ko-KR" sz="1600" b="1" dirty="0">
+              <a:latin typeface="+mj-lt"/>
+            </a:endParaRPr>
+          </a:p>
+          <a:p>
+            <a:r>
+              <a:rPr lang="en-US" altLang="ko-KR" sz="1600" b="1" dirty="0">
+                <a:latin typeface="+mj-lt"/>
+              </a:rPr>
+              <a:t>RNNLM </a:t>
+            </a:r>
+            <a:r>
+              <a:rPr lang="ko-KR" altLang="en-US" sz="1600" b="1" dirty="0">
+                <a:latin typeface="+mj-lt"/>
+              </a:rPr>
+              <a:t>구현  </a:t>
+            </a:r>
+            <a:endParaRPr lang="en-US" altLang="ko-KR" sz="1600" b="1" dirty="0">
+              <a:latin typeface="+mj-lt"/>
+            </a:endParaRPr>
+          </a:p>
+          <a:p>
+            <a:endParaRPr lang="en-US" altLang="ko-KR" sz="1600" b="1" dirty="0">
+              <a:latin typeface="+mj-lt"/>
+            </a:endParaRPr>
+          </a:p>
+          <a:p>
+            <a:r>
+              <a:rPr lang="ko-KR" altLang="en-US" sz="1600" b="1" dirty="0">
+                <a:latin typeface="+mj-lt"/>
+              </a:rPr>
+              <a:t>언어 모델의 예측 성능 평가하는 척도 </a:t>
+            </a:r>
+            <a:r>
+              <a:rPr lang="en-US" altLang="ko-KR" sz="1600" b="1" dirty="0">
+                <a:latin typeface="+mj-lt"/>
+              </a:rPr>
+              <a:t>= perplexity </a:t>
+            </a:r>
+            <a:endParaRPr lang="ko-KR" altLang="en-US" sz="1600" b="1" dirty="0">
+              <a:latin typeface="+mj-lt"/>
+            </a:endParaRPr>
+          </a:p>
+        </p:txBody>
+      </p:sp>
+    </p:spTree>
+    <p:extLst>
+      <p:ext uri="{BB962C8B-B14F-4D97-AF65-F5344CB8AC3E}">
+        <p14:creationId xmlns:p14="http://schemas.microsoft.com/office/powerpoint/2010/main" val="383002058"/>
+      </p:ext>
+    </p:extLst>
+  </p:cSld>
+  <p:clrMapOvr>
+    <a:masterClrMapping/>
+  </p:clrMapOvr>
+</p:sld>
+</file>
+
+<file path=ppt/slides/slide21.xml><?xml version="1.0" encoding="utf-8"?>
+<p:sld xmlns:a="http://schemas.openxmlformats.org/drawingml/2006/main" xmlns:r="http://schemas.openxmlformats.org/officeDocument/2006/relationships" xmlns:p="http://schemas.openxmlformats.org/presentationml/2006/main">
+  <p:cSld>
+    <p:spTree>
+      <p:nvGrpSpPr>
+        <p:cNvPr id="1" name="Shape 206"/>
+        <p:cNvGrpSpPr/>
+        <p:nvPr/>
+      </p:nvGrpSpPr>
+      <p:grpSpPr>
+        <a:xfrm>
+          <a:off x="0" y="0"/>
+          <a:ext cx="0" cy="0"/>
+          <a:chOff x="0" y="0"/>
+          <a:chExt cx="0" cy="0"/>
+        </a:xfrm>
+      </p:grpSpPr>
+      <p:pic>
+        <p:nvPicPr>
+          <p:cNvPr id="14" name="그림 13">
+            <a:extLst>
+              <a:ext uri="{FF2B5EF4-FFF2-40B4-BE49-F238E27FC236}">
+                <a16:creationId xmlns:a16="http://schemas.microsoft.com/office/drawing/2014/main" id="{1D4A5E59-2645-4613-8CE5-FAD578731D7E}"/>
+              </a:ext>
+            </a:extLst>
+          </p:cNvPr>
+          <p:cNvPicPr>
+            <a:picLocks noChangeAspect="1"/>
+          </p:cNvPicPr>
+          <p:nvPr/>
+        </p:nvPicPr>
+        <p:blipFill>
+          <a:blip r:embed="rId3"/>
+          <a:stretch>
+            <a:fillRect/>
+          </a:stretch>
+        </p:blipFill>
+        <p:spPr>
+          <a:xfrm>
+            <a:off x="36127" y="4862261"/>
+            <a:ext cx="1960963" cy="228019"/>
+          </a:xfrm>
+          <a:prstGeom prst="rect">
+            <a:avLst/>
+          </a:prstGeom>
+        </p:spPr>
+      </p:pic>
+      <p:sp>
+        <p:nvSpPr>
+          <p:cNvPr id="15" name="TextBox 14">
+            <a:extLst>
+              <a:ext uri="{FF2B5EF4-FFF2-40B4-BE49-F238E27FC236}">
+                <a16:creationId xmlns:a16="http://schemas.microsoft.com/office/drawing/2014/main" id="{47F58ACF-4155-4B8D-9CDD-D47CE69D3A62}"/>
+              </a:ext>
+            </a:extLst>
+          </p:cNvPr>
+          <p:cNvSpPr txBox="1"/>
+          <p:nvPr/>
+        </p:nvSpPr>
+        <p:spPr>
+          <a:xfrm>
+            <a:off x="8705013" y="4761580"/>
+            <a:ext cx="383438" cy="307777"/>
+          </a:xfrm>
+          <a:prstGeom prst="rect">
+            <a:avLst/>
+          </a:prstGeom>
+          <a:noFill/>
+        </p:spPr>
+        <p:txBody>
+          <a:bodyPr wrap="none" rtlCol="0">
+            <a:spAutoFit/>
+          </a:bodyPr>
+          <a:lstStyle/>
+          <a:p>
+            <a:r>
+              <a:rPr lang="en-US" altLang="ko-KR" b="1" dirty="0"/>
+              <a:t>12</a:t>
+            </a:r>
+          </a:p>
+        </p:txBody>
+      </p:sp>
+      <p:sp>
+        <p:nvSpPr>
+          <p:cNvPr id="5" name="TextBox 4">
+            <a:extLst>
+              <a:ext uri="{FF2B5EF4-FFF2-40B4-BE49-F238E27FC236}">
+                <a16:creationId xmlns:a16="http://schemas.microsoft.com/office/drawing/2014/main" id="{329ABCDA-4C89-4F79-A078-E5A992A3C474}"/>
+              </a:ext>
+            </a:extLst>
+          </p:cNvPr>
+          <p:cNvSpPr txBox="1"/>
+          <p:nvPr/>
+        </p:nvSpPr>
+        <p:spPr>
+          <a:xfrm>
+            <a:off x="73666" y="84879"/>
+            <a:ext cx="5880094" cy="307777"/>
+          </a:xfrm>
+          <a:prstGeom prst="rect">
+            <a:avLst/>
+          </a:prstGeom>
+          <a:noFill/>
+        </p:spPr>
+        <p:txBody>
+          <a:bodyPr wrap="square" rtlCol="0">
+            <a:spAutoFit/>
+          </a:bodyPr>
+          <a:lstStyle/>
+          <a:p>
+            <a:r>
+              <a:rPr lang="en-US" altLang="ko-KR" b="1" dirty="0"/>
+              <a:t>Chap5. RNN – RNN</a:t>
+            </a:r>
+            <a:r>
+              <a:rPr lang="ko-KR" altLang="en-US" b="1" dirty="0"/>
+              <a:t>이란 </a:t>
+            </a:r>
+          </a:p>
+        </p:txBody>
+      </p:sp>
+    </p:spTree>
+    <p:extLst>
+      <p:ext uri="{BB962C8B-B14F-4D97-AF65-F5344CB8AC3E}">
+        <p14:creationId xmlns:p14="http://schemas.microsoft.com/office/powerpoint/2010/main" val="2792087470"/>
+      </p:ext>
+    </p:extLst>
+  </p:cSld>
+  <p:clrMapOvr>
+    <a:masterClrMapping/>
+  </p:clrMapOvr>
+</p:sld>
+</file>
+
+<file path=ppt/slides/slide22.xml><?xml version="1.0" encoding="utf-8"?>
+<p:sld xmlns:a="http://schemas.openxmlformats.org/drawingml/2006/main" xmlns:r="http://schemas.openxmlformats.org/officeDocument/2006/relationships" xmlns:p="http://schemas.openxmlformats.org/presentationml/2006/main">
+  <p:cSld>
+    <p:spTree>
+      <p:nvGrpSpPr>
+        <p:cNvPr id="1" name="Shape 206"/>
+        <p:cNvGrpSpPr/>
+        <p:nvPr/>
+      </p:nvGrpSpPr>
+      <p:grpSpPr>
+        <a:xfrm>
+          <a:off x="0" y="0"/>
+          <a:ext cx="0" cy="0"/>
+          <a:chOff x="0" y="0"/>
+          <a:chExt cx="0" cy="0"/>
+        </a:xfrm>
+      </p:grpSpPr>
+      <p:pic>
+        <p:nvPicPr>
+          <p:cNvPr id="14" name="그림 13">
+            <a:extLst>
+              <a:ext uri="{FF2B5EF4-FFF2-40B4-BE49-F238E27FC236}">
+                <a16:creationId xmlns:a16="http://schemas.microsoft.com/office/drawing/2014/main" id="{1D4A5E59-2645-4613-8CE5-FAD578731D7E}"/>
+              </a:ext>
+            </a:extLst>
+          </p:cNvPr>
+          <p:cNvPicPr>
+            <a:picLocks noChangeAspect="1"/>
+          </p:cNvPicPr>
+          <p:nvPr/>
+        </p:nvPicPr>
+        <p:blipFill>
+          <a:blip r:embed="rId3"/>
+          <a:stretch>
+            <a:fillRect/>
+          </a:stretch>
+        </p:blipFill>
+        <p:spPr>
+          <a:xfrm>
+            <a:off x="36127" y="4862261"/>
+            <a:ext cx="1960963" cy="228019"/>
+          </a:xfrm>
+          <a:prstGeom prst="rect">
+            <a:avLst/>
+          </a:prstGeom>
+        </p:spPr>
+      </p:pic>
+      <p:sp>
+        <p:nvSpPr>
+          <p:cNvPr id="15" name="TextBox 14">
+            <a:extLst>
+              <a:ext uri="{FF2B5EF4-FFF2-40B4-BE49-F238E27FC236}">
+                <a16:creationId xmlns:a16="http://schemas.microsoft.com/office/drawing/2014/main" id="{47F58ACF-4155-4B8D-9CDD-D47CE69D3A62}"/>
+              </a:ext>
+            </a:extLst>
+          </p:cNvPr>
+          <p:cNvSpPr txBox="1"/>
+          <p:nvPr/>
+        </p:nvSpPr>
+        <p:spPr>
+          <a:xfrm>
+            <a:off x="8705013" y="4761580"/>
+            <a:ext cx="383438" cy="307777"/>
+          </a:xfrm>
+          <a:prstGeom prst="rect">
+            <a:avLst/>
+          </a:prstGeom>
+          <a:noFill/>
+        </p:spPr>
+        <p:txBody>
+          <a:bodyPr wrap="none" rtlCol="0">
+            <a:spAutoFit/>
+          </a:bodyPr>
+          <a:lstStyle/>
+          <a:p>
+            <a:r>
+              <a:rPr lang="en-US" altLang="ko-KR" b="1" dirty="0"/>
+              <a:t>12</a:t>
+            </a:r>
+          </a:p>
+        </p:txBody>
+      </p:sp>
+      <p:sp>
+        <p:nvSpPr>
+          <p:cNvPr id="5" name="TextBox 4">
+            <a:extLst>
+              <a:ext uri="{FF2B5EF4-FFF2-40B4-BE49-F238E27FC236}">
+                <a16:creationId xmlns:a16="http://schemas.microsoft.com/office/drawing/2014/main" id="{329ABCDA-4C89-4F79-A078-E5A992A3C474}"/>
+              </a:ext>
+            </a:extLst>
+          </p:cNvPr>
+          <p:cNvSpPr txBox="1"/>
+          <p:nvPr/>
+        </p:nvSpPr>
+        <p:spPr>
+          <a:xfrm>
+            <a:off x="73666" y="84879"/>
+            <a:ext cx="5880094" cy="307777"/>
+          </a:xfrm>
+          <a:prstGeom prst="rect">
+            <a:avLst/>
+          </a:prstGeom>
+          <a:noFill/>
+        </p:spPr>
+        <p:txBody>
+          <a:bodyPr wrap="square" rtlCol="0">
+            <a:spAutoFit/>
+          </a:bodyPr>
+          <a:lstStyle/>
+          <a:p>
+            <a:r>
+              <a:rPr lang="en-US" altLang="ko-KR" b="1" dirty="0"/>
+              <a:t>Chap5. RNN – RNN</a:t>
+            </a:r>
+            <a:r>
+              <a:rPr lang="ko-KR" altLang="en-US" b="1" dirty="0"/>
+              <a:t>이란 </a:t>
+            </a:r>
+          </a:p>
+        </p:txBody>
+      </p:sp>
+    </p:spTree>
+    <p:extLst>
+      <p:ext uri="{BB962C8B-B14F-4D97-AF65-F5344CB8AC3E}">
+        <p14:creationId xmlns:p14="http://schemas.microsoft.com/office/powerpoint/2010/main" val="2563507648"/>
+      </p:ext>
+    </p:extLst>
+  </p:cSld>
+  <p:clrMapOvr>
+    <a:masterClrMapping/>
+  </p:clrMapOvr>
+</p:sld>
+</file>
+
+<file path=ppt/slides/slide23.xml><?xml version="1.0" encoding="utf-8"?>
+<p:sld xmlns:a="http://schemas.openxmlformats.org/drawingml/2006/main" xmlns:r="http://schemas.openxmlformats.org/officeDocument/2006/relationships" xmlns:p="http://schemas.openxmlformats.org/presentationml/2006/main">
+  <p:cSld>
+    <p:spTree>
+      <p:nvGrpSpPr>
+        <p:cNvPr id="1" name="Shape 206"/>
+        <p:cNvGrpSpPr/>
+        <p:nvPr/>
+      </p:nvGrpSpPr>
+      <p:grpSpPr>
+        <a:xfrm>
+          <a:off x="0" y="0"/>
+          <a:ext cx="0" cy="0"/>
+          <a:chOff x="0" y="0"/>
+          <a:chExt cx="0" cy="0"/>
+        </a:xfrm>
+      </p:grpSpPr>
+      <p:pic>
+        <p:nvPicPr>
+          <p:cNvPr id="14" name="그림 13">
+            <a:extLst>
+              <a:ext uri="{FF2B5EF4-FFF2-40B4-BE49-F238E27FC236}">
+                <a16:creationId xmlns:a16="http://schemas.microsoft.com/office/drawing/2014/main" id="{1D4A5E59-2645-4613-8CE5-FAD578731D7E}"/>
+              </a:ext>
+            </a:extLst>
+          </p:cNvPr>
+          <p:cNvPicPr>
+            <a:picLocks noChangeAspect="1"/>
+          </p:cNvPicPr>
+          <p:nvPr/>
+        </p:nvPicPr>
+        <p:blipFill>
+          <a:blip r:embed="rId3"/>
+          <a:stretch>
+            <a:fillRect/>
+          </a:stretch>
+        </p:blipFill>
+        <p:spPr>
+          <a:xfrm>
+            <a:off x="36127" y="4862261"/>
+            <a:ext cx="1960963" cy="228019"/>
+          </a:xfrm>
+          <a:prstGeom prst="rect">
+            <a:avLst/>
+          </a:prstGeom>
+        </p:spPr>
+      </p:pic>
+      <p:sp>
+        <p:nvSpPr>
+          <p:cNvPr id="15" name="TextBox 14">
+            <a:extLst>
+              <a:ext uri="{FF2B5EF4-FFF2-40B4-BE49-F238E27FC236}">
+                <a16:creationId xmlns:a16="http://schemas.microsoft.com/office/drawing/2014/main" id="{47F58ACF-4155-4B8D-9CDD-D47CE69D3A62}"/>
+              </a:ext>
+            </a:extLst>
+          </p:cNvPr>
+          <p:cNvSpPr txBox="1"/>
+          <p:nvPr/>
+        </p:nvSpPr>
+        <p:spPr>
+          <a:xfrm>
+            <a:off x="8705013" y="4761580"/>
+            <a:ext cx="383438" cy="307777"/>
+          </a:xfrm>
+          <a:prstGeom prst="rect">
+            <a:avLst/>
+          </a:prstGeom>
+          <a:noFill/>
+        </p:spPr>
+        <p:txBody>
+          <a:bodyPr wrap="none" rtlCol="0">
+            <a:spAutoFit/>
+          </a:bodyPr>
+          <a:lstStyle/>
+          <a:p>
+            <a:r>
+              <a:rPr lang="en-US" altLang="ko-KR" b="1" dirty="0"/>
+              <a:t>12</a:t>
+            </a:r>
+          </a:p>
+        </p:txBody>
+      </p:sp>
+      <p:sp>
+        <p:nvSpPr>
+          <p:cNvPr id="5" name="TextBox 4">
+            <a:extLst>
+              <a:ext uri="{FF2B5EF4-FFF2-40B4-BE49-F238E27FC236}">
+                <a16:creationId xmlns:a16="http://schemas.microsoft.com/office/drawing/2014/main" id="{329ABCDA-4C89-4F79-A078-E5A992A3C474}"/>
+              </a:ext>
+            </a:extLst>
+          </p:cNvPr>
+          <p:cNvSpPr txBox="1"/>
+          <p:nvPr/>
+        </p:nvSpPr>
+        <p:spPr>
+          <a:xfrm>
+            <a:off x="73666" y="84879"/>
+            <a:ext cx="5880094" cy="307777"/>
+          </a:xfrm>
+          <a:prstGeom prst="rect">
+            <a:avLst/>
+          </a:prstGeom>
+          <a:noFill/>
+        </p:spPr>
+        <p:txBody>
+          <a:bodyPr wrap="square" rtlCol="0">
+            <a:spAutoFit/>
+          </a:bodyPr>
+          <a:lstStyle/>
+          <a:p>
+            <a:r>
+              <a:rPr lang="en-US" altLang="ko-KR" b="1" dirty="0"/>
+              <a:t>Chap5. RNN – RNN</a:t>
+            </a:r>
+            <a:r>
+              <a:rPr lang="ko-KR" altLang="en-US" b="1" dirty="0"/>
+              <a:t>이란 </a:t>
+            </a:r>
+          </a:p>
+        </p:txBody>
+      </p:sp>
+    </p:spTree>
+    <p:extLst>
+      <p:ext uri="{BB962C8B-B14F-4D97-AF65-F5344CB8AC3E}">
+        <p14:creationId xmlns:p14="http://schemas.microsoft.com/office/powerpoint/2010/main" val="3057739139"/>
+      </p:ext>
+    </p:extLst>
   </p:cSld>
   <p:clrMapOvr>
     <a:masterClrMapping/>

--- a/study/발표자료/20250220_밑딥2_이승건_chap234발표자료.pptx
+++ b/study/발표자료/20250220_밑딥2_이승건_chap234발표자료.pptx
@@ -5,7 +5,7 @@
     <p:sldMasterId id="2147483675" r:id="rId1"/>
   </p:sldMasterIdLst>
   <p:notesMasterIdLst>
-    <p:notesMasterId r:id="rId25"/>
+    <p:notesMasterId r:id="rId24"/>
   </p:notesMasterIdLst>
   <p:sldIdLst>
     <p:sldId id="256" r:id="rId2"/>
@@ -30,47 +30,39 @@
     <p:sldId id="312" r:id="rId21"/>
     <p:sldId id="313" r:id="rId22"/>
     <p:sldId id="314" r:id="rId23"/>
-    <p:sldId id="315" r:id="rId24"/>
   </p:sldIdLst>
   <p:sldSz cx="9144000" cy="5143500" type="screen16x9"/>
   <p:notesSz cx="6858000" cy="9144000"/>
   <p:embeddedFontLst>
     <p:embeddedFont>
       <p:font typeface="Anaheim" panose="020B0600000101010101" charset="0"/>
-      <p:regular r:id="rId26"/>
-      <p:bold r:id="rId27"/>
+      <p:regular r:id="rId25"/>
+      <p:bold r:id="rId26"/>
     </p:embeddedFont>
     <p:embeddedFont>
       <p:font typeface="Cambria Math" panose="02040503050406030204" pitchFamily="18" charset="0"/>
-      <p:regular r:id="rId28"/>
+      <p:regular r:id="rId27"/>
     </p:embeddedFont>
     <p:embeddedFont>
-      <p:font typeface="DM Sans" panose="020B0600000101010101" charset="0"/>
-      <p:regular r:id="rId29"/>
-      <p:bold r:id="rId30"/>
-      <p:italic r:id="rId31"/>
-      <p:boldItalic r:id="rId32"/>
-    </p:embeddedFont>
-    <p:embeddedFont>
-      <p:font typeface="Playfair Display" panose="00000500000000000000" pitchFamily="2" charset="0"/>
-      <p:regular r:id="rId33"/>
-      <p:bold r:id="rId34"/>
-      <p:italic r:id="rId35"/>
-      <p:boldItalic r:id="rId36"/>
+      <p:font typeface="DM Sans" pitchFamily="2" charset="0"/>
+      <p:regular r:id="rId28"/>
+      <p:bold r:id="rId29"/>
+      <p:italic r:id="rId30"/>
+      <p:boldItalic r:id="rId31"/>
     </p:embeddedFont>
     <p:embeddedFont>
       <p:font typeface="Playfair Display Medium" panose="020B0600000101010101" charset="0"/>
-      <p:regular r:id="rId37"/>
-      <p:bold r:id="rId38"/>
-      <p:italic r:id="rId39"/>
-      <p:boldItalic r:id="rId40"/>
+      <p:regular r:id="rId32"/>
+      <p:bold r:id="rId33"/>
+      <p:italic r:id="rId34"/>
+      <p:boldItalic r:id="rId35"/>
     </p:embeddedFont>
     <p:embeddedFont>
       <p:font typeface="Raleway" pitchFamily="2" charset="0"/>
-      <p:regular r:id="rId41"/>
-      <p:bold r:id="rId42"/>
-      <p:italic r:id="rId43"/>
-      <p:boldItalic r:id="rId44"/>
+      <p:regular r:id="rId36"/>
+      <p:bold r:id="rId37"/>
+      <p:italic r:id="rId38"/>
+      <p:boldItalic r:id="rId39"/>
     </p:embeddedFont>
   </p:embeddedFontLst>
   <p:defaultTextStyle>
@@ -2065,7 +2057,15 @@
             </a:r>
             <a:r>
               <a:rPr lang="en-US" altLang="ko-KR" dirty="0"/>
-              <a:t>?</a:t>
+              <a:t>? -&gt; </a:t>
+            </a:r>
+            <a:r>
+              <a:rPr lang="ko-KR" altLang="en-US" dirty="0"/>
+              <a:t>감안하고 </a:t>
+            </a:r>
+            <a:r>
+              <a:rPr lang="ko-KR" altLang="en-US" dirty="0" err="1"/>
+              <a:t>쓰는거임</a:t>
             </a:r>
             <a:endParaRPr dirty="0"/>
           </a:p>
@@ -2436,7 +2436,13 @@
   <p:cSld>
     <p:spTree>
       <p:nvGrpSpPr>
-        <p:cNvPr id="1" name="Shape 203"/>
+        <p:cNvPr id="1" name="Shape 170">
+          <a:extLst>
+            <a:ext uri="{FF2B5EF4-FFF2-40B4-BE49-F238E27FC236}">
+              <a16:creationId xmlns:a16="http://schemas.microsoft.com/office/drawing/2014/main" id="{E6864C8B-73BB-D1A6-732E-2945C45C4CC8}"/>
+            </a:ext>
+          </a:extLst>
+        </p:cNvPr>
         <p:cNvGrpSpPr/>
         <p:nvPr/>
       </p:nvGrpSpPr>
@@ -2450,7 +2456,13 @@
       </p:grpSpPr>
       <p:sp>
         <p:nvSpPr>
-          <p:cNvPr id="204" name="Google Shape;204;g54dda1946d_6_322:notes"/>
+          <p:cNvPr id="171" name="Google Shape;171;g4dfce81f19_0_45:notes">
+            <a:extLst>
+              <a:ext uri="{FF2B5EF4-FFF2-40B4-BE49-F238E27FC236}">
+                <a16:creationId xmlns:a16="http://schemas.microsoft.com/office/drawing/2014/main" id="{9FE3C3D4-338B-04F8-81B4-DF6E1144A366}"/>
+              </a:ext>
+            </a:extLst>
+          </p:cNvPr>
           <p:cNvSpPr>
             <a:spLocks noGrp="1" noRot="1" noChangeAspect="1"/>
           </p:cNvSpPr>
@@ -2491,7 +2503,13 @@
       </p:sp>
       <p:sp>
         <p:nvSpPr>
-          <p:cNvPr id="205" name="Google Shape;205;g54dda1946d_6_322:notes"/>
+          <p:cNvPr id="172" name="Google Shape;172;g4dfce81f19_0_45:notes">
+            <a:extLst>
+              <a:ext uri="{FF2B5EF4-FFF2-40B4-BE49-F238E27FC236}">
+                <a16:creationId xmlns:a16="http://schemas.microsoft.com/office/drawing/2014/main" id="{3215172F-B23B-DE11-82BC-DAEC5BBD6A53}"/>
+              </a:ext>
+            </a:extLst>
+          </p:cNvPr>
           <p:cNvSpPr txBox="1">
             <a:spLocks noGrp="1"/>
           </p:cNvSpPr>
@@ -2530,116 +2548,7 @@
     </p:spTree>
     <p:extLst>
       <p:ext uri="{BB962C8B-B14F-4D97-AF65-F5344CB8AC3E}">
-        <p14:creationId xmlns:p14="http://schemas.microsoft.com/office/powerpoint/2010/main" val="3392298689"/>
-      </p:ext>
-    </p:extLst>
-  </p:cSld>
-  <p:clrMapOvr>
-    <a:masterClrMapping/>
-  </p:clrMapOvr>
-</p:notes>
-</file>
-
-<file path=ppt/notesSlides/notesSlide23.xml><?xml version="1.0" encoding="utf-8"?>
-<p:notes xmlns:a="http://schemas.openxmlformats.org/drawingml/2006/main" xmlns:r="http://schemas.openxmlformats.org/officeDocument/2006/relationships" xmlns:p="http://schemas.openxmlformats.org/presentationml/2006/main" showMasterSp="0" showMasterPhAnim="0">
-  <p:cSld>
-    <p:spTree>
-      <p:nvGrpSpPr>
-        <p:cNvPr id="1" name="Shape 203"/>
-        <p:cNvGrpSpPr/>
-        <p:nvPr/>
-      </p:nvGrpSpPr>
-      <p:grpSpPr>
-        <a:xfrm>
-          <a:off x="0" y="0"/>
-          <a:ext cx="0" cy="0"/>
-          <a:chOff x="0" y="0"/>
-          <a:chExt cx="0" cy="0"/>
-        </a:xfrm>
-      </p:grpSpPr>
-      <p:sp>
-        <p:nvSpPr>
-          <p:cNvPr id="204" name="Google Shape;204;g54dda1946d_6_322:notes"/>
-          <p:cNvSpPr>
-            <a:spLocks noGrp="1" noRot="1" noChangeAspect="1"/>
-          </p:cNvSpPr>
-          <p:nvPr>
-            <p:ph type="sldImg" idx="2"/>
-          </p:nvPr>
-        </p:nvSpPr>
-        <p:spPr>
-          <a:xfrm>
-            <a:off x="381000" y="685800"/>
-            <a:ext cx="6096000" cy="3429000"/>
-          </a:xfrm>
-          <a:custGeom>
-            <a:avLst/>
-            <a:gdLst/>
-            <a:ahLst/>
-            <a:cxnLst/>
-            <a:rect l="l" t="t" r="r" b="b"/>
-            <a:pathLst>
-              <a:path w="120000" h="120000" extrusionOk="0">
-                <a:moveTo>
-                  <a:pt x="0" y="0"/>
-                </a:moveTo>
-                <a:lnTo>
-                  <a:pt x="120000" y="0"/>
-                </a:lnTo>
-                <a:lnTo>
-                  <a:pt x="120000" y="120000"/>
-                </a:lnTo>
-                <a:lnTo>
-                  <a:pt x="0" y="120000"/>
-                </a:lnTo>
-                <a:close/>
-              </a:path>
-            </a:pathLst>
-          </a:custGeom>
-        </p:spPr>
-      </p:sp>
-      <p:sp>
-        <p:nvSpPr>
-          <p:cNvPr id="205" name="Google Shape;205;g54dda1946d_6_322:notes"/>
-          <p:cNvSpPr txBox="1">
-            <a:spLocks noGrp="1"/>
-          </p:cNvSpPr>
-          <p:nvPr>
-            <p:ph type="body" idx="1"/>
-          </p:nvPr>
-        </p:nvSpPr>
-        <p:spPr>
-          <a:xfrm>
-            <a:off x="685800" y="4343400"/>
-            <a:ext cx="5486400" cy="4114800"/>
-          </a:xfrm>
-          <a:prstGeom prst="rect">
-            <a:avLst/>
-          </a:prstGeom>
-        </p:spPr>
-        <p:txBody>
-          <a:bodyPr spcFirstLastPara="1" wrap="square" lIns="91425" tIns="91425" rIns="91425" bIns="91425" anchor="t" anchorCtr="0">
-            <a:noAutofit/>
-          </a:bodyPr>
-          <a:lstStyle/>
-          <a:p>
-            <a:pPr marL="0" lvl="0" indent="0" algn="l" rtl="0">
-              <a:spcBef>
-                <a:spcPts val="0"/>
-              </a:spcBef>
-              <a:spcAft>
-                <a:spcPts val="0"/>
-              </a:spcAft>
-              <a:buNone/>
-            </a:pPr>
-            <a:endParaRPr/>
-          </a:p>
-        </p:txBody>
-      </p:sp>
-    </p:spTree>
-    <p:extLst>
-      <p:ext uri="{BB962C8B-B14F-4D97-AF65-F5344CB8AC3E}">
-        <p14:creationId xmlns:p14="http://schemas.microsoft.com/office/powerpoint/2010/main" val="92557529"/>
+        <p14:creationId xmlns:p14="http://schemas.microsoft.com/office/powerpoint/2010/main" val="2990011560"/>
       </p:ext>
     </p:extLst>
   </p:cSld>
@@ -8855,49 +8764,6 @@
           </a:p>
         </p:txBody>
       </p:sp>
-      <p:sp>
-        <p:nvSpPr>
-          <p:cNvPr id="8" name="TextBox 7">
-            <a:extLst>
-              <a:ext uri="{FF2B5EF4-FFF2-40B4-BE49-F238E27FC236}">
-                <a16:creationId xmlns:a16="http://schemas.microsoft.com/office/drawing/2014/main" id="{07794ECE-4412-4A2E-98A3-0BDE28069D4C}"/>
-              </a:ext>
-            </a:extLst>
-          </p:cNvPr>
-          <p:cNvSpPr txBox="1"/>
-          <p:nvPr/>
-        </p:nvSpPr>
-        <p:spPr>
-          <a:xfrm>
-            <a:off x="6197291" y="4193925"/>
-            <a:ext cx="2117887" cy="276999"/>
-          </a:xfrm>
-          <a:prstGeom prst="rect">
-            <a:avLst/>
-          </a:prstGeom>
-          <a:noFill/>
-        </p:spPr>
-        <p:txBody>
-          <a:bodyPr wrap="none" rtlCol="0">
-            <a:spAutoFit/>
-          </a:bodyPr>
-          <a:lstStyle/>
-          <a:p>
-            <a:r>
-              <a:rPr lang="ko-KR" altLang="en-US" sz="1200" b="1" dirty="0"/>
-              <a:t>석사과정 </a:t>
-            </a:r>
-            <a:r>
-              <a:rPr lang="ko-KR" altLang="en-US" sz="1200" b="1" dirty="0" err="1"/>
-              <a:t>예비신입생</a:t>
-            </a:r>
-            <a:r>
-              <a:rPr lang="ko-KR" altLang="en-US" sz="1200" b="1" dirty="0"/>
-              <a:t> 이승건</a:t>
-            </a:r>
-          </a:p>
-        </p:txBody>
-      </p:sp>
       <p:pic>
         <p:nvPicPr>
           <p:cNvPr id="5" name="그림 4">
@@ -8928,6 +8794,41 @@
           </a:prstGeom>
         </p:spPr>
       </p:pic>
+      <p:sp>
+        <p:nvSpPr>
+          <p:cNvPr id="2" name="TextBox 1">
+            <a:extLst>
+              <a:ext uri="{FF2B5EF4-FFF2-40B4-BE49-F238E27FC236}">
+                <a16:creationId xmlns:a16="http://schemas.microsoft.com/office/drawing/2014/main" id="{AAA91C94-61DD-5CE7-D605-0F2DD481AAAC}"/>
+              </a:ext>
+            </a:extLst>
+          </p:cNvPr>
+          <p:cNvSpPr txBox="1"/>
+          <p:nvPr/>
+        </p:nvSpPr>
+        <p:spPr>
+          <a:xfrm>
+            <a:off x="7047397" y="4215356"/>
+            <a:ext cx="1305165" cy="276999"/>
+          </a:xfrm>
+          <a:prstGeom prst="rect">
+            <a:avLst/>
+          </a:prstGeom>
+          <a:noFill/>
+        </p:spPr>
+        <p:txBody>
+          <a:bodyPr wrap="none" rtlCol="0">
+            <a:spAutoFit/>
+          </a:bodyPr>
+          <a:lstStyle/>
+          <a:p>
+            <a:r>
+              <a:rPr lang="ko-KR" altLang="en-US" sz="1200" b="1" dirty="0"/>
+              <a:t>석사과정 이승건</a:t>
+            </a:r>
+          </a:p>
+        </p:txBody>
+      </p:sp>
     </p:spTree>
   </p:cSld>
   <p:clrMapOvr>
@@ -12874,7 +12775,7 @@
           <a:p>
             <a:r>
               <a:rPr lang="en-US" altLang="ko-KR" b="1" dirty="0"/>
-              <a:t>Chap5. RNN –  BPTT</a:t>
+              <a:t>Chap5. RNN – BPTT</a:t>
             </a:r>
             <a:endParaRPr lang="ko-KR" altLang="en-US" b="1" dirty="0"/>
           </a:p>
@@ -14117,21 +14018,131 @@
           <a:p>
             <a:r>
               <a:rPr lang="en-US" altLang="ko-KR" b="1" dirty="0"/>
-              <a:t>Chap5. RNN – RNN</a:t>
-            </a:r>
-            <a:r>
-              <a:rPr lang="ko-KR" altLang="en-US" b="1" dirty="0"/>
-              <a:t>이란 </a:t>
-            </a:r>
+              <a:t>Chap5. RNN – RNNLM</a:t>
+            </a:r>
+            <a:endParaRPr lang="ko-KR" altLang="en-US" b="1" dirty="0"/>
           </a:p>
         </p:txBody>
       </p:sp>
-      <p:sp>
-        <p:nvSpPr>
-          <p:cNvPr id="6" name="TextBox 5">
-            <a:extLst>
-              <a:ext uri="{FF2B5EF4-FFF2-40B4-BE49-F238E27FC236}">
-                <a16:creationId xmlns:a16="http://schemas.microsoft.com/office/drawing/2014/main" id="{8818FE89-EA1F-441D-8222-A2B2D209D5AB}"/>
+      <p:pic>
+        <p:nvPicPr>
+          <p:cNvPr id="3" name="그림 2">
+            <a:extLst>
+              <a:ext uri="{FF2B5EF4-FFF2-40B4-BE49-F238E27FC236}">
+                <a16:creationId xmlns:a16="http://schemas.microsoft.com/office/drawing/2014/main" id="{69F64E81-3AFB-EC13-E7B5-35BD4DBB8AF9}"/>
+              </a:ext>
+            </a:extLst>
+          </p:cNvPr>
+          <p:cNvPicPr>
+            <a:picLocks noChangeAspect="1"/>
+          </p:cNvPicPr>
+          <p:nvPr/>
+        </p:nvPicPr>
+        <p:blipFill>
+          <a:blip r:embed="rId4"/>
+          <a:stretch>
+            <a:fillRect/>
+          </a:stretch>
+        </p:blipFill>
+        <p:spPr>
+          <a:xfrm>
+            <a:off x="4090150" y="1733293"/>
+            <a:ext cx="1184147" cy="2262702"/>
+          </a:xfrm>
+          <a:prstGeom prst="rect">
+            <a:avLst/>
+          </a:prstGeom>
+        </p:spPr>
+      </p:pic>
+      <p:pic>
+        <p:nvPicPr>
+          <p:cNvPr id="7" name="그림 6">
+            <a:extLst>
+              <a:ext uri="{FF2B5EF4-FFF2-40B4-BE49-F238E27FC236}">
+                <a16:creationId xmlns:a16="http://schemas.microsoft.com/office/drawing/2014/main" id="{91C7099A-F398-89E4-1199-F04FCF84C5FF}"/>
+              </a:ext>
+            </a:extLst>
+          </p:cNvPr>
+          <p:cNvPicPr>
+            <a:picLocks noChangeAspect="1"/>
+          </p:cNvPicPr>
+          <p:nvPr/>
+        </p:nvPicPr>
+        <p:blipFill>
+          <a:blip r:embed="rId5"/>
+          <a:stretch>
+            <a:fillRect/>
+          </a:stretch>
+        </p:blipFill>
+        <p:spPr>
+          <a:xfrm>
+            <a:off x="4904589" y="1250155"/>
+            <a:ext cx="3800424" cy="2968491"/>
+          </a:xfrm>
+          <a:prstGeom prst="rect">
+            <a:avLst/>
+          </a:prstGeom>
+        </p:spPr>
+      </p:pic>
+      <p:sp>
+        <p:nvSpPr>
+          <p:cNvPr id="9" name="화살표: 오른쪽 8">
+            <a:extLst>
+              <a:ext uri="{FF2B5EF4-FFF2-40B4-BE49-F238E27FC236}">
+                <a16:creationId xmlns:a16="http://schemas.microsoft.com/office/drawing/2014/main" id="{261D0B6C-65EE-91B2-3044-05A5A009128B}"/>
+              </a:ext>
+            </a:extLst>
+          </p:cNvPr>
+          <p:cNvSpPr/>
+          <p:nvPr/>
+        </p:nvSpPr>
+        <p:spPr>
+          <a:xfrm>
+            <a:off x="4986338" y="2734400"/>
+            <a:ext cx="237953" cy="164306"/>
+          </a:xfrm>
+          <a:prstGeom prst="rightArrow">
+            <a:avLst/>
+          </a:prstGeom>
+          <a:solidFill>
+            <a:schemeClr val="tx1"/>
+          </a:solidFill>
+        </p:spPr>
+        <p:style>
+          <a:lnRef idx="2">
+            <a:schemeClr val="accent1">
+              <a:shade val="15000"/>
+            </a:schemeClr>
+          </a:lnRef>
+          <a:fillRef idx="1">
+            <a:schemeClr val="accent1"/>
+          </a:fillRef>
+          <a:effectRef idx="0">
+            <a:schemeClr val="accent1"/>
+          </a:effectRef>
+          <a:fontRef idx="minor">
+            <a:schemeClr val="lt1"/>
+          </a:fontRef>
+        </p:style>
+        <p:txBody>
+          <a:bodyPr rtlCol="0" anchor="ctr"/>
+          <a:lstStyle/>
+          <a:p>
+            <a:pPr algn="ctr"/>
+            <a:endParaRPr lang="ko-KR" altLang="en-US">
+              <a:solidFill>
+                <a:schemeClr val="tx1"/>
+              </a:solidFill>
+            </a:endParaRPr>
+          </a:p>
+        </p:txBody>
+      </p:sp>
+      <p:sp>
+        <p:nvSpPr>
+          <p:cNvPr id="10" name="TextBox 9">
+            <a:extLst>
+              <a:ext uri="{FF2B5EF4-FFF2-40B4-BE49-F238E27FC236}">
+                <a16:creationId xmlns:a16="http://schemas.microsoft.com/office/drawing/2014/main" id="{7C9F83ED-E344-3589-4EAA-89E328097B30}"/>
               </a:ext>
             </a:extLst>
           </p:cNvPr>
@@ -14140,8 +14151,8 @@
         </p:nvSpPr>
         <p:spPr>
           <a:xfrm>
-            <a:off x="1602921" y="1560936"/>
-            <a:ext cx="4872830" cy="1323439"/>
+            <a:off x="659434" y="1673627"/>
+            <a:ext cx="1237130" cy="338554"/>
           </a:xfrm>
           <a:prstGeom prst="rect">
             <a:avLst/>
@@ -14158,52 +14169,100 @@
               <a:rPr lang="en-US" altLang="ko-KR" sz="1600" b="1" dirty="0">
                 <a:latin typeface="+mj-lt"/>
               </a:rPr>
-              <a:t>~210p. About Time RNN</a:t>
-            </a:r>
-          </a:p>
-          <a:p>
-            <a:endParaRPr lang="en-US" altLang="ko-KR" sz="1600" b="1" dirty="0">
-              <a:latin typeface="+mj-lt"/>
-            </a:endParaRPr>
-          </a:p>
-          <a:p>
-            <a:r>
-              <a:rPr lang="en-US" altLang="ko-KR" sz="1600" b="1" dirty="0">
-                <a:latin typeface="+mj-lt"/>
-              </a:rPr>
-              <a:t>RNNLM </a:t>
-            </a:r>
-            <a:r>
-              <a:rPr lang="ko-KR" altLang="en-US" sz="1600" b="1" dirty="0">
-                <a:latin typeface="+mj-lt"/>
-              </a:rPr>
-              <a:t>구현  </a:t>
-            </a:r>
-            <a:endParaRPr lang="en-US" altLang="ko-KR" sz="1600" b="1" dirty="0">
-              <a:latin typeface="+mj-lt"/>
-            </a:endParaRPr>
-          </a:p>
-          <a:p>
-            <a:endParaRPr lang="en-US" altLang="ko-KR" sz="1600" b="1" dirty="0">
-              <a:latin typeface="+mj-lt"/>
-            </a:endParaRPr>
-          </a:p>
-          <a:p>
-            <a:r>
-              <a:rPr lang="ko-KR" altLang="en-US" sz="1600" b="1" dirty="0">
-                <a:latin typeface="+mj-lt"/>
-              </a:rPr>
-              <a:t>언어 모델의 예측 성능 평가하는 척도 </a:t>
-            </a:r>
-            <a:r>
-              <a:rPr lang="en-US" altLang="ko-KR" sz="1600" b="1" dirty="0">
-                <a:latin typeface="+mj-lt"/>
-              </a:rPr>
-              <a:t>= perplexity </a:t>
+              <a:t>RNNLM</a:t>
             </a:r>
             <a:endParaRPr lang="ko-KR" altLang="en-US" sz="1600" b="1" dirty="0">
               <a:latin typeface="+mj-lt"/>
             </a:endParaRPr>
+          </a:p>
+        </p:txBody>
+      </p:sp>
+      <p:sp>
+        <p:nvSpPr>
+          <p:cNvPr id="11" name="TextBox 10">
+            <a:extLst>
+              <a:ext uri="{FF2B5EF4-FFF2-40B4-BE49-F238E27FC236}">
+                <a16:creationId xmlns:a16="http://schemas.microsoft.com/office/drawing/2014/main" id="{0BA1A29F-D162-2656-7253-C583449DF243}"/>
+              </a:ext>
+            </a:extLst>
+          </p:cNvPr>
+          <p:cNvSpPr txBox="1"/>
+          <p:nvPr/>
+        </p:nvSpPr>
+        <p:spPr>
+          <a:xfrm>
+            <a:off x="577384" y="2029142"/>
+            <a:ext cx="3351678" cy="938719"/>
+          </a:xfrm>
+          <a:prstGeom prst="rect">
+            <a:avLst/>
+          </a:prstGeom>
+          <a:noFill/>
+        </p:spPr>
+        <p:txBody>
+          <a:bodyPr wrap="square" rtlCol="0">
+            <a:spAutoFit/>
+          </a:bodyPr>
+          <a:lstStyle/>
+          <a:p>
+            <a:r>
+              <a:rPr lang="en-US" altLang="ko-KR" sz="1100" dirty="0"/>
+              <a:t>- RNN</a:t>
+            </a:r>
+            <a:r>
+              <a:rPr lang="ko-KR" altLang="en-US" sz="1100" dirty="0"/>
+              <a:t>을 사용한 언어 모델</a:t>
+            </a:r>
+            <a:endParaRPr lang="en-US" altLang="ko-KR" sz="1100" dirty="0"/>
+          </a:p>
+          <a:p>
+            <a:r>
+              <a:rPr lang="en-US" altLang="ko-KR" sz="1100" dirty="0"/>
+              <a:t>- RNN</a:t>
+            </a:r>
+            <a:r>
+              <a:rPr lang="ko-KR" altLang="en-US" sz="1100" dirty="0"/>
+              <a:t>계층의 출력은 분기 </a:t>
+            </a:r>
+            <a:endParaRPr lang="en-US" altLang="ko-KR" sz="1100" dirty="0"/>
+          </a:p>
+          <a:p>
+            <a:r>
+              <a:rPr lang="en-US" altLang="ko-KR" sz="1100" dirty="0"/>
+              <a:t>- </a:t>
+            </a:r>
+            <a:r>
+              <a:rPr lang="ko-KR" altLang="en-US" sz="1100" dirty="0"/>
+              <a:t>이전 시각들의 정보를 인코딩해 저장하여 현재</a:t>
+            </a:r>
+            <a:r>
+              <a:rPr lang="en-US" altLang="ko-KR" sz="1100" dirty="0"/>
+              <a:t>(</a:t>
+            </a:r>
+            <a:r>
+              <a:rPr lang="ko-KR" altLang="en-US" sz="1100" dirty="0"/>
+              <a:t>다음</a:t>
+            </a:r>
+            <a:r>
+              <a:rPr lang="en-US" altLang="ko-KR" sz="1100" dirty="0"/>
+              <a:t>) </a:t>
+            </a:r>
+            <a:r>
+              <a:rPr lang="ko-KR" altLang="en-US" sz="1100" dirty="0"/>
+              <a:t>시각에 활용</a:t>
+            </a:r>
+            <a:endParaRPr lang="en-US" altLang="ko-KR" sz="1100" dirty="0"/>
+          </a:p>
+          <a:p>
+            <a:r>
+              <a:rPr lang="en-US" altLang="ko-KR" sz="1100" dirty="0"/>
+              <a:t>- </a:t>
+            </a:r>
+            <a:r>
+              <a:rPr lang="ko-KR" altLang="en-US" sz="1100" dirty="0"/>
+              <a:t>모든 시각의 손실을 합산해 평균한 값이 최종 손실</a:t>
+            </a:r>
+            <a:endParaRPr lang="en-US" altLang="ko-KR" sz="1100" dirty="0"/>
           </a:p>
         </p:txBody>
       </p:sp>
@@ -14297,7 +14356,7 @@
           <a:p>
             <a:r>
               <a:rPr lang="en-US" altLang="ko-KR" b="1" dirty="0"/>
-              <a:t>12</a:t>
+              <a:t>21</a:t>
             </a:r>
           </a:p>
         </p:txBody>
@@ -14332,15 +14391,296 @@
           <a:p>
             <a:r>
               <a:rPr lang="en-US" altLang="ko-KR" b="1" dirty="0"/>
-              <a:t>Chap5. RNN – RNN</a:t>
+              <a:t>Chap5. RNN – </a:t>
             </a:r>
             <a:r>
               <a:rPr lang="ko-KR" altLang="en-US" b="1" dirty="0"/>
-              <a:t>이란 </a:t>
+              <a:t>언어 모델 평가</a:t>
             </a:r>
           </a:p>
         </p:txBody>
       </p:sp>
+      <p:sp>
+        <p:nvSpPr>
+          <p:cNvPr id="2" name="TextBox 1">
+            <a:extLst>
+              <a:ext uri="{FF2B5EF4-FFF2-40B4-BE49-F238E27FC236}">
+                <a16:creationId xmlns:a16="http://schemas.microsoft.com/office/drawing/2014/main" id="{FF8E3528-4754-4915-15F0-5C59CB1EBE31}"/>
+              </a:ext>
+            </a:extLst>
+          </p:cNvPr>
+          <p:cNvSpPr txBox="1"/>
+          <p:nvPr/>
+        </p:nvSpPr>
+        <p:spPr>
+          <a:xfrm>
+            <a:off x="400535" y="1963160"/>
+            <a:ext cx="3396625" cy="338554"/>
+          </a:xfrm>
+          <a:prstGeom prst="rect">
+            <a:avLst/>
+          </a:prstGeom>
+          <a:noFill/>
+        </p:spPr>
+        <p:txBody>
+          <a:bodyPr wrap="square" rtlCol="0">
+            <a:spAutoFit/>
+          </a:bodyPr>
+          <a:lstStyle/>
+          <a:p>
+            <a:r>
+              <a:rPr lang="ko-KR" altLang="en-US" sz="1600" b="1" dirty="0" err="1">
+                <a:latin typeface="+mj-lt"/>
+              </a:rPr>
+              <a:t>퍼플렉서티</a:t>
+            </a:r>
+            <a:r>
+              <a:rPr lang="en-US" altLang="ko-KR" sz="1600" b="1" dirty="0">
+                <a:latin typeface="+mj-lt"/>
+              </a:rPr>
+              <a:t>(perplexity)</a:t>
+            </a:r>
+            <a:endParaRPr lang="ko-KR" altLang="en-US" sz="1600" b="1" dirty="0">
+              <a:latin typeface="+mj-lt"/>
+            </a:endParaRPr>
+          </a:p>
+        </p:txBody>
+      </p:sp>
+      <p:sp>
+        <p:nvSpPr>
+          <p:cNvPr id="3" name="TextBox 2">
+            <a:extLst>
+              <a:ext uri="{FF2B5EF4-FFF2-40B4-BE49-F238E27FC236}">
+                <a16:creationId xmlns:a16="http://schemas.microsoft.com/office/drawing/2014/main" id="{70E34A77-AB38-B692-3603-5FA590349B38}"/>
+              </a:ext>
+            </a:extLst>
+          </p:cNvPr>
+          <p:cNvSpPr txBox="1"/>
+          <p:nvPr/>
+        </p:nvSpPr>
+        <p:spPr>
+          <a:xfrm>
+            <a:off x="400535" y="2361943"/>
+            <a:ext cx="3642489" cy="600164"/>
+          </a:xfrm>
+          <a:prstGeom prst="rect">
+            <a:avLst/>
+          </a:prstGeom>
+          <a:noFill/>
+        </p:spPr>
+        <p:txBody>
+          <a:bodyPr wrap="square" rtlCol="0">
+            <a:spAutoFit/>
+          </a:bodyPr>
+          <a:lstStyle/>
+          <a:p>
+            <a:r>
+              <a:rPr lang="en-US" altLang="ko-KR" sz="1100" dirty="0"/>
+              <a:t>- </a:t>
+            </a:r>
+            <a:r>
+              <a:rPr lang="ko-KR" altLang="en-US" sz="1100" dirty="0"/>
+              <a:t>언어 모델의 예측 성능을 평가하는 척도로 자주 이용</a:t>
+            </a:r>
+            <a:endParaRPr lang="en-US" altLang="ko-KR" sz="1100" dirty="0"/>
+          </a:p>
+          <a:p>
+            <a:r>
+              <a:rPr lang="en-US" altLang="ko-KR" sz="1100" dirty="0"/>
+              <a:t>- </a:t>
+            </a:r>
+            <a:r>
+              <a:rPr lang="ko-KR" altLang="en-US" sz="1100" dirty="0"/>
+              <a:t>확률의 역수를 취한 값</a:t>
+            </a:r>
+            <a:endParaRPr lang="en-US" altLang="ko-KR" sz="1100" dirty="0"/>
+          </a:p>
+          <a:p>
+            <a:r>
+              <a:rPr lang="en-US" altLang="ko-KR" sz="1100" dirty="0"/>
+              <a:t>- </a:t>
+            </a:r>
+            <a:r>
+              <a:rPr lang="ko-KR" altLang="en-US" sz="1100" dirty="0" err="1"/>
+              <a:t>퍼플렉서티는</a:t>
+            </a:r>
+            <a:r>
+              <a:rPr lang="ko-KR" altLang="en-US" sz="1100" dirty="0"/>
+              <a:t> 분기 수를</a:t>
+            </a:r>
+            <a:r>
+              <a:rPr lang="en-US" altLang="ko-KR" sz="1100" dirty="0"/>
+              <a:t> </a:t>
+            </a:r>
+            <a:r>
+              <a:rPr lang="ko-KR" altLang="en-US" sz="1100" dirty="0"/>
+              <a:t>의미 </a:t>
+            </a:r>
+            <a:endParaRPr lang="en-US" altLang="ko-KR" sz="1100" dirty="0"/>
+          </a:p>
+        </p:txBody>
+      </p:sp>
+      <p:pic>
+        <p:nvPicPr>
+          <p:cNvPr id="6" name="그림 5">
+            <a:extLst>
+              <a:ext uri="{FF2B5EF4-FFF2-40B4-BE49-F238E27FC236}">
+                <a16:creationId xmlns:a16="http://schemas.microsoft.com/office/drawing/2014/main" id="{E26649A1-B48B-5C6F-A6EC-9F60FA05D61D}"/>
+              </a:ext>
+            </a:extLst>
+          </p:cNvPr>
+          <p:cNvPicPr>
+            <a:picLocks noChangeAspect="1"/>
+          </p:cNvPicPr>
+          <p:nvPr/>
+        </p:nvPicPr>
+        <p:blipFill>
+          <a:blip r:embed="rId4"/>
+          <a:stretch>
+            <a:fillRect/>
+          </a:stretch>
+        </p:blipFill>
+        <p:spPr>
+          <a:xfrm>
+            <a:off x="4321968" y="2031587"/>
+            <a:ext cx="4064794" cy="728160"/>
+          </a:xfrm>
+          <a:prstGeom prst="rect">
+            <a:avLst/>
+          </a:prstGeom>
+        </p:spPr>
+      </p:pic>
+      <p:sp>
+        <p:nvSpPr>
+          <p:cNvPr id="8" name="TextBox 7">
+            <a:extLst>
+              <a:ext uri="{FF2B5EF4-FFF2-40B4-BE49-F238E27FC236}">
+                <a16:creationId xmlns:a16="http://schemas.microsoft.com/office/drawing/2014/main" id="{0D9B87EE-A1C1-7227-77DE-B7AE4A97BC2C}"/>
+              </a:ext>
+            </a:extLst>
+          </p:cNvPr>
+          <p:cNvSpPr txBox="1"/>
+          <p:nvPr/>
+        </p:nvSpPr>
+        <p:spPr>
+          <a:xfrm>
+            <a:off x="5011085" y="1846921"/>
+            <a:ext cx="335757" cy="184666"/>
+          </a:xfrm>
+          <a:prstGeom prst="rect">
+            <a:avLst/>
+          </a:prstGeom>
+          <a:noFill/>
+        </p:spPr>
+        <p:txBody>
+          <a:bodyPr wrap="square" rtlCol="0">
+            <a:spAutoFit/>
+          </a:bodyPr>
+          <a:lstStyle/>
+          <a:p>
+            <a:r>
+              <a:rPr lang="ko-KR" altLang="en-US" sz="600" b="1" dirty="0"/>
+              <a:t>확률</a:t>
+            </a:r>
+          </a:p>
+        </p:txBody>
+      </p:sp>
+      <p:sp>
+        <p:nvSpPr>
+          <p:cNvPr id="9" name="TextBox 8">
+            <a:extLst>
+              <a:ext uri="{FF2B5EF4-FFF2-40B4-BE49-F238E27FC236}">
+                <a16:creationId xmlns:a16="http://schemas.microsoft.com/office/drawing/2014/main" id="{97979EF9-2712-B608-1A0A-5BA8E489DE20}"/>
+              </a:ext>
+            </a:extLst>
+          </p:cNvPr>
+          <p:cNvSpPr txBox="1"/>
+          <p:nvPr/>
+        </p:nvSpPr>
+        <p:spPr>
+          <a:xfrm>
+            <a:off x="7221142" y="1846921"/>
+            <a:ext cx="579833" cy="184666"/>
+          </a:xfrm>
+          <a:prstGeom prst="rect">
+            <a:avLst/>
+          </a:prstGeom>
+          <a:noFill/>
+        </p:spPr>
+        <p:txBody>
+          <a:bodyPr wrap="square" rtlCol="0">
+            <a:spAutoFit/>
+          </a:bodyPr>
+          <a:lstStyle/>
+          <a:p>
+            <a:r>
+              <a:rPr lang="ko-KR" altLang="en-US" sz="600" b="1" dirty="0" err="1"/>
+              <a:t>퍼플렉서티</a:t>
+            </a:r>
+            <a:endParaRPr lang="ko-KR" altLang="en-US" sz="600" b="1" dirty="0"/>
+          </a:p>
+        </p:txBody>
+      </p:sp>
+      <p:pic>
+        <p:nvPicPr>
+          <p:cNvPr id="11" name="그림 10">
+            <a:extLst>
+              <a:ext uri="{FF2B5EF4-FFF2-40B4-BE49-F238E27FC236}">
+                <a16:creationId xmlns:a16="http://schemas.microsoft.com/office/drawing/2014/main" id="{36BC244C-F963-876F-BA61-A5FBB15830A5}"/>
+              </a:ext>
+            </a:extLst>
+          </p:cNvPr>
+          <p:cNvPicPr>
+            <a:picLocks noChangeAspect="1"/>
+          </p:cNvPicPr>
+          <p:nvPr/>
+        </p:nvPicPr>
+        <p:blipFill>
+          <a:blip r:embed="rId5"/>
+          <a:stretch>
+            <a:fillRect/>
+          </a:stretch>
+        </p:blipFill>
+        <p:spPr>
+          <a:xfrm>
+            <a:off x="4747279" y="3163783"/>
+            <a:ext cx="2276942" cy="668233"/>
+          </a:xfrm>
+          <a:prstGeom prst="rect">
+            <a:avLst/>
+          </a:prstGeom>
+        </p:spPr>
+      </p:pic>
+      <p:pic>
+        <p:nvPicPr>
+          <p:cNvPr id="13" name="그림 12">
+            <a:extLst>
+              <a:ext uri="{FF2B5EF4-FFF2-40B4-BE49-F238E27FC236}">
+                <a16:creationId xmlns:a16="http://schemas.microsoft.com/office/drawing/2014/main" id="{F51FB2FB-7D6E-9D77-FBA3-BD40ACF1476B}"/>
+              </a:ext>
+            </a:extLst>
+          </p:cNvPr>
+          <p:cNvPicPr>
+            <a:picLocks noChangeAspect="1"/>
+          </p:cNvPicPr>
+          <p:nvPr/>
+        </p:nvPicPr>
+        <p:blipFill>
+          <a:blip r:embed="rId6"/>
+          <a:stretch>
+            <a:fillRect/>
+          </a:stretch>
+        </p:blipFill>
+        <p:spPr>
+          <a:xfrm>
+            <a:off x="5071064" y="3832016"/>
+            <a:ext cx="1765391" cy="419122"/>
+          </a:xfrm>
+          <a:prstGeom prst="rect">
+            <a:avLst/>
+          </a:prstGeom>
+        </p:spPr>
+      </p:pic>
     </p:spTree>
     <p:extLst>
       <p:ext uri="{BB962C8B-B14F-4D97-AF65-F5344CB8AC3E}">
@@ -14359,7 +14699,13 @@
   <p:cSld>
     <p:spTree>
       <p:nvGrpSpPr>
-        <p:cNvPr id="1" name="Shape 206"/>
+        <p:cNvPr id="1" name="Shape 173">
+          <a:extLst>
+            <a:ext uri="{FF2B5EF4-FFF2-40B4-BE49-F238E27FC236}">
+              <a16:creationId xmlns:a16="http://schemas.microsoft.com/office/drawing/2014/main" id="{87AC4A89-0769-A257-430C-BDA5465D6CB5}"/>
+            </a:ext>
+          </a:extLst>
+        </p:cNvPr>
         <p:cNvGrpSpPr/>
         <p:nvPr/>
       </p:nvGrpSpPr>
@@ -14371,12 +14717,83 @@
           <a:chExt cx="0" cy="0"/>
         </a:xfrm>
       </p:grpSpPr>
+      <p:sp>
+        <p:nvSpPr>
+          <p:cNvPr id="6" name="TextBox 5">
+            <a:extLst>
+              <a:ext uri="{FF2B5EF4-FFF2-40B4-BE49-F238E27FC236}">
+                <a16:creationId xmlns:a16="http://schemas.microsoft.com/office/drawing/2014/main" id="{122C9075-7135-8800-4625-4E47388CC0D4}"/>
+              </a:ext>
+            </a:extLst>
+          </p:cNvPr>
+          <p:cNvSpPr txBox="1"/>
+          <p:nvPr/>
+        </p:nvSpPr>
+        <p:spPr>
+          <a:xfrm>
+            <a:off x="1801842" y="2333223"/>
+            <a:ext cx="5540315" cy="477054"/>
+          </a:xfrm>
+          <a:prstGeom prst="rect">
+            <a:avLst/>
+          </a:prstGeom>
+          <a:noFill/>
+        </p:spPr>
+        <p:txBody>
+          <a:bodyPr wrap="square" rtlCol="0">
+            <a:spAutoFit/>
+          </a:bodyPr>
+          <a:lstStyle/>
+          <a:p>
+            <a:pPr algn="ctr"/>
+            <a:r>
+              <a:rPr lang="ko-KR" altLang="en-US" sz="2500" b="1" dirty="0"/>
+              <a:t>감사합니다</a:t>
+            </a:r>
+          </a:p>
+        </p:txBody>
+      </p:sp>
+      <p:sp>
+        <p:nvSpPr>
+          <p:cNvPr id="8" name="TextBox 7">
+            <a:extLst>
+              <a:ext uri="{FF2B5EF4-FFF2-40B4-BE49-F238E27FC236}">
+                <a16:creationId xmlns:a16="http://schemas.microsoft.com/office/drawing/2014/main" id="{3CE33896-2297-6421-DAEF-85B66FAE2393}"/>
+              </a:ext>
+            </a:extLst>
+          </p:cNvPr>
+          <p:cNvSpPr txBox="1"/>
+          <p:nvPr/>
+        </p:nvSpPr>
+        <p:spPr>
+          <a:xfrm>
+            <a:off x="7047397" y="4215356"/>
+            <a:ext cx="1305165" cy="276999"/>
+          </a:xfrm>
+          <a:prstGeom prst="rect">
+            <a:avLst/>
+          </a:prstGeom>
+          <a:noFill/>
+        </p:spPr>
+        <p:txBody>
+          <a:bodyPr wrap="none" rtlCol="0">
+            <a:spAutoFit/>
+          </a:bodyPr>
+          <a:lstStyle/>
+          <a:p>
+            <a:r>
+              <a:rPr lang="ko-KR" altLang="en-US" sz="1200" b="1" dirty="0"/>
+              <a:t>석사과정 이승건</a:t>
+            </a:r>
+          </a:p>
+        </p:txBody>
+      </p:sp>
       <p:pic>
         <p:nvPicPr>
-          <p:cNvPr id="14" name="그림 13">
-            <a:extLst>
-              <a:ext uri="{FF2B5EF4-FFF2-40B4-BE49-F238E27FC236}">
-                <a16:creationId xmlns:a16="http://schemas.microsoft.com/office/drawing/2014/main" id="{1D4A5E59-2645-4613-8CE5-FAD578731D7E}"/>
+          <p:cNvPr id="5" name="그림 4">
+            <a:extLst>
+              <a:ext uri="{FF2B5EF4-FFF2-40B4-BE49-F238E27FC236}">
+                <a16:creationId xmlns:a16="http://schemas.microsoft.com/office/drawing/2014/main" id="{A0B14CA5-8AB2-3F02-945B-A5E0C3A29F42}"/>
               </a:ext>
             </a:extLst>
           </p:cNvPr>
@@ -14401,218 +14818,10 @@
           </a:prstGeom>
         </p:spPr>
       </p:pic>
-      <p:sp>
-        <p:nvSpPr>
-          <p:cNvPr id="15" name="TextBox 14">
-            <a:extLst>
-              <a:ext uri="{FF2B5EF4-FFF2-40B4-BE49-F238E27FC236}">
-                <a16:creationId xmlns:a16="http://schemas.microsoft.com/office/drawing/2014/main" id="{47F58ACF-4155-4B8D-9CDD-D47CE69D3A62}"/>
-              </a:ext>
-            </a:extLst>
-          </p:cNvPr>
-          <p:cNvSpPr txBox="1"/>
-          <p:nvPr/>
-        </p:nvSpPr>
-        <p:spPr>
-          <a:xfrm>
-            <a:off x="8705013" y="4761580"/>
-            <a:ext cx="383438" cy="307777"/>
-          </a:xfrm>
-          <a:prstGeom prst="rect">
-            <a:avLst/>
-          </a:prstGeom>
-          <a:noFill/>
-        </p:spPr>
-        <p:txBody>
-          <a:bodyPr wrap="none" rtlCol="0">
-            <a:spAutoFit/>
-          </a:bodyPr>
-          <a:lstStyle/>
-          <a:p>
-            <a:r>
-              <a:rPr lang="en-US" altLang="ko-KR" b="1" dirty="0"/>
-              <a:t>12</a:t>
-            </a:r>
-          </a:p>
-        </p:txBody>
-      </p:sp>
-      <p:sp>
-        <p:nvSpPr>
-          <p:cNvPr id="5" name="TextBox 4">
-            <a:extLst>
-              <a:ext uri="{FF2B5EF4-FFF2-40B4-BE49-F238E27FC236}">
-                <a16:creationId xmlns:a16="http://schemas.microsoft.com/office/drawing/2014/main" id="{329ABCDA-4C89-4F79-A078-E5A992A3C474}"/>
-              </a:ext>
-            </a:extLst>
-          </p:cNvPr>
-          <p:cNvSpPr txBox="1"/>
-          <p:nvPr/>
-        </p:nvSpPr>
-        <p:spPr>
-          <a:xfrm>
-            <a:off x="73666" y="84879"/>
-            <a:ext cx="5880094" cy="307777"/>
-          </a:xfrm>
-          <a:prstGeom prst="rect">
-            <a:avLst/>
-          </a:prstGeom>
-          <a:noFill/>
-        </p:spPr>
-        <p:txBody>
-          <a:bodyPr wrap="square" rtlCol="0">
-            <a:spAutoFit/>
-          </a:bodyPr>
-          <a:lstStyle/>
-          <a:p>
-            <a:r>
-              <a:rPr lang="en-US" altLang="ko-KR" b="1" dirty="0"/>
-              <a:t>Chap5. RNN – RNN</a:t>
-            </a:r>
-            <a:r>
-              <a:rPr lang="ko-KR" altLang="en-US" b="1" dirty="0"/>
-              <a:t>이란 </a:t>
-            </a:r>
-          </a:p>
-        </p:txBody>
-      </p:sp>
     </p:spTree>
     <p:extLst>
       <p:ext uri="{BB962C8B-B14F-4D97-AF65-F5344CB8AC3E}">
-        <p14:creationId xmlns:p14="http://schemas.microsoft.com/office/powerpoint/2010/main" val="2563507648"/>
-      </p:ext>
-    </p:extLst>
-  </p:cSld>
-  <p:clrMapOvr>
-    <a:masterClrMapping/>
-  </p:clrMapOvr>
-</p:sld>
-</file>
-
-<file path=ppt/slides/slide23.xml><?xml version="1.0" encoding="utf-8"?>
-<p:sld xmlns:a="http://schemas.openxmlformats.org/drawingml/2006/main" xmlns:r="http://schemas.openxmlformats.org/officeDocument/2006/relationships" xmlns:p="http://schemas.openxmlformats.org/presentationml/2006/main">
-  <p:cSld>
-    <p:spTree>
-      <p:nvGrpSpPr>
-        <p:cNvPr id="1" name="Shape 206"/>
-        <p:cNvGrpSpPr/>
-        <p:nvPr/>
-      </p:nvGrpSpPr>
-      <p:grpSpPr>
-        <a:xfrm>
-          <a:off x="0" y="0"/>
-          <a:ext cx="0" cy="0"/>
-          <a:chOff x="0" y="0"/>
-          <a:chExt cx="0" cy="0"/>
-        </a:xfrm>
-      </p:grpSpPr>
-      <p:pic>
-        <p:nvPicPr>
-          <p:cNvPr id="14" name="그림 13">
-            <a:extLst>
-              <a:ext uri="{FF2B5EF4-FFF2-40B4-BE49-F238E27FC236}">
-                <a16:creationId xmlns:a16="http://schemas.microsoft.com/office/drawing/2014/main" id="{1D4A5E59-2645-4613-8CE5-FAD578731D7E}"/>
-              </a:ext>
-            </a:extLst>
-          </p:cNvPr>
-          <p:cNvPicPr>
-            <a:picLocks noChangeAspect="1"/>
-          </p:cNvPicPr>
-          <p:nvPr/>
-        </p:nvPicPr>
-        <p:blipFill>
-          <a:blip r:embed="rId3"/>
-          <a:stretch>
-            <a:fillRect/>
-          </a:stretch>
-        </p:blipFill>
-        <p:spPr>
-          <a:xfrm>
-            <a:off x="36127" y="4862261"/>
-            <a:ext cx="1960963" cy="228019"/>
-          </a:xfrm>
-          <a:prstGeom prst="rect">
-            <a:avLst/>
-          </a:prstGeom>
-        </p:spPr>
-      </p:pic>
-      <p:sp>
-        <p:nvSpPr>
-          <p:cNvPr id="15" name="TextBox 14">
-            <a:extLst>
-              <a:ext uri="{FF2B5EF4-FFF2-40B4-BE49-F238E27FC236}">
-                <a16:creationId xmlns:a16="http://schemas.microsoft.com/office/drawing/2014/main" id="{47F58ACF-4155-4B8D-9CDD-D47CE69D3A62}"/>
-              </a:ext>
-            </a:extLst>
-          </p:cNvPr>
-          <p:cNvSpPr txBox="1"/>
-          <p:nvPr/>
-        </p:nvSpPr>
-        <p:spPr>
-          <a:xfrm>
-            <a:off x="8705013" y="4761580"/>
-            <a:ext cx="383438" cy="307777"/>
-          </a:xfrm>
-          <a:prstGeom prst="rect">
-            <a:avLst/>
-          </a:prstGeom>
-          <a:noFill/>
-        </p:spPr>
-        <p:txBody>
-          <a:bodyPr wrap="none" rtlCol="0">
-            <a:spAutoFit/>
-          </a:bodyPr>
-          <a:lstStyle/>
-          <a:p>
-            <a:r>
-              <a:rPr lang="en-US" altLang="ko-KR" b="1" dirty="0"/>
-              <a:t>12</a:t>
-            </a:r>
-          </a:p>
-        </p:txBody>
-      </p:sp>
-      <p:sp>
-        <p:nvSpPr>
-          <p:cNvPr id="5" name="TextBox 4">
-            <a:extLst>
-              <a:ext uri="{FF2B5EF4-FFF2-40B4-BE49-F238E27FC236}">
-                <a16:creationId xmlns:a16="http://schemas.microsoft.com/office/drawing/2014/main" id="{329ABCDA-4C89-4F79-A078-E5A992A3C474}"/>
-              </a:ext>
-            </a:extLst>
-          </p:cNvPr>
-          <p:cNvSpPr txBox="1"/>
-          <p:nvPr/>
-        </p:nvSpPr>
-        <p:spPr>
-          <a:xfrm>
-            <a:off x="73666" y="84879"/>
-            <a:ext cx="5880094" cy="307777"/>
-          </a:xfrm>
-          <a:prstGeom prst="rect">
-            <a:avLst/>
-          </a:prstGeom>
-          <a:noFill/>
-        </p:spPr>
-        <p:txBody>
-          <a:bodyPr wrap="square" rtlCol="0">
-            <a:spAutoFit/>
-          </a:bodyPr>
-          <a:lstStyle/>
-          <a:p>
-            <a:r>
-              <a:rPr lang="en-US" altLang="ko-KR" b="1" dirty="0"/>
-              <a:t>Chap5. RNN – RNN</a:t>
-            </a:r>
-            <a:r>
-              <a:rPr lang="ko-KR" altLang="en-US" b="1" dirty="0"/>
-              <a:t>이란 </a:t>
-            </a:r>
-          </a:p>
-        </p:txBody>
-      </p:sp>
-    </p:spTree>
-    <p:extLst>
-      <p:ext uri="{BB962C8B-B14F-4D97-AF65-F5344CB8AC3E}">
-        <p14:creationId xmlns:p14="http://schemas.microsoft.com/office/powerpoint/2010/main" val="3057739139"/>
+        <p14:creationId xmlns:p14="http://schemas.microsoft.com/office/powerpoint/2010/main" val="2853406600"/>
       </p:ext>
     </p:extLst>
   </p:cSld>
